--- a/topics/flutter/docs/LDAMD-4-Firebase-datastore.pptx
+++ b/topics/flutter/docs/LDAMD-4-Firebase-datastore.pptx
@@ -7,6 +7,11 @@
   <p:sldIdLst>
     <p:sldId id="256" r:id="rId5"/>
     <p:sldId id="257" r:id="rId6"/>
+    <p:sldId id="258" r:id="rId7"/>
+    <p:sldId id="259" r:id="rId8"/>
+    <p:sldId id="260" r:id="rId9"/>
+    <p:sldId id="261" r:id="rId10"/>
+    <p:sldId id="262" r:id="rId11"/>
   </p:sldIdLst>
   <p:sldSz cx="12192000" cy="6858000"/>
   <p:notesSz cx="6858000" cy="9144000"/>
@@ -116,7 +121,7 @@
 <file path=ppt/revisionInfo.xml><?xml version="1.0" encoding="utf-8"?>
 <p1510:revInfo xmlns:a="http://schemas.openxmlformats.org/drawingml/2006/main" xmlns:r="http://schemas.openxmlformats.org/officeDocument/2006/relationships" xmlns:p1510="http://schemas.microsoft.com/office/powerpoint/2015/10/main">
   <p1510:revLst>
-    <p1510:client id="{7AD1C2C3-AD32-454D-8E09-E663225CF37E}" v="12" dt="2020-05-15T18:59:02.836"/>
+    <p1510:client id="{F08FD9BC-43F9-4003-BF37-D221B3BC715D}" v="15" dt="2024-11-06T21:27:55.378"/>
   </p1510:revLst>
 </p1510:revInfo>
 </file>
@@ -124,462 +129,276 @@
 <file path=ppt/changesInfos/changesInfo1.xml><?xml version="1.0" encoding="utf-8"?>
 <pc:chgInfo xmlns:a="http://schemas.openxmlformats.org/drawingml/2006/main" xmlns:r="http://schemas.openxmlformats.org/officeDocument/2006/relationships" xmlns:ac="http://schemas.microsoft.com/office/drawing/2013/main/command" xmlns:pc="http://schemas.microsoft.com/office/powerpoint/2013/main/command">
   <pc:docChgLst>
-    <pc:chgData name="Hugo Paula" userId="ea3b8808-58fe-4fde-bf79-dea1702d2ab3" providerId="ADAL" clId="{1CFDEEFE-F232-4D31-A8B2-61CDFC1DABCB}"/>
-    <pc:docChg chg="undo custSel mod addSld delSld modSld sldOrd">
-      <pc:chgData name="Hugo Paula" userId="ea3b8808-58fe-4fde-bf79-dea1702d2ab3" providerId="ADAL" clId="{1CFDEEFE-F232-4D31-A8B2-61CDFC1DABCB}" dt="2020-05-08T22:15:04.259" v="628" actId="14100"/>
+    <pc:chgData name="Hugo Bastos de Paula" userId="ea3b8808-58fe-4fde-bf79-dea1702d2ab3" providerId="ADAL" clId="{F08FD9BC-43F9-4003-BF37-D221B3BC715D}"/>
+    <pc:docChg chg="undo custSel addSld delSld modSld">
+      <pc:chgData name="Hugo Bastos de Paula" userId="ea3b8808-58fe-4fde-bf79-dea1702d2ab3" providerId="ADAL" clId="{F08FD9BC-43F9-4003-BF37-D221B3BC715D}" dt="2024-11-06T21:27:55.377" v="601"/>
       <pc:docMkLst>
         <pc:docMk/>
       </pc:docMkLst>
-      <pc:sldChg chg="modSp">
-        <pc:chgData name="Hugo Paula" userId="ea3b8808-58fe-4fde-bf79-dea1702d2ab3" providerId="ADAL" clId="{1CFDEEFE-F232-4D31-A8B2-61CDFC1DABCB}" dt="2020-05-08T21:04:19.188" v="11" actId="20577"/>
-        <pc:sldMkLst>
-          <pc:docMk/>
-          <pc:sldMk cId="1300950052" sldId="256"/>
+      <pc:sldChg chg="addSp modSp mod">
+        <pc:chgData name="Hugo Bastos de Paula" userId="ea3b8808-58fe-4fde-bf79-dea1702d2ab3" providerId="ADAL" clId="{F08FD9BC-43F9-4003-BF37-D221B3BC715D}" dt="2024-11-06T21:27:29.717" v="569"/>
+        <pc:sldMkLst>
+          <pc:docMk/>
+          <pc:sldMk cId="3272187284" sldId="257"/>
         </pc:sldMkLst>
         <pc:spChg chg="mod">
-          <ac:chgData name="Hugo Paula" userId="ea3b8808-58fe-4fde-bf79-dea1702d2ab3" providerId="ADAL" clId="{1CFDEEFE-F232-4D31-A8B2-61CDFC1DABCB}" dt="2020-05-08T21:04:19.188" v="11" actId="20577"/>
-          <ac:spMkLst>
-            <pc:docMk/>
-            <pc:sldMk cId="1300950052" sldId="256"/>
-            <ac:spMk id="2" creationId="{3143D889-4F7D-41FD-93D4-9F5B7C0110F0}"/>
-          </ac:spMkLst>
-        </pc:spChg>
-      </pc:sldChg>
-      <pc:sldChg chg="addSp delSp modSp add mod setBg">
-        <pc:chgData name="Hugo Paula" userId="ea3b8808-58fe-4fde-bf79-dea1702d2ab3" providerId="ADAL" clId="{1CFDEEFE-F232-4D31-A8B2-61CDFC1DABCB}" dt="2020-05-08T21:34:56.885" v="403" actId="207"/>
-        <pc:sldMkLst>
-          <pc:docMk/>
-          <pc:sldMk cId="1651709553" sldId="257"/>
+          <ac:chgData name="Hugo Bastos de Paula" userId="ea3b8808-58fe-4fde-bf79-dea1702d2ab3" providerId="ADAL" clId="{F08FD9BC-43F9-4003-BF37-D221B3BC715D}" dt="2024-11-06T21:27:29.351" v="568" actId="20577"/>
+          <ac:spMkLst>
+            <pc:docMk/>
+            <pc:sldMk cId="3272187284" sldId="257"/>
+            <ac:spMk id="3" creationId="{B8BCCF03-050D-45AE-826E-AD1649BF6347}"/>
+          </ac:spMkLst>
+        </pc:spChg>
+        <pc:spChg chg="add">
+          <ac:chgData name="Hugo Bastos de Paula" userId="ea3b8808-58fe-4fde-bf79-dea1702d2ab3" providerId="ADAL" clId="{F08FD9BC-43F9-4003-BF37-D221B3BC715D}" dt="2024-11-06T21:27:29.717" v="569"/>
+          <ac:spMkLst>
+            <pc:docMk/>
+            <pc:sldMk cId="3272187284" sldId="257"/>
+            <ac:spMk id="4" creationId="{C3CBEEAA-04DD-D0FB-58D7-04FB94957C4E}"/>
+          </ac:spMkLst>
+        </pc:spChg>
+      </pc:sldChg>
+      <pc:sldChg chg="modSp new mod">
+        <pc:chgData name="Hugo Bastos de Paula" userId="ea3b8808-58fe-4fde-bf79-dea1702d2ab3" providerId="ADAL" clId="{F08FD9BC-43F9-4003-BF37-D221B3BC715D}" dt="2024-11-06T20:28:42.128" v="195" actId="20577"/>
+        <pc:sldMkLst>
+          <pc:docMk/>
+          <pc:sldMk cId="2272576615" sldId="258"/>
         </pc:sldMkLst>
         <pc:spChg chg="mod">
-          <ac:chgData name="Hugo Paula" userId="ea3b8808-58fe-4fde-bf79-dea1702d2ab3" providerId="ADAL" clId="{1CFDEEFE-F232-4D31-A8B2-61CDFC1DABCB}" dt="2020-05-08T21:28:07.923" v="367" actId="26606"/>
-          <ac:spMkLst>
-            <pc:docMk/>
-            <pc:sldMk cId="1651709553" sldId="257"/>
-            <ac:spMk id="2" creationId="{439ED156-BA9D-4ABA-A6C3-9E47EF968ED9}"/>
-          </ac:spMkLst>
-        </pc:spChg>
-        <pc:spChg chg="add del mod">
-          <ac:chgData name="Hugo Paula" userId="ea3b8808-58fe-4fde-bf79-dea1702d2ab3" providerId="ADAL" clId="{1CFDEEFE-F232-4D31-A8B2-61CDFC1DABCB}" dt="2020-05-08T21:28:07.923" v="367" actId="26606"/>
-          <ac:spMkLst>
-            <pc:docMk/>
-            <pc:sldMk cId="1651709553" sldId="257"/>
-            <ac:spMk id="3" creationId="{CE6C1F47-73F7-4441-8CA7-972EEE878EC6}"/>
-          </ac:spMkLst>
-        </pc:spChg>
-        <pc:spChg chg="add del mod">
-          <ac:chgData name="Hugo Paula" userId="ea3b8808-58fe-4fde-bf79-dea1702d2ab3" providerId="ADAL" clId="{1CFDEEFE-F232-4D31-A8B2-61CDFC1DABCB}" dt="2020-05-08T21:08:17.284" v="301"/>
-          <ac:spMkLst>
-            <pc:docMk/>
-            <pc:sldMk cId="1651709553" sldId="257"/>
-            <ac:spMk id="4" creationId="{A61E1C48-1CF4-4B04-9803-1CB56C914FA4}"/>
-          </ac:spMkLst>
-        </pc:spChg>
-        <pc:spChg chg="add del mod">
-          <ac:chgData name="Hugo Paula" userId="ea3b8808-58fe-4fde-bf79-dea1702d2ab3" providerId="ADAL" clId="{1CFDEEFE-F232-4D31-A8B2-61CDFC1DABCB}" dt="2020-05-08T21:08:17.284" v="301"/>
-          <ac:spMkLst>
-            <pc:docMk/>
-            <pc:sldMk cId="1651709553" sldId="257"/>
-            <ac:spMk id="5" creationId="{8A6CC014-97C3-4A17-9B65-CA47A27A3CA7}"/>
-          </ac:spMkLst>
-        </pc:spChg>
-        <pc:spChg chg="add mod">
-          <ac:chgData name="Hugo Paula" userId="ea3b8808-58fe-4fde-bf79-dea1702d2ab3" providerId="ADAL" clId="{1CFDEEFE-F232-4D31-A8B2-61CDFC1DABCB}" dt="2020-05-08T21:34:56.885" v="403" actId="207"/>
-          <ac:spMkLst>
-            <pc:docMk/>
-            <pc:sldMk cId="1651709553" sldId="257"/>
-            <ac:spMk id="9" creationId="{CE6C1F47-73F7-4441-8CA7-972EEE878EC6}"/>
-          </ac:spMkLst>
-        </pc:spChg>
-        <pc:graphicFrameChg chg="add del">
-          <ac:chgData name="Hugo Paula" userId="ea3b8808-58fe-4fde-bf79-dea1702d2ab3" providerId="ADAL" clId="{1CFDEEFE-F232-4D31-A8B2-61CDFC1DABCB}" dt="2020-05-08T21:28:07.917" v="366" actId="26606"/>
-          <ac:graphicFrameMkLst>
-            <pc:docMk/>
-            <pc:sldMk cId="1651709553" sldId="257"/>
-            <ac:graphicFrameMk id="6" creationId="{325E1048-F3A5-4C53-8CD3-C15AFB83F61A}"/>
-          </ac:graphicFrameMkLst>
-        </pc:graphicFrameChg>
-        <pc:picChg chg="add mod modCrop">
-          <ac:chgData name="Hugo Paula" userId="ea3b8808-58fe-4fde-bf79-dea1702d2ab3" providerId="ADAL" clId="{1CFDEEFE-F232-4D31-A8B2-61CDFC1DABCB}" dt="2020-05-08T21:31:18.619" v="383" actId="732"/>
+          <ac:chgData name="Hugo Bastos de Paula" userId="ea3b8808-58fe-4fde-bf79-dea1702d2ab3" providerId="ADAL" clId="{F08FD9BC-43F9-4003-BF37-D221B3BC715D}" dt="2024-11-06T20:24:40.172" v="11" actId="20577"/>
+          <ac:spMkLst>
+            <pc:docMk/>
+            <pc:sldMk cId="2272576615" sldId="258"/>
+            <ac:spMk id="2" creationId="{8D1C74D5-6A25-7B38-9852-00C0895DAFCB}"/>
+          </ac:spMkLst>
+        </pc:spChg>
+        <pc:spChg chg="mod">
+          <ac:chgData name="Hugo Bastos de Paula" userId="ea3b8808-58fe-4fde-bf79-dea1702d2ab3" providerId="ADAL" clId="{F08FD9BC-43F9-4003-BF37-D221B3BC715D}" dt="2024-11-06T20:28:42.128" v="195" actId="20577"/>
+          <ac:spMkLst>
+            <pc:docMk/>
+            <pc:sldMk cId="2272576615" sldId="258"/>
+            <ac:spMk id="3" creationId="{885C8590-0119-4ABD-275A-DA404D323F6A}"/>
+          </ac:spMkLst>
+        </pc:spChg>
+      </pc:sldChg>
+      <pc:sldChg chg="add del setBg">
+        <pc:chgData name="Hugo Bastos de Paula" userId="ea3b8808-58fe-4fde-bf79-dea1702d2ab3" providerId="ADAL" clId="{F08FD9BC-43F9-4003-BF37-D221B3BC715D}" dt="2024-11-06T20:26:09.310" v="157" actId="47"/>
+        <pc:sldMkLst>
+          <pc:docMk/>
+          <pc:sldMk cId="1651709553" sldId="259"/>
+        </pc:sldMkLst>
+      </pc:sldChg>
+      <pc:sldChg chg="addSp modSp new mod setBg">
+        <pc:chgData name="Hugo Bastos de Paula" userId="ea3b8808-58fe-4fde-bf79-dea1702d2ab3" providerId="ADAL" clId="{F08FD9BC-43F9-4003-BF37-D221B3BC715D}" dt="2024-11-06T20:31:11.681" v="252" actId="20577"/>
+        <pc:sldMkLst>
+          <pc:docMk/>
+          <pc:sldMk cId="3118822220" sldId="259"/>
+        </pc:sldMkLst>
+        <pc:spChg chg="mod">
+          <ac:chgData name="Hugo Bastos de Paula" userId="ea3b8808-58fe-4fde-bf79-dea1702d2ab3" providerId="ADAL" clId="{F08FD9BC-43F9-4003-BF37-D221B3BC715D}" dt="2024-11-06T20:30:31.171" v="232" actId="26606"/>
+          <ac:spMkLst>
+            <pc:docMk/>
+            <pc:sldMk cId="3118822220" sldId="259"/>
+            <ac:spMk id="2" creationId="{8DC68BC6-E0E9-2E9A-62BB-0F61D2485CAA}"/>
+          </ac:spMkLst>
+        </pc:spChg>
+        <pc:spChg chg="mod">
+          <ac:chgData name="Hugo Bastos de Paula" userId="ea3b8808-58fe-4fde-bf79-dea1702d2ab3" providerId="ADAL" clId="{F08FD9BC-43F9-4003-BF37-D221B3BC715D}" dt="2024-11-06T20:31:11.681" v="252" actId="20577"/>
+          <ac:spMkLst>
+            <pc:docMk/>
+            <pc:sldMk cId="3118822220" sldId="259"/>
+            <ac:spMk id="3" creationId="{4EB28768-F71A-7EEE-0A49-37F4C7EC2B52}"/>
+          </ac:spMkLst>
+        </pc:spChg>
+        <pc:spChg chg="add">
+          <ac:chgData name="Hugo Bastos de Paula" userId="ea3b8808-58fe-4fde-bf79-dea1702d2ab3" providerId="ADAL" clId="{F08FD9BC-43F9-4003-BF37-D221B3BC715D}" dt="2024-11-06T20:30:31.171" v="232" actId="26606"/>
+          <ac:spMkLst>
+            <pc:docMk/>
+            <pc:sldMk cId="3118822220" sldId="259"/>
+            <ac:spMk id="10" creationId="{90D0877E-6CD0-4206-8A18-56CEE73EFBF9}"/>
+          </ac:spMkLst>
+        </pc:spChg>
+        <pc:spChg chg="add">
+          <ac:chgData name="Hugo Bastos de Paula" userId="ea3b8808-58fe-4fde-bf79-dea1702d2ab3" providerId="ADAL" clId="{F08FD9BC-43F9-4003-BF37-D221B3BC715D}" dt="2024-11-06T20:30:31.171" v="232" actId="26606"/>
+          <ac:spMkLst>
+            <pc:docMk/>
+            <pc:sldMk cId="3118822220" sldId="259"/>
+            <ac:spMk id="12" creationId="{E18AC0D4-F32D-4067-9F63-E553F4AFFF0E}"/>
+          </ac:spMkLst>
+        </pc:spChg>
+        <pc:picChg chg="add mod">
+          <ac:chgData name="Hugo Bastos de Paula" userId="ea3b8808-58fe-4fde-bf79-dea1702d2ab3" providerId="ADAL" clId="{F08FD9BC-43F9-4003-BF37-D221B3BC715D}" dt="2024-11-06T20:30:42.956" v="236" actId="1076"/>
           <ac:picMkLst>
             <pc:docMk/>
-            <pc:sldMk cId="1651709553" sldId="257"/>
-            <ac:picMk id="8" creationId="{C8011785-422B-4B66-8E86-86FCC7715A58}"/>
+            <pc:sldMk cId="3118822220" sldId="259"/>
+            <ac:picMk id="5" creationId="{E030C2AB-66DC-3EBC-4C54-2F8D115197C9}"/>
           </ac:picMkLst>
         </pc:picChg>
-        <pc:picChg chg="add del mod">
-          <ac:chgData name="Hugo Paula" userId="ea3b8808-58fe-4fde-bf79-dea1702d2ab3" providerId="ADAL" clId="{1CFDEEFE-F232-4D31-A8B2-61CDFC1DABCB}" dt="2020-05-08T21:32:48.206" v="392" actId="478"/>
-          <ac:picMkLst>
-            <pc:docMk/>
-            <pc:sldMk cId="1651709553" sldId="257"/>
-            <ac:picMk id="10" creationId="{5AEF3901-A606-4F73-86B6-42FE99EA6F06}"/>
-          </ac:picMkLst>
-        </pc:picChg>
-        <pc:picChg chg="add del mod">
-          <ac:chgData name="Hugo Paula" userId="ea3b8808-58fe-4fde-bf79-dea1702d2ab3" providerId="ADAL" clId="{1CFDEEFE-F232-4D31-A8B2-61CDFC1DABCB}" dt="2020-05-08T21:33:53.916" v="398" actId="931"/>
-          <ac:picMkLst>
-            <pc:docMk/>
-            <pc:sldMk cId="1651709553" sldId="257"/>
-            <ac:picMk id="12" creationId="{8492AC05-E37C-403D-84EE-FCBF6A782715}"/>
-          </ac:picMkLst>
-        </pc:picChg>
-        <pc:picChg chg="add mod">
-          <ac:chgData name="Hugo Paula" userId="ea3b8808-58fe-4fde-bf79-dea1702d2ab3" providerId="ADAL" clId="{1CFDEEFE-F232-4D31-A8B2-61CDFC1DABCB}" dt="2020-05-08T21:34:38.707" v="401" actId="1076"/>
-          <ac:picMkLst>
-            <pc:docMk/>
-            <pc:sldMk cId="1651709553" sldId="257"/>
-            <ac:picMk id="14" creationId="{5104E81B-B6F5-47F3-9899-4EBB2F28F033}"/>
-          </ac:picMkLst>
-        </pc:picChg>
-      </pc:sldChg>
-      <pc:sldChg chg="del">
-        <pc:chgData name="Hugo Paula" userId="ea3b8808-58fe-4fde-bf79-dea1702d2ab3" providerId="ADAL" clId="{1CFDEEFE-F232-4D31-A8B2-61CDFC1DABCB}" dt="2020-05-08T21:04:27.470" v="12" actId="2696"/>
-        <pc:sldMkLst>
-          <pc:docMk/>
-          <pc:sldMk cId="2229816697" sldId="257"/>
-        </pc:sldMkLst>
-      </pc:sldChg>
-      <pc:sldChg chg="addSp delSp modSp add">
-        <pc:chgData name="Hugo Paula" userId="ea3b8808-58fe-4fde-bf79-dea1702d2ab3" providerId="ADAL" clId="{1CFDEEFE-F232-4D31-A8B2-61CDFC1DABCB}" dt="2020-05-08T21:39:49.443" v="438" actId="1076"/>
-        <pc:sldMkLst>
-          <pc:docMk/>
-          <pc:sldMk cId="305091697" sldId="258"/>
+      </pc:sldChg>
+      <pc:sldChg chg="add del">
+        <pc:chgData name="Hugo Bastos de Paula" userId="ea3b8808-58fe-4fde-bf79-dea1702d2ab3" providerId="ADAL" clId="{F08FD9BC-43F9-4003-BF37-D221B3BC715D}" dt="2024-11-06T20:22:27.169" v="5" actId="47"/>
+        <pc:sldMkLst>
+          <pc:docMk/>
+          <pc:sldMk cId="305091697" sldId="260"/>
+        </pc:sldMkLst>
+      </pc:sldChg>
+      <pc:sldChg chg="addSp modSp new mod">
+        <pc:chgData name="Hugo Bastos de Paula" userId="ea3b8808-58fe-4fde-bf79-dea1702d2ab3" providerId="ADAL" clId="{F08FD9BC-43F9-4003-BF37-D221B3BC715D}" dt="2024-11-06T21:27:55.377" v="601"/>
+        <pc:sldMkLst>
+          <pc:docMk/>
+          <pc:sldMk cId="4142286747" sldId="260"/>
+        </pc:sldMkLst>
+        <pc:spChg chg="mod">
+          <ac:chgData name="Hugo Bastos de Paula" userId="ea3b8808-58fe-4fde-bf79-dea1702d2ab3" providerId="ADAL" clId="{F08FD9BC-43F9-4003-BF37-D221B3BC715D}" dt="2024-11-06T20:31:45.177" v="289" actId="20577"/>
+          <ac:spMkLst>
+            <pc:docMk/>
+            <pc:sldMk cId="4142286747" sldId="260"/>
+            <ac:spMk id="2" creationId="{51E76BAB-0302-55E3-38C4-D4ECD10C1A92}"/>
+          </ac:spMkLst>
+        </pc:spChg>
+        <pc:spChg chg="mod">
+          <ac:chgData name="Hugo Bastos de Paula" userId="ea3b8808-58fe-4fde-bf79-dea1702d2ab3" providerId="ADAL" clId="{F08FD9BC-43F9-4003-BF37-D221B3BC715D}" dt="2024-11-06T21:27:55.377" v="601"/>
+          <ac:spMkLst>
+            <pc:docMk/>
+            <pc:sldMk cId="4142286747" sldId="260"/>
+            <ac:spMk id="3" creationId="{E66AC24F-B534-82E0-04DC-CED3B73EA862}"/>
+          </ac:spMkLst>
+        </pc:spChg>
+        <pc:spChg chg="add">
+          <ac:chgData name="Hugo Bastos de Paula" userId="ea3b8808-58fe-4fde-bf79-dea1702d2ab3" providerId="ADAL" clId="{F08FD9BC-43F9-4003-BF37-D221B3BC715D}" dt="2024-11-06T20:32:32.435" v="303"/>
+          <ac:spMkLst>
+            <pc:docMk/>
+            <pc:sldMk cId="4142286747" sldId="260"/>
+            <ac:spMk id="4" creationId="{58C69BDC-AD65-2D9F-4377-D3D42836F0C9}"/>
+          </ac:spMkLst>
+        </pc:spChg>
+        <pc:spChg chg="add">
+          <ac:chgData name="Hugo Bastos de Paula" userId="ea3b8808-58fe-4fde-bf79-dea1702d2ab3" providerId="ADAL" clId="{F08FD9BC-43F9-4003-BF37-D221B3BC715D}" dt="2024-11-06T20:32:58.650" v="308"/>
+          <ac:spMkLst>
+            <pc:docMk/>
+            <pc:sldMk cId="4142286747" sldId="260"/>
+            <ac:spMk id="5" creationId="{A1002646-A7B4-B9B0-3455-2BCAE86C4CEC}"/>
+          </ac:spMkLst>
+        </pc:spChg>
+        <pc:spChg chg="add">
+          <ac:chgData name="Hugo Bastos de Paula" userId="ea3b8808-58fe-4fde-bf79-dea1702d2ab3" providerId="ADAL" clId="{F08FD9BC-43F9-4003-BF37-D221B3BC715D}" dt="2024-11-06T20:47:51.726" v="538"/>
+          <ac:spMkLst>
+            <pc:docMk/>
+            <pc:sldMk cId="4142286747" sldId="260"/>
+            <ac:spMk id="6" creationId="{A6CDB74F-0BE7-5390-42D5-AAD31C8BA937}"/>
+          </ac:spMkLst>
+        </pc:spChg>
+      </pc:sldChg>
+      <pc:sldChg chg="modSp new mod">
+        <pc:chgData name="Hugo Bastos de Paula" userId="ea3b8808-58fe-4fde-bf79-dea1702d2ab3" providerId="ADAL" clId="{F08FD9BC-43F9-4003-BF37-D221B3BC715D}" dt="2024-11-06T20:55:16.060" v="540"/>
+        <pc:sldMkLst>
+          <pc:docMk/>
+          <pc:sldMk cId="1580935270" sldId="261"/>
+        </pc:sldMkLst>
+        <pc:spChg chg="mod">
+          <ac:chgData name="Hugo Bastos de Paula" userId="ea3b8808-58fe-4fde-bf79-dea1702d2ab3" providerId="ADAL" clId="{F08FD9BC-43F9-4003-BF37-D221B3BC715D}" dt="2024-11-06T20:43:14.778" v="433" actId="20577"/>
+          <ac:spMkLst>
+            <pc:docMk/>
+            <pc:sldMk cId="1580935270" sldId="261"/>
+            <ac:spMk id="2" creationId="{32E56EB5-9E01-156B-6A0F-C801316C88B6}"/>
+          </ac:spMkLst>
+        </pc:spChg>
+        <pc:spChg chg="mod">
+          <ac:chgData name="Hugo Bastos de Paula" userId="ea3b8808-58fe-4fde-bf79-dea1702d2ab3" providerId="ADAL" clId="{F08FD9BC-43F9-4003-BF37-D221B3BC715D}" dt="2024-11-06T20:55:16.060" v="540"/>
+          <ac:spMkLst>
+            <pc:docMk/>
+            <pc:sldMk cId="1580935270" sldId="261"/>
+            <ac:spMk id="3" creationId="{B0ECB92F-416F-D2E7-0C86-6AB320F7D9D2}"/>
+          </ac:spMkLst>
+        </pc:spChg>
+      </pc:sldChg>
+      <pc:sldChg chg="add del">
+        <pc:chgData name="Hugo Bastos de Paula" userId="ea3b8808-58fe-4fde-bf79-dea1702d2ab3" providerId="ADAL" clId="{F08FD9BC-43F9-4003-BF37-D221B3BC715D}" dt="2024-11-06T20:26:13.561" v="158" actId="47"/>
+        <pc:sldMkLst>
+          <pc:docMk/>
+          <pc:sldMk cId="1889711616" sldId="261"/>
+        </pc:sldMkLst>
+      </pc:sldChg>
+      <pc:sldChg chg="add del">
+        <pc:chgData name="Hugo Bastos de Paula" userId="ea3b8808-58fe-4fde-bf79-dea1702d2ab3" providerId="ADAL" clId="{F08FD9BC-43F9-4003-BF37-D221B3BC715D}" dt="2024-11-06T20:26:17.599" v="159" actId="47"/>
+        <pc:sldMkLst>
+          <pc:docMk/>
+          <pc:sldMk cId="2688481900" sldId="262"/>
+        </pc:sldMkLst>
+      </pc:sldChg>
+      <pc:sldChg chg="modSp new mod">
+        <pc:chgData name="Hugo Bastos de Paula" userId="ea3b8808-58fe-4fde-bf79-dea1702d2ab3" providerId="ADAL" clId="{F08FD9BC-43F9-4003-BF37-D221B3BC715D}" dt="2024-11-06T21:01:53.301" v="567"/>
+        <pc:sldMkLst>
+          <pc:docMk/>
+          <pc:sldMk cId="3173659401" sldId="262"/>
+        </pc:sldMkLst>
+        <pc:spChg chg="mod">
+          <ac:chgData name="Hugo Bastos de Paula" userId="ea3b8808-58fe-4fde-bf79-dea1702d2ab3" providerId="ADAL" clId="{F08FD9BC-43F9-4003-BF37-D221B3BC715D}" dt="2024-11-06T21:01:40.690" v="565" actId="20577"/>
+          <ac:spMkLst>
+            <pc:docMk/>
+            <pc:sldMk cId="3173659401" sldId="262"/>
+            <ac:spMk id="2" creationId="{EDFFC5C2-C708-22ED-FC0C-2E6A59DAC038}"/>
+          </ac:spMkLst>
+        </pc:spChg>
+        <pc:spChg chg="mod">
+          <ac:chgData name="Hugo Bastos de Paula" userId="ea3b8808-58fe-4fde-bf79-dea1702d2ab3" providerId="ADAL" clId="{F08FD9BC-43F9-4003-BF37-D221B3BC715D}" dt="2024-11-06T21:01:53.301" v="567"/>
+          <ac:spMkLst>
+            <pc:docMk/>
+            <pc:sldMk cId="3173659401" sldId="262"/>
+            <ac:spMk id="3" creationId="{EE59F0C5-96A5-2A7A-71C1-FFA5EE20D01C}"/>
+          </ac:spMkLst>
+        </pc:spChg>
+      </pc:sldChg>
+      <pc:sldChg chg="delSp add del setBg delDesignElem">
+        <pc:chgData name="Hugo Bastos de Paula" userId="ea3b8808-58fe-4fde-bf79-dea1702d2ab3" providerId="ADAL" clId="{F08FD9BC-43F9-4003-BF37-D221B3BC715D}" dt="2024-11-06T20:26:20.043" v="160" actId="47"/>
+        <pc:sldMkLst>
+          <pc:docMk/>
+          <pc:sldMk cId="674789163" sldId="263"/>
         </pc:sldMkLst>
         <pc:spChg chg="del">
-          <ac:chgData name="Hugo Paula" userId="ea3b8808-58fe-4fde-bf79-dea1702d2ab3" providerId="ADAL" clId="{1CFDEEFE-F232-4D31-A8B2-61CDFC1DABCB}" dt="2020-05-08T21:37:23.571" v="407"/>
-          <ac:spMkLst>
-            <pc:docMk/>
-            <pc:sldMk cId="305091697" sldId="258"/>
-            <ac:spMk id="2" creationId="{5ABA0AC6-B4A6-4061-BB6A-DD6977B11D6B}"/>
-          </ac:spMkLst>
-        </pc:spChg>
+          <ac:chgData name="Hugo Bastos de Paula" userId="ea3b8808-58fe-4fde-bf79-dea1702d2ab3" providerId="ADAL" clId="{F08FD9BC-43F9-4003-BF37-D221B3BC715D}" dt="2024-11-06T20:22:16.452" v="4"/>
+          <ac:spMkLst>
+            <pc:docMk/>
+            <pc:sldMk cId="674789163" sldId="263"/>
+            <ac:spMk id="9" creationId="{CA815F2C-4E80-4019-8E59-FAD3F7F8473D}"/>
+          </ac:spMkLst>
+        </pc:spChg>
+      </pc:sldChg>
+      <pc:sldChg chg="delSp add del setBg delDesignElem">
+        <pc:chgData name="Hugo Bastos de Paula" userId="ea3b8808-58fe-4fde-bf79-dea1702d2ab3" providerId="ADAL" clId="{F08FD9BC-43F9-4003-BF37-D221B3BC715D}" dt="2024-11-06T20:26:22.620" v="161" actId="47"/>
+        <pc:sldMkLst>
+          <pc:docMk/>
+          <pc:sldMk cId="1844488416" sldId="264"/>
+        </pc:sldMkLst>
         <pc:spChg chg="del">
-          <ac:chgData name="Hugo Paula" userId="ea3b8808-58fe-4fde-bf79-dea1702d2ab3" providerId="ADAL" clId="{1CFDEEFE-F232-4D31-A8B2-61CDFC1DABCB}" dt="2020-05-08T21:37:23.571" v="407"/>
-          <ac:spMkLst>
-            <pc:docMk/>
-            <pc:sldMk cId="305091697" sldId="258"/>
-            <ac:spMk id="3" creationId="{61C74B77-A740-4674-8355-C3F31544E468}"/>
-          </ac:spMkLst>
-        </pc:spChg>
-        <pc:spChg chg="add mod">
-          <ac:chgData name="Hugo Paula" userId="ea3b8808-58fe-4fde-bf79-dea1702d2ab3" providerId="ADAL" clId="{1CFDEEFE-F232-4D31-A8B2-61CDFC1DABCB}" dt="2020-05-08T21:39:49.443" v="438" actId="1076"/>
-          <ac:spMkLst>
-            <pc:docMk/>
-            <pc:sldMk cId="305091697" sldId="258"/>
-            <ac:spMk id="5" creationId="{85334006-A9E2-4815-A080-CFD40F49B4E3}"/>
-          </ac:spMkLst>
-        </pc:spChg>
-        <pc:picChg chg="add mod modCrop">
-          <ac:chgData name="Hugo Paula" userId="ea3b8808-58fe-4fde-bf79-dea1702d2ab3" providerId="ADAL" clId="{1CFDEEFE-F232-4D31-A8B2-61CDFC1DABCB}" dt="2020-05-08T21:38:07.164" v="427" actId="1036"/>
-          <ac:picMkLst>
-            <pc:docMk/>
-            <pc:sldMk cId="305091697" sldId="258"/>
-            <ac:picMk id="4" creationId="{76C25EC9-F791-43B6-975B-DA273CC02A9F}"/>
-          </ac:picMkLst>
-        </pc:picChg>
-      </pc:sldChg>
-      <pc:sldChg chg="del">
-        <pc:chgData name="Hugo Paula" userId="ea3b8808-58fe-4fde-bf79-dea1702d2ab3" providerId="ADAL" clId="{1CFDEEFE-F232-4D31-A8B2-61CDFC1DABCB}" dt="2020-05-08T21:04:27.472" v="13" actId="2696"/>
-        <pc:sldMkLst>
-          <pc:docMk/>
-          <pc:sldMk cId="350072528" sldId="258"/>
-        </pc:sldMkLst>
-      </pc:sldChg>
-      <pc:sldChg chg="del">
-        <pc:chgData name="Hugo Paula" userId="ea3b8808-58fe-4fde-bf79-dea1702d2ab3" providerId="ADAL" clId="{1CFDEEFE-F232-4D31-A8B2-61CDFC1DABCB}" dt="2020-05-08T21:04:27.473" v="14" actId="2696"/>
-        <pc:sldMkLst>
-          <pc:docMk/>
-          <pc:sldMk cId="998056632" sldId="259"/>
-        </pc:sldMkLst>
-      </pc:sldChg>
-      <pc:sldChg chg="addSp modSp add">
-        <pc:chgData name="Hugo Paula" userId="ea3b8808-58fe-4fde-bf79-dea1702d2ab3" providerId="ADAL" clId="{1CFDEEFE-F232-4D31-A8B2-61CDFC1DABCB}" dt="2020-05-08T21:40:18.916" v="445" actId="6549"/>
-        <pc:sldMkLst>
-          <pc:docMk/>
-          <pc:sldMk cId="1889711616" sldId="259"/>
-        </pc:sldMkLst>
-        <pc:spChg chg="add mod">
-          <ac:chgData name="Hugo Paula" userId="ea3b8808-58fe-4fde-bf79-dea1702d2ab3" providerId="ADAL" clId="{1CFDEEFE-F232-4D31-A8B2-61CDFC1DABCB}" dt="2020-05-08T21:40:18.916" v="445" actId="6549"/>
-          <ac:spMkLst>
-            <pc:docMk/>
-            <pc:sldMk cId="1889711616" sldId="259"/>
-            <ac:spMk id="3" creationId="{52846065-DEE1-4B07-937C-AF87E18213F7}"/>
-          </ac:spMkLst>
-        </pc:spChg>
-        <pc:picChg chg="add mod">
-          <ac:chgData name="Hugo Paula" userId="ea3b8808-58fe-4fde-bf79-dea1702d2ab3" providerId="ADAL" clId="{1CFDEEFE-F232-4D31-A8B2-61CDFC1DABCB}" dt="2020-05-08T21:39:17.539" v="433" actId="14100"/>
-          <ac:picMkLst>
-            <pc:docMk/>
-            <pc:sldMk cId="1889711616" sldId="259"/>
-            <ac:picMk id="2" creationId="{FB6DCFE8-9CB4-4400-8E38-E3B85D4FA205}"/>
-          </ac:picMkLst>
-        </pc:picChg>
-      </pc:sldChg>
-      <pc:sldChg chg="del">
-        <pc:chgData name="Hugo Paula" userId="ea3b8808-58fe-4fde-bf79-dea1702d2ab3" providerId="ADAL" clId="{1CFDEEFE-F232-4D31-A8B2-61CDFC1DABCB}" dt="2020-05-08T21:04:27.474" v="15" actId="2696"/>
-        <pc:sldMkLst>
-          <pc:docMk/>
-          <pc:sldMk cId="1999229014" sldId="260"/>
-        </pc:sldMkLst>
-      </pc:sldChg>
-      <pc:sldChg chg="addSp delSp modSp add">
-        <pc:chgData name="Hugo Paula" userId="ea3b8808-58fe-4fde-bf79-dea1702d2ab3" providerId="ADAL" clId="{1CFDEEFE-F232-4D31-A8B2-61CDFC1DABCB}" dt="2020-05-08T21:45:01.504" v="537"/>
-        <pc:sldMkLst>
-          <pc:docMk/>
-          <pc:sldMk cId="2688481900" sldId="260"/>
-        </pc:sldMkLst>
-        <pc:spChg chg="add mod">
-          <ac:chgData name="Hugo Paula" userId="ea3b8808-58fe-4fde-bf79-dea1702d2ab3" providerId="ADAL" clId="{1CFDEEFE-F232-4D31-A8B2-61CDFC1DABCB}" dt="2020-05-08T21:41:42.381" v="449" actId="20577"/>
-          <ac:spMkLst>
-            <pc:docMk/>
-            <pc:sldMk cId="2688481900" sldId="260"/>
-            <ac:spMk id="2" creationId="{54516795-5AA5-46B5-A01F-FD622340103F}"/>
-          </ac:spMkLst>
-        </pc:spChg>
-        <pc:spChg chg="add mod">
-          <ac:chgData name="Hugo Paula" userId="ea3b8808-58fe-4fde-bf79-dea1702d2ab3" providerId="ADAL" clId="{1CFDEEFE-F232-4D31-A8B2-61CDFC1DABCB}" dt="2020-05-08T21:45:01.504" v="537"/>
-          <ac:spMkLst>
-            <pc:docMk/>
-            <pc:sldMk cId="2688481900" sldId="260"/>
-            <ac:spMk id="3" creationId="{36F84F06-90DA-48E2-A8E1-CFFCD2694F22}"/>
-          </ac:spMkLst>
-        </pc:spChg>
-        <pc:spChg chg="add mod">
-          <ac:chgData name="Hugo Paula" userId="ea3b8808-58fe-4fde-bf79-dea1702d2ab3" providerId="ADAL" clId="{1CFDEEFE-F232-4D31-A8B2-61CDFC1DABCB}" dt="2020-05-08T21:42:09.500" v="455" actId="20577"/>
-          <ac:spMkLst>
-            <pc:docMk/>
-            <pc:sldMk cId="2688481900" sldId="260"/>
-            <ac:spMk id="4" creationId="{5866B71F-A1B7-4157-9979-20C883A6AB12}"/>
-          </ac:spMkLst>
-        </pc:spChg>
-        <pc:spChg chg="add del mod">
-          <ac:chgData name="Hugo Paula" userId="ea3b8808-58fe-4fde-bf79-dea1702d2ab3" providerId="ADAL" clId="{1CFDEEFE-F232-4D31-A8B2-61CDFC1DABCB}" dt="2020-05-08T21:42:15.092" v="456"/>
-          <ac:spMkLst>
-            <pc:docMk/>
-            <pc:sldMk cId="2688481900" sldId="260"/>
-            <ac:spMk id="5" creationId="{F00E90F5-9C0B-434F-BA73-4584697D8878}"/>
-          </ac:spMkLst>
-        </pc:spChg>
-        <pc:spChg chg="add del mod">
-          <ac:chgData name="Hugo Paula" userId="ea3b8808-58fe-4fde-bf79-dea1702d2ab3" providerId="ADAL" clId="{1CFDEEFE-F232-4D31-A8B2-61CDFC1DABCB}" dt="2020-05-08T21:42:15.092" v="456"/>
-          <ac:spMkLst>
-            <pc:docMk/>
-            <pc:sldMk cId="2688481900" sldId="260"/>
-            <ac:spMk id="6" creationId="{8CAD50DC-F993-425A-BEB5-01DF42F68D49}"/>
-          </ac:spMkLst>
-        </pc:spChg>
-      </pc:sldChg>
-      <pc:sldChg chg="addSp delSp modSp add mod setBg">
-        <pc:chgData name="Hugo Paula" userId="ea3b8808-58fe-4fde-bf79-dea1702d2ab3" providerId="ADAL" clId="{1CFDEEFE-F232-4D31-A8B2-61CDFC1DABCB}" dt="2020-05-08T21:49:05.646" v="546" actId="1036"/>
-        <pc:sldMkLst>
-          <pc:docMk/>
-          <pc:sldMk cId="674789163" sldId="261"/>
+          <ac:chgData name="Hugo Bastos de Paula" userId="ea3b8808-58fe-4fde-bf79-dea1702d2ab3" providerId="ADAL" clId="{F08FD9BC-43F9-4003-BF37-D221B3BC715D}" dt="2024-11-06T20:22:16.452" v="4"/>
+          <ac:spMkLst>
+            <pc:docMk/>
+            <pc:sldMk cId="1844488416" sldId="264"/>
+            <ac:spMk id="7" creationId="{CA815F2C-4E80-4019-8E59-FAD3F7F8473D}"/>
+          </ac:spMkLst>
+        </pc:spChg>
+      </pc:sldChg>
+      <pc:sldChg chg="delSp add del setBg delDesignElem">
+        <pc:chgData name="Hugo Bastos de Paula" userId="ea3b8808-58fe-4fde-bf79-dea1702d2ab3" providerId="ADAL" clId="{F08FD9BC-43F9-4003-BF37-D221B3BC715D}" dt="2024-11-06T20:26:24.204" v="162" actId="47"/>
+        <pc:sldMkLst>
+          <pc:docMk/>
+          <pc:sldMk cId="1295353090" sldId="265"/>
         </pc:sldMkLst>
         <pc:spChg chg="del">
-          <ac:chgData name="Hugo Paula" userId="ea3b8808-58fe-4fde-bf79-dea1702d2ab3" providerId="ADAL" clId="{1CFDEEFE-F232-4D31-A8B2-61CDFC1DABCB}" dt="2020-05-08T21:47:56.933" v="540"/>
-          <ac:spMkLst>
-            <pc:docMk/>
-            <pc:sldMk cId="674789163" sldId="261"/>
-            <ac:spMk id="2" creationId="{D754D0BA-00C2-49C1-9269-BEA09A5EE942}"/>
-          </ac:spMkLst>
-        </pc:spChg>
-        <pc:spChg chg="del">
-          <ac:chgData name="Hugo Paula" userId="ea3b8808-58fe-4fde-bf79-dea1702d2ab3" providerId="ADAL" clId="{1CFDEEFE-F232-4D31-A8B2-61CDFC1DABCB}" dt="2020-05-08T21:47:56.933" v="540"/>
-          <ac:spMkLst>
-            <pc:docMk/>
-            <pc:sldMk cId="674789163" sldId="261"/>
-            <ac:spMk id="3" creationId="{0755A8E7-55C0-411E-B93A-5C1DA90CEB56}"/>
-          </ac:spMkLst>
-        </pc:spChg>
-        <pc:spChg chg="add">
-          <ac:chgData name="Hugo Paula" userId="ea3b8808-58fe-4fde-bf79-dea1702d2ab3" providerId="ADAL" clId="{1CFDEEFE-F232-4D31-A8B2-61CDFC1DABCB}" dt="2020-05-08T21:48:04.011" v="541" actId="26606"/>
-          <ac:spMkLst>
-            <pc:docMk/>
-            <pc:sldMk cId="674789163" sldId="261"/>
-            <ac:spMk id="9" creationId="{CA815F2C-4E80-4019-8E59-FAD3F7F8473D}"/>
-          </ac:spMkLst>
-        </pc:spChg>
-        <pc:picChg chg="add mod">
-          <ac:chgData name="Hugo Paula" userId="ea3b8808-58fe-4fde-bf79-dea1702d2ab3" providerId="ADAL" clId="{1CFDEEFE-F232-4D31-A8B2-61CDFC1DABCB}" dt="2020-05-08T21:49:05.646" v="546" actId="1036"/>
-          <ac:picMkLst>
-            <pc:docMk/>
-            <pc:sldMk cId="674789163" sldId="261"/>
-            <ac:picMk id="4" creationId="{0535EDEC-47D0-423E-A224-1FBC7C4C0C48}"/>
-          </ac:picMkLst>
-        </pc:picChg>
-      </pc:sldChg>
-      <pc:sldChg chg="del">
-        <pc:chgData name="Hugo Paula" userId="ea3b8808-58fe-4fde-bf79-dea1702d2ab3" providerId="ADAL" clId="{1CFDEEFE-F232-4D31-A8B2-61CDFC1DABCB}" dt="2020-05-08T21:04:27.475" v="16" actId="2696"/>
-        <pc:sldMkLst>
-          <pc:docMk/>
-          <pc:sldMk cId="1484901578" sldId="262"/>
-        </pc:sldMkLst>
-      </pc:sldChg>
-      <pc:sldChg chg="addSp modSp add mod setBg">
-        <pc:chgData name="Hugo Paula" userId="ea3b8808-58fe-4fde-bf79-dea1702d2ab3" providerId="ADAL" clId="{1CFDEEFE-F232-4D31-A8B2-61CDFC1DABCB}" dt="2020-05-08T21:50:18.083" v="554" actId="1440"/>
-        <pc:sldMkLst>
-          <pc:docMk/>
-          <pc:sldMk cId="1844488416" sldId="262"/>
-        </pc:sldMkLst>
-        <pc:spChg chg="add">
-          <ac:chgData name="Hugo Paula" userId="ea3b8808-58fe-4fde-bf79-dea1702d2ab3" providerId="ADAL" clId="{1CFDEEFE-F232-4D31-A8B2-61CDFC1DABCB}" dt="2020-05-08T21:49:14.001" v="549" actId="26606"/>
-          <ac:spMkLst>
-            <pc:docMk/>
-            <pc:sldMk cId="1844488416" sldId="262"/>
+          <ac:chgData name="Hugo Bastos de Paula" userId="ea3b8808-58fe-4fde-bf79-dea1702d2ab3" providerId="ADAL" clId="{F08FD9BC-43F9-4003-BF37-D221B3BC715D}" dt="2024-11-06T20:22:16.452" v="4"/>
+          <ac:spMkLst>
+            <pc:docMk/>
+            <pc:sldMk cId="1295353090" sldId="265"/>
             <ac:spMk id="7" creationId="{CA815F2C-4E80-4019-8E59-FAD3F7F8473D}"/>
           </ac:spMkLst>
         </pc:spChg>
-        <pc:picChg chg="add mod">
-          <ac:chgData name="Hugo Paula" userId="ea3b8808-58fe-4fde-bf79-dea1702d2ab3" providerId="ADAL" clId="{1CFDEEFE-F232-4D31-A8B2-61CDFC1DABCB}" dt="2020-05-08T21:50:18.083" v="554" actId="1440"/>
-          <ac:picMkLst>
-            <pc:docMk/>
-            <pc:sldMk cId="1844488416" sldId="262"/>
-            <ac:picMk id="2" creationId="{E09EA3CA-81F2-484F-B528-049EB715E7DB}"/>
-          </ac:picMkLst>
-        </pc:picChg>
-      </pc:sldChg>
-      <pc:sldChg chg="addSp modSp add mod setBg">
-        <pc:chgData name="Hugo Paula" userId="ea3b8808-58fe-4fde-bf79-dea1702d2ab3" providerId="ADAL" clId="{1CFDEEFE-F232-4D31-A8B2-61CDFC1DABCB}" dt="2020-05-08T21:50:14.868" v="553" actId="1440"/>
-        <pc:sldMkLst>
-          <pc:docMk/>
-          <pc:sldMk cId="1295353090" sldId="263"/>
-        </pc:sldMkLst>
-        <pc:spChg chg="add">
-          <ac:chgData name="Hugo Paula" userId="ea3b8808-58fe-4fde-bf79-dea1702d2ab3" providerId="ADAL" clId="{1CFDEEFE-F232-4D31-A8B2-61CDFC1DABCB}" dt="2020-05-08T21:50:03.873" v="552" actId="26606"/>
-          <ac:spMkLst>
-            <pc:docMk/>
-            <pc:sldMk cId="1295353090" sldId="263"/>
-            <ac:spMk id="7" creationId="{CA815F2C-4E80-4019-8E59-FAD3F7F8473D}"/>
-          </ac:spMkLst>
-        </pc:spChg>
-        <pc:picChg chg="add mod">
-          <ac:chgData name="Hugo Paula" userId="ea3b8808-58fe-4fde-bf79-dea1702d2ab3" providerId="ADAL" clId="{1CFDEEFE-F232-4D31-A8B2-61CDFC1DABCB}" dt="2020-05-08T21:50:14.868" v="553" actId="1440"/>
-          <ac:picMkLst>
-            <pc:docMk/>
-            <pc:sldMk cId="1295353090" sldId="263"/>
-            <ac:picMk id="2" creationId="{5EE5664D-AE5D-4482-9780-297E1957D8F4}"/>
-          </ac:picMkLst>
-        </pc:picChg>
-      </pc:sldChg>
-      <pc:sldChg chg="del">
-        <pc:chgData name="Hugo Paula" userId="ea3b8808-58fe-4fde-bf79-dea1702d2ab3" providerId="ADAL" clId="{1CFDEEFE-F232-4D31-A8B2-61CDFC1DABCB}" dt="2020-05-08T21:04:27.475" v="17" actId="2696"/>
-        <pc:sldMkLst>
-          <pc:docMk/>
-          <pc:sldMk cId="3255236999" sldId="263"/>
-        </pc:sldMkLst>
-      </pc:sldChg>
-      <pc:sldChg chg="addSp delSp modSp add mod ord setBg">
-        <pc:chgData name="Hugo Paula" userId="ea3b8808-58fe-4fde-bf79-dea1702d2ab3" providerId="ADAL" clId="{1CFDEEFE-F232-4D31-A8B2-61CDFC1DABCB}" dt="2020-05-08T22:15:04.259" v="628" actId="14100"/>
-        <pc:sldMkLst>
-          <pc:docMk/>
-          <pc:sldMk cId="3033660984" sldId="264"/>
-        </pc:sldMkLst>
-        <pc:spChg chg="add mod">
-          <ac:chgData name="Hugo Paula" userId="ea3b8808-58fe-4fde-bf79-dea1702d2ab3" providerId="ADAL" clId="{1CFDEEFE-F232-4D31-A8B2-61CDFC1DABCB}" dt="2020-05-08T22:12:14.818" v="577" actId="1076"/>
-          <ac:spMkLst>
-            <pc:docMk/>
-            <pc:sldMk cId="3033660984" sldId="264"/>
-            <ac:spMk id="2" creationId="{46AFEF97-F8F8-4CB4-A2B5-9DAC2B25DBDA}"/>
-          </ac:spMkLst>
-        </pc:spChg>
-        <pc:spChg chg="add del mod">
-          <ac:chgData name="Hugo Paula" userId="ea3b8808-58fe-4fde-bf79-dea1702d2ab3" providerId="ADAL" clId="{1CFDEEFE-F232-4D31-A8B2-61CDFC1DABCB}" dt="2020-05-08T22:10:55.131" v="566" actId="478"/>
-          <ac:spMkLst>
-            <pc:docMk/>
-            <pc:sldMk cId="3033660984" sldId="264"/>
-            <ac:spMk id="3" creationId="{4BF6DF69-871D-4147-AA5F-8B97A87F4622}"/>
-          </ac:spMkLst>
-        </pc:spChg>
-        <pc:spChg chg="add del">
-          <ac:chgData name="Hugo Paula" userId="ea3b8808-58fe-4fde-bf79-dea1702d2ab3" providerId="ADAL" clId="{1CFDEEFE-F232-4D31-A8B2-61CDFC1DABCB}" dt="2020-05-08T22:13:59.962" v="583"/>
-          <ac:spMkLst>
-            <pc:docMk/>
-            <pc:sldMk cId="3033660984" sldId="264"/>
-            <ac:spMk id="6" creationId="{69E0D293-8D38-4194-9032-BD7CFEFB5BD0}"/>
-          </ac:spMkLst>
-        </pc:spChg>
-        <pc:spChg chg="add mod">
-          <ac:chgData name="Hugo Paula" userId="ea3b8808-58fe-4fde-bf79-dea1702d2ab3" providerId="ADAL" clId="{1CFDEEFE-F232-4D31-A8B2-61CDFC1DABCB}" dt="2020-05-08T22:15:04.259" v="628" actId="14100"/>
-          <ac:spMkLst>
-            <pc:docMk/>
-            <pc:sldMk cId="3033660984" sldId="264"/>
-            <ac:spMk id="7" creationId="{673A6AEF-6825-4C13-B763-35C1E7D648EA}"/>
-          </ac:spMkLst>
-        </pc:spChg>
-        <pc:spChg chg="add del">
-          <ac:chgData name="Hugo Paula" userId="ea3b8808-58fe-4fde-bf79-dea1702d2ab3" providerId="ADAL" clId="{1CFDEEFE-F232-4D31-A8B2-61CDFC1DABCB}" dt="2020-05-08T22:11:54.238" v="573" actId="26606"/>
-          <ac:spMkLst>
-            <pc:docMk/>
-            <pc:sldMk cId="3033660984" sldId="264"/>
-            <ac:spMk id="10" creationId="{823AC064-BC96-4F32-8AE1-B2FD38754823}"/>
-          </ac:spMkLst>
-        </pc:spChg>
-        <pc:picChg chg="add mod ord">
-          <ac:chgData name="Hugo Paula" userId="ea3b8808-58fe-4fde-bf79-dea1702d2ab3" providerId="ADAL" clId="{1CFDEEFE-F232-4D31-A8B2-61CDFC1DABCB}" dt="2020-05-08T22:14:49.987" v="623" actId="1076"/>
-          <ac:picMkLst>
-            <pc:docMk/>
-            <pc:sldMk cId="3033660984" sldId="264"/>
-            <ac:picMk id="4" creationId="{CD1912A4-605C-496B-8A51-10C7196FFAB0}"/>
-          </ac:picMkLst>
-        </pc:picChg>
-        <pc:picChg chg="add mod ord">
-          <ac:chgData name="Hugo Paula" userId="ea3b8808-58fe-4fde-bf79-dea1702d2ab3" providerId="ADAL" clId="{1CFDEEFE-F232-4D31-A8B2-61CDFC1DABCB}" dt="2020-05-08T22:12:28.347" v="581" actId="1440"/>
-          <ac:picMkLst>
-            <pc:docMk/>
-            <pc:sldMk cId="3033660984" sldId="264"/>
-            <ac:picMk id="5" creationId="{F4A61A5C-29C5-4196-A7E7-7A536D2F257E}"/>
-          </ac:picMkLst>
-        </pc:picChg>
-        <pc:cxnChg chg="add del">
-          <ac:chgData name="Hugo Paula" userId="ea3b8808-58fe-4fde-bf79-dea1702d2ab3" providerId="ADAL" clId="{1CFDEEFE-F232-4D31-A8B2-61CDFC1DABCB}" dt="2020-05-08T22:11:54.238" v="573" actId="26606"/>
-          <ac:cxnSpMkLst>
-            <pc:docMk/>
-            <pc:sldMk cId="3033660984" sldId="264"/>
-            <ac:cxnSpMk id="12" creationId="{7E7C77BC-7138-40B1-A15B-20F57A494629}"/>
-          </ac:cxnSpMkLst>
-        </pc:cxnChg>
-        <pc:cxnChg chg="add del">
-          <ac:chgData name="Hugo Paula" userId="ea3b8808-58fe-4fde-bf79-dea1702d2ab3" providerId="ADAL" clId="{1CFDEEFE-F232-4D31-A8B2-61CDFC1DABCB}" dt="2020-05-08T22:11:54.238" v="573" actId="26606"/>
-          <ac:cxnSpMkLst>
-            <pc:docMk/>
-            <pc:sldMk cId="3033660984" sldId="264"/>
-            <ac:cxnSpMk id="14" creationId="{DB146403-F3D6-484B-B2ED-97F9565D0370}"/>
-          </ac:cxnSpMkLst>
-        </pc:cxnChg>
-      </pc:sldChg>
-      <pc:sldChg chg="del">
-        <pc:chgData name="Hugo Paula" userId="ea3b8808-58fe-4fde-bf79-dea1702d2ab3" providerId="ADAL" clId="{1CFDEEFE-F232-4D31-A8B2-61CDFC1DABCB}" dt="2020-05-08T21:04:27.477" v="18" actId="2696"/>
-        <pc:sldMkLst>
-          <pc:docMk/>
-          <pc:sldMk cId="1969108035" sldId="265"/>
-        </pc:sldMkLst>
-      </pc:sldChg>
-      <pc:sldChg chg="del">
-        <pc:chgData name="Hugo Paula" userId="ea3b8808-58fe-4fde-bf79-dea1702d2ab3" providerId="ADAL" clId="{1CFDEEFE-F232-4D31-A8B2-61CDFC1DABCB}" dt="2020-05-08T21:04:27.477" v="19" actId="2696"/>
-        <pc:sldMkLst>
-          <pc:docMk/>
-          <pc:sldMk cId="430647495" sldId="266"/>
-        </pc:sldMkLst>
-      </pc:sldChg>
-      <pc:sldChg chg="del">
-        <pc:chgData name="Hugo Paula" userId="ea3b8808-58fe-4fde-bf79-dea1702d2ab3" providerId="ADAL" clId="{1CFDEEFE-F232-4D31-A8B2-61CDFC1DABCB}" dt="2020-05-08T21:04:27.479" v="20" actId="2696"/>
-        <pc:sldMkLst>
-          <pc:docMk/>
-          <pc:sldMk cId="200132653" sldId="267"/>
-        </pc:sldMkLst>
-      </pc:sldChg>
-      <pc:sldChg chg="del">
-        <pc:chgData name="Hugo Paula" userId="ea3b8808-58fe-4fde-bf79-dea1702d2ab3" providerId="ADAL" clId="{1CFDEEFE-F232-4D31-A8B2-61CDFC1DABCB}" dt="2020-05-08T21:04:27.480" v="21" actId="2696"/>
-        <pc:sldMkLst>
-          <pc:docMk/>
-          <pc:sldMk cId="22703028" sldId="268"/>
-        </pc:sldMkLst>
-      </pc:sldChg>
-      <pc:sldChg chg="del">
-        <pc:chgData name="Hugo Paula" userId="ea3b8808-58fe-4fde-bf79-dea1702d2ab3" providerId="ADAL" clId="{1CFDEEFE-F232-4D31-A8B2-61CDFC1DABCB}" dt="2020-05-08T21:04:27.481" v="22" actId="2696"/>
-        <pc:sldMkLst>
-          <pc:docMk/>
-          <pc:sldMk cId="2329847041" sldId="269"/>
+      </pc:sldChg>
+      <pc:sldChg chg="add del setBg">
+        <pc:chgData name="Hugo Bastos de Paula" userId="ea3b8808-58fe-4fde-bf79-dea1702d2ab3" providerId="ADAL" clId="{F08FD9BC-43F9-4003-BF37-D221B3BC715D}" dt="2024-11-06T20:26:27.580" v="163" actId="47"/>
+        <pc:sldMkLst>
+          <pc:docMk/>
+          <pc:sldMk cId="3033660984" sldId="266"/>
         </pc:sldMkLst>
       </pc:sldChg>
     </pc:docChg>
@@ -710,1601 +529,198 @@
     </pc:docChg>
   </pc:docChgLst>
   <pc:docChgLst>
-    <pc:chgData name="Hugo Bastos De Paula" userId="ea3b8808-58fe-4fde-bf79-dea1702d2ab3" providerId="ADAL" clId="{64EC5E40-8BB5-4320-902C-16E2C649128C}"/>
+    <pc:chgData name="Hugo Paula" userId="ea3b8808-58fe-4fde-bf79-dea1702d2ab3" providerId="ADAL" clId="{7AD1C2C3-AD32-454D-8E09-E663225CF37E}"/>
     <pc:docChg chg="undo custSel mod addSld delSld modSld">
-      <pc:chgData name="Hugo Bastos De Paula" userId="ea3b8808-58fe-4fde-bf79-dea1702d2ab3" providerId="ADAL" clId="{64EC5E40-8BB5-4320-902C-16E2C649128C}" dt="2020-02-06T10:36:41.904" v="791" actId="6549"/>
+      <pc:chgData name="Hugo Paula" userId="ea3b8808-58fe-4fde-bf79-dea1702d2ab3" providerId="ADAL" clId="{7AD1C2C3-AD32-454D-8E09-E663225CF37E}" dt="2020-05-15T19:04:59.470" v="176" actId="115"/>
       <pc:docMkLst>
         <pc:docMk/>
       </pc:docMkLst>
-      <pc:sldChg chg="modSp">
-        <pc:chgData name="Hugo Bastos De Paula" userId="ea3b8808-58fe-4fde-bf79-dea1702d2ab3" providerId="ADAL" clId="{64EC5E40-8BB5-4320-902C-16E2C649128C}" dt="2020-02-04T11:03:58.930" v="23" actId="20577"/>
-        <pc:sldMkLst>
-          <pc:docMk/>
-          <pc:sldMk cId="1300950052" sldId="256"/>
+      <pc:sldChg chg="del">
+        <pc:chgData name="Hugo Paula" userId="ea3b8808-58fe-4fde-bf79-dea1702d2ab3" providerId="ADAL" clId="{7AD1C2C3-AD32-454D-8E09-E663225CF37E}" dt="2020-05-15T18:46:04.739" v="0" actId="2696"/>
+        <pc:sldMkLst>
+          <pc:docMk/>
+          <pc:sldMk cId="1651709553" sldId="257"/>
+        </pc:sldMkLst>
+      </pc:sldChg>
+      <pc:sldChg chg="addSp delSp modSp add mod setBg">
+        <pc:chgData name="Hugo Paula" userId="ea3b8808-58fe-4fde-bf79-dea1702d2ab3" providerId="ADAL" clId="{7AD1C2C3-AD32-454D-8E09-E663225CF37E}" dt="2020-05-15T19:04:59.470" v="176" actId="115"/>
+        <pc:sldMkLst>
+          <pc:docMk/>
+          <pc:sldMk cId="3272187284" sldId="257"/>
         </pc:sldMkLst>
         <pc:spChg chg="mod">
-          <ac:chgData name="Hugo Bastos De Paula" userId="ea3b8808-58fe-4fde-bf79-dea1702d2ab3" providerId="ADAL" clId="{64EC5E40-8BB5-4320-902C-16E2C649128C}" dt="2020-02-04T11:03:58.930" v="23" actId="20577"/>
-          <ac:spMkLst>
-            <pc:docMk/>
-            <pc:sldMk cId="1300950052" sldId="256"/>
-            <ac:spMk id="2" creationId="{3143D889-4F7D-41FD-93D4-9F5B7C0110F0}"/>
-          </ac:spMkLst>
-        </pc:spChg>
-      </pc:sldChg>
-      <pc:sldChg chg="add del">
-        <pc:chgData name="Hugo Bastos De Paula" userId="ea3b8808-58fe-4fde-bf79-dea1702d2ab3" providerId="ADAL" clId="{64EC5E40-8BB5-4320-902C-16E2C649128C}" dt="2020-02-04T11:05:15.924" v="27" actId="47"/>
-        <pc:sldMkLst>
-          <pc:docMk/>
-          <pc:sldMk cId="2345506383" sldId="257"/>
-        </pc:sldMkLst>
-      </pc:sldChg>
-      <pc:sldChg chg="del">
-        <pc:chgData name="Hugo Bastos De Paula" userId="ea3b8808-58fe-4fde-bf79-dea1702d2ab3" providerId="ADAL" clId="{64EC5E40-8BB5-4320-902C-16E2C649128C}" dt="2020-02-04T11:04:07.480" v="24" actId="47"/>
-        <pc:sldMkLst>
-          <pc:docMk/>
-          <pc:sldMk cId="3491934599" sldId="257"/>
-        </pc:sldMkLst>
-      </pc:sldChg>
-      <pc:sldChg chg="addSp delSp modSp add mod setBg setClrOvrMap chgLayout">
-        <pc:chgData name="Hugo Bastos De Paula" userId="ea3b8808-58fe-4fde-bf79-dea1702d2ab3" providerId="ADAL" clId="{64EC5E40-8BB5-4320-902C-16E2C649128C}" dt="2020-02-04T13:25:20.122" v="624" actId="403"/>
-        <pc:sldMkLst>
-          <pc:docMk/>
-          <pc:sldMk cId="3719368456" sldId="257"/>
-        </pc:sldMkLst>
-        <pc:spChg chg="add del mod">
-          <ac:chgData name="Hugo Bastos De Paula" userId="ea3b8808-58fe-4fde-bf79-dea1702d2ab3" providerId="ADAL" clId="{64EC5E40-8BB5-4320-902C-16E2C649128C}" dt="2020-02-04T11:20:50.878" v="484" actId="6264"/>
-          <ac:spMkLst>
-            <pc:docMk/>
-            <pc:sldMk cId="3719368456" sldId="257"/>
-            <ac:spMk id="2" creationId="{23599EF9-A294-4C90-A67B-F1868738B098}"/>
-          </ac:spMkLst>
-        </pc:spChg>
-        <pc:spChg chg="add del mod">
-          <ac:chgData name="Hugo Bastos De Paula" userId="ea3b8808-58fe-4fde-bf79-dea1702d2ab3" providerId="ADAL" clId="{64EC5E40-8BB5-4320-902C-16E2C649128C}" dt="2020-02-04T11:20:50.878" v="484" actId="6264"/>
-          <ac:spMkLst>
-            <pc:docMk/>
-            <pc:sldMk cId="3719368456" sldId="257"/>
-            <ac:spMk id="3" creationId="{CE3048B6-8C6C-4A47-B9E2-03ABAC91FD05}"/>
-          </ac:spMkLst>
-        </pc:spChg>
-        <pc:spChg chg="add del mod">
-          <ac:chgData name="Hugo Bastos De Paula" userId="ea3b8808-58fe-4fde-bf79-dea1702d2ab3" providerId="ADAL" clId="{64EC5E40-8BB5-4320-902C-16E2C649128C}" dt="2020-02-04T11:20:50.878" v="484" actId="6264"/>
-          <ac:spMkLst>
-            <pc:docMk/>
-            <pc:sldMk cId="3719368456" sldId="257"/>
-            <ac:spMk id="4" creationId="{F96BF263-C035-45EA-AC80-2783FB46DD35}"/>
-          </ac:spMkLst>
-        </pc:spChg>
-        <pc:spChg chg="add del mod">
-          <ac:chgData name="Hugo Bastos De Paula" userId="ea3b8808-58fe-4fde-bf79-dea1702d2ab3" providerId="ADAL" clId="{64EC5E40-8BB5-4320-902C-16E2C649128C}" dt="2020-02-04T13:15:38.941" v="532"/>
-          <ac:spMkLst>
-            <pc:docMk/>
-            <pc:sldMk cId="3719368456" sldId="257"/>
-            <ac:spMk id="5" creationId="{48017E56-8FF7-4493-9973-E87FF94C529F}"/>
+          <ac:chgData name="Hugo Paula" userId="ea3b8808-58fe-4fde-bf79-dea1702d2ab3" providerId="ADAL" clId="{7AD1C2C3-AD32-454D-8E09-E663225CF37E}" dt="2020-05-15T18:47:51.200" v="72" actId="26606"/>
+          <ac:spMkLst>
+            <pc:docMk/>
+            <pc:sldMk cId="3272187284" sldId="257"/>
+            <ac:spMk id="2" creationId="{D8261509-837A-4984-9791-1899AE0FD647}"/>
+          </ac:spMkLst>
+        </pc:spChg>
+        <pc:spChg chg="mod ord">
+          <ac:chgData name="Hugo Paula" userId="ea3b8808-58fe-4fde-bf79-dea1702d2ab3" providerId="ADAL" clId="{7AD1C2C3-AD32-454D-8E09-E663225CF37E}" dt="2020-05-15T19:04:59.470" v="176" actId="115"/>
+          <ac:spMkLst>
+            <pc:docMk/>
+            <pc:sldMk cId="3272187284" sldId="257"/>
+            <ac:spMk id="3" creationId="{B8BCCF03-050D-45AE-826E-AD1649BF6347}"/>
           </ac:spMkLst>
         </pc:spChg>
         <pc:spChg chg="add del">
-          <ac:chgData name="Hugo Bastos De Paula" userId="ea3b8808-58fe-4fde-bf79-dea1702d2ab3" providerId="ADAL" clId="{64EC5E40-8BB5-4320-902C-16E2C649128C}" dt="2020-02-04T13:15:56.626" v="536" actId="26606"/>
-          <ac:spMkLst>
-            <pc:docMk/>
-            <pc:sldMk cId="3719368456" sldId="257"/>
-            <ac:spMk id="72" creationId="{867D4867-5BA7-4462-B2F6-A23F4A622AA7}"/>
+          <ac:chgData name="Hugo Paula" userId="ea3b8808-58fe-4fde-bf79-dea1702d2ab3" providerId="ADAL" clId="{7AD1C2C3-AD32-454D-8E09-E663225CF37E}" dt="2020-05-15T18:47:42.517" v="69" actId="26606"/>
+          <ac:spMkLst>
+            <pc:docMk/>
+            <pc:sldMk cId="3272187284" sldId="257"/>
+            <ac:spMk id="10" creationId="{8E20FA99-AAAC-4AF3-9FAE-707420324F1C}"/>
           </ac:spMkLst>
         </pc:spChg>
         <pc:spChg chg="add del">
-          <ac:chgData name="Hugo Bastos De Paula" userId="ea3b8808-58fe-4fde-bf79-dea1702d2ab3" providerId="ADAL" clId="{64EC5E40-8BB5-4320-902C-16E2C649128C}" dt="2020-02-04T13:16:42.980" v="553" actId="26606"/>
-          <ac:spMkLst>
-            <pc:docMk/>
-            <pc:sldMk cId="3719368456" sldId="257"/>
-            <ac:spMk id="76" creationId="{73ED6512-6858-4552-B699-9A97FE9A4EA2}"/>
+          <ac:chgData name="Hugo Paula" userId="ea3b8808-58fe-4fde-bf79-dea1702d2ab3" providerId="ADAL" clId="{7AD1C2C3-AD32-454D-8E09-E663225CF37E}" dt="2020-05-15T18:47:42.517" v="69" actId="26606"/>
+          <ac:spMkLst>
+            <pc:docMk/>
+            <pc:sldMk cId="3272187284" sldId="257"/>
+            <ac:spMk id="12" creationId="{9573BE85-6043-4C3A-A7DD-483A0A5FB740}"/>
           </ac:spMkLst>
         </pc:spChg>
         <pc:spChg chg="add del">
-          <ac:chgData name="Hugo Bastos De Paula" userId="ea3b8808-58fe-4fde-bf79-dea1702d2ab3" providerId="ADAL" clId="{64EC5E40-8BB5-4320-902C-16E2C649128C}" dt="2020-02-04T13:16:37.053" v="550" actId="26606"/>
-          <ac:spMkLst>
-            <pc:docMk/>
-            <pc:sldMk cId="3719368456" sldId="257"/>
-            <ac:spMk id="141" creationId="{92468898-5A6E-4D55-85EC-308E785EE06C}"/>
+          <ac:chgData name="Hugo Paula" userId="ea3b8808-58fe-4fde-bf79-dea1702d2ab3" providerId="ADAL" clId="{7AD1C2C3-AD32-454D-8E09-E663225CF37E}" dt="2020-05-15T18:47:51.196" v="71" actId="26606"/>
+          <ac:spMkLst>
+            <pc:docMk/>
+            <pc:sldMk cId="3272187284" sldId="257"/>
+            <ac:spMk id="14" creationId="{46F7435D-E3DB-47B1-BA61-B00ACC83A9DE}"/>
           </ac:spMkLst>
         </pc:spChg>
         <pc:spChg chg="add del">
-          <ac:chgData name="Hugo Bastos De Paula" userId="ea3b8808-58fe-4fde-bf79-dea1702d2ab3" providerId="ADAL" clId="{64EC5E40-8BB5-4320-902C-16E2C649128C}" dt="2020-02-04T13:16:37.053" v="550" actId="26606"/>
-          <ac:spMkLst>
-            <pc:docMk/>
-            <pc:sldMk cId="3719368456" sldId="257"/>
-            <ac:spMk id="143" creationId="{3E23A947-2D45-4208-AE2B-64948C87A3EB}"/>
+          <ac:chgData name="Hugo Paula" userId="ea3b8808-58fe-4fde-bf79-dea1702d2ab3" providerId="ADAL" clId="{7AD1C2C3-AD32-454D-8E09-E663225CF37E}" dt="2020-05-15T18:47:51.196" v="71" actId="26606"/>
+          <ac:spMkLst>
+            <pc:docMk/>
+            <pc:sldMk cId="3272187284" sldId="257"/>
+            <ac:spMk id="15" creationId="{F263A0B5-F8C4-4116-809F-78A768EA79A6}"/>
           </ac:spMkLst>
         </pc:spChg>
         <pc:spChg chg="add del">
-          <ac:chgData name="Hugo Bastos De Paula" userId="ea3b8808-58fe-4fde-bf79-dea1702d2ab3" providerId="ADAL" clId="{64EC5E40-8BB5-4320-902C-16E2C649128C}" dt="2020-02-04T13:16:37.053" v="550" actId="26606"/>
-          <ac:spMkLst>
-            <pc:docMk/>
-            <pc:sldMk cId="3719368456" sldId="257"/>
-            <ac:spMk id="145" creationId="{E5BBB0F9-6A59-4D02-A9C7-A2D6516684CE}"/>
+          <ac:chgData name="Hugo Paula" userId="ea3b8808-58fe-4fde-bf79-dea1702d2ab3" providerId="ADAL" clId="{7AD1C2C3-AD32-454D-8E09-E663225CF37E}" dt="2020-05-15T18:51:31.552" v="150" actId="26606"/>
+          <ac:spMkLst>
+            <pc:docMk/>
+            <pc:sldMk cId="3272187284" sldId="257"/>
+            <ac:spMk id="17" creationId="{8E20FA99-AAAC-4AF3-9FAE-707420324F1C}"/>
+          </ac:spMkLst>
+        </pc:spChg>
+        <pc:spChg chg="add del">
+          <ac:chgData name="Hugo Paula" userId="ea3b8808-58fe-4fde-bf79-dea1702d2ab3" providerId="ADAL" clId="{7AD1C2C3-AD32-454D-8E09-E663225CF37E}" dt="2020-05-15T18:51:31.552" v="150" actId="26606"/>
+          <ac:spMkLst>
+            <pc:docMk/>
+            <pc:sldMk cId="3272187284" sldId="257"/>
+            <ac:spMk id="18" creationId="{9573BE85-6043-4C3A-A7DD-483A0A5FB740}"/>
           </ac:spMkLst>
         </pc:spChg>
         <pc:spChg chg="add">
-          <ac:chgData name="Hugo Bastos De Paula" userId="ea3b8808-58fe-4fde-bf79-dea1702d2ab3" providerId="ADAL" clId="{64EC5E40-8BB5-4320-902C-16E2C649128C}" dt="2020-02-04T13:16:42.980" v="553" actId="26606"/>
-          <ac:spMkLst>
-            <pc:docMk/>
-            <pc:sldMk cId="3719368456" sldId="257"/>
-            <ac:spMk id="147" creationId="{2A865FE3-5FC9-4049-87CF-30019C46C0F5}"/>
-          </ac:spMkLst>
-        </pc:spChg>
-        <pc:spChg chg="mod ord">
-          <ac:chgData name="Hugo Bastos De Paula" userId="ea3b8808-58fe-4fde-bf79-dea1702d2ab3" providerId="ADAL" clId="{64EC5E40-8BB5-4320-902C-16E2C649128C}" dt="2020-02-04T13:16:42.980" v="553" actId="26606"/>
-          <ac:spMkLst>
-            <pc:docMk/>
-            <pc:sldMk cId="3719368456" sldId="257"/>
-            <ac:spMk id="3074" creationId="{D53DF61A-C1FD-4D79-ACB5-4C47D8C18888}"/>
-          </ac:spMkLst>
-        </pc:spChg>
-        <pc:spChg chg="mod ord">
-          <ac:chgData name="Hugo Bastos De Paula" userId="ea3b8808-58fe-4fde-bf79-dea1702d2ab3" providerId="ADAL" clId="{64EC5E40-8BB5-4320-902C-16E2C649128C}" dt="2020-02-04T13:25:20.122" v="624" actId="403"/>
-          <ac:spMkLst>
-            <pc:docMk/>
-            <pc:sldMk cId="3719368456" sldId="257"/>
-            <ac:spMk id="3075" creationId="{DD4281FC-A506-445E-B2CA-56401A9FD938}"/>
-          </ac:spMkLst>
-        </pc:spChg>
-        <pc:spChg chg="add del">
-          <ac:chgData name="Hugo Bastos De Paula" userId="ea3b8808-58fe-4fde-bf79-dea1702d2ab3" providerId="ADAL" clId="{64EC5E40-8BB5-4320-902C-16E2C649128C}" dt="2020-02-04T13:15:58.894" v="538" actId="26606"/>
-          <ac:spMkLst>
-            <pc:docMk/>
-            <pc:sldMk cId="3719368456" sldId="257"/>
-            <ac:spMk id="3077" creationId="{B0792D4F-247E-46FE-85FC-881DEFA41D94}"/>
-          </ac:spMkLst>
-        </pc:spChg>
-        <pc:spChg chg="add del">
-          <ac:chgData name="Hugo Bastos De Paula" userId="ea3b8808-58fe-4fde-bf79-dea1702d2ab3" providerId="ADAL" clId="{64EC5E40-8BB5-4320-902C-16E2C649128C}" dt="2020-02-04T13:16:42.980" v="553" actId="26606"/>
-          <ac:spMkLst>
-            <pc:docMk/>
-            <pc:sldMk cId="3719368456" sldId="257"/>
-            <ac:spMk id="3079" creationId="{4038CB10-1F5C-4D54-9DF7-12586DE5B007}"/>
-          </ac:spMkLst>
-        </pc:spChg>
-        <pc:spChg chg="add del">
-          <ac:chgData name="Hugo Bastos De Paula" userId="ea3b8808-58fe-4fde-bf79-dea1702d2ab3" providerId="ADAL" clId="{64EC5E40-8BB5-4320-902C-16E2C649128C}" dt="2020-02-04T13:16:42.980" v="553" actId="26606"/>
-          <ac:spMkLst>
-            <pc:docMk/>
-            <pc:sldMk cId="3719368456" sldId="257"/>
-            <ac:spMk id="3080" creationId="{36D30126-6314-4A93-B27E-5C66CF781924}"/>
+          <ac:chgData name="Hugo Paula" userId="ea3b8808-58fe-4fde-bf79-dea1702d2ab3" providerId="ADAL" clId="{7AD1C2C3-AD32-454D-8E09-E663225CF37E}" dt="2020-05-15T18:51:31.552" v="150" actId="26606"/>
+          <ac:spMkLst>
+            <pc:docMk/>
+            <pc:sldMk cId="3272187284" sldId="257"/>
+            <ac:spMk id="23" creationId="{8E20FA99-AAAC-4AF3-9FAE-707420324F1C}"/>
           </ac:spMkLst>
         </pc:spChg>
         <pc:spChg chg="add">
-          <ac:chgData name="Hugo Bastos De Paula" userId="ea3b8808-58fe-4fde-bf79-dea1702d2ab3" providerId="ADAL" clId="{64EC5E40-8BB5-4320-902C-16E2C649128C}" dt="2020-02-04T13:16:42.980" v="553" actId="26606"/>
-          <ac:spMkLst>
-            <pc:docMk/>
-            <pc:sldMk cId="3719368456" sldId="257"/>
-            <ac:spMk id="3082" creationId="{2C9A9DA9-7DC8-488B-A882-123947B0F3D9}"/>
-          </ac:spMkLst>
-        </pc:spChg>
-        <pc:spChg chg="add">
-          <ac:chgData name="Hugo Bastos De Paula" userId="ea3b8808-58fe-4fde-bf79-dea1702d2ab3" providerId="ADAL" clId="{64EC5E40-8BB5-4320-902C-16E2C649128C}" dt="2020-02-04T13:16:42.980" v="553" actId="26606"/>
-          <ac:spMkLst>
-            <pc:docMk/>
-            <pc:sldMk cId="3719368456" sldId="257"/>
-            <ac:spMk id="3083" creationId="{57F6BDD4-E066-4008-8011-6CC31AEB4556}"/>
-          </ac:spMkLst>
-        </pc:spChg>
-        <pc:spChg chg="add">
-          <ac:chgData name="Hugo Bastos De Paula" userId="ea3b8808-58fe-4fde-bf79-dea1702d2ab3" providerId="ADAL" clId="{64EC5E40-8BB5-4320-902C-16E2C649128C}" dt="2020-02-04T13:16:42.980" v="553" actId="26606"/>
-          <ac:spMkLst>
-            <pc:docMk/>
-            <pc:sldMk cId="3719368456" sldId="257"/>
-            <ac:spMk id="3084" creationId="{2711A8FB-68FC-45FC-B01E-38F809E2D439}"/>
-          </ac:spMkLst>
-        </pc:spChg>
-        <pc:picChg chg="add del">
-          <ac:chgData name="Hugo Bastos De Paula" userId="ea3b8808-58fe-4fde-bf79-dea1702d2ab3" providerId="ADAL" clId="{64EC5E40-8BB5-4320-902C-16E2C649128C}" dt="2020-02-04T13:13:59.889" v="526"/>
+          <ac:chgData name="Hugo Paula" userId="ea3b8808-58fe-4fde-bf79-dea1702d2ab3" providerId="ADAL" clId="{7AD1C2C3-AD32-454D-8E09-E663225CF37E}" dt="2020-05-15T18:51:31.552" v="150" actId="26606"/>
+          <ac:spMkLst>
+            <pc:docMk/>
+            <pc:sldMk cId="3272187284" sldId="257"/>
+            <ac:spMk id="25" creationId="{9573BE85-6043-4C3A-A7DD-483A0A5FB740}"/>
+          </ac:spMkLst>
+        </pc:spChg>
+        <pc:picChg chg="add del mod">
+          <ac:chgData name="Hugo Paula" userId="ea3b8808-58fe-4fde-bf79-dea1702d2ab3" providerId="ADAL" clId="{7AD1C2C3-AD32-454D-8E09-E663225CF37E}" dt="2020-05-15T18:51:20.496" v="145" actId="478"/>
           <ac:picMkLst>
             <pc:docMk/>
-            <pc:sldMk cId="3719368456" sldId="257"/>
-            <ac:picMk id="2" creationId="{6D4DB825-C61C-4DD3-8979-DAA65619C267}"/>
-          </ac:picMkLst>
-        </pc:picChg>
-        <pc:picChg chg="add del mod">
-          <ac:chgData name="Hugo Bastos De Paula" userId="ea3b8808-58fe-4fde-bf79-dea1702d2ab3" providerId="ADAL" clId="{64EC5E40-8BB5-4320-902C-16E2C649128C}" dt="2020-02-04T13:15:35.579" v="531" actId="21"/>
-          <ac:picMkLst>
-            <pc:docMk/>
-            <pc:sldMk cId="3719368456" sldId="257"/>
-            <ac:picMk id="4" creationId="{022341C0-D70E-43A4-8AB3-7A46B3FCAF68}"/>
-          </ac:picMkLst>
-        </pc:picChg>
-        <pc:picChg chg="add mod ord">
-          <ac:chgData name="Hugo Bastos De Paula" userId="ea3b8808-58fe-4fde-bf79-dea1702d2ab3" providerId="ADAL" clId="{64EC5E40-8BB5-4320-902C-16E2C649128C}" dt="2020-02-04T13:16:42.980" v="553" actId="26606"/>
-          <ac:picMkLst>
-            <pc:docMk/>
-            <pc:sldMk cId="3719368456" sldId="257"/>
-            <ac:picMk id="9" creationId="{CD9B24B2-0464-4E11-A8DB-41B5CB400F62}"/>
-          </ac:picMkLst>
-        </pc:picChg>
-        <pc:picChg chg="del mod ord">
-          <ac:chgData name="Hugo Bastos De Paula" userId="ea3b8808-58fe-4fde-bf79-dea1702d2ab3" providerId="ADAL" clId="{64EC5E40-8BB5-4320-902C-16E2C649128C}" dt="2020-02-04T13:15:33.199" v="530" actId="478"/>
-          <ac:picMkLst>
-            <pc:docMk/>
-            <pc:sldMk cId="3719368456" sldId="257"/>
-            <ac:picMk id="3076" creationId="{8386E5D6-9C05-4C9B-AD16-A7EF69CF1509}"/>
-          </ac:picMkLst>
-        </pc:picChg>
-        <pc:cxnChg chg="add del">
-          <ac:chgData name="Hugo Bastos De Paula" userId="ea3b8808-58fe-4fde-bf79-dea1702d2ab3" providerId="ADAL" clId="{64EC5E40-8BB5-4320-902C-16E2C649128C}" dt="2020-02-04T13:15:58.894" v="538" actId="26606"/>
-          <ac:cxnSpMkLst>
-            <pc:docMk/>
-            <pc:sldMk cId="3719368456" sldId="257"/>
-            <ac:cxnSpMk id="74" creationId="{CE272F12-AF86-441A-BC1B-C014BBBF85B5}"/>
-          </ac:cxnSpMkLst>
-        </pc:cxnChg>
-      </pc:sldChg>
-      <pc:sldChg chg="addSp delSp modSp add mod chgLayout">
-        <pc:chgData name="Hugo Bastos De Paula" userId="ea3b8808-58fe-4fde-bf79-dea1702d2ab3" providerId="ADAL" clId="{64EC5E40-8BB5-4320-902C-16E2C649128C}" dt="2020-02-04T13:24:37.245" v="613" actId="108"/>
-        <pc:sldMkLst>
-          <pc:docMk/>
-          <pc:sldMk cId="418469430" sldId="258"/>
-        </pc:sldMkLst>
-        <pc:spChg chg="add del mod">
-          <ac:chgData name="Hugo Bastos De Paula" userId="ea3b8808-58fe-4fde-bf79-dea1702d2ab3" providerId="ADAL" clId="{64EC5E40-8BB5-4320-902C-16E2C649128C}" dt="2020-02-04T11:20:55.673" v="486" actId="6264"/>
-          <ac:spMkLst>
-            <pc:docMk/>
-            <pc:sldMk cId="418469430" sldId="258"/>
-            <ac:spMk id="2" creationId="{39D5CE73-5357-47D0-9E03-6E5D1716ABA7}"/>
-          </ac:spMkLst>
-        </pc:spChg>
-        <pc:spChg chg="add del mod">
-          <ac:chgData name="Hugo Bastos De Paula" userId="ea3b8808-58fe-4fde-bf79-dea1702d2ab3" providerId="ADAL" clId="{64EC5E40-8BB5-4320-902C-16E2C649128C}" dt="2020-02-04T13:16:57.643" v="555"/>
-          <ac:spMkLst>
-            <pc:docMk/>
-            <pc:sldMk cId="418469430" sldId="258"/>
-            <ac:spMk id="2" creationId="{84EC68E0-0DA3-4685-A0D8-BF1A22EBB545}"/>
-          </ac:spMkLst>
-        </pc:spChg>
-        <pc:spChg chg="add del mod">
-          <ac:chgData name="Hugo Bastos De Paula" userId="ea3b8808-58fe-4fde-bf79-dea1702d2ab3" providerId="ADAL" clId="{64EC5E40-8BB5-4320-902C-16E2C649128C}" dt="2020-02-04T11:20:55.673" v="486" actId="6264"/>
-          <ac:spMkLst>
-            <pc:docMk/>
-            <pc:sldMk cId="418469430" sldId="258"/>
-            <ac:spMk id="3" creationId="{5E1EB75C-4281-478F-AADA-9479FE98621B}"/>
-          </ac:spMkLst>
-        </pc:spChg>
-        <pc:spChg chg="add del mod">
-          <ac:chgData name="Hugo Bastos De Paula" userId="ea3b8808-58fe-4fde-bf79-dea1702d2ab3" providerId="ADAL" clId="{64EC5E40-8BB5-4320-902C-16E2C649128C}" dt="2020-02-04T11:20:55.673" v="486" actId="6264"/>
-          <ac:spMkLst>
-            <pc:docMk/>
-            <pc:sldMk cId="418469430" sldId="258"/>
-            <ac:spMk id="4" creationId="{7CEF6415-B457-4647-B0B6-09F2F4FDA43B}"/>
-          </ac:spMkLst>
-        </pc:spChg>
-        <pc:spChg chg="mod ord">
-          <ac:chgData name="Hugo Bastos De Paula" userId="ea3b8808-58fe-4fde-bf79-dea1702d2ab3" providerId="ADAL" clId="{64EC5E40-8BB5-4320-902C-16E2C649128C}" dt="2020-02-04T11:20:55.673" v="486" actId="6264"/>
-          <ac:spMkLst>
-            <pc:docMk/>
-            <pc:sldMk cId="418469430" sldId="258"/>
-            <ac:spMk id="4098" creationId="{49360DB1-222B-4371-94B5-3C9F4B323800}"/>
-          </ac:spMkLst>
-        </pc:spChg>
-        <pc:spChg chg="mod ord">
-          <ac:chgData name="Hugo Bastos De Paula" userId="ea3b8808-58fe-4fde-bf79-dea1702d2ab3" providerId="ADAL" clId="{64EC5E40-8BB5-4320-902C-16E2C649128C}" dt="2020-02-04T13:24:37.245" v="613" actId="108"/>
-          <ac:spMkLst>
-            <pc:docMk/>
-            <pc:sldMk cId="418469430" sldId="258"/>
-            <ac:spMk id="4099" creationId="{F8B6654F-AC80-4D3E-BB01-B8A7B370BA29}"/>
-          </ac:spMkLst>
-        </pc:spChg>
-        <pc:picChg chg="del mod ord">
-          <ac:chgData name="Hugo Bastos De Paula" userId="ea3b8808-58fe-4fde-bf79-dea1702d2ab3" providerId="ADAL" clId="{64EC5E40-8BB5-4320-902C-16E2C649128C}" dt="2020-02-04T13:16:53.490" v="554" actId="478"/>
-          <ac:picMkLst>
-            <pc:docMk/>
-            <pc:sldMk cId="418469430" sldId="258"/>
-            <ac:picMk id="4100" creationId="{29C93BE5-3F42-40E6-A302-9CEB6088724B}"/>
-          </ac:picMkLst>
-        </pc:picChg>
-      </pc:sldChg>
-      <pc:sldChg chg="del">
-        <pc:chgData name="Hugo Bastos De Paula" userId="ea3b8808-58fe-4fde-bf79-dea1702d2ab3" providerId="ADAL" clId="{64EC5E40-8BB5-4320-902C-16E2C649128C}" dt="2020-02-04T11:04:07.480" v="24" actId="47"/>
-        <pc:sldMkLst>
-          <pc:docMk/>
-          <pc:sldMk cId="2665930106" sldId="258"/>
-        </pc:sldMkLst>
-      </pc:sldChg>
-      <pc:sldChg chg="addSp delSp modSp add mod chgLayout">
-        <pc:chgData name="Hugo Bastos De Paula" userId="ea3b8808-58fe-4fde-bf79-dea1702d2ab3" providerId="ADAL" clId="{64EC5E40-8BB5-4320-902C-16E2C649128C}" dt="2020-02-04T13:26:06.012" v="628" actId="313"/>
-        <pc:sldMkLst>
-          <pc:docMk/>
-          <pc:sldMk cId="1008540925" sldId="259"/>
-        </pc:sldMkLst>
-        <pc:spChg chg="add del mod">
-          <ac:chgData name="Hugo Bastos De Paula" userId="ea3b8808-58fe-4fde-bf79-dea1702d2ab3" providerId="ADAL" clId="{64EC5E40-8BB5-4320-902C-16E2C649128C}" dt="2020-02-04T11:20:33.584" v="482" actId="6264"/>
-          <ac:spMkLst>
-            <pc:docMk/>
-            <pc:sldMk cId="1008540925" sldId="259"/>
-            <ac:spMk id="2" creationId="{A19A8EE7-DE45-49A1-A5D3-9818C50E2E93}"/>
-          </ac:spMkLst>
-        </pc:spChg>
-        <pc:spChg chg="add del mod">
-          <ac:chgData name="Hugo Bastos De Paula" userId="ea3b8808-58fe-4fde-bf79-dea1702d2ab3" providerId="ADAL" clId="{64EC5E40-8BB5-4320-902C-16E2C649128C}" dt="2020-02-04T11:20:33.584" v="482" actId="6264"/>
-          <ac:spMkLst>
-            <pc:docMk/>
-            <pc:sldMk cId="1008540925" sldId="259"/>
-            <ac:spMk id="3" creationId="{09D16D0E-ACAD-4E0E-917E-E44C3A2F7144}"/>
-          </ac:spMkLst>
-        </pc:spChg>
-        <pc:spChg chg="mod ord">
-          <ac:chgData name="Hugo Bastos De Paula" userId="ea3b8808-58fe-4fde-bf79-dea1702d2ab3" providerId="ADAL" clId="{64EC5E40-8BB5-4320-902C-16E2C649128C}" dt="2020-02-04T13:23:58.430" v="604" actId="20577"/>
-          <ac:spMkLst>
-            <pc:docMk/>
-            <pc:sldMk cId="1008540925" sldId="259"/>
-            <ac:spMk id="5122" creationId="{DDD69306-529E-41D8-8B50-109DCBD2443D}"/>
-          </ac:spMkLst>
-        </pc:spChg>
-        <pc:spChg chg="mod ord">
-          <ac:chgData name="Hugo Bastos De Paula" userId="ea3b8808-58fe-4fde-bf79-dea1702d2ab3" providerId="ADAL" clId="{64EC5E40-8BB5-4320-902C-16E2C649128C}" dt="2020-02-04T13:26:06.012" v="628" actId="313"/>
-          <ac:spMkLst>
-            <pc:docMk/>
-            <pc:sldMk cId="1008540925" sldId="259"/>
-            <ac:spMk id="5123" creationId="{C955F144-3173-4C55-8A4E-1ED1EF601E44}"/>
-          </ac:spMkLst>
-        </pc:spChg>
-      </pc:sldChg>
-      <pc:sldChg chg="del">
-        <pc:chgData name="Hugo Bastos De Paula" userId="ea3b8808-58fe-4fde-bf79-dea1702d2ab3" providerId="ADAL" clId="{64EC5E40-8BB5-4320-902C-16E2C649128C}" dt="2020-02-04T11:04:07.480" v="24" actId="47"/>
-        <pc:sldMkLst>
-          <pc:docMk/>
-          <pc:sldMk cId="2445231288" sldId="259"/>
-        </pc:sldMkLst>
-      </pc:sldChg>
-      <pc:sldChg chg="delSp add">
-        <pc:chgData name="Hugo Bastos De Paula" userId="ea3b8808-58fe-4fde-bf79-dea1702d2ab3" providerId="ADAL" clId="{64EC5E40-8BB5-4320-902C-16E2C649128C}" dt="2020-02-04T11:05:19.398" v="28" actId="478"/>
-        <pc:sldMkLst>
-          <pc:docMk/>
-          <pc:sldMk cId="649663368" sldId="260"/>
-        </pc:sldMkLst>
-        <pc:spChg chg="del">
-          <ac:chgData name="Hugo Bastos De Paula" userId="ea3b8808-58fe-4fde-bf79-dea1702d2ab3" providerId="ADAL" clId="{64EC5E40-8BB5-4320-902C-16E2C649128C}" dt="2020-02-04T11:05:19.398" v="28" actId="478"/>
-          <ac:spMkLst>
-            <pc:docMk/>
-            <pc:sldMk cId="649663368" sldId="260"/>
-            <ac:spMk id="7" creationId="{6B4238FA-BB02-4477-B4BF-7F4A2171549E}"/>
-          </ac:spMkLst>
-        </pc:spChg>
-      </pc:sldChg>
-      <pc:sldChg chg="del">
-        <pc:chgData name="Hugo Bastos De Paula" userId="ea3b8808-58fe-4fde-bf79-dea1702d2ab3" providerId="ADAL" clId="{64EC5E40-8BB5-4320-902C-16E2C649128C}" dt="2020-02-04T11:04:07.480" v="24" actId="47"/>
-        <pc:sldMkLst>
-          <pc:docMk/>
-          <pc:sldMk cId="4147951829" sldId="260"/>
-        </pc:sldMkLst>
-      </pc:sldChg>
-      <pc:sldChg chg="addSp delSp modSp add mod setBg">
-        <pc:chgData name="Hugo Bastos De Paula" userId="ea3b8808-58fe-4fde-bf79-dea1702d2ab3" providerId="ADAL" clId="{64EC5E40-8BB5-4320-902C-16E2C649128C}" dt="2020-02-04T11:11:17.597" v="82" actId="1076"/>
-        <pc:sldMkLst>
-          <pc:docMk/>
-          <pc:sldMk cId="1153408665" sldId="261"/>
-        </pc:sldMkLst>
-        <pc:spChg chg="del">
-          <ac:chgData name="Hugo Bastos De Paula" userId="ea3b8808-58fe-4fde-bf79-dea1702d2ab3" providerId="ADAL" clId="{64EC5E40-8BB5-4320-902C-16E2C649128C}" dt="2020-02-04T11:06:19.651" v="41"/>
-          <ac:spMkLst>
-            <pc:docMk/>
-            <pc:sldMk cId="1153408665" sldId="261"/>
-            <ac:spMk id="2" creationId="{FE71F8E4-1660-46F9-AEEE-C98472574FB8}"/>
-          </ac:spMkLst>
-        </pc:spChg>
-        <pc:spChg chg="del">
-          <ac:chgData name="Hugo Bastos De Paula" userId="ea3b8808-58fe-4fde-bf79-dea1702d2ab3" providerId="ADAL" clId="{64EC5E40-8BB5-4320-902C-16E2C649128C}" dt="2020-02-04T11:06:19.651" v="41"/>
-          <ac:spMkLst>
-            <pc:docMk/>
-            <pc:sldMk cId="1153408665" sldId="261"/>
-            <ac:spMk id="3" creationId="{119B1ABF-B417-4685-A6F9-B3151784D8D6}"/>
-          </ac:spMkLst>
-        </pc:spChg>
-        <pc:spChg chg="add mod">
-          <ac:chgData name="Hugo Bastos De Paula" userId="ea3b8808-58fe-4fde-bf79-dea1702d2ab3" providerId="ADAL" clId="{64EC5E40-8BB5-4320-902C-16E2C649128C}" dt="2020-02-04T11:11:17.597" v="82" actId="1076"/>
-          <ac:spMkLst>
-            <pc:docMk/>
-            <pc:sldMk cId="1153408665" sldId="261"/>
-            <ac:spMk id="8" creationId="{4CFC47C1-D9D9-4347-99DF-8B524C43B6D3}"/>
-          </ac:spMkLst>
-        </pc:spChg>
-        <pc:spChg chg="add del">
-          <ac:chgData name="Hugo Bastos De Paula" userId="ea3b8808-58fe-4fde-bf79-dea1702d2ab3" providerId="ADAL" clId="{64EC5E40-8BB5-4320-902C-16E2C649128C}" dt="2020-02-04T11:06:25.368" v="45" actId="26606"/>
-          <ac:spMkLst>
-            <pc:docMk/>
-            <pc:sldMk cId="1153408665" sldId="261"/>
-            <ac:spMk id="12" creationId="{32BC26D8-82FB-445E-AA49-62A77D7C1EE0}"/>
-          </ac:spMkLst>
-        </pc:spChg>
-        <pc:spChg chg="add del">
-          <ac:chgData name="Hugo Bastos De Paula" userId="ea3b8808-58fe-4fde-bf79-dea1702d2ab3" providerId="ADAL" clId="{64EC5E40-8BB5-4320-902C-16E2C649128C}" dt="2020-02-04T11:06:25.368" v="45" actId="26606"/>
-          <ac:spMkLst>
-            <pc:docMk/>
-            <pc:sldMk cId="1153408665" sldId="261"/>
-            <ac:spMk id="14" creationId="{CB44330D-EA18-4254-AA95-EB49948539B8}"/>
-          </ac:spMkLst>
-        </pc:spChg>
-        <pc:spChg chg="add del">
-          <ac:chgData name="Hugo Bastos De Paula" userId="ea3b8808-58fe-4fde-bf79-dea1702d2ab3" providerId="ADAL" clId="{64EC5E40-8BB5-4320-902C-16E2C649128C}" dt="2020-02-04T11:06:37.084" v="47" actId="26606"/>
-          <ac:spMkLst>
-            <pc:docMk/>
-            <pc:sldMk cId="1153408665" sldId="261"/>
-            <ac:spMk id="16" creationId="{29FDB030-9B49-4CED-8CCD-4D99382388AC}"/>
-          </ac:spMkLst>
-        </pc:spChg>
-        <pc:spChg chg="add del">
-          <ac:chgData name="Hugo Bastos De Paula" userId="ea3b8808-58fe-4fde-bf79-dea1702d2ab3" providerId="ADAL" clId="{64EC5E40-8BB5-4320-902C-16E2C649128C}" dt="2020-02-04T11:06:37.084" v="47" actId="26606"/>
-          <ac:spMkLst>
-            <pc:docMk/>
-            <pc:sldMk cId="1153408665" sldId="261"/>
-            <ac:spMk id="17" creationId="{F3060C83-F051-4F0E-ABAD-AA0DFC48B218}"/>
-          </ac:spMkLst>
-        </pc:spChg>
-        <pc:spChg chg="add del">
-          <ac:chgData name="Hugo Bastos De Paula" userId="ea3b8808-58fe-4fde-bf79-dea1702d2ab3" providerId="ADAL" clId="{64EC5E40-8BB5-4320-902C-16E2C649128C}" dt="2020-02-04T11:06:37.084" v="47" actId="26606"/>
-          <ac:spMkLst>
-            <pc:docMk/>
-            <pc:sldMk cId="1153408665" sldId="261"/>
-            <ac:spMk id="18" creationId="{3783CA14-24A1-485C-8B30-D6A5D87987AD}"/>
-          </ac:spMkLst>
-        </pc:spChg>
-        <pc:spChg chg="add del">
-          <ac:chgData name="Hugo Bastos De Paula" userId="ea3b8808-58fe-4fde-bf79-dea1702d2ab3" providerId="ADAL" clId="{64EC5E40-8BB5-4320-902C-16E2C649128C}" dt="2020-02-04T11:06:37.084" v="47" actId="26606"/>
-          <ac:spMkLst>
-            <pc:docMk/>
-            <pc:sldMk cId="1153408665" sldId="261"/>
-            <ac:spMk id="19" creationId="{83C98ABE-055B-441F-B07E-44F97F083C39}"/>
-          </ac:spMkLst>
-        </pc:spChg>
-        <pc:spChg chg="add del">
-          <ac:chgData name="Hugo Bastos De Paula" userId="ea3b8808-58fe-4fde-bf79-dea1702d2ab3" providerId="ADAL" clId="{64EC5E40-8BB5-4320-902C-16E2C649128C}" dt="2020-02-04T11:06:37.084" v="47" actId="26606"/>
-          <ac:spMkLst>
-            <pc:docMk/>
-            <pc:sldMk cId="1153408665" sldId="261"/>
-            <ac:spMk id="20" creationId="{9A97C86A-04D6-40F7-AE84-31AB43E6A846}"/>
-          </ac:spMkLst>
-        </pc:spChg>
-        <pc:spChg chg="add del">
-          <ac:chgData name="Hugo Bastos De Paula" userId="ea3b8808-58fe-4fde-bf79-dea1702d2ab3" providerId="ADAL" clId="{64EC5E40-8BB5-4320-902C-16E2C649128C}" dt="2020-02-04T11:06:37.084" v="47" actId="26606"/>
-          <ac:spMkLst>
-            <pc:docMk/>
-            <pc:sldMk cId="1153408665" sldId="261"/>
-            <ac:spMk id="22" creationId="{FF9F2414-84E8-453E-B1F3-389FDE8192D9}"/>
-          </ac:spMkLst>
-        </pc:spChg>
-        <pc:spChg chg="add del">
-          <ac:chgData name="Hugo Bastos De Paula" userId="ea3b8808-58fe-4fde-bf79-dea1702d2ab3" providerId="ADAL" clId="{64EC5E40-8BB5-4320-902C-16E2C649128C}" dt="2020-02-04T11:06:37.084" v="47" actId="26606"/>
-          <ac:spMkLst>
-            <pc:docMk/>
-            <pc:sldMk cId="1153408665" sldId="261"/>
-            <ac:spMk id="24" creationId="{3ECA69A1-7536-43AC-85EF-C7106179F5ED}"/>
-          </ac:spMkLst>
-        </pc:spChg>
-        <pc:spChg chg="add">
-          <ac:chgData name="Hugo Bastos De Paula" userId="ea3b8808-58fe-4fde-bf79-dea1702d2ab3" providerId="ADAL" clId="{64EC5E40-8BB5-4320-902C-16E2C649128C}" dt="2020-02-04T11:06:37.100" v="48" actId="26606"/>
-          <ac:spMkLst>
-            <pc:docMk/>
-            <pc:sldMk cId="1153408665" sldId="261"/>
-            <ac:spMk id="26" creationId="{32BC26D8-82FB-445E-AA49-62A77D7C1EE0}"/>
-          </ac:spMkLst>
-        </pc:spChg>
-        <pc:spChg chg="add">
-          <ac:chgData name="Hugo Bastos De Paula" userId="ea3b8808-58fe-4fde-bf79-dea1702d2ab3" providerId="ADAL" clId="{64EC5E40-8BB5-4320-902C-16E2C649128C}" dt="2020-02-04T11:06:37.100" v="48" actId="26606"/>
-          <ac:spMkLst>
-            <pc:docMk/>
-            <pc:sldMk cId="1153408665" sldId="261"/>
-            <ac:spMk id="27" creationId="{CB44330D-EA18-4254-AA95-EB49948539B8}"/>
-          </ac:spMkLst>
-        </pc:spChg>
-        <pc:picChg chg="add del mod">
-          <ac:chgData name="Hugo Bastos De Paula" userId="ea3b8808-58fe-4fde-bf79-dea1702d2ab3" providerId="ADAL" clId="{64EC5E40-8BB5-4320-902C-16E2C649128C}" dt="2020-02-04T11:06:05.772" v="37" actId="478"/>
-          <ac:picMkLst>
-            <pc:docMk/>
-            <pc:sldMk cId="1153408665" sldId="261"/>
-            <ac:picMk id="5" creationId="{D039B72E-14CC-416B-8FBD-B211566BA3CA}"/>
+            <pc:sldMk cId="3272187284" sldId="257"/>
+            <ac:picMk id="5" creationId="{7076B158-3DCF-4FB1-AA4A-BDA3E6229760}"/>
           </ac:picMkLst>
         </pc:picChg>
         <pc:picChg chg="add mod">
-          <ac:chgData name="Hugo Bastos De Paula" userId="ea3b8808-58fe-4fde-bf79-dea1702d2ab3" providerId="ADAL" clId="{64EC5E40-8BB5-4320-902C-16E2C649128C}" dt="2020-02-04T11:06:37.100" v="48" actId="26606"/>
+          <ac:chgData name="Hugo Paula" userId="ea3b8808-58fe-4fde-bf79-dea1702d2ab3" providerId="ADAL" clId="{7AD1C2C3-AD32-454D-8E09-E663225CF37E}" dt="2020-05-15T18:51:31.552" v="150" actId="26606"/>
           <ac:picMkLst>
             <pc:docMk/>
-            <pc:sldMk cId="1153408665" sldId="261"/>
-            <ac:picMk id="7" creationId="{F05BE08A-A178-4C32-A992-7F5D2D2698B1}"/>
+            <pc:sldMk cId="3272187284" sldId="257"/>
+            <ac:picMk id="7" creationId="{8E97C985-4BAA-4F1B-AF57-B44DDF0B6E1E}"/>
           </ac:picMkLst>
         </pc:picChg>
       </pc:sldChg>
       <pc:sldChg chg="del">
-        <pc:chgData name="Hugo Bastos De Paula" userId="ea3b8808-58fe-4fde-bf79-dea1702d2ab3" providerId="ADAL" clId="{64EC5E40-8BB5-4320-902C-16E2C649128C}" dt="2020-02-04T11:04:07.480" v="24" actId="47"/>
-        <pc:sldMkLst>
-          <pc:docMk/>
-          <pc:sldMk cId="1652398062" sldId="261"/>
+        <pc:chgData name="Hugo Paula" userId="ea3b8808-58fe-4fde-bf79-dea1702d2ab3" providerId="ADAL" clId="{7AD1C2C3-AD32-454D-8E09-E663225CF37E}" dt="2020-05-15T18:46:04.741" v="1" actId="2696"/>
+        <pc:sldMkLst>
+          <pc:docMk/>
+          <pc:sldMk cId="305091697" sldId="258"/>
         </pc:sldMkLst>
       </pc:sldChg>
       <pc:sldChg chg="del">
-        <pc:chgData name="Hugo Bastos De Paula" userId="ea3b8808-58fe-4fde-bf79-dea1702d2ab3" providerId="ADAL" clId="{64EC5E40-8BB5-4320-902C-16E2C649128C}" dt="2020-02-04T11:04:07.480" v="24" actId="47"/>
-        <pc:sldMkLst>
-          <pc:docMk/>
-          <pc:sldMk cId="721748103" sldId="262"/>
-        </pc:sldMkLst>
-      </pc:sldChg>
-      <pc:sldChg chg="addSp delSp modSp add mod setBg">
-        <pc:chgData name="Hugo Bastos De Paula" userId="ea3b8808-58fe-4fde-bf79-dea1702d2ab3" providerId="ADAL" clId="{64EC5E40-8BB5-4320-902C-16E2C649128C}" dt="2020-02-04T11:11:21.846" v="83"/>
-        <pc:sldMkLst>
-          <pc:docMk/>
-          <pc:sldMk cId="2486841636" sldId="262"/>
-        </pc:sldMkLst>
-        <pc:spChg chg="del">
-          <ac:chgData name="Hugo Bastos De Paula" userId="ea3b8808-58fe-4fde-bf79-dea1702d2ab3" providerId="ADAL" clId="{64EC5E40-8BB5-4320-902C-16E2C649128C}" dt="2020-02-04T11:06:51.360" v="52"/>
-          <ac:spMkLst>
-            <pc:docMk/>
-            <pc:sldMk cId="2486841636" sldId="262"/>
-            <ac:spMk id="2" creationId="{65B37555-46A9-4672-B9BA-03D2E04D07F3}"/>
-          </ac:spMkLst>
-        </pc:spChg>
-        <pc:spChg chg="del">
-          <ac:chgData name="Hugo Bastos De Paula" userId="ea3b8808-58fe-4fde-bf79-dea1702d2ab3" providerId="ADAL" clId="{64EC5E40-8BB5-4320-902C-16E2C649128C}" dt="2020-02-04T11:06:51.360" v="52"/>
-          <ac:spMkLst>
-            <pc:docMk/>
-            <pc:sldMk cId="2486841636" sldId="262"/>
-            <ac:spMk id="3" creationId="{EFA7455B-0226-4EBA-A7D6-FCA5BDA8467A}"/>
-          </ac:spMkLst>
-        </pc:spChg>
-        <pc:spChg chg="add">
-          <ac:chgData name="Hugo Bastos De Paula" userId="ea3b8808-58fe-4fde-bf79-dea1702d2ab3" providerId="ADAL" clId="{64EC5E40-8BB5-4320-902C-16E2C649128C}" dt="2020-02-04T11:11:21.846" v="83"/>
-          <ac:spMkLst>
-            <pc:docMk/>
-            <pc:sldMk cId="2486841636" sldId="262"/>
-            <ac:spMk id="8" creationId="{F6AED6D8-8DF1-4451-9D6C-048AC4265DB8}"/>
-          </ac:spMkLst>
-        </pc:spChg>
-        <pc:spChg chg="add">
-          <ac:chgData name="Hugo Bastos De Paula" userId="ea3b8808-58fe-4fde-bf79-dea1702d2ab3" providerId="ADAL" clId="{64EC5E40-8BB5-4320-902C-16E2C649128C}" dt="2020-02-04T11:06:53.609" v="53" actId="26606"/>
-          <ac:spMkLst>
-            <pc:docMk/>
-            <pc:sldMk cId="2486841636" sldId="262"/>
-            <ac:spMk id="10" creationId="{32BC26D8-82FB-445E-AA49-62A77D7C1EE0}"/>
-          </ac:spMkLst>
-        </pc:spChg>
-        <pc:spChg chg="add">
-          <ac:chgData name="Hugo Bastos De Paula" userId="ea3b8808-58fe-4fde-bf79-dea1702d2ab3" providerId="ADAL" clId="{64EC5E40-8BB5-4320-902C-16E2C649128C}" dt="2020-02-04T11:06:53.609" v="53" actId="26606"/>
-          <ac:spMkLst>
-            <pc:docMk/>
-            <pc:sldMk cId="2486841636" sldId="262"/>
-            <ac:spMk id="12" creationId="{CB44330D-EA18-4254-AA95-EB49948539B8}"/>
-          </ac:spMkLst>
-        </pc:spChg>
-        <pc:picChg chg="add mod">
-          <ac:chgData name="Hugo Bastos De Paula" userId="ea3b8808-58fe-4fde-bf79-dea1702d2ab3" providerId="ADAL" clId="{64EC5E40-8BB5-4320-902C-16E2C649128C}" dt="2020-02-04T11:06:53.609" v="53" actId="26606"/>
-          <ac:picMkLst>
-            <pc:docMk/>
-            <pc:sldMk cId="2486841636" sldId="262"/>
-            <ac:picMk id="5" creationId="{8B7D34DF-39B3-4C3C-97BC-E5972DF34B9F}"/>
-          </ac:picMkLst>
-        </pc:picChg>
+        <pc:chgData name="Hugo Paula" userId="ea3b8808-58fe-4fde-bf79-dea1702d2ab3" providerId="ADAL" clId="{7AD1C2C3-AD32-454D-8E09-E663225CF37E}" dt="2020-05-15T18:46:04.742" v="2" actId="2696"/>
+        <pc:sldMkLst>
+          <pc:docMk/>
+          <pc:sldMk cId="1889711616" sldId="259"/>
+        </pc:sldMkLst>
       </pc:sldChg>
       <pc:sldChg chg="del">
-        <pc:chgData name="Hugo Bastos De Paula" userId="ea3b8808-58fe-4fde-bf79-dea1702d2ab3" providerId="ADAL" clId="{64EC5E40-8BB5-4320-902C-16E2C649128C}" dt="2020-02-04T11:04:07.480" v="24" actId="47"/>
-        <pc:sldMkLst>
-          <pc:docMk/>
-          <pc:sldMk cId="334346411" sldId="263"/>
-        </pc:sldMkLst>
-      </pc:sldChg>
-      <pc:sldChg chg="addSp delSp modSp add mod setBg">
-        <pc:chgData name="Hugo Bastos De Paula" userId="ea3b8808-58fe-4fde-bf79-dea1702d2ab3" providerId="ADAL" clId="{64EC5E40-8BB5-4320-902C-16E2C649128C}" dt="2020-02-04T11:11:23.049" v="84"/>
-        <pc:sldMkLst>
-          <pc:docMk/>
-          <pc:sldMk cId="2706184083" sldId="263"/>
-        </pc:sldMkLst>
-        <pc:spChg chg="del">
-          <ac:chgData name="Hugo Bastos De Paula" userId="ea3b8808-58fe-4fde-bf79-dea1702d2ab3" providerId="ADAL" clId="{64EC5E40-8BB5-4320-902C-16E2C649128C}" dt="2020-02-04T11:06:58.389" v="54"/>
-          <ac:spMkLst>
-            <pc:docMk/>
-            <pc:sldMk cId="2706184083" sldId="263"/>
-            <ac:spMk id="2" creationId="{14C75367-112F-464C-B272-F47E3D784071}"/>
-          </ac:spMkLst>
-        </pc:spChg>
-        <pc:spChg chg="del">
-          <ac:chgData name="Hugo Bastos De Paula" userId="ea3b8808-58fe-4fde-bf79-dea1702d2ab3" providerId="ADAL" clId="{64EC5E40-8BB5-4320-902C-16E2C649128C}" dt="2020-02-04T11:06:58.389" v="54"/>
-          <ac:spMkLst>
-            <pc:docMk/>
-            <pc:sldMk cId="2706184083" sldId="263"/>
-            <ac:spMk id="3" creationId="{C2E76556-EAA2-4D7F-9235-380E1A887181}"/>
-          </ac:spMkLst>
-        </pc:spChg>
-        <pc:spChg chg="add">
-          <ac:chgData name="Hugo Bastos De Paula" userId="ea3b8808-58fe-4fde-bf79-dea1702d2ab3" providerId="ADAL" clId="{64EC5E40-8BB5-4320-902C-16E2C649128C}" dt="2020-02-04T11:11:23.049" v="84"/>
-          <ac:spMkLst>
-            <pc:docMk/>
-            <pc:sldMk cId="2706184083" sldId="263"/>
-            <ac:spMk id="8" creationId="{1F3D1023-5016-437C-BAC2-ECF5EBB8A84B}"/>
-          </ac:spMkLst>
-        </pc:spChg>
-        <pc:spChg chg="add">
-          <ac:chgData name="Hugo Bastos De Paula" userId="ea3b8808-58fe-4fde-bf79-dea1702d2ab3" providerId="ADAL" clId="{64EC5E40-8BB5-4320-902C-16E2C649128C}" dt="2020-02-04T11:07:03.884" v="58" actId="26606"/>
-          <ac:spMkLst>
-            <pc:docMk/>
-            <pc:sldMk cId="2706184083" sldId="263"/>
-            <ac:spMk id="10" creationId="{32BC26D8-82FB-445E-AA49-62A77D7C1EE0}"/>
-          </ac:spMkLst>
-        </pc:spChg>
-        <pc:spChg chg="add">
-          <ac:chgData name="Hugo Bastos De Paula" userId="ea3b8808-58fe-4fde-bf79-dea1702d2ab3" providerId="ADAL" clId="{64EC5E40-8BB5-4320-902C-16E2C649128C}" dt="2020-02-04T11:07:03.884" v="58" actId="26606"/>
-          <ac:spMkLst>
-            <pc:docMk/>
-            <pc:sldMk cId="2706184083" sldId="263"/>
-            <ac:spMk id="12" creationId="{CB44330D-EA18-4254-AA95-EB49948539B8}"/>
-          </ac:spMkLst>
-        </pc:spChg>
-        <pc:picChg chg="add mod">
-          <ac:chgData name="Hugo Bastos De Paula" userId="ea3b8808-58fe-4fde-bf79-dea1702d2ab3" providerId="ADAL" clId="{64EC5E40-8BB5-4320-902C-16E2C649128C}" dt="2020-02-04T11:07:03.884" v="58" actId="26606"/>
-          <ac:picMkLst>
-            <pc:docMk/>
-            <pc:sldMk cId="2706184083" sldId="263"/>
-            <ac:picMk id="5" creationId="{26DC4557-F3A9-4C01-8DA2-7559EE8C148F}"/>
-          </ac:picMkLst>
-        </pc:picChg>
-      </pc:sldChg>
-      <pc:sldChg chg="addSp delSp modSp add mod setBg chgLayout">
-        <pc:chgData name="Hugo Bastos De Paula" userId="ea3b8808-58fe-4fde-bf79-dea1702d2ab3" providerId="ADAL" clId="{64EC5E40-8BB5-4320-902C-16E2C649128C}" dt="2020-02-04T11:11:24.268" v="85"/>
-        <pc:sldMkLst>
-          <pc:docMk/>
-          <pc:sldMk cId="1902884617" sldId="264"/>
-        </pc:sldMkLst>
-        <pc:spChg chg="del">
-          <ac:chgData name="Hugo Bastos De Paula" userId="ea3b8808-58fe-4fde-bf79-dea1702d2ab3" providerId="ADAL" clId="{64EC5E40-8BB5-4320-902C-16E2C649128C}" dt="2020-02-04T11:07:08.102" v="59" actId="6264"/>
-          <ac:spMkLst>
-            <pc:docMk/>
-            <pc:sldMk cId="1902884617" sldId="264"/>
-            <ac:spMk id="2" creationId="{49758855-E222-4C72-BD4A-9F914E98E631}"/>
-          </ac:spMkLst>
-        </pc:spChg>
-        <pc:spChg chg="del">
-          <ac:chgData name="Hugo Bastos De Paula" userId="ea3b8808-58fe-4fde-bf79-dea1702d2ab3" providerId="ADAL" clId="{64EC5E40-8BB5-4320-902C-16E2C649128C}" dt="2020-02-04T11:07:08.102" v="59" actId="6264"/>
-          <ac:spMkLst>
-            <pc:docMk/>
-            <pc:sldMk cId="1902884617" sldId="264"/>
-            <ac:spMk id="3" creationId="{D84310F6-33C5-41B5-A1A6-7B9E01CC6DB7}"/>
-          </ac:spMkLst>
-        </pc:spChg>
-        <pc:spChg chg="add del mod ord">
-          <ac:chgData name="Hugo Bastos De Paula" userId="ea3b8808-58fe-4fde-bf79-dea1702d2ab3" providerId="ADAL" clId="{64EC5E40-8BB5-4320-902C-16E2C649128C}" dt="2020-02-04T11:07:10.071" v="60"/>
-          <ac:spMkLst>
-            <pc:docMk/>
-            <pc:sldMk cId="1902884617" sldId="264"/>
-            <ac:spMk id="4" creationId="{087BFD40-4552-4D6C-A3E9-3A885B6D1BFD}"/>
-          </ac:spMkLst>
-        </pc:spChg>
-        <pc:spChg chg="add del mod ord">
-          <ac:chgData name="Hugo Bastos De Paula" userId="ea3b8808-58fe-4fde-bf79-dea1702d2ab3" providerId="ADAL" clId="{64EC5E40-8BB5-4320-902C-16E2C649128C}" dt="2020-02-04T11:07:10.071" v="60"/>
-          <ac:spMkLst>
-            <pc:docMk/>
-            <pc:sldMk cId="1902884617" sldId="264"/>
-            <ac:spMk id="5" creationId="{473D18EF-8643-4229-A23A-3842B22CB9CF}"/>
-          </ac:spMkLst>
-        </pc:spChg>
-        <pc:spChg chg="add">
-          <ac:chgData name="Hugo Bastos De Paula" userId="ea3b8808-58fe-4fde-bf79-dea1702d2ab3" providerId="ADAL" clId="{64EC5E40-8BB5-4320-902C-16E2C649128C}" dt="2020-02-04T11:11:24.268" v="85"/>
-          <ac:spMkLst>
-            <pc:docMk/>
-            <pc:sldMk cId="1902884617" sldId="264"/>
-            <ac:spMk id="10" creationId="{3ACE9B84-9E28-4334-B12D-4939053F9F87}"/>
-          </ac:spMkLst>
-        </pc:spChg>
-        <pc:spChg chg="add">
-          <ac:chgData name="Hugo Bastos De Paula" userId="ea3b8808-58fe-4fde-bf79-dea1702d2ab3" providerId="ADAL" clId="{64EC5E40-8BB5-4320-902C-16E2C649128C}" dt="2020-02-04T11:07:23.084" v="64" actId="26606"/>
-          <ac:spMkLst>
-            <pc:docMk/>
-            <pc:sldMk cId="1902884617" sldId="264"/>
-            <ac:spMk id="12" creationId="{32BC26D8-82FB-445E-AA49-62A77D7C1EE0}"/>
-          </ac:spMkLst>
-        </pc:spChg>
-        <pc:spChg chg="add">
-          <ac:chgData name="Hugo Bastos De Paula" userId="ea3b8808-58fe-4fde-bf79-dea1702d2ab3" providerId="ADAL" clId="{64EC5E40-8BB5-4320-902C-16E2C649128C}" dt="2020-02-04T11:07:23.084" v="64" actId="26606"/>
-          <ac:spMkLst>
-            <pc:docMk/>
-            <pc:sldMk cId="1902884617" sldId="264"/>
-            <ac:spMk id="14" creationId="{CB44330D-EA18-4254-AA95-EB49948539B8}"/>
-          </ac:spMkLst>
-        </pc:spChg>
-        <pc:picChg chg="add mod">
-          <ac:chgData name="Hugo Bastos De Paula" userId="ea3b8808-58fe-4fde-bf79-dea1702d2ab3" providerId="ADAL" clId="{64EC5E40-8BB5-4320-902C-16E2C649128C}" dt="2020-02-04T11:07:23.084" v="64" actId="26606"/>
-          <ac:picMkLst>
-            <pc:docMk/>
-            <pc:sldMk cId="1902884617" sldId="264"/>
-            <ac:picMk id="7" creationId="{27CEF4E8-D0DD-4E9E-9D0C-4A5FE297731A}"/>
-          </ac:picMkLst>
-        </pc:picChg>
+        <pc:chgData name="Hugo Paula" userId="ea3b8808-58fe-4fde-bf79-dea1702d2ab3" providerId="ADAL" clId="{7AD1C2C3-AD32-454D-8E09-E663225CF37E}" dt="2020-05-15T18:46:04.743" v="3" actId="2696"/>
+        <pc:sldMkLst>
+          <pc:docMk/>
+          <pc:sldMk cId="2688481900" sldId="260"/>
+        </pc:sldMkLst>
       </pc:sldChg>
       <pc:sldChg chg="del">
-        <pc:chgData name="Hugo Bastos De Paula" userId="ea3b8808-58fe-4fde-bf79-dea1702d2ab3" providerId="ADAL" clId="{64EC5E40-8BB5-4320-902C-16E2C649128C}" dt="2020-02-04T11:04:07.480" v="24" actId="47"/>
-        <pc:sldMkLst>
-          <pc:docMk/>
-          <pc:sldMk cId="3081371082" sldId="264"/>
-        </pc:sldMkLst>
-      </pc:sldChg>
-      <pc:sldChg chg="modSp add">
-        <pc:chgData name="Hugo Bastos De Paula" userId="ea3b8808-58fe-4fde-bf79-dea1702d2ab3" providerId="ADAL" clId="{64EC5E40-8BB5-4320-902C-16E2C649128C}" dt="2020-02-04T11:19:31.957" v="481" actId="20577"/>
-        <pc:sldMkLst>
-          <pc:docMk/>
-          <pc:sldMk cId="2399826713" sldId="265"/>
-        </pc:sldMkLst>
-        <pc:spChg chg="mod">
-          <ac:chgData name="Hugo Bastos De Paula" userId="ea3b8808-58fe-4fde-bf79-dea1702d2ab3" providerId="ADAL" clId="{64EC5E40-8BB5-4320-902C-16E2C649128C}" dt="2020-02-04T11:13:07.348" v="99" actId="20577"/>
-          <ac:spMkLst>
-            <pc:docMk/>
-            <pc:sldMk cId="2399826713" sldId="265"/>
-            <ac:spMk id="2" creationId="{EA00F411-5232-453A-A9B6-F5B77EDB5540}"/>
-          </ac:spMkLst>
-        </pc:spChg>
-        <pc:spChg chg="mod">
-          <ac:chgData name="Hugo Bastos De Paula" userId="ea3b8808-58fe-4fde-bf79-dea1702d2ab3" providerId="ADAL" clId="{64EC5E40-8BB5-4320-902C-16E2C649128C}" dt="2020-02-04T11:19:31.957" v="481" actId="20577"/>
-          <ac:spMkLst>
-            <pc:docMk/>
-            <pc:sldMk cId="2399826713" sldId="265"/>
-            <ac:spMk id="3" creationId="{08C4F6FD-F97E-44FC-A320-1BAFC3FC5004}"/>
-          </ac:spMkLst>
-        </pc:spChg>
+        <pc:chgData name="Hugo Paula" userId="ea3b8808-58fe-4fde-bf79-dea1702d2ab3" providerId="ADAL" clId="{7AD1C2C3-AD32-454D-8E09-E663225CF37E}" dt="2020-05-15T18:46:04.746" v="4" actId="2696"/>
+        <pc:sldMkLst>
+          <pc:docMk/>
+          <pc:sldMk cId="674789163" sldId="261"/>
+        </pc:sldMkLst>
       </pc:sldChg>
       <pc:sldChg chg="del">
-        <pc:chgData name="Hugo Bastos De Paula" userId="ea3b8808-58fe-4fde-bf79-dea1702d2ab3" providerId="ADAL" clId="{64EC5E40-8BB5-4320-902C-16E2C649128C}" dt="2020-02-04T11:04:07.480" v="24" actId="47"/>
-        <pc:sldMkLst>
-          <pc:docMk/>
-          <pc:sldMk cId="2452709085" sldId="265"/>
-        </pc:sldMkLst>
-      </pc:sldChg>
-      <pc:sldChg chg="addSp delSp modSp add mod setBg chgLayout">
-        <pc:chgData name="Hugo Bastos De Paula" userId="ea3b8808-58fe-4fde-bf79-dea1702d2ab3" providerId="ADAL" clId="{64EC5E40-8BB5-4320-902C-16E2C649128C}" dt="2020-02-04T13:28:30.927" v="634" actId="14100"/>
-        <pc:sldMkLst>
-          <pc:docMk/>
-          <pc:sldMk cId="430647495" sldId="266"/>
-        </pc:sldMkLst>
-        <pc:spChg chg="add del mod">
-          <ac:chgData name="Hugo Bastos De Paula" userId="ea3b8808-58fe-4fde-bf79-dea1702d2ab3" providerId="ADAL" clId="{64EC5E40-8BB5-4320-902C-16E2C649128C}" dt="2020-02-04T11:21:26.437" v="489" actId="6264"/>
-          <ac:spMkLst>
-            <pc:docMk/>
-            <pc:sldMk cId="430647495" sldId="266"/>
-            <ac:spMk id="2" creationId="{0D6C4DB8-0E2F-4BC3-B7D9-86B6C3B0321A}"/>
-          </ac:spMkLst>
-        </pc:spChg>
-        <pc:spChg chg="add del mod">
-          <ac:chgData name="Hugo Bastos De Paula" userId="ea3b8808-58fe-4fde-bf79-dea1702d2ab3" providerId="ADAL" clId="{64EC5E40-8BB5-4320-902C-16E2C649128C}" dt="2020-02-04T11:21:26.437" v="489" actId="6264"/>
-          <ac:spMkLst>
-            <pc:docMk/>
-            <pc:sldMk cId="430647495" sldId="266"/>
-            <ac:spMk id="3" creationId="{C2499CA5-6F0D-46F8-BF15-91185166DFB8}"/>
-          </ac:spMkLst>
-        </pc:spChg>
-        <pc:spChg chg="add del mod">
-          <ac:chgData name="Hugo Bastos De Paula" userId="ea3b8808-58fe-4fde-bf79-dea1702d2ab3" providerId="ADAL" clId="{64EC5E40-8BB5-4320-902C-16E2C649128C}" dt="2020-02-04T11:21:26.437" v="489" actId="6264"/>
-          <ac:spMkLst>
-            <pc:docMk/>
-            <pc:sldMk cId="430647495" sldId="266"/>
-            <ac:spMk id="4" creationId="{B683EA71-B459-47AB-AAB0-7C06DB06D22C}"/>
-          </ac:spMkLst>
-        </pc:spChg>
-        <pc:spChg chg="add del mod">
-          <ac:chgData name="Hugo Bastos De Paula" userId="ea3b8808-58fe-4fde-bf79-dea1702d2ab3" providerId="ADAL" clId="{64EC5E40-8BB5-4320-902C-16E2C649128C}" dt="2020-02-04T11:21:26.437" v="489" actId="6264"/>
-          <ac:spMkLst>
-            <pc:docMk/>
-            <pc:sldMk cId="430647495" sldId="266"/>
-            <ac:spMk id="5" creationId="{96034816-95A6-480F-91D0-3FABF3EDCA19}"/>
-          </ac:spMkLst>
-        </pc:spChg>
-        <pc:spChg chg="add del mod">
-          <ac:chgData name="Hugo Bastos De Paula" userId="ea3b8808-58fe-4fde-bf79-dea1702d2ab3" providerId="ADAL" clId="{64EC5E40-8BB5-4320-902C-16E2C649128C}" dt="2020-02-04T11:21:43.964" v="496" actId="478"/>
-          <ac:spMkLst>
-            <pc:docMk/>
-            <pc:sldMk cId="430647495" sldId="266"/>
-            <ac:spMk id="7" creationId="{C97BF521-A5C4-431B-891B-CFF1871CEFBF}"/>
-          </ac:spMkLst>
-        </pc:spChg>
-        <pc:spChg chg="mod ord">
-          <ac:chgData name="Hugo Bastos De Paula" userId="ea3b8808-58fe-4fde-bf79-dea1702d2ab3" providerId="ADAL" clId="{64EC5E40-8BB5-4320-902C-16E2C649128C}" dt="2020-02-04T11:22:16.681" v="502" actId="114"/>
-          <ac:spMkLst>
-            <pc:docMk/>
-            <pc:sldMk cId="430647495" sldId="266"/>
-            <ac:spMk id="6146" creationId="{E50A4FEA-DBD6-4135-A694-679DD0F6355A}"/>
-          </ac:spMkLst>
-        </pc:spChg>
-        <pc:spChg chg="del mod ord">
-          <ac:chgData name="Hugo Bastos De Paula" userId="ea3b8808-58fe-4fde-bf79-dea1702d2ab3" providerId="ADAL" clId="{64EC5E40-8BB5-4320-902C-16E2C649128C}" dt="2020-02-04T11:21:42.277" v="495" actId="478"/>
-          <ac:spMkLst>
-            <pc:docMk/>
-            <pc:sldMk cId="430647495" sldId="266"/>
-            <ac:spMk id="6147" creationId="{30D24D86-7121-40BA-BA04-4D9E8CC00BEC}"/>
-          </ac:spMkLst>
-        </pc:spChg>
-        <pc:picChg chg="mod ord">
-          <ac:chgData name="Hugo Bastos De Paula" userId="ea3b8808-58fe-4fde-bf79-dea1702d2ab3" providerId="ADAL" clId="{64EC5E40-8BB5-4320-902C-16E2C649128C}" dt="2020-02-04T11:22:01.543" v="501" actId="26606"/>
-          <ac:picMkLst>
-            <pc:docMk/>
-            <pc:sldMk cId="430647495" sldId="266"/>
-            <ac:picMk id="6148" creationId="{ADC18EF1-8D11-42D6-BEC5-170A389B0535}"/>
-          </ac:picMkLst>
-        </pc:picChg>
-        <pc:picChg chg="mod ord">
-          <ac:chgData name="Hugo Bastos De Paula" userId="ea3b8808-58fe-4fde-bf79-dea1702d2ab3" providerId="ADAL" clId="{64EC5E40-8BB5-4320-902C-16E2C649128C}" dt="2020-02-04T13:28:30.927" v="634" actId="14100"/>
-          <ac:picMkLst>
-            <pc:docMk/>
-            <pc:sldMk cId="430647495" sldId="266"/>
-            <ac:picMk id="6149" creationId="{B18013D3-F061-4C64-8645-5F649042F8F9}"/>
-          </ac:picMkLst>
-        </pc:picChg>
+        <pc:chgData name="Hugo Paula" userId="ea3b8808-58fe-4fde-bf79-dea1702d2ab3" providerId="ADAL" clId="{7AD1C2C3-AD32-454D-8E09-E663225CF37E}" dt="2020-05-15T18:46:04.748" v="5" actId="2696"/>
+        <pc:sldMkLst>
+          <pc:docMk/>
+          <pc:sldMk cId="1844488416" sldId="262"/>
+        </pc:sldMkLst>
       </pc:sldChg>
       <pc:sldChg chg="del">
-        <pc:chgData name="Hugo Bastos De Paula" userId="ea3b8808-58fe-4fde-bf79-dea1702d2ab3" providerId="ADAL" clId="{64EC5E40-8BB5-4320-902C-16E2C649128C}" dt="2020-02-04T11:04:07.480" v="24" actId="47"/>
-        <pc:sldMkLst>
-          <pc:docMk/>
-          <pc:sldMk cId="840580429" sldId="266"/>
-        </pc:sldMkLst>
-      </pc:sldChg>
-      <pc:sldChg chg="addSp delSp modSp add mod chgLayout">
-        <pc:chgData name="Hugo Bastos De Paula" userId="ea3b8808-58fe-4fde-bf79-dea1702d2ab3" providerId="ADAL" clId="{64EC5E40-8BB5-4320-902C-16E2C649128C}" dt="2020-02-04T13:36:06.407" v="665" actId="313"/>
-        <pc:sldMkLst>
-          <pc:docMk/>
-          <pc:sldMk cId="200132653" sldId="267"/>
-        </pc:sldMkLst>
-        <pc:spChg chg="add del mod">
-          <ac:chgData name="Hugo Bastos De Paula" userId="ea3b8808-58fe-4fde-bf79-dea1702d2ab3" providerId="ADAL" clId="{64EC5E40-8BB5-4320-902C-16E2C649128C}" dt="2020-02-04T11:22:24.866" v="503" actId="6264"/>
-          <ac:spMkLst>
-            <pc:docMk/>
-            <pc:sldMk cId="200132653" sldId="267"/>
-            <ac:spMk id="2" creationId="{250E3E8E-DF75-46C1-AAC9-7135AEB1F2BB}"/>
-          </ac:spMkLst>
-        </pc:spChg>
-        <pc:spChg chg="add del mod">
-          <ac:chgData name="Hugo Bastos De Paula" userId="ea3b8808-58fe-4fde-bf79-dea1702d2ab3" providerId="ADAL" clId="{64EC5E40-8BB5-4320-902C-16E2C649128C}" dt="2020-02-04T13:34:30.229" v="643" actId="6264"/>
-          <ac:spMkLst>
-            <pc:docMk/>
-            <pc:sldMk cId="200132653" sldId="267"/>
-            <ac:spMk id="2" creationId="{F44F8B5F-7C50-4782-9CF7-6C9AC2CB1CB6}"/>
-          </ac:spMkLst>
-        </pc:spChg>
-        <pc:spChg chg="add del mod">
-          <ac:chgData name="Hugo Bastos De Paula" userId="ea3b8808-58fe-4fde-bf79-dea1702d2ab3" providerId="ADAL" clId="{64EC5E40-8BB5-4320-902C-16E2C649128C}" dt="2020-02-04T13:34:30.229" v="643" actId="6264"/>
-          <ac:spMkLst>
-            <pc:docMk/>
-            <pc:sldMk cId="200132653" sldId="267"/>
-            <ac:spMk id="3" creationId="{4B51EE86-E621-48D3-B12E-713ADD08AFC7}"/>
-          </ac:spMkLst>
-        </pc:spChg>
-        <pc:spChg chg="add del mod">
-          <ac:chgData name="Hugo Bastos De Paula" userId="ea3b8808-58fe-4fde-bf79-dea1702d2ab3" providerId="ADAL" clId="{64EC5E40-8BB5-4320-902C-16E2C649128C}" dt="2020-02-04T11:22:24.866" v="503" actId="6264"/>
-          <ac:spMkLst>
-            <pc:docMk/>
-            <pc:sldMk cId="200132653" sldId="267"/>
-            <ac:spMk id="3" creationId="{689B5280-1E64-4B31-B848-FC3D1DD4E3E7}"/>
-          </ac:spMkLst>
-        </pc:spChg>
-        <pc:spChg chg="mod ord">
-          <ac:chgData name="Hugo Bastos De Paula" userId="ea3b8808-58fe-4fde-bf79-dea1702d2ab3" providerId="ADAL" clId="{64EC5E40-8BB5-4320-902C-16E2C649128C}" dt="2020-02-04T13:34:30.229" v="643" actId="6264"/>
-          <ac:spMkLst>
-            <pc:docMk/>
-            <pc:sldMk cId="200132653" sldId="267"/>
-            <ac:spMk id="7170" creationId="{E3A184C1-B45A-4D00-8D1B-72A6EACA4FB5}"/>
-          </ac:spMkLst>
-        </pc:spChg>
-        <pc:spChg chg="mod ord">
-          <ac:chgData name="Hugo Bastos De Paula" userId="ea3b8808-58fe-4fde-bf79-dea1702d2ab3" providerId="ADAL" clId="{64EC5E40-8BB5-4320-902C-16E2C649128C}" dt="2020-02-04T13:36:06.407" v="665" actId="313"/>
-          <ac:spMkLst>
-            <pc:docMk/>
-            <pc:sldMk cId="200132653" sldId="267"/>
-            <ac:spMk id="7171" creationId="{DC5F7F28-0BFC-4A1A-9BEA-0A6B39F0C012}"/>
-          </ac:spMkLst>
-        </pc:spChg>
+        <pc:chgData name="Hugo Paula" userId="ea3b8808-58fe-4fde-bf79-dea1702d2ab3" providerId="ADAL" clId="{7AD1C2C3-AD32-454D-8E09-E663225CF37E}" dt="2020-05-15T18:46:04.750" v="6" actId="2696"/>
+        <pc:sldMkLst>
+          <pc:docMk/>
+          <pc:sldMk cId="1295353090" sldId="263"/>
+        </pc:sldMkLst>
       </pc:sldChg>
       <pc:sldChg chg="del">
-        <pc:chgData name="Hugo Bastos De Paula" userId="ea3b8808-58fe-4fde-bf79-dea1702d2ab3" providerId="ADAL" clId="{64EC5E40-8BB5-4320-902C-16E2C649128C}" dt="2020-02-04T11:04:07.480" v="24" actId="47"/>
-        <pc:sldMkLst>
-          <pc:docMk/>
-          <pc:sldMk cId="3028835910" sldId="267"/>
-        </pc:sldMkLst>
-      </pc:sldChg>
-      <pc:sldChg chg="addSp delSp modSp add mod chgLayout">
-        <pc:chgData name="Hugo Bastos De Paula" userId="ea3b8808-58fe-4fde-bf79-dea1702d2ab3" providerId="ADAL" clId="{64EC5E40-8BB5-4320-902C-16E2C649128C}" dt="2020-02-04T13:35:41.788" v="664" actId="6549"/>
-        <pc:sldMkLst>
-          <pc:docMk/>
-          <pc:sldMk cId="22703028" sldId="268"/>
-        </pc:sldMkLst>
-        <pc:spChg chg="add del mod">
-          <ac:chgData name="Hugo Bastos De Paula" userId="ea3b8808-58fe-4fde-bf79-dea1702d2ab3" providerId="ADAL" clId="{64EC5E40-8BB5-4320-902C-16E2C649128C}" dt="2020-02-04T13:28:56.479" v="636" actId="478"/>
-          <ac:spMkLst>
-            <pc:docMk/>
-            <pc:sldMk cId="22703028" sldId="268"/>
-            <ac:spMk id="2" creationId="{2ABCCB23-7873-489B-BBD8-5D0EBC281972}"/>
-          </ac:spMkLst>
-        </pc:spChg>
-        <pc:spChg chg="add del mod">
-          <ac:chgData name="Hugo Bastos De Paula" userId="ea3b8808-58fe-4fde-bf79-dea1702d2ab3" providerId="ADAL" clId="{64EC5E40-8BB5-4320-902C-16E2C649128C}" dt="2020-02-04T13:34:18.277" v="641" actId="6264"/>
-          <ac:spMkLst>
-            <pc:docMk/>
-            <pc:sldMk cId="22703028" sldId="268"/>
-            <ac:spMk id="3" creationId="{9469ED34-25F1-4DAB-A064-4F97EF89C1E0}"/>
-          </ac:spMkLst>
-        </pc:spChg>
-        <pc:spChg chg="add del mod">
-          <ac:chgData name="Hugo Bastos De Paula" userId="ea3b8808-58fe-4fde-bf79-dea1702d2ab3" providerId="ADAL" clId="{64EC5E40-8BB5-4320-902C-16E2C649128C}" dt="2020-02-04T13:34:18.277" v="641" actId="6264"/>
-          <ac:spMkLst>
-            <pc:docMk/>
-            <pc:sldMk cId="22703028" sldId="268"/>
-            <ac:spMk id="4" creationId="{F2B0BAF3-8459-469A-A33C-23B2C23D1A56}"/>
-          </ac:spMkLst>
-        </pc:spChg>
-        <pc:spChg chg="mod ord">
-          <ac:chgData name="Hugo Bastos De Paula" userId="ea3b8808-58fe-4fde-bf79-dea1702d2ab3" providerId="ADAL" clId="{64EC5E40-8BB5-4320-902C-16E2C649128C}" dt="2020-02-04T13:34:18.277" v="641" actId="6264"/>
-          <ac:spMkLst>
-            <pc:docMk/>
-            <pc:sldMk cId="22703028" sldId="268"/>
-            <ac:spMk id="8194" creationId="{30E97455-FC0E-4BAF-A23D-B133D9D49AEF}"/>
-          </ac:spMkLst>
-        </pc:spChg>
-        <pc:spChg chg="mod ord">
-          <ac:chgData name="Hugo Bastos De Paula" userId="ea3b8808-58fe-4fde-bf79-dea1702d2ab3" providerId="ADAL" clId="{64EC5E40-8BB5-4320-902C-16E2C649128C}" dt="2020-02-04T13:35:41.788" v="664" actId="6549"/>
-          <ac:spMkLst>
-            <pc:docMk/>
-            <pc:sldMk cId="22703028" sldId="268"/>
-            <ac:spMk id="8195" creationId="{838B32A6-7A8E-4737-8B36-EDDC7F0C07C5}"/>
-          </ac:spMkLst>
-        </pc:spChg>
-        <pc:picChg chg="del">
-          <ac:chgData name="Hugo Bastos De Paula" userId="ea3b8808-58fe-4fde-bf79-dea1702d2ab3" providerId="ADAL" clId="{64EC5E40-8BB5-4320-902C-16E2C649128C}" dt="2020-02-04T13:28:50.909" v="635" actId="478"/>
-          <ac:picMkLst>
-            <pc:docMk/>
-            <pc:sldMk cId="22703028" sldId="268"/>
-            <ac:picMk id="8196" creationId="{CB41C329-A05C-4AAB-98E9-1D15CD06B7C4}"/>
-          </ac:picMkLst>
-        </pc:picChg>
+        <pc:chgData name="Hugo Paula" userId="ea3b8808-58fe-4fde-bf79-dea1702d2ab3" providerId="ADAL" clId="{7AD1C2C3-AD32-454D-8E09-E663225CF37E}" dt="2020-05-15T18:46:04.751" v="7" actId="2696"/>
+        <pc:sldMkLst>
+          <pc:docMk/>
+          <pc:sldMk cId="3033660984" sldId="264"/>
+        </pc:sldMkLst>
       </pc:sldChg>
       <pc:sldChg chg="del">
-        <pc:chgData name="Hugo Bastos De Paula" userId="ea3b8808-58fe-4fde-bf79-dea1702d2ab3" providerId="ADAL" clId="{64EC5E40-8BB5-4320-902C-16E2C649128C}" dt="2020-02-04T11:04:07.480" v="24" actId="47"/>
-        <pc:sldMkLst>
-          <pc:docMk/>
-          <pc:sldMk cId="3549903614" sldId="268"/>
-        </pc:sldMkLst>
-      </pc:sldChg>
-      <pc:sldChg chg="addSp delSp modSp add mod chgLayout">
-        <pc:chgData name="Hugo Bastos De Paula" userId="ea3b8808-58fe-4fde-bf79-dea1702d2ab3" providerId="ADAL" clId="{64EC5E40-8BB5-4320-902C-16E2C649128C}" dt="2020-02-06T10:36:41.904" v="791" actId="6549"/>
-        <pc:sldMkLst>
-          <pc:docMk/>
-          <pc:sldMk cId="2329847041" sldId="269"/>
-        </pc:sldMkLst>
-        <pc:spChg chg="add del mod">
-          <ac:chgData name="Hugo Bastos De Paula" userId="ea3b8808-58fe-4fde-bf79-dea1702d2ab3" providerId="ADAL" clId="{64EC5E40-8BB5-4320-902C-16E2C649128C}" dt="2020-02-04T11:22:38.007" v="505" actId="6264"/>
-          <ac:spMkLst>
-            <pc:docMk/>
-            <pc:sldMk cId="2329847041" sldId="269"/>
-            <ac:spMk id="2" creationId="{00C06EF8-9C9B-4E46-9F20-9603F262F66A}"/>
-          </ac:spMkLst>
-        </pc:spChg>
-        <pc:spChg chg="add del mod">
-          <ac:chgData name="Hugo Bastos De Paula" userId="ea3b8808-58fe-4fde-bf79-dea1702d2ab3" providerId="ADAL" clId="{64EC5E40-8BB5-4320-902C-16E2C649128C}" dt="2020-02-04T11:22:38.007" v="505" actId="6264"/>
-          <ac:spMkLst>
-            <pc:docMk/>
-            <pc:sldMk cId="2329847041" sldId="269"/>
-            <ac:spMk id="3" creationId="{3D1E02EA-278C-4B74-BEAF-CB66F346F8A6}"/>
-          </ac:spMkLst>
-        </pc:spChg>
-        <pc:spChg chg="mod ord">
-          <ac:chgData name="Hugo Bastos De Paula" userId="ea3b8808-58fe-4fde-bf79-dea1702d2ab3" providerId="ADAL" clId="{64EC5E40-8BB5-4320-902C-16E2C649128C}" dt="2020-02-04T11:22:38.007" v="505" actId="6264"/>
-          <ac:spMkLst>
-            <pc:docMk/>
-            <pc:sldMk cId="2329847041" sldId="269"/>
-            <ac:spMk id="9218" creationId="{919C15B3-2545-4B14-8AAE-76D84AF30C99}"/>
-          </ac:spMkLst>
-        </pc:spChg>
-        <pc:spChg chg="mod ord">
-          <ac:chgData name="Hugo Bastos De Paula" userId="ea3b8808-58fe-4fde-bf79-dea1702d2ab3" providerId="ADAL" clId="{64EC5E40-8BB5-4320-902C-16E2C649128C}" dt="2020-02-06T10:36:41.904" v="791" actId="6549"/>
-          <ac:spMkLst>
-            <pc:docMk/>
-            <pc:sldMk cId="2329847041" sldId="269"/>
-            <ac:spMk id="9219" creationId="{7D98DB46-C61E-4CE5-BE3A-3312B3E33778}"/>
-          </ac:spMkLst>
-        </pc:spChg>
-      </pc:sldChg>
-      <pc:sldChg chg="addSp delSp modSp add mod chgLayout">
-        <pc:chgData name="Hugo Bastos De Paula" userId="ea3b8808-58fe-4fde-bf79-dea1702d2ab3" providerId="ADAL" clId="{64EC5E40-8BB5-4320-902C-16E2C649128C}" dt="2020-02-06T10:35:58.792" v="783" actId="20577"/>
-        <pc:sldMkLst>
-          <pc:docMk/>
-          <pc:sldMk cId="0" sldId="270"/>
-        </pc:sldMkLst>
-        <pc:spChg chg="add del mod">
-          <ac:chgData name="Hugo Bastos De Paula" userId="ea3b8808-58fe-4fde-bf79-dea1702d2ab3" providerId="ADAL" clId="{64EC5E40-8BB5-4320-902C-16E2C649128C}" dt="2020-02-06T10:35:02.599" v="763" actId="6264"/>
-          <ac:spMkLst>
-            <pc:docMk/>
-            <pc:sldMk cId="0" sldId="270"/>
-            <ac:spMk id="2" creationId="{67C7A326-9F64-4568-A4C4-2779A099E132}"/>
-          </ac:spMkLst>
-        </pc:spChg>
-        <pc:spChg chg="add del mod">
-          <ac:chgData name="Hugo Bastos De Paula" userId="ea3b8808-58fe-4fde-bf79-dea1702d2ab3" providerId="ADAL" clId="{64EC5E40-8BB5-4320-902C-16E2C649128C}" dt="2020-02-06T10:35:02.599" v="763" actId="6264"/>
-          <ac:spMkLst>
-            <pc:docMk/>
-            <pc:sldMk cId="0" sldId="270"/>
-            <ac:spMk id="3" creationId="{9F1426A2-E417-4EE8-AA65-F8CE79C0D4B4}"/>
-          </ac:spMkLst>
-        </pc:spChg>
-        <pc:spChg chg="add del mod">
-          <ac:chgData name="Hugo Bastos De Paula" userId="ea3b8808-58fe-4fde-bf79-dea1702d2ab3" providerId="ADAL" clId="{64EC5E40-8BB5-4320-902C-16E2C649128C}" dt="2020-02-06T10:35:02.599" v="763" actId="6264"/>
-          <ac:spMkLst>
-            <pc:docMk/>
-            <pc:sldMk cId="0" sldId="270"/>
-            <ac:spMk id="4" creationId="{0126BA5C-49CE-4D33-A07A-22E602F06E52}"/>
-          </ac:spMkLst>
-        </pc:spChg>
-        <pc:spChg chg="mod ord">
-          <ac:chgData name="Hugo Bastos De Paula" userId="ea3b8808-58fe-4fde-bf79-dea1702d2ab3" providerId="ADAL" clId="{64EC5E40-8BB5-4320-902C-16E2C649128C}" dt="2020-02-06T10:35:02.599" v="763" actId="6264"/>
-          <ac:spMkLst>
-            <pc:docMk/>
-            <pc:sldMk cId="0" sldId="270"/>
-            <ac:spMk id="10242" creationId="{909EF548-4648-497D-9612-BD527967E970}"/>
-          </ac:spMkLst>
-        </pc:spChg>
-        <pc:spChg chg="mod ord">
-          <ac:chgData name="Hugo Bastos De Paula" userId="ea3b8808-58fe-4fde-bf79-dea1702d2ab3" providerId="ADAL" clId="{64EC5E40-8BB5-4320-902C-16E2C649128C}" dt="2020-02-06T10:35:58.792" v="783" actId="20577"/>
-          <ac:spMkLst>
-            <pc:docMk/>
-            <pc:sldMk cId="0" sldId="270"/>
-            <ac:spMk id="10243" creationId="{DF620B93-C76E-4495-AA91-8823C5EDF1C7}"/>
-          </ac:spMkLst>
-        </pc:spChg>
-        <pc:picChg chg="mod ord">
-          <ac:chgData name="Hugo Bastos De Paula" userId="ea3b8808-58fe-4fde-bf79-dea1702d2ab3" providerId="ADAL" clId="{64EC5E40-8BB5-4320-902C-16E2C649128C}" dt="2020-02-06T10:35:28.947" v="774" actId="14100"/>
-          <ac:picMkLst>
-            <pc:docMk/>
-            <pc:sldMk cId="0" sldId="270"/>
-            <ac:picMk id="10244" creationId="{CB50D27D-91C0-47DD-A825-98599E74BD20}"/>
-          </ac:picMkLst>
-        </pc:picChg>
-      </pc:sldChg>
-      <pc:sldChg chg="addSp delSp modSp add mod setBg">
-        <pc:chgData name="Hugo Bastos De Paula" userId="ea3b8808-58fe-4fde-bf79-dea1702d2ab3" providerId="ADAL" clId="{64EC5E40-8BB5-4320-902C-16E2C649128C}" dt="2020-02-06T10:34:23.726" v="762" actId="790"/>
-        <pc:sldMkLst>
-          <pc:docMk/>
-          <pc:sldMk cId="0" sldId="271"/>
-        </pc:sldMkLst>
-        <pc:spChg chg="add del">
-          <ac:chgData name="Hugo Bastos De Paula" userId="ea3b8808-58fe-4fde-bf79-dea1702d2ab3" providerId="ADAL" clId="{64EC5E40-8BB5-4320-902C-16E2C649128C}" dt="2020-02-06T10:33:34.628" v="745" actId="26606"/>
-          <ac:spMkLst>
-            <pc:docMk/>
-            <pc:sldMk cId="0" sldId="271"/>
-            <ac:spMk id="73" creationId="{CEB41C5C-0F34-4DDA-9D7C-5E717F35F60C}"/>
-          </ac:spMkLst>
-        </pc:spChg>
-        <pc:spChg chg="add">
-          <ac:chgData name="Hugo Bastos De Paula" userId="ea3b8808-58fe-4fde-bf79-dea1702d2ab3" providerId="ADAL" clId="{64EC5E40-8BB5-4320-902C-16E2C649128C}" dt="2020-02-06T10:33:34.628" v="745" actId="26606"/>
-          <ac:spMkLst>
-            <pc:docMk/>
-            <pc:sldMk cId="0" sldId="271"/>
-            <ac:spMk id="137" creationId="{577D1452-F0B7-431E-9A24-D3F7103D8510}"/>
-          </ac:spMkLst>
-        </pc:spChg>
-        <pc:spChg chg="add">
-          <ac:chgData name="Hugo Bastos De Paula" userId="ea3b8808-58fe-4fde-bf79-dea1702d2ab3" providerId="ADAL" clId="{64EC5E40-8BB5-4320-902C-16E2C649128C}" dt="2020-02-06T10:33:34.628" v="745" actId="26606"/>
-          <ac:spMkLst>
-            <pc:docMk/>
-            <pc:sldMk cId="0" sldId="271"/>
-            <ac:spMk id="139" creationId="{A660F4F9-5DF5-4F15-BE6A-CD8648BB1148}"/>
-          </ac:spMkLst>
-        </pc:spChg>
-        <pc:spChg chg="mod">
-          <ac:chgData name="Hugo Bastos De Paula" userId="ea3b8808-58fe-4fde-bf79-dea1702d2ab3" providerId="ADAL" clId="{64EC5E40-8BB5-4320-902C-16E2C649128C}" dt="2020-02-06T10:34:23.726" v="762" actId="790"/>
-          <ac:spMkLst>
-            <pc:docMk/>
-            <pc:sldMk cId="0" sldId="271"/>
-            <ac:spMk id="11266" creationId="{2CA26AC2-9892-496A-932A-66F0A405286D}"/>
-          </ac:spMkLst>
-        </pc:spChg>
-        <pc:spChg chg="mod ord">
-          <ac:chgData name="Hugo Bastos De Paula" userId="ea3b8808-58fe-4fde-bf79-dea1702d2ab3" providerId="ADAL" clId="{64EC5E40-8BB5-4320-902C-16E2C649128C}" dt="2020-02-06T10:34:23.726" v="762" actId="790"/>
-          <ac:spMkLst>
-            <pc:docMk/>
-            <pc:sldMk cId="0" sldId="271"/>
-            <ac:spMk id="11267" creationId="{3E9D1ACB-5EA6-4434-9EF4-CC26DBEECFB7}"/>
-          </ac:spMkLst>
-        </pc:spChg>
-        <pc:picChg chg="mod">
-          <ac:chgData name="Hugo Bastos De Paula" userId="ea3b8808-58fe-4fde-bf79-dea1702d2ab3" providerId="ADAL" clId="{64EC5E40-8BB5-4320-902C-16E2C649128C}" dt="2020-02-06T10:33:34.628" v="745" actId="26606"/>
-          <ac:picMkLst>
-            <pc:docMk/>
-            <pc:sldMk cId="0" sldId="271"/>
-            <ac:picMk id="11268" creationId="{89D375B7-CABB-4725-B45C-4F18DE91F3E2}"/>
-          </ac:picMkLst>
-        </pc:picChg>
-        <pc:cxnChg chg="add del">
-          <ac:chgData name="Hugo Bastos De Paula" userId="ea3b8808-58fe-4fde-bf79-dea1702d2ab3" providerId="ADAL" clId="{64EC5E40-8BB5-4320-902C-16E2C649128C}" dt="2020-02-06T10:33:34.628" v="745" actId="26606"/>
-          <ac:cxnSpMkLst>
-            <pc:docMk/>
-            <pc:sldMk cId="0" sldId="271"/>
-            <ac:cxnSpMk id="75" creationId="{57E1E5E6-F385-4E9C-B201-BA5BDE5CAD52}"/>
-          </ac:cxnSpMkLst>
-        </pc:cxnChg>
-      </pc:sldChg>
-      <pc:sldChg chg="addSp modSp add mod setBg">
-        <pc:chgData name="Hugo Bastos De Paula" userId="ea3b8808-58fe-4fde-bf79-dea1702d2ab3" providerId="ADAL" clId="{64EC5E40-8BB5-4320-902C-16E2C649128C}" dt="2020-02-06T10:32:51.502" v="738" actId="790"/>
-        <pc:sldMkLst>
-          <pc:docMk/>
-          <pc:sldMk cId="0" sldId="272"/>
-        </pc:sldMkLst>
-        <pc:spChg chg="add">
-          <ac:chgData name="Hugo Bastos De Paula" userId="ea3b8808-58fe-4fde-bf79-dea1702d2ab3" providerId="ADAL" clId="{64EC5E40-8BB5-4320-902C-16E2C649128C}" dt="2020-02-06T10:31:53.547" v="705" actId="26606"/>
-          <ac:spMkLst>
-            <pc:docMk/>
-            <pc:sldMk cId="0" sldId="272"/>
-            <ac:spMk id="73" creationId="{CEB41C5C-0F34-4DDA-9D7C-5E717F35F60C}"/>
-          </ac:spMkLst>
-        </pc:spChg>
-        <pc:spChg chg="mod">
-          <ac:chgData name="Hugo Bastos De Paula" userId="ea3b8808-58fe-4fde-bf79-dea1702d2ab3" providerId="ADAL" clId="{64EC5E40-8BB5-4320-902C-16E2C649128C}" dt="2020-02-06T10:32:51.502" v="738" actId="790"/>
-          <ac:spMkLst>
-            <pc:docMk/>
-            <pc:sldMk cId="0" sldId="272"/>
-            <ac:spMk id="12290" creationId="{22A19493-3DBB-4487-8732-73247C0F5AA4}"/>
-          </ac:spMkLst>
-        </pc:spChg>
-        <pc:spChg chg="mod">
-          <ac:chgData name="Hugo Bastos De Paula" userId="ea3b8808-58fe-4fde-bf79-dea1702d2ab3" providerId="ADAL" clId="{64EC5E40-8BB5-4320-902C-16E2C649128C}" dt="2020-02-06T10:32:33.255" v="737" actId="1035"/>
-          <ac:spMkLst>
-            <pc:docMk/>
-            <pc:sldMk cId="0" sldId="272"/>
-            <ac:spMk id="12292" creationId="{DB45AEFA-8098-4798-97AD-3A6AC30B080F}"/>
-          </ac:spMkLst>
-        </pc:spChg>
-        <pc:picChg chg="mod">
-          <ac:chgData name="Hugo Bastos De Paula" userId="ea3b8808-58fe-4fde-bf79-dea1702d2ab3" providerId="ADAL" clId="{64EC5E40-8BB5-4320-902C-16E2C649128C}" dt="2020-02-06T10:32:16.306" v="713" actId="14100"/>
-          <ac:picMkLst>
-            <pc:docMk/>
-            <pc:sldMk cId="0" sldId="272"/>
-            <ac:picMk id="12291" creationId="{D59EA310-54E6-4AD4-B5C9-60329D55D926}"/>
-          </ac:picMkLst>
-        </pc:picChg>
-      </pc:sldChg>
-      <pc:sldChg chg="addSp delSp modSp add mod setBg">
-        <pc:chgData name="Hugo Bastos De Paula" userId="ea3b8808-58fe-4fde-bf79-dea1702d2ab3" providerId="ADAL" clId="{64EC5E40-8BB5-4320-902C-16E2C649128C}" dt="2020-02-06T10:31:11.760" v="700" actId="404"/>
-        <pc:sldMkLst>
-          <pc:docMk/>
-          <pc:sldMk cId="0" sldId="273"/>
-        </pc:sldMkLst>
-        <pc:spChg chg="add del">
-          <ac:chgData name="Hugo Bastos De Paula" userId="ea3b8808-58fe-4fde-bf79-dea1702d2ab3" providerId="ADAL" clId="{64EC5E40-8BB5-4320-902C-16E2C649128C}" dt="2020-02-06T10:30:25.345" v="683" actId="26606"/>
-          <ac:spMkLst>
-            <pc:docMk/>
-            <pc:sldMk cId="0" sldId="273"/>
-            <ac:spMk id="73" creationId="{0288C6B4-AFC3-407F-A595-EFFD38D4CCAF}"/>
-          </ac:spMkLst>
-        </pc:spChg>
-        <pc:spChg chg="add del">
-          <ac:chgData name="Hugo Bastos De Paula" userId="ea3b8808-58fe-4fde-bf79-dea1702d2ab3" providerId="ADAL" clId="{64EC5E40-8BB5-4320-902C-16E2C649128C}" dt="2020-02-06T10:30:25.345" v="683" actId="26606"/>
-          <ac:spMkLst>
-            <pc:docMk/>
-            <pc:sldMk cId="0" sldId="273"/>
-            <ac:spMk id="75" creationId="{CF236821-17FE-429B-8D2C-08E13A64EA40}"/>
-          </ac:spMkLst>
-        </pc:spChg>
-        <pc:spChg chg="add del">
-          <ac:chgData name="Hugo Bastos De Paula" userId="ea3b8808-58fe-4fde-bf79-dea1702d2ab3" providerId="ADAL" clId="{64EC5E40-8BB5-4320-902C-16E2C649128C}" dt="2020-02-06T10:30:25.345" v="683" actId="26606"/>
-          <ac:spMkLst>
-            <pc:docMk/>
-            <pc:sldMk cId="0" sldId="273"/>
-            <ac:spMk id="77" creationId="{C0BDBCD2-E081-43AB-9119-C55465E59757}"/>
-          </ac:spMkLst>
-        </pc:spChg>
-        <pc:spChg chg="add del">
-          <ac:chgData name="Hugo Bastos De Paula" userId="ea3b8808-58fe-4fde-bf79-dea1702d2ab3" providerId="ADAL" clId="{64EC5E40-8BB5-4320-902C-16E2C649128C}" dt="2020-02-06T10:30:25.345" v="683" actId="26606"/>
-          <ac:spMkLst>
-            <pc:docMk/>
-            <pc:sldMk cId="0" sldId="273"/>
-            <ac:spMk id="79" creationId="{98E79BE4-34FE-485A-98A5-92CE8F7C4743}"/>
-          </ac:spMkLst>
-        </pc:spChg>
-        <pc:spChg chg="add del">
-          <ac:chgData name="Hugo Bastos De Paula" userId="ea3b8808-58fe-4fde-bf79-dea1702d2ab3" providerId="ADAL" clId="{64EC5E40-8BB5-4320-902C-16E2C649128C}" dt="2020-02-06T10:30:25.345" v="683" actId="26606"/>
-          <ac:spMkLst>
-            <pc:docMk/>
-            <pc:sldMk cId="0" sldId="273"/>
-            <ac:spMk id="81" creationId="{7A5F0580-5EE9-419F-96EE-B6529EF6E7D0}"/>
-          </ac:spMkLst>
-        </pc:spChg>
-        <pc:spChg chg="mod">
-          <ac:chgData name="Hugo Bastos De Paula" userId="ea3b8808-58fe-4fde-bf79-dea1702d2ab3" providerId="ADAL" clId="{64EC5E40-8BB5-4320-902C-16E2C649128C}" dt="2020-02-06T10:30:51.694" v="693" actId="14100"/>
-          <ac:spMkLst>
-            <pc:docMk/>
-            <pc:sldMk cId="0" sldId="273"/>
-            <ac:spMk id="13314" creationId="{2350E04F-7184-43AD-8B15-59054A6F01F7}"/>
-          </ac:spMkLst>
-        </pc:spChg>
-        <pc:spChg chg="mod">
-          <ac:chgData name="Hugo Bastos De Paula" userId="ea3b8808-58fe-4fde-bf79-dea1702d2ab3" providerId="ADAL" clId="{64EC5E40-8BB5-4320-902C-16E2C649128C}" dt="2020-02-06T10:31:11.760" v="700" actId="404"/>
-          <ac:spMkLst>
-            <pc:docMk/>
-            <pc:sldMk cId="0" sldId="273"/>
-            <ac:spMk id="13316" creationId="{6B7C21E6-5D86-4F0D-85D0-AA0D5D1FD5A6}"/>
-          </ac:spMkLst>
-        </pc:spChg>
-        <pc:spChg chg="add del">
-          <ac:chgData name="Hugo Bastos De Paula" userId="ea3b8808-58fe-4fde-bf79-dea1702d2ab3" providerId="ADAL" clId="{64EC5E40-8BB5-4320-902C-16E2C649128C}" dt="2020-02-06T10:30:26.485" v="685" actId="26606"/>
-          <ac:spMkLst>
-            <pc:docMk/>
-            <pc:sldMk cId="0" sldId="273"/>
-            <ac:spMk id="13318" creationId="{5C9B446A-6343-4E56-90BA-061E4DDF0FFB}"/>
-          </ac:spMkLst>
-        </pc:spChg>
-        <pc:spChg chg="add del">
-          <ac:chgData name="Hugo Bastos De Paula" userId="ea3b8808-58fe-4fde-bf79-dea1702d2ab3" providerId="ADAL" clId="{64EC5E40-8BB5-4320-902C-16E2C649128C}" dt="2020-02-06T10:30:26.485" v="685" actId="26606"/>
-          <ac:spMkLst>
-            <pc:docMk/>
-            <pc:sldMk cId="0" sldId="273"/>
-            <ac:spMk id="13319" creationId="{3EC72A1B-03D3-499C-B4BF-AC68EEC22B10}"/>
-          </ac:spMkLst>
-        </pc:spChg>
-        <pc:spChg chg="add del">
-          <ac:chgData name="Hugo Bastos De Paula" userId="ea3b8808-58fe-4fde-bf79-dea1702d2ab3" providerId="ADAL" clId="{64EC5E40-8BB5-4320-902C-16E2C649128C}" dt="2020-02-06T10:30:26.485" v="685" actId="26606"/>
-          <ac:spMkLst>
-            <pc:docMk/>
-            <pc:sldMk cId="0" sldId="273"/>
-            <ac:spMk id="13320" creationId="{216322C2-3CF0-4D33-BF90-3F384CF6D232}"/>
-          </ac:spMkLst>
-        </pc:spChg>
-        <pc:spChg chg="add del">
-          <ac:chgData name="Hugo Bastos De Paula" userId="ea3b8808-58fe-4fde-bf79-dea1702d2ab3" providerId="ADAL" clId="{64EC5E40-8BB5-4320-902C-16E2C649128C}" dt="2020-02-06T10:30:26.485" v="685" actId="26606"/>
-          <ac:spMkLst>
-            <pc:docMk/>
-            <pc:sldMk cId="0" sldId="273"/>
-            <ac:spMk id="13321" creationId="{55D4142C-5077-457F-A6AD-3FECFDB39685}"/>
-          </ac:spMkLst>
-        </pc:spChg>
-        <pc:spChg chg="add del">
-          <ac:chgData name="Hugo Bastos De Paula" userId="ea3b8808-58fe-4fde-bf79-dea1702d2ab3" providerId="ADAL" clId="{64EC5E40-8BB5-4320-902C-16E2C649128C}" dt="2020-02-06T10:30:26.485" v="685" actId="26606"/>
-          <ac:spMkLst>
-            <pc:docMk/>
-            <pc:sldMk cId="0" sldId="273"/>
-            <ac:spMk id="13322" creationId="{7A5F0580-5EE9-419F-96EE-B6529EF6E7D0}"/>
-          </ac:spMkLst>
-        </pc:spChg>
-        <pc:spChg chg="add del">
-          <ac:chgData name="Hugo Bastos De Paula" userId="ea3b8808-58fe-4fde-bf79-dea1702d2ab3" providerId="ADAL" clId="{64EC5E40-8BB5-4320-902C-16E2C649128C}" dt="2020-02-06T10:30:34.764" v="687" actId="26606"/>
-          <ac:spMkLst>
-            <pc:docMk/>
-            <pc:sldMk cId="0" sldId="273"/>
-            <ac:spMk id="13324" creationId="{0288C6B4-AFC3-407F-A595-EFFD38D4CCAF}"/>
-          </ac:spMkLst>
-        </pc:spChg>
-        <pc:spChg chg="add del">
-          <ac:chgData name="Hugo Bastos De Paula" userId="ea3b8808-58fe-4fde-bf79-dea1702d2ab3" providerId="ADAL" clId="{64EC5E40-8BB5-4320-902C-16E2C649128C}" dt="2020-02-06T10:30:34.764" v="687" actId="26606"/>
-          <ac:spMkLst>
-            <pc:docMk/>
-            <pc:sldMk cId="0" sldId="273"/>
-            <ac:spMk id="13325" creationId="{CF236821-17FE-429B-8D2C-08E13A64EA40}"/>
-          </ac:spMkLst>
-        </pc:spChg>
-        <pc:spChg chg="add del">
-          <ac:chgData name="Hugo Bastos De Paula" userId="ea3b8808-58fe-4fde-bf79-dea1702d2ab3" providerId="ADAL" clId="{64EC5E40-8BB5-4320-902C-16E2C649128C}" dt="2020-02-06T10:30:34.764" v="687" actId="26606"/>
-          <ac:spMkLst>
-            <pc:docMk/>
-            <pc:sldMk cId="0" sldId="273"/>
-            <ac:spMk id="13326" creationId="{C0BDBCD2-E081-43AB-9119-C55465E59757}"/>
-          </ac:spMkLst>
-        </pc:spChg>
-        <pc:spChg chg="add del">
-          <ac:chgData name="Hugo Bastos De Paula" userId="ea3b8808-58fe-4fde-bf79-dea1702d2ab3" providerId="ADAL" clId="{64EC5E40-8BB5-4320-902C-16E2C649128C}" dt="2020-02-06T10:30:34.764" v="687" actId="26606"/>
-          <ac:spMkLst>
-            <pc:docMk/>
-            <pc:sldMk cId="0" sldId="273"/>
-            <ac:spMk id="13327" creationId="{98E79BE4-34FE-485A-98A5-92CE8F7C4743}"/>
-          </ac:spMkLst>
-        </pc:spChg>
-        <pc:spChg chg="add del">
-          <ac:chgData name="Hugo Bastos De Paula" userId="ea3b8808-58fe-4fde-bf79-dea1702d2ab3" providerId="ADAL" clId="{64EC5E40-8BB5-4320-902C-16E2C649128C}" dt="2020-02-06T10:30:34.764" v="687" actId="26606"/>
-          <ac:spMkLst>
-            <pc:docMk/>
-            <pc:sldMk cId="0" sldId="273"/>
-            <ac:spMk id="13328" creationId="{7A5F0580-5EE9-419F-96EE-B6529EF6E7D0}"/>
-          </ac:spMkLst>
-        </pc:spChg>
-        <pc:picChg chg="mod ord">
-          <ac:chgData name="Hugo Bastos De Paula" userId="ea3b8808-58fe-4fde-bf79-dea1702d2ab3" providerId="ADAL" clId="{64EC5E40-8BB5-4320-902C-16E2C649128C}" dt="2020-02-06T10:30:34.764" v="687" actId="26606"/>
-          <ac:picMkLst>
-            <pc:docMk/>
-            <pc:sldMk cId="0" sldId="273"/>
-            <ac:picMk id="13315" creationId="{2D1FA4A5-121D-43B0-9D1C-E450E860A31E}"/>
-          </ac:picMkLst>
-        </pc:picChg>
-      </pc:sldChg>
-      <pc:sldChg chg="addSp delSp modSp add mod chgLayout">
-        <pc:chgData name="Hugo Bastos De Paula" userId="ea3b8808-58fe-4fde-bf79-dea1702d2ab3" providerId="ADAL" clId="{64EC5E40-8BB5-4320-902C-16E2C649128C}" dt="2020-02-06T10:31:26.210" v="704" actId="403"/>
-        <pc:sldMkLst>
-          <pc:docMk/>
-          <pc:sldMk cId="0" sldId="274"/>
-        </pc:sldMkLst>
-        <pc:spChg chg="add del mod">
-          <ac:chgData name="Hugo Bastos De Paula" userId="ea3b8808-58fe-4fde-bf79-dea1702d2ab3" providerId="ADAL" clId="{64EC5E40-8BB5-4320-902C-16E2C649128C}" dt="2020-02-04T11:22:44.069" v="507" actId="6264"/>
-          <ac:spMkLst>
-            <pc:docMk/>
-            <pc:sldMk cId="0" sldId="274"/>
-            <ac:spMk id="2" creationId="{1AD3C61E-E92B-48EA-89EB-5470D25B6A04}"/>
-          </ac:spMkLst>
-        </pc:spChg>
-        <pc:spChg chg="add del mod">
-          <ac:chgData name="Hugo Bastos De Paula" userId="ea3b8808-58fe-4fde-bf79-dea1702d2ab3" providerId="ADAL" clId="{64EC5E40-8BB5-4320-902C-16E2C649128C}" dt="2020-02-04T11:22:44.069" v="507" actId="6264"/>
-          <ac:spMkLst>
-            <pc:docMk/>
-            <pc:sldMk cId="0" sldId="274"/>
-            <ac:spMk id="3" creationId="{F80FF827-7A67-466B-8E0A-D0E8B44C4A05}"/>
-          </ac:spMkLst>
-        </pc:spChg>
-        <pc:spChg chg="add mod ord">
-          <ac:chgData name="Hugo Bastos De Paula" userId="ea3b8808-58fe-4fde-bf79-dea1702d2ab3" providerId="ADAL" clId="{64EC5E40-8BB5-4320-902C-16E2C649128C}" dt="2020-02-06T10:31:26.210" v="704" actId="403"/>
-          <ac:spMkLst>
-            <pc:docMk/>
-            <pc:sldMk cId="0" sldId="274"/>
-            <ac:spMk id="4" creationId="{0C2A6CCD-0455-456B-9C86-0A2B12D855F5}"/>
-          </ac:spMkLst>
-        </pc:spChg>
-        <pc:spChg chg="add del mod">
-          <ac:chgData name="Hugo Bastos De Paula" userId="ea3b8808-58fe-4fde-bf79-dea1702d2ab3" providerId="ADAL" clId="{64EC5E40-8BB5-4320-902C-16E2C649128C}" dt="2020-02-04T11:23:02.819" v="521" actId="6264"/>
-          <ac:spMkLst>
-            <pc:docMk/>
-            <pc:sldMk cId="0" sldId="274"/>
-            <ac:spMk id="5" creationId="{BBC1218B-1ABC-4DF7-B415-0F1EF06FD0B9}"/>
-          </ac:spMkLst>
-        </pc:spChg>
-        <pc:spChg chg="add del mod">
-          <ac:chgData name="Hugo Bastos De Paula" userId="ea3b8808-58fe-4fde-bf79-dea1702d2ab3" providerId="ADAL" clId="{64EC5E40-8BB5-4320-902C-16E2C649128C}" dt="2020-02-04T11:23:02.819" v="521" actId="6264"/>
-          <ac:spMkLst>
-            <pc:docMk/>
-            <pc:sldMk cId="0" sldId="274"/>
-            <ac:spMk id="6" creationId="{ED679C1C-665A-402E-AECA-CFF73F795CEF}"/>
-          </ac:spMkLst>
-        </pc:spChg>
-        <pc:spChg chg="add del mod">
-          <ac:chgData name="Hugo Bastos De Paula" userId="ea3b8808-58fe-4fde-bf79-dea1702d2ab3" providerId="ADAL" clId="{64EC5E40-8BB5-4320-902C-16E2C649128C}" dt="2020-02-04T11:23:02.819" v="521" actId="6264"/>
-          <ac:spMkLst>
-            <pc:docMk/>
-            <pc:sldMk cId="0" sldId="274"/>
-            <ac:spMk id="7" creationId="{725969C9-A938-4FF4-B51A-7821FA943000}"/>
-          </ac:spMkLst>
-        </pc:spChg>
-        <pc:spChg chg="mod ord">
-          <ac:chgData name="Hugo Bastos De Paula" userId="ea3b8808-58fe-4fde-bf79-dea1702d2ab3" providerId="ADAL" clId="{64EC5E40-8BB5-4320-902C-16E2C649128C}" dt="2020-02-04T11:23:02.819" v="521" actId="6264"/>
-          <ac:spMkLst>
-            <pc:docMk/>
-            <pc:sldMk cId="0" sldId="274"/>
-            <ac:spMk id="14338" creationId="{4F6602D1-E5BA-4FE7-83EA-C7DFA5B9E94B}"/>
-          </ac:spMkLst>
-        </pc:spChg>
-        <pc:spChg chg="del mod">
-          <ac:chgData name="Hugo Bastos De Paula" userId="ea3b8808-58fe-4fde-bf79-dea1702d2ab3" providerId="ADAL" clId="{64EC5E40-8BB5-4320-902C-16E2C649128C}" dt="2020-02-04T11:22:53.649" v="510" actId="478"/>
-          <ac:spMkLst>
-            <pc:docMk/>
-            <pc:sldMk cId="0" sldId="274"/>
-            <ac:spMk id="14340" creationId="{9D1A7E6B-72E8-43DF-9DB5-C0BA4215E9B3}"/>
-          </ac:spMkLst>
-        </pc:spChg>
-        <pc:picChg chg="mod ord">
-          <ac:chgData name="Hugo Bastos De Paula" userId="ea3b8808-58fe-4fde-bf79-dea1702d2ab3" providerId="ADAL" clId="{64EC5E40-8BB5-4320-902C-16E2C649128C}" dt="2020-02-06T10:31:20.804" v="702" actId="14100"/>
-          <ac:picMkLst>
-            <pc:docMk/>
-            <pc:sldMk cId="0" sldId="274"/>
-            <ac:picMk id="14339" creationId="{639DC811-12FC-48EB-AF79-46BBDE3101F5}"/>
-          </ac:picMkLst>
-        </pc:picChg>
-      </pc:sldChg>
-      <pc:sldChg chg="addSp delSp modSp add mod setBg setClrOvrMap">
-        <pc:chgData name="Hugo Bastos De Paula" userId="ea3b8808-58fe-4fde-bf79-dea1702d2ab3" providerId="ADAL" clId="{64EC5E40-8BB5-4320-902C-16E2C649128C}" dt="2020-02-04T13:23:35.628" v="603" actId="1076"/>
-        <pc:sldMkLst>
-          <pc:docMk/>
-          <pc:sldMk cId="824306656" sldId="275"/>
-        </pc:sldMkLst>
-        <pc:spChg chg="mod">
-          <ac:chgData name="Hugo Bastos De Paula" userId="ea3b8808-58fe-4fde-bf79-dea1702d2ab3" providerId="ADAL" clId="{64EC5E40-8BB5-4320-902C-16E2C649128C}" dt="2020-02-04T13:21:30.270" v="597" actId="26606"/>
-          <ac:spMkLst>
-            <pc:docMk/>
-            <pc:sldMk cId="824306656" sldId="275"/>
-            <ac:spMk id="2" creationId="{8B37E5B5-1B5B-4D74-AE6B-8FBBE039DE93}"/>
-          </ac:spMkLst>
-        </pc:spChg>
-        <pc:spChg chg="del">
-          <ac:chgData name="Hugo Bastos De Paula" userId="ea3b8808-58fe-4fde-bf79-dea1702d2ab3" providerId="ADAL" clId="{64EC5E40-8BB5-4320-902C-16E2C649128C}" dt="2020-02-04T13:18:52.390" v="580"/>
-          <ac:spMkLst>
-            <pc:docMk/>
-            <pc:sldMk cId="824306656" sldId="275"/>
-            <ac:spMk id="3" creationId="{2B96C232-897E-43AA-B830-30C88DBBCFAA}"/>
-          </ac:spMkLst>
-        </pc:spChg>
-        <pc:spChg chg="del">
-          <ac:chgData name="Hugo Bastos De Paula" userId="ea3b8808-58fe-4fde-bf79-dea1702d2ab3" providerId="ADAL" clId="{64EC5E40-8BB5-4320-902C-16E2C649128C}" dt="2020-02-04T13:18:52.390" v="580"/>
-          <ac:spMkLst>
-            <pc:docMk/>
-            <pc:sldMk cId="824306656" sldId="275"/>
-            <ac:spMk id="4" creationId="{6192710B-50CF-48DF-B5B3-E7E623FDB0EA}"/>
-          </ac:spMkLst>
-        </pc:spChg>
-        <pc:spChg chg="add del mod">
-          <ac:chgData name="Hugo Bastos De Paula" userId="ea3b8808-58fe-4fde-bf79-dea1702d2ab3" providerId="ADAL" clId="{64EC5E40-8BB5-4320-902C-16E2C649128C}" dt="2020-02-04T13:19:01.820" v="581" actId="931"/>
-          <ac:spMkLst>
-            <pc:docMk/>
-            <pc:sldMk cId="824306656" sldId="275"/>
-            <ac:spMk id="5" creationId="{B604C9A2-FEB7-4BCA-9C36-3593B3F26B2A}"/>
-          </ac:spMkLst>
-        </pc:spChg>
-        <pc:spChg chg="add del">
-          <ac:chgData name="Hugo Bastos De Paula" userId="ea3b8808-58fe-4fde-bf79-dea1702d2ab3" providerId="ADAL" clId="{64EC5E40-8BB5-4320-902C-16E2C649128C}" dt="2020-02-04T13:20:01.553" v="593"/>
-          <ac:spMkLst>
-            <pc:docMk/>
-            <pc:sldMk cId="824306656" sldId="275"/>
-            <ac:spMk id="8" creationId="{88E97DB7-8EE6-4F62-9C34-19A050E0513F}"/>
-          </ac:spMkLst>
-        </pc:spChg>
-        <pc:spChg chg="add del">
-          <ac:chgData name="Hugo Bastos De Paula" userId="ea3b8808-58fe-4fde-bf79-dea1702d2ab3" providerId="ADAL" clId="{64EC5E40-8BB5-4320-902C-16E2C649128C}" dt="2020-02-04T13:21:30.247" v="596" actId="26606"/>
-          <ac:spMkLst>
-            <pc:docMk/>
-            <pc:sldMk cId="824306656" sldId="275"/>
-            <ac:spMk id="13" creationId="{86C904DE-1A5E-4992-99CD-7515FA4A7938}"/>
-          </ac:spMkLst>
-        </pc:spChg>
-        <pc:spChg chg="add del">
-          <ac:chgData name="Hugo Bastos De Paula" userId="ea3b8808-58fe-4fde-bf79-dea1702d2ab3" providerId="ADAL" clId="{64EC5E40-8BB5-4320-902C-16E2C649128C}" dt="2020-02-04T13:23:25.419" v="600" actId="26606"/>
-          <ac:spMkLst>
-            <pc:docMk/>
-            <pc:sldMk cId="824306656" sldId="275"/>
-            <ac:spMk id="14" creationId="{823AC064-BC96-4F32-8AE1-B2FD38754823}"/>
-          </ac:spMkLst>
-        </pc:spChg>
-        <pc:spChg chg="add del">
-          <ac:chgData name="Hugo Bastos De Paula" userId="ea3b8808-58fe-4fde-bf79-dea1702d2ab3" providerId="ADAL" clId="{64EC5E40-8BB5-4320-902C-16E2C649128C}" dt="2020-02-04T13:21:30.247" v="596" actId="26606"/>
-          <ac:spMkLst>
-            <pc:docMk/>
-            <pc:sldMk cId="824306656" sldId="275"/>
-            <ac:spMk id="16" creationId="{EB181E26-89C4-4A14-92DE-0F4C4B0E9484}"/>
-          </ac:spMkLst>
-        </pc:spChg>
-        <pc:spChg chg="add del">
-          <ac:chgData name="Hugo Bastos De Paula" userId="ea3b8808-58fe-4fde-bf79-dea1702d2ab3" providerId="ADAL" clId="{64EC5E40-8BB5-4320-902C-16E2C649128C}" dt="2020-02-04T13:21:30.247" v="596" actId="26606"/>
-          <ac:spMkLst>
-            <pc:docMk/>
-            <pc:sldMk cId="824306656" sldId="275"/>
-            <ac:spMk id="18" creationId="{342402E1-B9D8-424B-837F-6E4AA2E0FF2B}"/>
-          </ac:spMkLst>
-        </pc:spChg>
-        <pc:spChg chg="add">
-          <ac:chgData name="Hugo Bastos De Paula" userId="ea3b8808-58fe-4fde-bf79-dea1702d2ab3" providerId="ADAL" clId="{64EC5E40-8BB5-4320-902C-16E2C649128C}" dt="2020-02-04T13:23:25.419" v="600" actId="26606"/>
-          <ac:spMkLst>
-            <pc:docMk/>
-            <pc:sldMk cId="824306656" sldId="275"/>
-            <ac:spMk id="26" creationId="{823AC064-BC96-4F32-8AE1-B2FD38754823}"/>
-          </ac:spMkLst>
-        </pc:spChg>
-        <pc:picChg chg="add mod ord">
-          <ac:chgData name="Hugo Bastos De Paula" userId="ea3b8808-58fe-4fde-bf79-dea1702d2ab3" providerId="ADAL" clId="{64EC5E40-8BB5-4320-902C-16E2C649128C}" dt="2020-02-04T13:23:35.628" v="603" actId="1076"/>
-          <ac:picMkLst>
-            <pc:docMk/>
-            <pc:sldMk cId="824306656" sldId="275"/>
-            <ac:picMk id="7" creationId="{9F636B69-14A4-452D-805D-E75F7398E6B1}"/>
-          </ac:picMkLst>
-        </pc:picChg>
-        <pc:picChg chg="add del mod">
-          <ac:chgData name="Hugo Bastos De Paula" userId="ea3b8808-58fe-4fde-bf79-dea1702d2ab3" providerId="ADAL" clId="{64EC5E40-8BB5-4320-902C-16E2C649128C}" dt="2020-02-04T13:23:20.465" v="598" actId="478"/>
-          <ac:picMkLst>
-            <pc:docMk/>
-            <pc:sldMk cId="824306656" sldId="275"/>
-            <ac:picMk id="9" creationId="{8F626B20-F384-4B3C-B084-D5E62A468198}"/>
-          </ac:picMkLst>
-        </pc:picChg>
-        <pc:picChg chg="add mod">
-          <ac:chgData name="Hugo Bastos De Paula" userId="ea3b8808-58fe-4fde-bf79-dea1702d2ab3" providerId="ADAL" clId="{64EC5E40-8BB5-4320-902C-16E2C649128C}" dt="2020-02-04T13:23:33.034" v="602" actId="1076"/>
-          <ac:picMkLst>
-            <pc:docMk/>
-            <pc:sldMk cId="824306656" sldId="275"/>
-            <ac:picMk id="10" creationId="{D048911A-5BAB-412A-9B24-80626FC0980B}"/>
-          </ac:picMkLst>
-        </pc:picChg>
-        <pc:cxnChg chg="add del">
-          <ac:chgData name="Hugo Bastos De Paula" userId="ea3b8808-58fe-4fde-bf79-dea1702d2ab3" providerId="ADAL" clId="{64EC5E40-8BB5-4320-902C-16E2C649128C}" dt="2020-02-04T13:23:25.419" v="600" actId="26606"/>
-          <ac:cxnSpMkLst>
-            <pc:docMk/>
-            <pc:sldMk cId="824306656" sldId="275"/>
-            <ac:cxnSpMk id="20" creationId="{7E7C77BC-7138-40B1-A15B-20F57A494629}"/>
-          </ac:cxnSpMkLst>
-        </pc:cxnChg>
-        <pc:cxnChg chg="add del">
-          <ac:chgData name="Hugo Bastos De Paula" userId="ea3b8808-58fe-4fde-bf79-dea1702d2ab3" providerId="ADAL" clId="{64EC5E40-8BB5-4320-902C-16E2C649128C}" dt="2020-02-04T13:23:25.419" v="600" actId="26606"/>
-          <ac:cxnSpMkLst>
-            <pc:docMk/>
-            <pc:sldMk cId="824306656" sldId="275"/>
-            <ac:cxnSpMk id="21" creationId="{DB146403-F3D6-484B-B2ED-97F9565D0370}"/>
-          </ac:cxnSpMkLst>
-        </pc:cxnChg>
-        <pc:cxnChg chg="add">
-          <ac:chgData name="Hugo Bastos De Paula" userId="ea3b8808-58fe-4fde-bf79-dea1702d2ab3" providerId="ADAL" clId="{64EC5E40-8BB5-4320-902C-16E2C649128C}" dt="2020-02-04T13:23:25.419" v="600" actId="26606"/>
-          <ac:cxnSpMkLst>
-            <pc:docMk/>
-            <pc:sldMk cId="824306656" sldId="275"/>
-            <ac:cxnSpMk id="28" creationId="{7E7C77BC-7138-40B1-A15B-20F57A494629}"/>
-          </ac:cxnSpMkLst>
-        </pc:cxnChg>
-        <pc:cxnChg chg="add">
-          <ac:chgData name="Hugo Bastos De Paula" userId="ea3b8808-58fe-4fde-bf79-dea1702d2ab3" providerId="ADAL" clId="{64EC5E40-8BB5-4320-902C-16E2C649128C}" dt="2020-02-04T13:23:25.419" v="600" actId="26606"/>
-          <ac:cxnSpMkLst>
-            <pc:docMk/>
-            <pc:sldMk cId="824306656" sldId="275"/>
-            <ac:cxnSpMk id="30" creationId="{DB146403-F3D6-484B-B2ED-97F9565D0370}"/>
-          </ac:cxnSpMkLst>
-        </pc:cxnChg>
-      </pc:sldChg>
-      <pc:sldChg chg="addSp delSp modSp add mod setBg">
-        <pc:chgData name="Hugo Bastos De Paula" userId="ea3b8808-58fe-4fde-bf79-dea1702d2ab3" providerId="ADAL" clId="{64EC5E40-8BB5-4320-902C-16E2C649128C}" dt="2020-02-04T13:38:23.985" v="681" actId="14100"/>
-        <pc:sldMkLst>
-          <pc:docMk/>
-          <pc:sldMk cId="2598514401" sldId="276"/>
-        </pc:sldMkLst>
-        <pc:spChg chg="mod">
-          <ac:chgData name="Hugo Bastos De Paula" userId="ea3b8808-58fe-4fde-bf79-dea1702d2ab3" providerId="ADAL" clId="{64EC5E40-8BB5-4320-902C-16E2C649128C}" dt="2020-02-04T13:37:21.592" v="673" actId="26606"/>
-          <ac:spMkLst>
-            <pc:docMk/>
-            <pc:sldMk cId="2598514401" sldId="276"/>
-            <ac:spMk id="2" creationId="{71C57E55-2DF1-4007-B192-BC95C7A3B69F}"/>
-          </ac:spMkLst>
-        </pc:spChg>
-        <pc:spChg chg="del">
-          <ac:chgData name="Hugo Bastos De Paula" userId="ea3b8808-58fe-4fde-bf79-dea1702d2ab3" providerId="ADAL" clId="{64EC5E40-8BB5-4320-902C-16E2C649128C}" dt="2020-02-04T13:37:03.265" v="667"/>
-          <ac:spMkLst>
-            <pc:docMk/>
-            <pc:sldMk cId="2598514401" sldId="276"/>
-            <ac:spMk id="3" creationId="{6CF5C4F4-C994-4B1E-8F5A-76B29B62B153}"/>
-          </ac:spMkLst>
-        </pc:spChg>
-        <pc:spChg chg="add del">
-          <ac:chgData name="Hugo Bastos De Paula" userId="ea3b8808-58fe-4fde-bf79-dea1702d2ab3" providerId="ADAL" clId="{64EC5E40-8BB5-4320-902C-16E2C649128C}" dt="2020-02-04T13:37:18.665" v="670" actId="26606"/>
-          <ac:spMkLst>
-            <pc:docMk/>
-            <pc:sldMk cId="2598514401" sldId="276"/>
-            <ac:spMk id="9" creationId="{BEE73255-8084-4DF9-BB0B-15EAC92E2CB9}"/>
-          </ac:spMkLst>
-        </pc:spChg>
-        <pc:spChg chg="add del">
-          <ac:chgData name="Hugo Bastos De Paula" userId="ea3b8808-58fe-4fde-bf79-dea1702d2ab3" providerId="ADAL" clId="{64EC5E40-8BB5-4320-902C-16E2C649128C}" dt="2020-02-04T13:37:18.665" v="670" actId="26606"/>
-          <ac:spMkLst>
-            <pc:docMk/>
-            <pc:sldMk cId="2598514401" sldId="276"/>
-            <ac:spMk id="11" creationId="{67048353-8981-459A-9BC6-9711CE462E06}"/>
-          </ac:spMkLst>
-        </pc:spChg>
-        <pc:spChg chg="add del">
-          <ac:chgData name="Hugo Bastos De Paula" userId="ea3b8808-58fe-4fde-bf79-dea1702d2ab3" providerId="ADAL" clId="{64EC5E40-8BB5-4320-902C-16E2C649128C}" dt="2020-02-04T13:37:21.573" v="672" actId="26606"/>
-          <ac:spMkLst>
-            <pc:docMk/>
-            <pc:sldMk cId="2598514401" sldId="276"/>
-            <ac:spMk id="13" creationId="{16C5FA50-8D52-4617-AF91-5C7B1C8352F1}"/>
-          </ac:spMkLst>
-        </pc:spChg>
-        <pc:spChg chg="add del">
-          <ac:chgData name="Hugo Bastos De Paula" userId="ea3b8808-58fe-4fde-bf79-dea1702d2ab3" providerId="ADAL" clId="{64EC5E40-8BB5-4320-902C-16E2C649128C}" dt="2020-02-04T13:37:21.573" v="672" actId="26606"/>
-          <ac:spMkLst>
-            <pc:docMk/>
-            <pc:sldMk cId="2598514401" sldId="276"/>
-            <ac:spMk id="14" creationId="{E223798C-12AD-4B0C-A50C-D676347D67CF}"/>
-          </ac:spMkLst>
-        </pc:spChg>
-        <pc:spChg chg="add">
-          <ac:chgData name="Hugo Bastos De Paula" userId="ea3b8808-58fe-4fde-bf79-dea1702d2ab3" providerId="ADAL" clId="{64EC5E40-8BB5-4320-902C-16E2C649128C}" dt="2020-02-04T13:37:21.592" v="673" actId="26606"/>
-          <ac:spMkLst>
-            <pc:docMk/>
-            <pc:sldMk cId="2598514401" sldId="276"/>
-            <ac:spMk id="16" creationId="{BEE73255-8084-4DF9-BB0B-15EAC92E2CB9}"/>
-          </ac:spMkLst>
-        </pc:spChg>
-        <pc:spChg chg="add">
-          <ac:chgData name="Hugo Bastos De Paula" userId="ea3b8808-58fe-4fde-bf79-dea1702d2ab3" providerId="ADAL" clId="{64EC5E40-8BB5-4320-902C-16E2C649128C}" dt="2020-02-04T13:37:21.592" v="673" actId="26606"/>
-          <ac:spMkLst>
-            <pc:docMk/>
-            <pc:sldMk cId="2598514401" sldId="276"/>
-            <ac:spMk id="17" creationId="{67048353-8981-459A-9BC6-9711CE462E06}"/>
-          </ac:spMkLst>
-        </pc:spChg>
-        <pc:picChg chg="add mod">
-          <ac:chgData name="Hugo Bastos De Paula" userId="ea3b8808-58fe-4fde-bf79-dea1702d2ab3" providerId="ADAL" clId="{64EC5E40-8BB5-4320-902C-16E2C649128C}" dt="2020-02-04T13:38:23.985" v="681" actId="14100"/>
-          <ac:picMkLst>
-            <pc:docMk/>
-            <pc:sldMk cId="2598514401" sldId="276"/>
-            <ac:picMk id="4" creationId="{39240A05-387F-40C6-A45E-62301DD07CAC}"/>
-          </ac:picMkLst>
-        </pc:picChg>
+        <pc:chgData name="Hugo Paula" userId="ea3b8808-58fe-4fde-bf79-dea1702d2ab3" providerId="ADAL" clId="{7AD1C2C3-AD32-454D-8E09-E663225CF37E}" dt="2020-05-15T18:46:04.752" v="8" actId="2696"/>
+        <pc:sldMkLst>
+          <pc:docMk/>
+          <pc:sldMk cId="2125204866" sldId="265"/>
+        </pc:sldMkLst>
+      </pc:sldChg>
+      <pc:sldChg chg="del">
+        <pc:chgData name="Hugo Paula" userId="ea3b8808-58fe-4fde-bf79-dea1702d2ab3" providerId="ADAL" clId="{7AD1C2C3-AD32-454D-8E09-E663225CF37E}" dt="2020-05-15T18:46:04.753" v="9" actId="2696"/>
+        <pc:sldMkLst>
+          <pc:docMk/>
+          <pc:sldMk cId="1383510725" sldId="266"/>
+        </pc:sldMkLst>
+      </pc:sldChg>
+      <pc:sldChg chg="del">
+        <pc:chgData name="Hugo Paula" userId="ea3b8808-58fe-4fde-bf79-dea1702d2ab3" providerId="ADAL" clId="{7AD1C2C3-AD32-454D-8E09-E663225CF37E}" dt="2020-05-15T18:46:04.754" v="10" actId="2696"/>
+        <pc:sldMkLst>
+          <pc:docMk/>
+          <pc:sldMk cId="2896419768" sldId="267"/>
+        </pc:sldMkLst>
+      </pc:sldChg>
+      <pc:sldChg chg="del">
+        <pc:chgData name="Hugo Paula" userId="ea3b8808-58fe-4fde-bf79-dea1702d2ab3" providerId="ADAL" clId="{7AD1C2C3-AD32-454D-8E09-E663225CF37E}" dt="2020-05-15T18:46:04.754" v="11" actId="2696"/>
+        <pc:sldMkLst>
+          <pc:docMk/>
+          <pc:sldMk cId="3838270506" sldId="268"/>
+        </pc:sldMkLst>
       </pc:sldChg>
     </pc:docChg>
   </pc:docChgLst>
@@ -2474,1665 +890,6 @@
             <ac:spMk id="3" creationId="{50EAF465-48B2-4C85-8F8B-2E118B73A521}"/>
           </ac:spMkLst>
         </pc:spChg>
-      </pc:sldChg>
-    </pc:docChg>
-  </pc:docChgLst>
-  <pc:docChgLst>
-    <pc:chgData name="Hugo Paula" userId="ea3b8808-58fe-4fde-bf79-dea1702d2ab3" providerId="ADAL" clId="{44247CD9-23E6-4312-A327-57D54A55DCD7}"/>
-    <pc:docChg chg="undo custSel mod addSld modSld sldOrd">
-      <pc:chgData name="Hugo Paula" userId="ea3b8808-58fe-4fde-bf79-dea1702d2ab3" providerId="ADAL" clId="{44247CD9-23E6-4312-A327-57D54A55DCD7}" dt="2019-08-20T04:28:59.376" v="694" actId="6549"/>
-      <pc:docMkLst>
-        <pc:docMk/>
-      </pc:docMkLst>
-      <pc:sldChg chg="modSp">
-        <pc:chgData name="Hugo Paula" userId="ea3b8808-58fe-4fde-bf79-dea1702d2ab3" providerId="ADAL" clId="{44247CD9-23E6-4312-A327-57D54A55DCD7}" dt="2019-08-20T04:28:59.376" v="694" actId="6549"/>
-        <pc:sldMkLst>
-          <pc:docMk/>
-          <pc:sldMk cId="1300950052" sldId="256"/>
-        </pc:sldMkLst>
-        <pc:spChg chg="mod">
-          <ac:chgData name="Hugo Paula" userId="ea3b8808-58fe-4fde-bf79-dea1702d2ab3" providerId="ADAL" clId="{44247CD9-23E6-4312-A327-57D54A55DCD7}" dt="2019-08-20T04:28:59.376" v="694" actId="6549"/>
-          <ac:spMkLst>
-            <pc:docMk/>
-            <pc:sldMk cId="1300950052" sldId="256"/>
-            <ac:spMk id="2" creationId="{3143D889-4F7D-41FD-93D4-9F5B7C0110F0}"/>
-          </ac:spMkLst>
-        </pc:spChg>
-        <pc:spChg chg="mod">
-          <ac:chgData name="Hugo Paula" userId="ea3b8808-58fe-4fde-bf79-dea1702d2ab3" providerId="ADAL" clId="{44247CD9-23E6-4312-A327-57D54A55DCD7}" dt="2019-08-13T18:19:33.069" v="53" actId="20577"/>
-          <ac:spMkLst>
-            <pc:docMk/>
-            <pc:sldMk cId="1300950052" sldId="256"/>
-            <ac:spMk id="3" creationId="{6EA10562-C1F6-41CE-B3B4-FB5A52C68EA4}"/>
-          </ac:spMkLst>
-        </pc:spChg>
-      </pc:sldChg>
-      <pc:sldChg chg="addSp delSp modSp add modAnim">
-        <pc:chgData name="Hugo Paula" userId="ea3b8808-58fe-4fde-bf79-dea1702d2ab3" providerId="ADAL" clId="{44247CD9-23E6-4312-A327-57D54A55DCD7}" dt="2019-08-13T18:21:59.015" v="64" actId="20577"/>
-        <pc:sldMkLst>
-          <pc:docMk/>
-          <pc:sldMk cId="3491934599" sldId="257"/>
-        </pc:sldMkLst>
-        <pc:spChg chg="mod">
-          <ac:chgData name="Hugo Paula" userId="ea3b8808-58fe-4fde-bf79-dea1702d2ab3" providerId="ADAL" clId="{44247CD9-23E6-4312-A327-57D54A55DCD7}" dt="2019-08-13T18:21:59.015" v="64" actId="20577"/>
-          <ac:spMkLst>
-            <pc:docMk/>
-            <pc:sldMk cId="3491934599" sldId="257"/>
-            <ac:spMk id="2" creationId="{1E8D7354-E925-4864-B71E-200F8E12217E}"/>
-          </ac:spMkLst>
-        </pc:spChg>
-        <pc:spChg chg="del">
-          <ac:chgData name="Hugo Paula" userId="ea3b8808-58fe-4fde-bf79-dea1702d2ab3" providerId="ADAL" clId="{44247CD9-23E6-4312-A327-57D54A55DCD7}" dt="2019-08-13T18:19:48.526" v="55"/>
-          <ac:spMkLst>
-            <pc:docMk/>
-            <pc:sldMk cId="3491934599" sldId="257"/>
-            <ac:spMk id="3" creationId="{0547CDF6-AEB3-4A46-A9E4-E132B791A0F9}"/>
-          </ac:spMkLst>
-        </pc:spChg>
-        <pc:picChg chg="add mod">
-          <ac:chgData name="Hugo Paula" userId="ea3b8808-58fe-4fde-bf79-dea1702d2ab3" providerId="ADAL" clId="{44247CD9-23E6-4312-A327-57D54A55DCD7}" dt="2019-08-13T18:19:48.526" v="55"/>
-          <ac:picMkLst>
-            <pc:docMk/>
-            <pc:sldMk cId="3491934599" sldId="257"/>
-            <ac:picMk id="4" creationId="{5ED835FA-59F9-4A10-89A0-30A5F78F6F47}"/>
-          </ac:picMkLst>
-        </pc:picChg>
-      </pc:sldChg>
-      <pc:sldChg chg="addSp delSp modSp add modAnim">
-        <pc:chgData name="Hugo Paula" userId="ea3b8808-58fe-4fde-bf79-dea1702d2ab3" providerId="ADAL" clId="{44247CD9-23E6-4312-A327-57D54A55DCD7}" dt="2019-08-13T18:25:08.454" v="70" actId="27636"/>
-        <pc:sldMkLst>
-          <pc:docMk/>
-          <pc:sldMk cId="2665930106" sldId="258"/>
-        </pc:sldMkLst>
-        <pc:spChg chg="mod">
-          <ac:chgData name="Hugo Paula" userId="ea3b8808-58fe-4fde-bf79-dea1702d2ab3" providerId="ADAL" clId="{44247CD9-23E6-4312-A327-57D54A55DCD7}" dt="2019-08-13T18:25:08.454" v="70" actId="27636"/>
-          <ac:spMkLst>
-            <pc:docMk/>
-            <pc:sldMk cId="2665930106" sldId="258"/>
-            <ac:spMk id="2" creationId="{AF7DFD24-5F25-49F6-B080-AD44798AE976}"/>
-          </ac:spMkLst>
-        </pc:spChg>
-        <pc:spChg chg="del">
-          <ac:chgData name="Hugo Paula" userId="ea3b8808-58fe-4fde-bf79-dea1702d2ab3" providerId="ADAL" clId="{44247CD9-23E6-4312-A327-57D54A55DCD7}" dt="2019-08-13T18:24:31.784" v="66"/>
-          <ac:spMkLst>
-            <pc:docMk/>
-            <pc:sldMk cId="2665930106" sldId="258"/>
-            <ac:spMk id="3" creationId="{9EC3076D-E93A-4B0B-BD26-7AD516F084A5}"/>
-          </ac:spMkLst>
-        </pc:spChg>
-        <pc:picChg chg="add mod">
-          <ac:chgData name="Hugo Paula" userId="ea3b8808-58fe-4fde-bf79-dea1702d2ab3" providerId="ADAL" clId="{44247CD9-23E6-4312-A327-57D54A55DCD7}" dt="2019-08-13T18:24:31.784" v="66"/>
-          <ac:picMkLst>
-            <pc:docMk/>
-            <pc:sldMk cId="2665930106" sldId="258"/>
-            <ac:picMk id="4" creationId="{BC327DF7-68E7-4B3C-AA72-8B0D8DBE85D7}"/>
-          </ac:picMkLst>
-        </pc:picChg>
-      </pc:sldChg>
-      <pc:sldChg chg="addSp delSp modSp add ord modAnim">
-        <pc:chgData name="Hugo Paula" userId="ea3b8808-58fe-4fde-bf79-dea1702d2ab3" providerId="ADAL" clId="{44247CD9-23E6-4312-A327-57D54A55DCD7}" dt="2019-08-13T18:45:08.221" v="190"/>
-        <pc:sldMkLst>
-          <pc:docMk/>
-          <pc:sldMk cId="2445231288" sldId="259"/>
-        </pc:sldMkLst>
-        <pc:spChg chg="mod">
-          <ac:chgData name="Hugo Paula" userId="ea3b8808-58fe-4fde-bf79-dea1702d2ab3" providerId="ADAL" clId="{44247CD9-23E6-4312-A327-57D54A55DCD7}" dt="2019-08-13T18:26:47.354" v="74" actId="20577"/>
-          <ac:spMkLst>
-            <pc:docMk/>
-            <pc:sldMk cId="2445231288" sldId="259"/>
-            <ac:spMk id="2" creationId="{2E679DF9-824B-4EE3-810F-AC09142D0515}"/>
-          </ac:spMkLst>
-        </pc:spChg>
-        <pc:spChg chg="del">
-          <ac:chgData name="Hugo Paula" userId="ea3b8808-58fe-4fde-bf79-dea1702d2ab3" providerId="ADAL" clId="{44247CD9-23E6-4312-A327-57D54A55DCD7}" dt="2019-08-13T18:26:36.624" v="72"/>
-          <ac:spMkLst>
-            <pc:docMk/>
-            <pc:sldMk cId="2445231288" sldId="259"/>
-            <ac:spMk id="3" creationId="{55CBF48B-9CEB-449A-B65E-3E1900AB8F6C}"/>
-          </ac:spMkLst>
-        </pc:spChg>
-        <pc:picChg chg="add mod">
-          <ac:chgData name="Hugo Paula" userId="ea3b8808-58fe-4fde-bf79-dea1702d2ab3" providerId="ADAL" clId="{44247CD9-23E6-4312-A327-57D54A55DCD7}" dt="2019-08-13T18:26:36.624" v="72"/>
-          <ac:picMkLst>
-            <pc:docMk/>
-            <pc:sldMk cId="2445231288" sldId="259"/>
-            <ac:picMk id="4" creationId="{C1F7EA7E-BABC-4ED3-BB9D-3D05EF09B042}"/>
-          </ac:picMkLst>
-        </pc:picChg>
-      </pc:sldChg>
-      <pc:sldChg chg="addSp delSp modSp add ord modAnim">
-        <pc:chgData name="Hugo Paula" userId="ea3b8808-58fe-4fde-bf79-dea1702d2ab3" providerId="ADAL" clId="{44247CD9-23E6-4312-A327-57D54A55DCD7}" dt="2019-08-13T18:45:15.765" v="192"/>
-        <pc:sldMkLst>
-          <pc:docMk/>
-          <pc:sldMk cId="4147951829" sldId="260"/>
-        </pc:sldMkLst>
-        <pc:spChg chg="mod">
-          <ac:chgData name="Hugo Paula" userId="ea3b8808-58fe-4fde-bf79-dea1702d2ab3" providerId="ADAL" clId="{44247CD9-23E6-4312-A327-57D54A55DCD7}" dt="2019-08-13T18:29:15.303" v="82" actId="6549"/>
-          <ac:spMkLst>
-            <pc:docMk/>
-            <pc:sldMk cId="4147951829" sldId="260"/>
-            <ac:spMk id="2" creationId="{53B6117B-1A6D-470A-AD24-BE5090A55050}"/>
-          </ac:spMkLst>
-        </pc:spChg>
-        <pc:spChg chg="del">
-          <ac:chgData name="Hugo Paula" userId="ea3b8808-58fe-4fde-bf79-dea1702d2ab3" providerId="ADAL" clId="{44247CD9-23E6-4312-A327-57D54A55DCD7}" dt="2019-08-13T18:28:18.254" v="76"/>
-          <ac:spMkLst>
-            <pc:docMk/>
-            <pc:sldMk cId="4147951829" sldId="260"/>
-            <ac:spMk id="3" creationId="{E8075CDE-44BB-42E5-8CE0-2E9CC4E3C822}"/>
-          </ac:spMkLst>
-        </pc:spChg>
-        <pc:picChg chg="add mod">
-          <ac:chgData name="Hugo Paula" userId="ea3b8808-58fe-4fde-bf79-dea1702d2ab3" providerId="ADAL" clId="{44247CD9-23E6-4312-A327-57D54A55DCD7}" dt="2019-08-13T18:28:18.254" v="76"/>
-          <ac:picMkLst>
-            <pc:docMk/>
-            <pc:sldMk cId="4147951829" sldId="260"/>
-            <ac:picMk id="4" creationId="{C026BC03-1976-4D10-BB95-15C24D66F6C9}"/>
-          </ac:picMkLst>
-        </pc:picChg>
-      </pc:sldChg>
-      <pc:sldChg chg="addSp delSp modSp add ord modAnim">
-        <pc:chgData name="Hugo Paula" userId="ea3b8808-58fe-4fde-bf79-dea1702d2ab3" providerId="ADAL" clId="{44247CD9-23E6-4312-A327-57D54A55DCD7}" dt="2019-08-13T18:45:22.276" v="193"/>
-        <pc:sldMkLst>
-          <pc:docMk/>
-          <pc:sldMk cId="1652398062" sldId="261"/>
-        </pc:sldMkLst>
-        <pc:spChg chg="mod">
-          <ac:chgData name="Hugo Paula" userId="ea3b8808-58fe-4fde-bf79-dea1702d2ab3" providerId="ADAL" clId="{44247CD9-23E6-4312-A327-57D54A55DCD7}" dt="2019-08-13T18:30:36.632" v="88" actId="27636"/>
-          <ac:spMkLst>
-            <pc:docMk/>
-            <pc:sldMk cId="1652398062" sldId="261"/>
-            <ac:spMk id="2" creationId="{64ECBD7B-B04A-4E64-9A1B-CC930C1A6F87}"/>
-          </ac:spMkLst>
-        </pc:spChg>
-        <pc:spChg chg="del">
-          <ac:chgData name="Hugo Paula" userId="ea3b8808-58fe-4fde-bf79-dea1702d2ab3" providerId="ADAL" clId="{44247CD9-23E6-4312-A327-57D54A55DCD7}" dt="2019-08-13T18:30:23.873" v="84"/>
-          <ac:spMkLst>
-            <pc:docMk/>
-            <pc:sldMk cId="1652398062" sldId="261"/>
-            <ac:spMk id="3" creationId="{A507B903-3AFA-4F0B-853D-D993AF5FDBE9}"/>
-          </ac:spMkLst>
-        </pc:spChg>
-        <pc:picChg chg="add mod">
-          <ac:chgData name="Hugo Paula" userId="ea3b8808-58fe-4fde-bf79-dea1702d2ab3" providerId="ADAL" clId="{44247CD9-23E6-4312-A327-57D54A55DCD7}" dt="2019-08-13T18:30:23.873" v="84"/>
-          <ac:picMkLst>
-            <pc:docMk/>
-            <pc:sldMk cId="1652398062" sldId="261"/>
-            <ac:picMk id="4" creationId="{F4429ED3-D2F9-44D6-8F2F-5E6C2E960678}"/>
-          </ac:picMkLst>
-        </pc:picChg>
-      </pc:sldChg>
-      <pc:sldChg chg="addSp delSp modSp add mod setBg setClrOvrMap">
-        <pc:chgData name="Hugo Paula" userId="ea3b8808-58fe-4fde-bf79-dea1702d2ab3" providerId="ADAL" clId="{44247CD9-23E6-4312-A327-57D54A55DCD7}" dt="2019-08-13T18:44:02.598" v="185" actId="26606"/>
-        <pc:sldMkLst>
-          <pc:docMk/>
-          <pc:sldMk cId="721748103" sldId="262"/>
-        </pc:sldMkLst>
-        <pc:spChg chg="mod ord">
-          <ac:chgData name="Hugo Paula" userId="ea3b8808-58fe-4fde-bf79-dea1702d2ab3" providerId="ADAL" clId="{44247CD9-23E6-4312-A327-57D54A55DCD7}" dt="2019-08-13T18:44:02.598" v="185" actId="26606"/>
-          <ac:spMkLst>
-            <pc:docMk/>
-            <pc:sldMk cId="721748103" sldId="262"/>
-            <ac:spMk id="2" creationId="{AD5EF0CA-9413-4EC8-83E8-DF9C9CC70BFC}"/>
-          </ac:spMkLst>
-        </pc:spChg>
-        <pc:spChg chg="del mod">
-          <ac:chgData name="Hugo Paula" userId="ea3b8808-58fe-4fde-bf79-dea1702d2ab3" providerId="ADAL" clId="{44247CD9-23E6-4312-A327-57D54A55DCD7}" dt="2019-08-13T18:41:24.494" v="127" actId="478"/>
-          <ac:spMkLst>
-            <pc:docMk/>
-            <pc:sldMk cId="721748103" sldId="262"/>
-            <ac:spMk id="3" creationId="{B474FC07-9AB9-4088-BDD9-20FC3F48EB66}"/>
-          </ac:spMkLst>
-        </pc:spChg>
-        <pc:spChg chg="add del mod">
-          <ac:chgData name="Hugo Paula" userId="ea3b8808-58fe-4fde-bf79-dea1702d2ab3" providerId="ADAL" clId="{44247CD9-23E6-4312-A327-57D54A55DCD7}" dt="2019-08-13T18:41:25.902" v="128" actId="478"/>
-          <ac:spMkLst>
-            <pc:docMk/>
-            <pc:sldMk cId="721748103" sldId="262"/>
-            <ac:spMk id="5" creationId="{93B463E7-F802-4A3C-85E3-64116F4CBECE}"/>
-          </ac:spMkLst>
-        </pc:spChg>
-        <pc:spChg chg="add del">
-          <ac:chgData name="Hugo Paula" userId="ea3b8808-58fe-4fde-bf79-dea1702d2ab3" providerId="ADAL" clId="{44247CD9-23E6-4312-A327-57D54A55DCD7}" dt="2019-08-13T18:41:46.622" v="130" actId="26606"/>
-          <ac:spMkLst>
-            <pc:docMk/>
-            <pc:sldMk cId="721748103" sldId="262"/>
-            <ac:spMk id="7" creationId="{23962611-DFD5-4092-AAFD-559E3DFCE2C9}"/>
-          </ac:spMkLst>
-        </pc:spChg>
-        <pc:spChg chg="add del">
-          <ac:chgData name="Hugo Paula" userId="ea3b8808-58fe-4fde-bf79-dea1702d2ab3" providerId="ADAL" clId="{44247CD9-23E6-4312-A327-57D54A55DCD7}" dt="2019-08-13T18:43:50.524" v="172" actId="26606"/>
-          <ac:spMkLst>
-            <pc:docMk/>
-            <pc:sldMk cId="721748103" sldId="262"/>
-            <ac:spMk id="13" creationId="{71B2258F-86CA-4D4D-8270-BC05FCDEBFB3}"/>
-          </ac:spMkLst>
-        </pc:spChg>
-        <pc:spChg chg="add del">
-          <ac:chgData name="Hugo Paula" userId="ea3b8808-58fe-4fde-bf79-dea1702d2ab3" providerId="ADAL" clId="{44247CD9-23E6-4312-A327-57D54A55DCD7}" dt="2019-08-13T18:43:52.927" v="174" actId="26606"/>
-          <ac:spMkLst>
-            <pc:docMk/>
-            <pc:sldMk cId="721748103" sldId="262"/>
-            <ac:spMk id="16" creationId="{87CC2527-562A-4F69-B487-4371E5B243E7}"/>
-          </ac:spMkLst>
-        </pc:spChg>
-        <pc:spChg chg="add del">
-          <ac:chgData name="Hugo Paula" userId="ea3b8808-58fe-4fde-bf79-dea1702d2ab3" providerId="ADAL" clId="{44247CD9-23E6-4312-A327-57D54A55DCD7}" dt="2019-08-13T18:43:54.646" v="176" actId="26606"/>
-          <ac:spMkLst>
-            <pc:docMk/>
-            <pc:sldMk cId="721748103" sldId="262"/>
-            <ac:spMk id="18" creationId="{37C89E4B-3C9F-44B9-8B86-D9E3D112D8EC}"/>
-          </ac:spMkLst>
-        </pc:spChg>
-        <pc:spChg chg="add del">
-          <ac:chgData name="Hugo Paula" userId="ea3b8808-58fe-4fde-bf79-dea1702d2ab3" providerId="ADAL" clId="{44247CD9-23E6-4312-A327-57D54A55DCD7}" dt="2019-08-13T18:43:55.767" v="178" actId="26606"/>
-          <ac:spMkLst>
-            <pc:docMk/>
-            <pc:sldMk cId="721748103" sldId="262"/>
-            <ac:spMk id="21" creationId="{1DB7C82F-AB7E-4F0C-B829-FA1B9C415180}"/>
-          </ac:spMkLst>
-        </pc:spChg>
-        <pc:spChg chg="add del">
-          <ac:chgData name="Hugo Paula" userId="ea3b8808-58fe-4fde-bf79-dea1702d2ab3" providerId="ADAL" clId="{44247CD9-23E6-4312-A327-57D54A55DCD7}" dt="2019-08-13T18:43:57.287" v="180" actId="26606"/>
-          <ac:spMkLst>
-            <pc:docMk/>
-            <pc:sldMk cId="721748103" sldId="262"/>
-            <ac:spMk id="23" creationId="{37C89E4B-3C9F-44B9-8B86-D9E3D112D8EC}"/>
-          </ac:spMkLst>
-        </pc:spChg>
-        <pc:spChg chg="add del">
-          <ac:chgData name="Hugo Paula" userId="ea3b8808-58fe-4fde-bf79-dea1702d2ab3" providerId="ADAL" clId="{44247CD9-23E6-4312-A327-57D54A55DCD7}" dt="2019-08-13T18:43:58.687" v="182" actId="26606"/>
-          <ac:spMkLst>
-            <pc:docMk/>
-            <pc:sldMk cId="721748103" sldId="262"/>
-            <ac:spMk id="27" creationId="{E20EB187-900F-4AF5-813B-101456D9FD39}"/>
-          </ac:spMkLst>
-        </pc:spChg>
-        <pc:spChg chg="add del">
-          <ac:chgData name="Hugo Paula" userId="ea3b8808-58fe-4fde-bf79-dea1702d2ab3" providerId="ADAL" clId="{44247CD9-23E6-4312-A327-57D54A55DCD7}" dt="2019-08-13T18:44:02.585" v="184" actId="26606"/>
-          <ac:spMkLst>
-            <pc:docMk/>
-            <pc:sldMk cId="721748103" sldId="262"/>
-            <ac:spMk id="30" creationId="{71B2258F-86CA-4D4D-8270-BC05FCDEBFB3}"/>
-          </ac:spMkLst>
-        </pc:spChg>
-        <pc:spChg chg="add">
-          <ac:chgData name="Hugo Paula" userId="ea3b8808-58fe-4fde-bf79-dea1702d2ab3" providerId="ADAL" clId="{44247CD9-23E6-4312-A327-57D54A55DCD7}" dt="2019-08-13T18:44:02.598" v="185" actId="26606"/>
-          <ac:spMkLst>
-            <pc:docMk/>
-            <pc:sldMk cId="721748103" sldId="262"/>
-            <ac:spMk id="32" creationId="{71B2258F-86CA-4D4D-8270-BC05FCDEBFB3}"/>
-          </ac:spMkLst>
-        </pc:spChg>
-        <pc:picChg chg="add mod">
-          <ac:chgData name="Hugo Paula" userId="ea3b8808-58fe-4fde-bf79-dea1702d2ab3" providerId="ADAL" clId="{44247CD9-23E6-4312-A327-57D54A55DCD7}" dt="2019-08-13T18:44:02.598" v="185" actId="26606"/>
-          <ac:picMkLst>
-            <pc:docMk/>
-            <pc:sldMk cId="721748103" sldId="262"/>
-            <ac:picMk id="8" creationId="{D95B943D-9346-4A21-8557-4CEC3383C120}"/>
-          </ac:picMkLst>
-        </pc:picChg>
-        <pc:picChg chg="add del">
-          <ac:chgData name="Hugo Paula" userId="ea3b8808-58fe-4fde-bf79-dea1702d2ab3" providerId="ADAL" clId="{44247CD9-23E6-4312-A327-57D54A55DCD7}" dt="2019-08-13T18:41:46.622" v="130" actId="26606"/>
-          <ac:picMkLst>
-            <pc:docMk/>
-            <pc:sldMk cId="721748103" sldId="262"/>
-            <ac:picMk id="9" creationId="{2270F1FA-0425-408F-9861-80BF5AFB276D}"/>
-          </ac:picMkLst>
-        </pc:picChg>
-        <pc:cxnChg chg="add del">
-          <ac:chgData name="Hugo Paula" userId="ea3b8808-58fe-4fde-bf79-dea1702d2ab3" providerId="ADAL" clId="{44247CD9-23E6-4312-A327-57D54A55DCD7}" dt="2019-08-13T18:43:52.927" v="174" actId="26606"/>
-          <ac:cxnSpMkLst>
-            <pc:docMk/>
-            <pc:sldMk cId="721748103" sldId="262"/>
-            <ac:cxnSpMk id="15" creationId="{BCDAEC91-5BCE-4B55-9CC0-43EF94CB734B}"/>
-          </ac:cxnSpMkLst>
-        </pc:cxnChg>
-        <pc:cxnChg chg="add del">
-          <ac:chgData name="Hugo Paula" userId="ea3b8808-58fe-4fde-bf79-dea1702d2ab3" providerId="ADAL" clId="{44247CD9-23E6-4312-A327-57D54A55DCD7}" dt="2019-08-13T18:43:54.646" v="176" actId="26606"/>
-          <ac:cxnSpMkLst>
-            <pc:docMk/>
-            <pc:sldMk cId="721748103" sldId="262"/>
-            <ac:cxnSpMk id="17" creationId="{D891E407-403B-4764-86C9-33A56D3BCAA3}"/>
-          </ac:cxnSpMkLst>
-        </pc:cxnChg>
-        <pc:cxnChg chg="add del">
-          <ac:chgData name="Hugo Paula" userId="ea3b8808-58fe-4fde-bf79-dea1702d2ab3" providerId="ADAL" clId="{44247CD9-23E6-4312-A327-57D54A55DCD7}" dt="2019-08-13T18:43:54.646" v="176" actId="26606"/>
-          <ac:cxnSpMkLst>
-            <pc:docMk/>
-            <pc:sldMk cId="721748103" sldId="262"/>
-            <ac:cxnSpMk id="19" creationId="{AA2EAA10-076F-46BD-8F0F-B9A2FB77A85C}"/>
-          </ac:cxnSpMkLst>
-        </pc:cxnChg>
-        <pc:cxnChg chg="add del">
-          <ac:chgData name="Hugo Paula" userId="ea3b8808-58fe-4fde-bf79-dea1702d2ab3" providerId="ADAL" clId="{44247CD9-23E6-4312-A327-57D54A55DCD7}" dt="2019-08-13T18:43:57.287" v="180" actId="26606"/>
-          <ac:cxnSpMkLst>
-            <pc:docMk/>
-            <pc:sldMk cId="721748103" sldId="262"/>
-            <ac:cxnSpMk id="24" creationId="{AA2EAA10-076F-46BD-8F0F-B9A2FB77A85C}"/>
-          </ac:cxnSpMkLst>
-        </pc:cxnChg>
-        <pc:cxnChg chg="add del">
-          <ac:chgData name="Hugo Paula" userId="ea3b8808-58fe-4fde-bf79-dea1702d2ab3" providerId="ADAL" clId="{44247CD9-23E6-4312-A327-57D54A55DCD7}" dt="2019-08-13T18:43:57.287" v="180" actId="26606"/>
-          <ac:cxnSpMkLst>
-            <pc:docMk/>
-            <pc:sldMk cId="721748103" sldId="262"/>
-            <ac:cxnSpMk id="25" creationId="{D891E407-403B-4764-86C9-33A56D3BCAA3}"/>
-          </ac:cxnSpMkLst>
-        </pc:cxnChg>
-        <pc:cxnChg chg="add del">
-          <ac:chgData name="Hugo Paula" userId="ea3b8808-58fe-4fde-bf79-dea1702d2ab3" providerId="ADAL" clId="{44247CD9-23E6-4312-A327-57D54A55DCD7}" dt="2019-08-13T18:43:58.687" v="182" actId="26606"/>
-          <ac:cxnSpMkLst>
-            <pc:docMk/>
-            <pc:sldMk cId="721748103" sldId="262"/>
-            <ac:cxnSpMk id="28" creationId="{624D17C8-E9C2-48A4-AA36-D7048A6CCC41}"/>
-          </ac:cxnSpMkLst>
-        </pc:cxnChg>
-      </pc:sldChg>
-      <pc:sldChg chg="addSp delSp modSp add mod setBg setClrOvrMap">
-        <pc:chgData name="Hugo Paula" userId="ea3b8808-58fe-4fde-bf79-dea1702d2ab3" providerId="ADAL" clId="{44247CD9-23E6-4312-A327-57D54A55DCD7}" dt="2019-08-13T18:48:35.638" v="237" actId="1037"/>
-        <pc:sldMkLst>
-          <pc:docMk/>
-          <pc:sldMk cId="334346411" sldId="263"/>
-        </pc:sldMkLst>
-        <pc:spChg chg="mod ord">
-          <ac:chgData name="Hugo Paula" userId="ea3b8808-58fe-4fde-bf79-dea1702d2ab3" providerId="ADAL" clId="{44247CD9-23E6-4312-A327-57D54A55DCD7}" dt="2019-08-13T18:48:11.499" v="205" actId="26606"/>
-          <ac:spMkLst>
-            <pc:docMk/>
-            <pc:sldMk cId="334346411" sldId="263"/>
-            <ac:spMk id="2" creationId="{739D779A-3F76-4632-856C-111CF9EEE040}"/>
-          </ac:spMkLst>
-        </pc:spChg>
-        <pc:spChg chg="add del">
-          <ac:chgData name="Hugo Paula" userId="ea3b8808-58fe-4fde-bf79-dea1702d2ab3" providerId="ADAL" clId="{44247CD9-23E6-4312-A327-57D54A55DCD7}" dt="2019-08-13T18:48:07.738" v="202"/>
-          <ac:spMkLst>
-            <pc:docMk/>
-            <pc:sldMk cId="334346411" sldId="263"/>
-            <ac:spMk id="3" creationId="{C8AB155E-4BA4-40F4-A119-13418DD4220B}"/>
-          </ac:spMkLst>
-        </pc:spChg>
-        <pc:spChg chg="add del mod">
-          <ac:chgData name="Hugo Paula" userId="ea3b8808-58fe-4fde-bf79-dea1702d2ab3" providerId="ADAL" clId="{44247CD9-23E6-4312-A327-57D54A55DCD7}" dt="2019-08-13T18:46:59.391" v="201" actId="931"/>
-          <ac:spMkLst>
-            <pc:docMk/>
-            <pc:sldMk cId="334346411" sldId="263"/>
-            <ac:spMk id="6" creationId="{05BA2D9D-076A-483C-9605-0EE9EEA3A8E2}"/>
-          </ac:spMkLst>
-        </pc:spChg>
-        <pc:spChg chg="add mod">
-          <ac:chgData name="Hugo Paula" userId="ea3b8808-58fe-4fde-bf79-dea1702d2ab3" providerId="ADAL" clId="{44247CD9-23E6-4312-A327-57D54A55DCD7}" dt="2019-08-13T18:48:35.638" v="237" actId="1037"/>
-          <ac:spMkLst>
-            <pc:docMk/>
-            <pc:sldMk cId="334346411" sldId="263"/>
-            <ac:spMk id="9" creationId="{D71D005A-4C5B-4FAD-8CA7-2D2E61B1F3E7}"/>
-          </ac:spMkLst>
-        </pc:spChg>
-        <pc:spChg chg="add">
-          <ac:chgData name="Hugo Paula" userId="ea3b8808-58fe-4fde-bf79-dea1702d2ab3" providerId="ADAL" clId="{44247CD9-23E6-4312-A327-57D54A55DCD7}" dt="2019-08-13T18:48:11.499" v="205" actId="26606"/>
-          <ac:spMkLst>
-            <pc:docMk/>
-            <pc:sldMk cId="334346411" sldId="263"/>
-            <ac:spMk id="13" creationId="{71B2258F-86CA-4D4D-8270-BC05FCDEBFB3}"/>
-          </ac:spMkLst>
-        </pc:spChg>
-        <pc:picChg chg="add del mod">
-          <ac:chgData name="Hugo Paula" userId="ea3b8808-58fe-4fde-bf79-dea1702d2ab3" providerId="ADAL" clId="{44247CD9-23E6-4312-A327-57D54A55DCD7}" dt="2019-08-13T18:46:59.391" v="201" actId="931"/>
-          <ac:picMkLst>
-            <pc:docMk/>
-            <pc:sldMk cId="334346411" sldId="263"/>
-            <ac:picMk id="5" creationId="{722E7914-D4A4-428C-AF80-59D84EE88EA8}"/>
-          </ac:picMkLst>
-        </pc:picChg>
-        <pc:picChg chg="add mod">
-          <ac:chgData name="Hugo Paula" userId="ea3b8808-58fe-4fde-bf79-dea1702d2ab3" providerId="ADAL" clId="{44247CD9-23E6-4312-A327-57D54A55DCD7}" dt="2019-08-13T18:48:11.499" v="205" actId="26606"/>
-          <ac:picMkLst>
-            <pc:docMk/>
-            <pc:sldMk cId="334346411" sldId="263"/>
-            <ac:picMk id="8" creationId="{69AD114F-2A52-4E67-8AA5-83CDA098121E}"/>
-          </ac:picMkLst>
-        </pc:picChg>
-      </pc:sldChg>
-      <pc:sldChg chg="addSp delSp modSp add mod setBg setClrOvrMap">
-        <pc:chgData name="Hugo Paula" userId="ea3b8808-58fe-4fde-bf79-dea1702d2ab3" providerId="ADAL" clId="{44247CD9-23E6-4312-A327-57D54A55DCD7}" dt="2019-08-13T18:59:28.569" v="343" actId="26606"/>
-        <pc:sldMkLst>
-          <pc:docMk/>
-          <pc:sldMk cId="3081371082" sldId="264"/>
-        </pc:sldMkLst>
-        <pc:spChg chg="mod ord">
-          <ac:chgData name="Hugo Paula" userId="ea3b8808-58fe-4fde-bf79-dea1702d2ab3" providerId="ADAL" clId="{44247CD9-23E6-4312-A327-57D54A55DCD7}" dt="2019-08-13T18:59:28.569" v="343" actId="26606"/>
-          <ac:spMkLst>
-            <pc:docMk/>
-            <pc:sldMk cId="3081371082" sldId="264"/>
-            <ac:spMk id="2" creationId="{118D22E6-21A5-46F5-9DF9-B92BB06F6D96}"/>
-          </ac:spMkLst>
-        </pc:spChg>
-        <pc:spChg chg="del">
-          <ac:chgData name="Hugo Paula" userId="ea3b8808-58fe-4fde-bf79-dea1702d2ab3" providerId="ADAL" clId="{44247CD9-23E6-4312-A327-57D54A55DCD7}" dt="2019-08-13T18:59:25.404" v="340"/>
-          <ac:spMkLst>
-            <pc:docMk/>
-            <pc:sldMk cId="3081371082" sldId="264"/>
-            <ac:spMk id="3" creationId="{57C667EE-C64B-4028-8966-F261555ED82A}"/>
-          </ac:spMkLst>
-        </pc:spChg>
-        <pc:spChg chg="add del">
-          <ac:chgData name="Hugo Paula" userId="ea3b8808-58fe-4fde-bf79-dea1702d2ab3" providerId="ADAL" clId="{44247CD9-23E6-4312-A327-57D54A55DCD7}" dt="2019-08-13T18:59:09.071" v="339"/>
-          <ac:spMkLst>
-            <pc:docMk/>
-            <pc:sldMk cId="3081371082" sldId="264"/>
-            <ac:spMk id="4" creationId="{D94D6B54-67DB-463C-8B9E-6AD4DACE443D}"/>
-          </ac:spMkLst>
-        </pc:spChg>
-        <pc:spChg chg="add">
-          <ac:chgData name="Hugo Paula" userId="ea3b8808-58fe-4fde-bf79-dea1702d2ab3" providerId="ADAL" clId="{44247CD9-23E6-4312-A327-57D54A55DCD7}" dt="2019-08-13T18:59:28.569" v="343" actId="26606"/>
-          <ac:spMkLst>
-            <pc:docMk/>
-            <pc:sldMk cId="3081371082" sldId="264"/>
-            <ac:spMk id="11" creationId="{71B2258F-86CA-4D4D-8270-BC05FCDEBFB3}"/>
-          </ac:spMkLst>
-        </pc:spChg>
-        <pc:picChg chg="add mod">
-          <ac:chgData name="Hugo Paula" userId="ea3b8808-58fe-4fde-bf79-dea1702d2ab3" providerId="ADAL" clId="{44247CD9-23E6-4312-A327-57D54A55DCD7}" dt="2019-08-13T18:59:28.569" v="343" actId="26606"/>
-          <ac:picMkLst>
-            <pc:docMk/>
-            <pc:sldMk cId="3081371082" sldId="264"/>
-            <ac:picMk id="6" creationId="{47E28149-AB93-4F7E-AE91-B94A8429E0A6}"/>
-          </ac:picMkLst>
-        </pc:picChg>
-      </pc:sldChg>
-      <pc:sldChg chg="addSp delSp modSp add mod setBg setClrOvrMap">
-        <pc:chgData name="Hugo Paula" userId="ea3b8808-58fe-4fde-bf79-dea1702d2ab3" providerId="ADAL" clId="{44247CD9-23E6-4312-A327-57D54A55DCD7}" dt="2019-08-13T19:03:55.147" v="610" actId="20577"/>
-        <pc:sldMkLst>
-          <pc:docMk/>
-          <pc:sldMk cId="2452709085" sldId="265"/>
-        </pc:sldMkLst>
-        <pc:spChg chg="mod ord">
-          <ac:chgData name="Hugo Paula" userId="ea3b8808-58fe-4fde-bf79-dea1702d2ab3" providerId="ADAL" clId="{44247CD9-23E6-4312-A327-57D54A55DCD7}" dt="2019-08-13T19:03:55.147" v="610" actId="20577"/>
-          <ac:spMkLst>
-            <pc:docMk/>
-            <pc:sldMk cId="2452709085" sldId="265"/>
-            <ac:spMk id="2" creationId="{8450D1F2-C179-42B3-96B4-CE5520C987C6}"/>
-          </ac:spMkLst>
-        </pc:spChg>
-        <pc:spChg chg="del">
-          <ac:chgData name="Hugo Paula" userId="ea3b8808-58fe-4fde-bf79-dea1702d2ab3" providerId="ADAL" clId="{44247CD9-23E6-4312-A327-57D54A55DCD7}" dt="2019-08-13T18:44:32.518" v="186" actId="931"/>
-          <ac:spMkLst>
-            <pc:docMk/>
-            <pc:sldMk cId="2452709085" sldId="265"/>
-            <ac:spMk id="3" creationId="{8AA10A6B-E8F8-43D1-92B2-73E7FEF47F93}"/>
-          </ac:spMkLst>
-        </pc:spChg>
-        <pc:spChg chg="add">
-          <ac:chgData name="Hugo Paula" userId="ea3b8808-58fe-4fde-bf79-dea1702d2ab3" providerId="ADAL" clId="{44247CD9-23E6-4312-A327-57D54A55DCD7}" dt="2019-08-13T18:44:35.687" v="189" actId="26606"/>
-          <ac:spMkLst>
-            <pc:docMk/>
-            <pc:sldMk cId="2452709085" sldId="265"/>
-            <ac:spMk id="10" creationId="{71B2258F-86CA-4D4D-8270-BC05FCDEBFB3}"/>
-          </ac:spMkLst>
-        </pc:spChg>
-        <pc:picChg chg="add mod">
-          <ac:chgData name="Hugo Paula" userId="ea3b8808-58fe-4fde-bf79-dea1702d2ab3" providerId="ADAL" clId="{44247CD9-23E6-4312-A327-57D54A55DCD7}" dt="2019-08-13T18:44:35.687" v="189" actId="26606"/>
-          <ac:picMkLst>
-            <pc:docMk/>
-            <pc:sldMk cId="2452709085" sldId="265"/>
-            <ac:picMk id="5" creationId="{AC05C6D1-0DFE-4566-870C-C567D3FC7ECD}"/>
-          </ac:picMkLst>
-        </pc:picChg>
-      </pc:sldChg>
-      <pc:sldChg chg="addSp delSp modSp add mod setBg setClrOvrMap">
-        <pc:chgData name="Hugo Paula" userId="ea3b8808-58fe-4fde-bf79-dea1702d2ab3" providerId="ADAL" clId="{44247CD9-23E6-4312-A327-57D54A55DCD7}" dt="2019-08-13T18:55:19.014" v="337" actId="26606"/>
-        <pc:sldMkLst>
-          <pc:docMk/>
-          <pc:sldMk cId="840580429" sldId="266"/>
-        </pc:sldMkLst>
-        <pc:spChg chg="mod">
-          <ac:chgData name="Hugo Paula" userId="ea3b8808-58fe-4fde-bf79-dea1702d2ab3" providerId="ADAL" clId="{44247CD9-23E6-4312-A327-57D54A55DCD7}" dt="2019-08-13T18:55:19.014" v="337" actId="26606"/>
-          <ac:spMkLst>
-            <pc:docMk/>
-            <pc:sldMk cId="840580429" sldId="266"/>
-            <ac:spMk id="2" creationId="{A4276225-561F-4026-93D2-30898D1CB2EF}"/>
-          </ac:spMkLst>
-        </pc:spChg>
-        <pc:spChg chg="del mod">
-          <ac:chgData name="Hugo Paula" userId="ea3b8808-58fe-4fde-bf79-dea1702d2ab3" providerId="ADAL" clId="{44247CD9-23E6-4312-A327-57D54A55DCD7}" dt="2019-08-13T18:55:19.014" v="337" actId="26606"/>
-          <ac:spMkLst>
-            <pc:docMk/>
-            <pc:sldMk cId="840580429" sldId="266"/>
-            <ac:spMk id="3" creationId="{7ADCA70E-7011-43E3-ABA9-3F0A6B8D01E8}"/>
-          </ac:spMkLst>
-        </pc:spChg>
-        <pc:graphicFrameChg chg="add">
-          <ac:chgData name="Hugo Paula" userId="ea3b8808-58fe-4fde-bf79-dea1702d2ab3" providerId="ADAL" clId="{44247CD9-23E6-4312-A327-57D54A55DCD7}" dt="2019-08-13T18:55:19.014" v="337" actId="26606"/>
-          <ac:graphicFrameMkLst>
-            <pc:docMk/>
-            <pc:sldMk cId="840580429" sldId="266"/>
-            <ac:graphicFrameMk id="5" creationId="{08458555-9731-473B-8BB6-F0C61C025FA3}"/>
-          </ac:graphicFrameMkLst>
-        </pc:graphicFrameChg>
-      </pc:sldChg>
-      <pc:sldChg chg="modSp add">
-        <pc:chgData name="Hugo Paula" userId="ea3b8808-58fe-4fde-bf79-dea1702d2ab3" providerId="ADAL" clId="{44247CD9-23E6-4312-A327-57D54A55DCD7}" dt="2019-08-13T19:03:31.309" v="602" actId="20577"/>
-        <pc:sldMkLst>
-          <pc:docMk/>
-          <pc:sldMk cId="3028835910" sldId="267"/>
-        </pc:sldMkLst>
-        <pc:spChg chg="mod">
-          <ac:chgData name="Hugo Paula" userId="ea3b8808-58fe-4fde-bf79-dea1702d2ab3" providerId="ADAL" clId="{44247CD9-23E6-4312-A327-57D54A55DCD7}" dt="2019-08-13T18:59:44.230" v="364" actId="20577"/>
-          <ac:spMkLst>
-            <pc:docMk/>
-            <pc:sldMk cId="3028835910" sldId="267"/>
-            <ac:spMk id="2" creationId="{B733E16C-0134-4E7C-8FFC-A21C041A04A4}"/>
-          </ac:spMkLst>
-        </pc:spChg>
-        <pc:spChg chg="mod">
-          <ac:chgData name="Hugo Paula" userId="ea3b8808-58fe-4fde-bf79-dea1702d2ab3" providerId="ADAL" clId="{44247CD9-23E6-4312-A327-57D54A55DCD7}" dt="2019-08-13T19:03:31.309" v="602" actId="20577"/>
-          <ac:spMkLst>
-            <pc:docMk/>
-            <pc:sldMk cId="3028835910" sldId="267"/>
-            <ac:spMk id="3" creationId="{4EDEE87B-35BE-42C3-B5C1-249768514C07}"/>
-          </ac:spMkLst>
-        </pc:spChg>
-      </pc:sldChg>
-      <pc:sldChg chg="addSp delSp modSp add delAnim modAnim">
-        <pc:chgData name="Hugo Paula" userId="ea3b8808-58fe-4fde-bf79-dea1702d2ab3" providerId="ADAL" clId="{44247CD9-23E6-4312-A327-57D54A55DCD7}" dt="2019-08-13T19:17:32.030" v="681" actId="14100"/>
-        <pc:sldMkLst>
-          <pc:docMk/>
-          <pc:sldMk cId="3549903614" sldId="268"/>
-        </pc:sldMkLst>
-        <pc:spChg chg="mod">
-          <ac:chgData name="Hugo Paula" userId="ea3b8808-58fe-4fde-bf79-dea1702d2ab3" providerId="ADAL" clId="{44247CD9-23E6-4312-A327-57D54A55DCD7}" dt="2019-08-13T19:04:20.239" v="631" actId="20577"/>
-          <ac:spMkLst>
-            <pc:docMk/>
-            <pc:sldMk cId="3549903614" sldId="268"/>
-            <ac:spMk id="2" creationId="{D3B6493E-964B-41AC-9BDC-ADFA2043617A}"/>
-          </ac:spMkLst>
-        </pc:spChg>
-        <pc:spChg chg="mod">
-          <ac:chgData name="Hugo Paula" userId="ea3b8808-58fe-4fde-bf79-dea1702d2ab3" providerId="ADAL" clId="{44247CD9-23E6-4312-A327-57D54A55DCD7}" dt="2019-08-13T19:10:06.774" v="672" actId="20577"/>
-          <ac:spMkLst>
-            <pc:docMk/>
-            <pc:sldMk cId="3549903614" sldId="268"/>
-            <ac:spMk id="3" creationId="{2BE3F706-8F9E-496D-A7AD-4F385F1DCCF0}"/>
-          </ac:spMkLst>
-        </pc:spChg>
-        <pc:spChg chg="add mod">
-          <ac:chgData name="Hugo Paula" userId="ea3b8808-58fe-4fde-bf79-dea1702d2ab3" providerId="ADAL" clId="{44247CD9-23E6-4312-A327-57D54A55DCD7}" dt="2019-08-13T19:16:48.862" v="680" actId="1076"/>
-          <ac:spMkLst>
-            <pc:docMk/>
-            <pc:sldMk cId="3549903614" sldId="268"/>
-            <ac:spMk id="5" creationId="{EE6C06AD-3907-49EC-ADB1-7AF65CEE5806}"/>
-          </ac:spMkLst>
-        </pc:spChg>
-        <pc:picChg chg="add del mod">
-          <ac:chgData name="Hugo Paula" userId="ea3b8808-58fe-4fde-bf79-dea1702d2ab3" providerId="ADAL" clId="{44247CD9-23E6-4312-A327-57D54A55DCD7}" dt="2019-08-13T19:16:08.631" v="673" actId="478"/>
-          <ac:picMkLst>
-            <pc:docMk/>
-            <pc:sldMk cId="3549903614" sldId="268"/>
-            <ac:picMk id="4" creationId="{503B1E6F-3A1E-44E7-AF0D-A33153ABF715}"/>
-          </ac:picMkLst>
-        </pc:picChg>
-        <pc:picChg chg="add mod">
-          <ac:chgData name="Hugo Paula" userId="ea3b8808-58fe-4fde-bf79-dea1702d2ab3" providerId="ADAL" clId="{44247CD9-23E6-4312-A327-57D54A55DCD7}" dt="2019-08-13T19:17:32.030" v="681" actId="14100"/>
-          <ac:picMkLst>
-            <pc:docMk/>
-            <pc:sldMk cId="3549903614" sldId="268"/>
-            <ac:picMk id="6" creationId="{8867359D-D3C6-4CF3-8054-38C7084BEDEB}"/>
-          </ac:picMkLst>
-        </pc:picChg>
-      </pc:sldChg>
-    </pc:docChg>
-  </pc:docChgLst>
-  <pc:docChgLst>
-    <pc:chgData name="Hugo Paula" userId="ea3b8808-58fe-4fde-bf79-dea1702d2ab3" providerId="ADAL" clId="{76146E61-8DBC-4233-8216-62341FC25837}"/>
-    <pc:docChg chg="undo custSel mod addSld delSld modSld sldOrd">
-      <pc:chgData name="Hugo Paula" userId="ea3b8808-58fe-4fde-bf79-dea1702d2ab3" providerId="ADAL" clId="{76146E61-8DBC-4233-8216-62341FC25837}" dt="2020-05-08T21:00:37.650" v="1083" actId="2696"/>
-      <pc:docMkLst>
-        <pc:docMk/>
-      </pc:docMkLst>
-      <pc:sldChg chg="modSp">
-        <pc:chgData name="Hugo Paula" userId="ea3b8808-58fe-4fde-bf79-dea1702d2ab3" providerId="ADAL" clId="{76146E61-8DBC-4233-8216-62341FC25837}" dt="2020-05-08T16:24:32.344" v="748" actId="1440"/>
-        <pc:sldMkLst>
-          <pc:docMk/>
-          <pc:sldMk cId="2229816697" sldId="257"/>
-        </pc:sldMkLst>
-        <pc:spChg chg="mod">
-          <ac:chgData name="Hugo Paula" userId="ea3b8808-58fe-4fde-bf79-dea1702d2ab3" providerId="ADAL" clId="{76146E61-8DBC-4233-8216-62341FC25837}" dt="2020-05-08T13:06:28.967" v="22" actId="20577"/>
-          <ac:spMkLst>
-            <pc:docMk/>
-            <pc:sldMk cId="2229816697" sldId="257"/>
-            <ac:spMk id="4" creationId="{44C620B7-2DA6-47A4-AD25-3A224CB070D0}"/>
-          </ac:spMkLst>
-        </pc:spChg>
-        <pc:graphicFrameChg chg="mod">
-          <ac:chgData name="Hugo Paula" userId="ea3b8808-58fe-4fde-bf79-dea1702d2ab3" providerId="ADAL" clId="{76146E61-8DBC-4233-8216-62341FC25837}" dt="2020-05-08T13:05:24.840" v="7" actId="20577"/>
-          <ac:graphicFrameMkLst>
-            <pc:docMk/>
-            <pc:sldMk cId="2229816697" sldId="257"/>
-            <ac:graphicFrameMk id="14" creationId="{4D2C7B24-AABE-4B03-A392-55ECAFB2DF8D}"/>
-          </ac:graphicFrameMkLst>
-        </pc:graphicFrameChg>
-        <pc:picChg chg="mod">
-          <ac:chgData name="Hugo Paula" userId="ea3b8808-58fe-4fde-bf79-dea1702d2ab3" providerId="ADAL" clId="{76146E61-8DBC-4233-8216-62341FC25837}" dt="2020-05-08T16:24:32.344" v="748" actId="1440"/>
-          <ac:picMkLst>
-            <pc:docMk/>
-            <pc:sldMk cId="2229816697" sldId="257"/>
-            <ac:picMk id="12" creationId="{42BCA3A6-592C-48F0-91B5-00DECF1C5A95}"/>
-          </ac:picMkLst>
-        </pc:picChg>
-      </pc:sldChg>
-      <pc:sldChg chg="addSp delSp modSp add mod setBg">
-        <pc:chgData name="Hugo Paula" userId="ea3b8808-58fe-4fde-bf79-dea1702d2ab3" providerId="ADAL" clId="{76146E61-8DBC-4233-8216-62341FC25837}" dt="2020-05-08T16:24:23.224" v="747" actId="1440"/>
-        <pc:sldMkLst>
-          <pc:docMk/>
-          <pc:sldMk cId="350072528" sldId="258"/>
-        </pc:sldMkLst>
-        <pc:spChg chg="add del">
-          <ac:chgData name="Hugo Paula" userId="ea3b8808-58fe-4fde-bf79-dea1702d2ab3" providerId="ADAL" clId="{76146E61-8DBC-4233-8216-62341FC25837}" dt="2020-05-08T13:07:42.570" v="68"/>
-          <ac:spMkLst>
-            <pc:docMk/>
-            <pc:sldMk cId="350072528" sldId="258"/>
-            <ac:spMk id="2" creationId="{3D6E76DC-67F8-4EDA-890B-56C8B400A7F9}"/>
-          </ac:spMkLst>
-        </pc:spChg>
-        <pc:spChg chg="del">
-          <ac:chgData name="Hugo Paula" userId="ea3b8808-58fe-4fde-bf79-dea1702d2ab3" providerId="ADAL" clId="{76146E61-8DBC-4233-8216-62341FC25837}" dt="2020-05-08T11:25:59.367" v="1"/>
-          <ac:spMkLst>
-            <pc:docMk/>
-            <pc:sldMk cId="350072528" sldId="258"/>
-            <ac:spMk id="2" creationId="{B5A77B1B-1473-48C5-BE34-EB2FACDCCA65}"/>
-          </ac:spMkLst>
-        </pc:spChg>
-        <pc:spChg chg="del">
-          <ac:chgData name="Hugo Paula" userId="ea3b8808-58fe-4fde-bf79-dea1702d2ab3" providerId="ADAL" clId="{76146E61-8DBC-4233-8216-62341FC25837}" dt="2020-05-08T11:25:59.367" v="1"/>
-          <ac:spMkLst>
-            <pc:docMk/>
-            <pc:sldMk cId="350072528" sldId="258"/>
-            <ac:spMk id="3" creationId="{17EBEF06-9EFD-4438-A199-9BD059E4F7CD}"/>
-          </ac:spMkLst>
-        </pc:spChg>
-        <pc:spChg chg="add del">
-          <ac:chgData name="Hugo Paula" userId="ea3b8808-58fe-4fde-bf79-dea1702d2ab3" providerId="ADAL" clId="{76146E61-8DBC-4233-8216-62341FC25837}" dt="2020-05-08T13:07:42.135" v="67"/>
-          <ac:spMkLst>
-            <pc:docMk/>
-            <pc:sldMk cId="350072528" sldId="258"/>
-            <ac:spMk id="3" creationId="{A261CE72-A88B-4A2C-A030-48364A3BD7F6}"/>
-          </ac:spMkLst>
-        </pc:spChg>
-        <pc:spChg chg="add del">
-          <ac:chgData name="Hugo Paula" userId="ea3b8808-58fe-4fde-bf79-dea1702d2ab3" providerId="ADAL" clId="{76146E61-8DBC-4233-8216-62341FC25837}" dt="2020-05-08T13:07:41.690" v="66"/>
-          <ac:spMkLst>
-            <pc:docMk/>
-            <pc:sldMk cId="350072528" sldId="258"/>
-            <ac:spMk id="4" creationId="{A9A3BFCC-2052-4824-92CF-00191012C7EA}"/>
-          </ac:spMkLst>
-        </pc:spChg>
-        <pc:spChg chg="del">
-          <ac:chgData name="Hugo Paula" userId="ea3b8808-58fe-4fde-bf79-dea1702d2ab3" providerId="ADAL" clId="{76146E61-8DBC-4233-8216-62341FC25837}" dt="2020-05-08T11:25:59.367" v="1"/>
-          <ac:spMkLst>
-            <pc:docMk/>
-            <pc:sldMk cId="350072528" sldId="258"/>
-            <ac:spMk id="4" creationId="{D4EC532A-417A-4397-91DC-1AF3F6491EB0}"/>
-          </ac:spMkLst>
-        </pc:spChg>
-        <pc:spChg chg="add mod">
-          <ac:chgData name="Hugo Paula" userId="ea3b8808-58fe-4fde-bf79-dea1702d2ab3" providerId="ADAL" clId="{76146E61-8DBC-4233-8216-62341FC25837}" dt="2020-05-08T13:12:24.636" v="224" actId="26606"/>
-          <ac:spMkLst>
-            <pc:docMk/>
-            <pc:sldMk cId="350072528" sldId="258"/>
-            <ac:spMk id="5" creationId="{09EA8956-93C4-4342-92C4-A01E74D25FA0}"/>
-          </ac:spMkLst>
-        </pc:spChg>
-        <pc:spChg chg="add mod">
-          <ac:chgData name="Hugo Paula" userId="ea3b8808-58fe-4fde-bf79-dea1702d2ab3" providerId="ADAL" clId="{76146E61-8DBC-4233-8216-62341FC25837}" dt="2020-05-08T14:46:52.768" v="393" actId="26606"/>
-          <ac:spMkLst>
-            <pc:docMk/>
-            <pc:sldMk cId="350072528" sldId="258"/>
-            <ac:spMk id="6" creationId="{338C3BD5-B939-4F57-8B7E-DB28DF4D3F38}"/>
-          </ac:spMkLst>
-        </pc:spChg>
-        <pc:spChg chg="add del">
-          <ac:chgData name="Hugo Paula" userId="ea3b8808-58fe-4fde-bf79-dea1702d2ab3" providerId="ADAL" clId="{76146E61-8DBC-4233-8216-62341FC25837}" dt="2020-05-08T13:10:47.181" v="198"/>
-          <ac:spMkLst>
-            <pc:docMk/>
-            <pc:sldMk cId="350072528" sldId="258"/>
-            <ac:spMk id="7" creationId="{33AF42C0-F87B-43A6-A008-F5819867E232}"/>
-          </ac:spMkLst>
-        </pc:spChg>
-        <pc:spChg chg="add del">
-          <ac:chgData name="Hugo Paula" userId="ea3b8808-58fe-4fde-bf79-dea1702d2ab3" providerId="ADAL" clId="{76146E61-8DBC-4233-8216-62341FC25837}" dt="2020-05-08T13:10:52.975" v="210"/>
-          <ac:spMkLst>
-            <pc:docMk/>
-            <pc:sldMk cId="350072528" sldId="258"/>
-            <ac:spMk id="8" creationId="{0E684677-D400-45D6-AB5F-7328F024903F}"/>
-          </ac:spMkLst>
-        </pc:spChg>
-        <pc:spChg chg="add del">
-          <ac:chgData name="Hugo Paula" userId="ea3b8808-58fe-4fde-bf79-dea1702d2ab3" providerId="ADAL" clId="{76146E61-8DBC-4233-8216-62341FC25837}" dt="2020-05-08T13:12:52.171" v="232" actId="26606"/>
-          <ac:spMkLst>
-            <pc:docMk/>
-            <pc:sldMk cId="350072528" sldId="258"/>
-            <ac:spMk id="14" creationId="{F4C0B10B-D2C4-4A54-AFAD-3D27DF88BB37}"/>
-          </ac:spMkLst>
-        </pc:spChg>
-        <pc:spChg chg="add del">
-          <ac:chgData name="Hugo Paula" userId="ea3b8808-58fe-4fde-bf79-dea1702d2ab3" providerId="ADAL" clId="{76146E61-8DBC-4233-8216-62341FC25837}" dt="2020-05-08T14:46:52.768" v="393" actId="26606"/>
-          <ac:spMkLst>
-            <pc:docMk/>
-            <pc:sldMk cId="350072528" sldId="258"/>
-            <ac:spMk id="26" creationId="{F4C0B10B-D2C4-4A54-AFAD-3D27DF88BB37}"/>
-          </ac:spMkLst>
-        </pc:spChg>
-        <pc:spChg chg="add">
-          <ac:chgData name="Hugo Paula" userId="ea3b8808-58fe-4fde-bf79-dea1702d2ab3" providerId="ADAL" clId="{76146E61-8DBC-4233-8216-62341FC25837}" dt="2020-05-08T14:46:52.768" v="393" actId="26606"/>
-          <ac:spMkLst>
-            <pc:docMk/>
-            <pc:sldMk cId="350072528" sldId="258"/>
-            <ac:spMk id="38" creationId="{F4C0B10B-D2C4-4A54-AFAD-3D27DF88BB37}"/>
-          </ac:spMkLst>
-        </pc:spChg>
-        <pc:grpChg chg="add del">
-          <ac:chgData name="Hugo Paula" userId="ea3b8808-58fe-4fde-bf79-dea1702d2ab3" providerId="ADAL" clId="{76146E61-8DBC-4233-8216-62341FC25837}" dt="2020-05-08T13:12:52.171" v="232" actId="26606"/>
-          <ac:grpSpMkLst>
-            <pc:docMk/>
-            <pc:sldMk cId="350072528" sldId="258"/>
-            <ac:grpSpMk id="16" creationId="{B6BADB90-C74B-40D6-86DC-503F65FCE8DC}"/>
-          </ac:grpSpMkLst>
-        </pc:grpChg>
-        <pc:grpChg chg="add del">
-          <ac:chgData name="Hugo Paula" userId="ea3b8808-58fe-4fde-bf79-dea1702d2ab3" providerId="ADAL" clId="{76146E61-8DBC-4233-8216-62341FC25837}" dt="2020-05-08T14:46:52.768" v="393" actId="26606"/>
-          <ac:grpSpMkLst>
-            <pc:docMk/>
-            <pc:sldMk cId="350072528" sldId="258"/>
-            <ac:grpSpMk id="28" creationId="{B6BADB90-C74B-40D6-86DC-503F65FCE8DC}"/>
-          </ac:grpSpMkLst>
-        </pc:grpChg>
-        <pc:grpChg chg="add">
-          <ac:chgData name="Hugo Paula" userId="ea3b8808-58fe-4fde-bf79-dea1702d2ab3" providerId="ADAL" clId="{76146E61-8DBC-4233-8216-62341FC25837}" dt="2020-05-08T14:46:52.768" v="393" actId="26606"/>
-          <ac:grpSpMkLst>
-            <pc:docMk/>
-            <pc:sldMk cId="350072528" sldId="258"/>
-            <ac:grpSpMk id="40" creationId="{B6BADB90-C74B-40D6-86DC-503F65FCE8DC}"/>
-          </ac:grpSpMkLst>
-        </pc:grpChg>
-        <pc:picChg chg="add mod modCrop">
-          <ac:chgData name="Hugo Paula" userId="ea3b8808-58fe-4fde-bf79-dea1702d2ab3" providerId="ADAL" clId="{76146E61-8DBC-4233-8216-62341FC25837}" dt="2020-05-08T16:24:23.224" v="747" actId="1440"/>
-          <ac:picMkLst>
-            <pc:docMk/>
-            <pc:sldMk cId="350072528" sldId="258"/>
-            <ac:picMk id="9" creationId="{28998B04-2E0C-4EDE-A876-8AC36B08BE2D}"/>
-          </ac:picMkLst>
-        </pc:picChg>
-      </pc:sldChg>
-      <pc:sldChg chg="addSp delSp modSp add">
-        <pc:chgData name="Hugo Paula" userId="ea3b8808-58fe-4fde-bf79-dea1702d2ab3" providerId="ADAL" clId="{76146E61-8DBC-4233-8216-62341FC25837}" dt="2020-05-08T16:24:18.439" v="746" actId="1440"/>
-        <pc:sldMkLst>
-          <pc:docMk/>
-          <pc:sldMk cId="998056632" sldId="259"/>
-        </pc:sldMkLst>
-        <pc:spChg chg="mod">
-          <ac:chgData name="Hugo Paula" userId="ea3b8808-58fe-4fde-bf79-dea1702d2ab3" providerId="ADAL" clId="{76146E61-8DBC-4233-8216-62341FC25837}" dt="2020-05-08T13:13:50.776" v="261" actId="20577"/>
-          <ac:spMkLst>
-            <pc:docMk/>
-            <pc:sldMk cId="998056632" sldId="259"/>
-            <ac:spMk id="2" creationId="{28EE8995-B0B9-45C3-AEB0-17EA94024716}"/>
-          </ac:spMkLst>
-        </pc:spChg>
-        <pc:spChg chg="del mod">
-          <ac:chgData name="Hugo Paula" userId="ea3b8808-58fe-4fde-bf79-dea1702d2ab3" providerId="ADAL" clId="{76146E61-8DBC-4233-8216-62341FC25837}" dt="2020-05-08T13:17:57.662" v="267" actId="478"/>
-          <ac:spMkLst>
-            <pc:docMk/>
-            <pc:sldMk cId="998056632" sldId="259"/>
-            <ac:spMk id="3" creationId="{C1D2C880-F627-4F9C-84BA-D941575B6A81}"/>
-          </ac:spMkLst>
-        </pc:spChg>
-        <pc:spChg chg="add del">
-          <ac:chgData name="Hugo Paula" userId="ea3b8808-58fe-4fde-bf79-dea1702d2ab3" providerId="ADAL" clId="{76146E61-8DBC-4233-8216-62341FC25837}" dt="2020-05-08T13:14:07.674" v="266"/>
-          <ac:spMkLst>
-            <pc:docMk/>
-            <pc:sldMk cId="998056632" sldId="259"/>
-            <ac:spMk id="4" creationId="{15270E70-5922-4508-9374-58F6F8EE764B}"/>
-          </ac:spMkLst>
-        </pc:spChg>
-        <pc:spChg chg="add del mod">
-          <ac:chgData name="Hugo Paula" userId="ea3b8808-58fe-4fde-bf79-dea1702d2ab3" providerId="ADAL" clId="{76146E61-8DBC-4233-8216-62341FC25837}" dt="2020-05-08T13:18:04.387" v="270"/>
-          <ac:spMkLst>
-            <pc:docMk/>
-            <pc:sldMk cId="998056632" sldId="259"/>
-            <ac:spMk id="6" creationId="{EC5577FA-BE33-48B0-9948-874D01DAC9BE}"/>
-          </ac:spMkLst>
-        </pc:spChg>
-        <pc:spChg chg="add del mod">
-          <ac:chgData name="Hugo Paula" userId="ea3b8808-58fe-4fde-bf79-dea1702d2ab3" providerId="ADAL" clId="{76146E61-8DBC-4233-8216-62341FC25837}" dt="2020-05-08T13:18:15.317" v="273"/>
-          <ac:spMkLst>
-            <pc:docMk/>
-            <pc:sldMk cId="998056632" sldId="259"/>
-            <ac:spMk id="9" creationId="{C67CCE50-BBB5-4F64-A387-58AD56D05663}"/>
-          </ac:spMkLst>
-        </pc:spChg>
-        <pc:spChg chg="add del mod">
-          <ac:chgData name="Hugo Paula" userId="ea3b8808-58fe-4fde-bf79-dea1702d2ab3" providerId="ADAL" clId="{76146E61-8DBC-4233-8216-62341FC25837}" dt="2020-05-08T13:18:15.317" v="273"/>
-          <ac:spMkLst>
-            <pc:docMk/>
-            <pc:sldMk cId="998056632" sldId="259"/>
-            <ac:spMk id="10" creationId="{41649031-78B5-4E11-B1AA-5F11E443EB56}"/>
-          </ac:spMkLst>
-        </pc:spChg>
-        <pc:picChg chg="add del">
-          <ac:chgData name="Hugo Paula" userId="ea3b8808-58fe-4fde-bf79-dea1702d2ab3" providerId="ADAL" clId="{76146E61-8DBC-4233-8216-62341FC25837}" dt="2020-05-08T13:18:01.496" v="269"/>
-          <ac:picMkLst>
-            <pc:docMk/>
-            <pc:sldMk cId="998056632" sldId="259"/>
-            <ac:picMk id="7" creationId="{953D3A77-C48D-4BDC-82FB-9598EE319D6E}"/>
-          </ac:picMkLst>
-        </pc:picChg>
-        <pc:picChg chg="add mod">
-          <ac:chgData name="Hugo Paula" userId="ea3b8808-58fe-4fde-bf79-dea1702d2ab3" providerId="ADAL" clId="{76146E61-8DBC-4233-8216-62341FC25837}" dt="2020-05-08T16:24:18.439" v="746" actId="1440"/>
-          <ac:picMkLst>
-            <pc:docMk/>
-            <pc:sldMk cId="998056632" sldId="259"/>
-            <ac:picMk id="8" creationId="{341BFBFC-0152-467F-BC1B-82E898FD21CF}"/>
-          </ac:picMkLst>
-        </pc:picChg>
-      </pc:sldChg>
-      <pc:sldChg chg="addSp delSp modSp add mod setBg">
-        <pc:chgData name="Hugo Paula" userId="ea3b8808-58fe-4fde-bf79-dea1702d2ab3" providerId="ADAL" clId="{76146E61-8DBC-4233-8216-62341FC25837}" dt="2020-05-08T15:01:01.688" v="587" actId="207"/>
-        <pc:sldMkLst>
-          <pc:docMk/>
-          <pc:sldMk cId="1999229014" sldId="260"/>
-        </pc:sldMkLst>
-        <pc:spChg chg="mod">
-          <ac:chgData name="Hugo Paula" userId="ea3b8808-58fe-4fde-bf79-dea1702d2ab3" providerId="ADAL" clId="{76146E61-8DBC-4233-8216-62341FC25837}" dt="2020-05-08T14:54:18.095" v="427" actId="26606"/>
-          <ac:spMkLst>
-            <pc:docMk/>
-            <pc:sldMk cId="1999229014" sldId="260"/>
-            <ac:spMk id="2" creationId="{6518E36F-ED5D-4374-BA23-296679A70A95}"/>
-          </ac:spMkLst>
-        </pc:spChg>
-        <pc:spChg chg="mod">
-          <ac:chgData name="Hugo Paula" userId="ea3b8808-58fe-4fde-bf79-dea1702d2ab3" providerId="ADAL" clId="{76146E61-8DBC-4233-8216-62341FC25837}" dt="2020-05-08T15:01:01.688" v="587" actId="207"/>
-          <ac:spMkLst>
-            <pc:docMk/>
-            <pc:sldMk cId="1999229014" sldId="260"/>
-            <ac:spMk id="3" creationId="{C1FEE13F-C560-40E4-9738-DD62EE790C1D}"/>
-          </ac:spMkLst>
-        </pc:spChg>
-        <pc:spChg chg="add">
-          <ac:chgData name="Hugo Paula" userId="ea3b8808-58fe-4fde-bf79-dea1702d2ab3" providerId="ADAL" clId="{76146E61-8DBC-4233-8216-62341FC25837}" dt="2020-05-08T14:54:18.095" v="427" actId="26606"/>
-          <ac:spMkLst>
-            <pc:docMk/>
-            <pc:sldMk cId="1999229014" sldId="260"/>
-            <ac:spMk id="8" creationId="{8D70B121-56F4-4848-B38B-182089D909FA}"/>
-          </ac:spMkLst>
-        </pc:spChg>
-        <pc:picChg chg="add del">
-          <ac:chgData name="Hugo Paula" userId="ea3b8808-58fe-4fde-bf79-dea1702d2ab3" providerId="ADAL" clId="{76146E61-8DBC-4233-8216-62341FC25837}" dt="2020-05-08T14:47:46.441" v="401"/>
-          <ac:picMkLst>
-            <pc:docMk/>
-            <pc:sldMk cId="1999229014" sldId="260"/>
-            <ac:picMk id="4" creationId="{38EA0CBB-A3BA-4E9F-818E-23CD2F77E739}"/>
-          </ac:picMkLst>
-        </pc:picChg>
-        <pc:cxnChg chg="add">
-          <ac:chgData name="Hugo Paula" userId="ea3b8808-58fe-4fde-bf79-dea1702d2ab3" providerId="ADAL" clId="{76146E61-8DBC-4233-8216-62341FC25837}" dt="2020-05-08T14:54:18.095" v="427" actId="26606"/>
-          <ac:cxnSpMkLst>
-            <pc:docMk/>
-            <pc:sldMk cId="1999229014" sldId="260"/>
-            <ac:cxnSpMk id="10" creationId="{2D72A2C9-F3CA-4216-8BAD-FA4C970C3C4E}"/>
-          </ac:cxnSpMkLst>
-        </pc:cxnChg>
-      </pc:sldChg>
-      <pc:sldChg chg="addSp delSp modSp add del mod setBg">
-        <pc:chgData name="Hugo Paula" userId="ea3b8808-58fe-4fde-bf79-dea1702d2ab3" providerId="ADAL" clId="{76146E61-8DBC-4233-8216-62341FC25837}" dt="2020-05-08T14:51:10.627" v="424" actId="2696"/>
-        <pc:sldMkLst>
-          <pc:docMk/>
-          <pc:sldMk cId="1645763970" sldId="261"/>
-        </pc:sldMkLst>
-        <pc:spChg chg="del">
-          <ac:chgData name="Hugo Paula" userId="ea3b8808-58fe-4fde-bf79-dea1702d2ab3" providerId="ADAL" clId="{76146E61-8DBC-4233-8216-62341FC25837}" dt="2020-05-08T14:45:37.227" v="386"/>
-          <ac:spMkLst>
-            <pc:docMk/>
-            <pc:sldMk cId="1645763970" sldId="261"/>
-            <ac:spMk id="2" creationId="{6D2ADCA8-BCD2-4D0B-9E69-E0B2E3405A88}"/>
-          </ac:spMkLst>
-        </pc:spChg>
-        <pc:spChg chg="del">
-          <ac:chgData name="Hugo Paula" userId="ea3b8808-58fe-4fde-bf79-dea1702d2ab3" providerId="ADAL" clId="{76146E61-8DBC-4233-8216-62341FC25837}" dt="2020-05-08T14:45:37.227" v="386"/>
-          <ac:spMkLst>
-            <pc:docMk/>
-            <pc:sldMk cId="1645763970" sldId="261"/>
-            <ac:spMk id="3" creationId="{228E3B08-835C-4443-A308-1FD597B6FF97}"/>
-          </ac:spMkLst>
-        </pc:spChg>
-        <pc:spChg chg="add mod ord">
-          <ac:chgData name="Hugo Paula" userId="ea3b8808-58fe-4fde-bf79-dea1702d2ab3" providerId="ADAL" clId="{76146E61-8DBC-4233-8216-62341FC25837}" dt="2020-05-08T14:46:46.676" v="392" actId="26606"/>
-          <ac:spMkLst>
-            <pc:docMk/>
-            <pc:sldMk cId="1645763970" sldId="261"/>
-            <ac:spMk id="4" creationId="{3D4B0DBB-DBC5-4BC5-9000-C8955D21E99E}"/>
-          </ac:spMkLst>
-        </pc:spChg>
-        <pc:spChg chg="add del mod">
-          <ac:chgData name="Hugo Paula" userId="ea3b8808-58fe-4fde-bf79-dea1702d2ab3" providerId="ADAL" clId="{76146E61-8DBC-4233-8216-62341FC25837}" dt="2020-05-08T14:45:41.133" v="387"/>
-          <ac:spMkLst>
-            <pc:docMk/>
-            <pc:sldMk cId="1645763970" sldId="261"/>
-            <ac:spMk id="5" creationId="{03DB8789-48EC-4903-8401-0BC9750F7ED6}"/>
-          </ac:spMkLst>
-        </pc:spChg>
-        <pc:spChg chg="add del mod">
-          <ac:chgData name="Hugo Paula" userId="ea3b8808-58fe-4fde-bf79-dea1702d2ab3" providerId="ADAL" clId="{76146E61-8DBC-4233-8216-62341FC25837}" dt="2020-05-08T14:46:11.668" v="388"/>
-          <ac:spMkLst>
-            <pc:docMk/>
-            <pc:sldMk cId="1645763970" sldId="261"/>
-            <ac:spMk id="6" creationId="{D9C91094-9B40-4024-842A-92BEA32FABEB}"/>
-          </ac:spMkLst>
-        </pc:spChg>
-        <pc:spChg chg="add del mod">
-          <ac:chgData name="Hugo Paula" userId="ea3b8808-58fe-4fde-bf79-dea1702d2ab3" providerId="ADAL" clId="{76146E61-8DBC-4233-8216-62341FC25837}" dt="2020-05-08T14:47:42.050" v="398"/>
-          <ac:spMkLst>
-            <pc:docMk/>
-            <pc:sldMk cId="1645763970" sldId="261"/>
-            <ac:spMk id="9" creationId="{8B8B333D-6C51-4959-96D5-0267196A2CC1}"/>
-          </ac:spMkLst>
-        </pc:spChg>
-        <pc:spChg chg="add del">
-          <ac:chgData name="Hugo Paula" userId="ea3b8808-58fe-4fde-bf79-dea1702d2ab3" providerId="ADAL" clId="{76146E61-8DBC-4233-8216-62341FC25837}" dt="2020-05-08T14:46:46.676" v="392" actId="26606"/>
-          <ac:spMkLst>
-            <pc:docMk/>
-            <pc:sldMk cId="1645763970" sldId="261"/>
-            <ac:spMk id="10" creationId="{193844EA-0D22-410F-A01B-F4F29533D073}"/>
-          </ac:spMkLst>
-        </pc:spChg>
-        <pc:spChg chg="add del">
-          <ac:chgData name="Hugo Paula" userId="ea3b8808-58fe-4fde-bf79-dea1702d2ab3" providerId="ADAL" clId="{76146E61-8DBC-4233-8216-62341FC25837}" dt="2020-05-08T14:46:46.676" v="392" actId="26606"/>
-          <ac:spMkLst>
-            <pc:docMk/>
-            <pc:sldMk cId="1645763970" sldId="261"/>
-            <ac:spMk id="12" creationId="{5240663D-974E-4B54-BEF2-0AEF269A321A}"/>
-          </ac:spMkLst>
-        </pc:spChg>
-        <pc:spChg chg="add del">
-          <ac:chgData name="Hugo Paula" userId="ea3b8808-58fe-4fde-bf79-dea1702d2ab3" providerId="ADAL" clId="{76146E61-8DBC-4233-8216-62341FC25837}" dt="2020-05-08T14:46:24.686" v="390" actId="26606"/>
-          <ac:spMkLst>
-            <pc:docMk/>
-            <pc:sldMk cId="1645763970" sldId="261"/>
-            <ac:spMk id="13" creationId="{193844EA-0D22-410F-A01B-F4F29533D073}"/>
-          </ac:spMkLst>
-        </pc:spChg>
-        <pc:spChg chg="add del">
-          <ac:chgData name="Hugo Paula" userId="ea3b8808-58fe-4fde-bf79-dea1702d2ab3" providerId="ADAL" clId="{76146E61-8DBC-4233-8216-62341FC25837}" dt="2020-05-08T14:46:46.676" v="392" actId="26606"/>
-          <ac:spMkLst>
-            <pc:docMk/>
-            <pc:sldMk cId="1645763970" sldId="261"/>
-            <ac:spMk id="14" creationId="{3E9B34ED-699B-421D-8B75-2235E5010EAE}"/>
-          </ac:spMkLst>
-        </pc:spChg>
-        <pc:spChg chg="add del">
-          <ac:chgData name="Hugo Paula" userId="ea3b8808-58fe-4fde-bf79-dea1702d2ab3" providerId="ADAL" clId="{76146E61-8DBC-4233-8216-62341FC25837}" dt="2020-05-08T14:46:46.676" v="392" actId="26606"/>
-          <ac:spMkLst>
-            <pc:docMk/>
-            <pc:sldMk cId="1645763970" sldId="261"/>
-            <ac:spMk id="16" creationId="{87427BBD-1323-4FFD-9089-40083FC54515}"/>
-          </ac:spMkLst>
-        </pc:spChg>
-        <pc:spChg chg="add del">
-          <ac:chgData name="Hugo Paula" userId="ea3b8808-58fe-4fde-bf79-dea1702d2ab3" providerId="ADAL" clId="{76146E61-8DBC-4233-8216-62341FC25837}" dt="2020-05-08T14:46:24.686" v="390" actId="26606"/>
-          <ac:spMkLst>
-            <pc:docMk/>
-            <pc:sldMk cId="1645763970" sldId="261"/>
-            <ac:spMk id="17" creationId="{5240663D-974E-4B54-BEF2-0AEF269A321A}"/>
-          </ac:spMkLst>
-        </pc:spChg>
-        <pc:spChg chg="add del">
-          <ac:chgData name="Hugo Paula" userId="ea3b8808-58fe-4fde-bf79-dea1702d2ab3" providerId="ADAL" clId="{76146E61-8DBC-4233-8216-62341FC25837}" dt="2020-05-08T14:46:46.676" v="392" actId="26606"/>
-          <ac:spMkLst>
-            <pc:docMk/>
-            <pc:sldMk cId="1645763970" sldId="261"/>
-            <ac:spMk id="18" creationId="{5754E5A4-4679-40DF-8B05-9029BA0D703E}"/>
-          </ac:spMkLst>
-        </pc:spChg>
-        <pc:spChg chg="add del">
-          <ac:chgData name="Hugo Paula" userId="ea3b8808-58fe-4fde-bf79-dea1702d2ab3" providerId="ADAL" clId="{76146E61-8DBC-4233-8216-62341FC25837}" dt="2020-05-08T14:46:24.686" v="390" actId="26606"/>
-          <ac:spMkLst>
-            <pc:docMk/>
-            <pc:sldMk cId="1645763970" sldId="261"/>
-            <ac:spMk id="19" creationId="{3E9B34ED-699B-421D-8B75-2235E5010EAE}"/>
-          </ac:spMkLst>
-        </pc:spChg>
-        <pc:spChg chg="add del">
-          <ac:chgData name="Hugo Paula" userId="ea3b8808-58fe-4fde-bf79-dea1702d2ab3" providerId="ADAL" clId="{76146E61-8DBC-4233-8216-62341FC25837}" dt="2020-05-08T14:46:46.676" v="392" actId="26606"/>
-          <ac:spMkLst>
-            <pc:docMk/>
-            <pc:sldMk cId="1645763970" sldId="261"/>
-            <ac:spMk id="20" creationId="{9FC83CD4-234F-4750-ABF6-5481D9055AFE}"/>
-          </ac:spMkLst>
-        </pc:spChg>
-        <pc:spChg chg="add del">
-          <ac:chgData name="Hugo Paula" userId="ea3b8808-58fe-4fde-bf79-dea1702d2ab3" providerId="ADAL" clId="{76146E61-8DBC-4233-8216-62341FC25837}" dt="2020-05-08T14:46:24.686" v="390" actId="26606"/>
-          <ac:spMkLst>
-            <pc:docMk/>
-            <pc:sldMk cId="1645763970" sldId="261"/>
-            <ac:spMk id="21" creationId="{87427BBD-1323-4FFD-9089-40083FC54515}"/>
-          </ac:spMkLst>
-        </pc:spChg>
-        <pc:spChg chg="add del">
-          <ac:chgData name="Hugo Paula" userId="ea3b8808-58fe-4fde-bf79-dea1702d2ab3" providerId="ADAL" clId="{76146E61-8DBC-4233-8216-62341FC25837}" dt="2020-05-08T14:46:46.676" v="392" actId="26606"/>
-          <ac:spMkLst>
-            <pc:docMk/>
-            <pc:sldMk cId="1645763970" sldId="261"/>
-            <ac:spMk id="22" creationId="{568D0189-FF37-41B1-A9F5-C564BA47BB59}"/>
-          </ac:spMkLst>
-        </pc:spChg>
-        <pc:spChg chg="add del">
-          <ac:chgData name="Hugo Paula" userId="ea3b8808-58fe-4fde-bf79-dea1702d2ab3" providerId="ADAL" clId="{76146E61-8DBC-4233-8216-62341FC25837}" dt="2020-05-08T14:46:24.686" v="390" actId="26606"/>
-          <ac:spMkLst>
-            <pc:docMk/>
-            <pc:sldMk cId="1645763970" sldId="261"/>
-            <ac:spMk id="23" creationId="{5754E5A4-4679-40DF-8B05-9029BA0D703E}"/>
-          </ac:spMkLst>
-        </pc:spChg>
-        <pc:spChg chg="add del">
-          <ac:chgData name="Hugo Paula" userId="ea3b8808-58fe-4fde-bf79-dea1702d2ab3" providerId="ADAL" clId="{76146E61-8DBC-4233-8216-62341FC25837}" dt="2020-05-08T14:46:24.686" v="390" actId="26606"/>
-          <ac:spMkLst>
-            <pc:docMk/>
-            <pc:sldMk cId="1645763970" sldId="261"/>
-            <ac:spMk id="25" creationId="{9FC83CD4-234F-4750-ABF6-5481D9055AFE}"/>
-          </ac:spMkLst>
-        </pc:spChg>
-        <pc:spChg chg="add del">
-          <ac:chgData name="Hugo Paula" userId="ea3b8808-58fe-4fde-bf79-dea1702d2ab3" providerId="ADAL" clId="{76146E61-8DBC-4233-8216-62341FC25837}" dt="2020-05-08T14:46:46.676" v="392" actId="26606"/>
-          <ac:spMkLst>
-            <pc:docMk/>
-            <pc:sldMk cId="1645763970" sldId="261"/>
-            <ac:spMk id="26" creationId="{5B4888BC-D2FB-4207-8548-E0FA79633948}"/>
-          </ac:spMkLst>
-        </pc:spChg>
-        <pc:spChg chg="add del">
-          <ac:chgData name="Hugo Paula" userId="ea3b8808-58fe-4fde-bf79-dea1702d2ab3" providerId="ADAL" clId="{76146E61-8DBC-4233-8216-62341FC25837}" dt="2020-05-08T14:46:24.686" v="390" actId="26606"/>
-          <ac:spMkLst>
-            <pc:docMk/>
-            <pc:sldMk cId="1645763970" sldId="261"/>
-            <ac:spMk id="27" creationId="{568D0189-FF37-41B1-A9F5-C564BA47BB59}"/>
-          </ac:spMkLst>
-        </pc:spChg>
-        <pc:spChg chg="add del mod">
-          <ac:chgData name="Hugo Paula" userId="ea3b8808-58fe-4fde-bf79-dea1702d2ab3" providerId="ADAL" clId="{76146E61-8DBC-4233-8216-62341FC25837}" dt="2020-05-08T14:48:32.967" v="417"/>
-          <ac:spMkLst>
-            <pc:docMk/>
-            <pc:sldMk cId="1645763970" sldId="261"/>
-            <ac:spMk id="28" creationId="{8781490A-2157-4130-8A95-5C528C5C9DF1}"/>
-          </ac:spMkLst>
-        </pc:spChg>
-        <pc:spChg chg="add del">
-          <ac:chgData name="Hugo Paula" userId="ea3b8808-58fe-4fde-bf79-dea1702d2ab3" providerId="ADAL" clId="{76146E61-8DBC-4233-8216-62341FC25837}" dt="2020-05-08T14:46:24.686" v="390" actId="26606"/>
-          <ac:spMkLst>
-            <pc:docMk/>
-            <pc:sldMk cId="1645763970" sldId="261"/>
-            <ac:spMk id="31" creationId="{5B4888BC-D2FB-4207-8548-E0FA79633948}"/>
-          </ac:spMkLst>
-        </pc:spChg>
-        <pc:picChg chg="add del mod ord">
-          <ac:chgData name="Hugo Paula" userId="ea3b8808-58fe-4fde-bf79-dea1702d2ab3" providerId="ADAL" clId="{76146E61-8DBC-4233-8216-62341FC25837}" dt="2020-05-08T14:48:32.967" v="417"/>
-          <ac:picMkLst>
-            <pc:docMk/>
-            <pc:sldMk cId="1645763970" sldId="261"/>
-            <ac:picMk id="7" creationId="{304A6856-80FF-49C5-935F-2871EB96D72F}"/>
-          </ac:picMkLst>
-        </pc:picChg>
-        <pc:picChg chg="add del mod">
-          <ac:chgData name="Hugo Paula" userId="ea3b8808-58fe-4fde-bf79-dea1702d2ab3" providerId="ADAL" clId="{76146E61-8DBC-4233-8216-62341FC25837}" dt="2020-05-08T14:47:42.050" v="398"/>
-          <ac:picMkLst>
-            <pc:docMk/>
-            <pc:sldMk cId="1645763970" sldId="261"/>
-            <ac:picMk id="8" creationId="{6C7FB59D-D46A-4707-80DF-64482804F9E4}"/>
-          </ac:picMkLst>
-        </pc:picChg>
-        <pc:cxnChg chg="add del">
-          <ac:chgData name="Hugo Paula" userId="ea3b8808-58fe-4fde-bf79-dea1702d2ab3" providerId="ADAL" clId="{76146E61-8DBC-4233-8216-62341FC25837}" dt="2020-05-08T14:46:46.676" v="392" actId="26606"/>
-          <ac:cxnSpMkLst>
-            <pc:docMk/>
-            <pc:sldMk cId="1645763970" sldId="261"/>
-            <ac:cxnSpMk id="11" creationId="{3E65E162-F3C5-496E-83F3-35D3847D7EDC}"/>
-          </ac:cxnSpMkLst>
-        </pc:cxnChg>
-        <pc:cxnChg chg="add del">
-          <ac:chgData name="Hugo Paula" userId="ea3b8808-58fe-4fde-bf79-dea1702d2ab3" providerId="ADAL" clId="{76146E61-8DBC-4233-8216-62341FC25837}" dt="2020-05-08T14:46:24.686" v="390" actId="26606"/>
-          <ac:cxnSpMkLst>
-            <pc:docMk/>
-            <pc:sldMk cId="1645763970" sldId="261"/>
-            <ac:cxnSpMk id="15" creationId="{3E65E162-F3C5-496E-83F3-35D3847D7EDC}"/>
-          </ac:cxnSpMkLst>
-        </pc:cxnChg>
-        <pc:cxnChg chg="add del">
-          <ac:chgData name="Hugo Paula" userId="ea3b8808-58fe-4fde-bf79-dea1702d2ab3" providerId="ADAL" clId="{76146E61-8DBC-4233-8216-62341FC25837}" dt="2020-05-08T14:46:46.676" v="392" actId="26606"/>
-          <ac:cxnSpMkLst>
-            <pc:docMk/>
-            <pc:sldMk cId="1645763970" sldId="261"/>
-            <ac:cxnSpMk id="24" creationId="{4B60F436-E9B6-463A-BC51-14940E646051}"/>
-          </ac:cxnSpMkLst>
-        </pc:cxnChg>
-        <pc:cxnChg chg="add del">
-          <ac:chgData name="Hugo Paula" userId="ea3b8808-58fe-4fde-bf79-dea1702d2ab3" providerId="ADAL" clId="{76146E61-8DBC-4233-8216-62341FC25837}" dt="2020-05-08T14:46:24.686" v="390" actId="26606"/>
-          <ac:cxnSpMkLst>
-            <pc:docMk/>
-            <pc:sldMk cId="1645763970" sldId="261"/>
-            <ac:cxnSpMk id="29" creationId="{4B60F436-E9B6-463A-BC51-14940E646051}"/>
-          </ac:cxnSpMkLst>
-        </pc:cxnChg>
-      </pc:sldChg>
-      <pc:sldChg chg="addSp delSp add del setBg delDesignElem">
-        <pc:chgData name="Hugo Paula" userId="ea3b8808-58fe-4fde-bf79-dea1702d2ab3" providerId="ADAL" clId="{76146E61-8DBC-4233-8216-62341FC25837}" dt="2020-05-08T14:47:42.714" v="399"/>
-        <pc:sldMkLst>
-          <pc:docMk/>
-          <pc:sldMk cId="1080657766" sldId="262"/>
-        </pc:sldMkLst>
-        <pc:spChg chg="add del">
-          <ac:chgData name="Hugo Paula" userId="ea3b8808-58fe-4fde-bf79-dea1702d2ab3" providerId="ADAL" clId="{76146E61-8DBC-4233-8216-62341FC25837}" dt="2020-05-08T14:47:42.714" v="399"/>
-          <ac:spMkLst>
-            <pc:docMk/>
-            <pc:sldMk cId="1080657766" sldId="262"/>
-            <ac:spMk id="38" creationId="{F4C0B10B-D2C4-4A54-AFAD-3D27DF88BB37}"/>
-          </ac:spMkLst>
-        </pc:spChg>
-        <pc:grpChg chg="add del">
-          <ac:chgData name="Hugo Paula" userId="ea3b8808-58fe-4fde-bf79-dea1702d2ab3" providerId="ADAL" clId="{76146E61-8DBC-4233-8216-62341FC25837}" dt="2020-05-08T14:47:42.714" v="399"/>
-          <ac:grpSpMkLst>
-            <pc:docMk/>
-            <pc:sldMk cId="1080657766" sldId="262"/>
-            <ac:grpSpMk id="40" creationId="{B6BADB90-C74B-40D6-86DC-503F65FCE8DC}"/>
-          </ac:grpSpMkLst>
-        </pc:grpChg>
-      </pc:sldChg>
-      <pc:sldChg chg="addSp delSp modSp add">
-        <pc:chgData name="Hugo Paula" userId="ea3b8808-58fe-4fde-bf79-dea1702d2ab3" providerId="ADAL" clId="{76146E61-8DBC-4233-8216-62341FC25837}" dt="2020-05-08T16:23:48.696" v="745" actId="1440"/>
-        <pc:sldMkLst>
-          <pc:docMk/>
-          <pc:sldMk cId="1484901578" sldId="262"/>
-        </pc:sldMkLst>
-        <pc:spChg chg="add del mod">
-          <ac:chgData name="Hugo Paula" userId="ea3b8808-58fe-4fde-bf79-dea1702d2ab3" providerId="ADAL" clId="{76146E61-8DBC-4233-8216-62341FC25837}" dt="2020-05-08T14:48:31.423" v="414" actId="478"/>
-          <ac:spMkLst>
-            <pc:docMk/>
-            <pc:sldMk cId="1484901578" sldId="262"/>
-            <ac:spMk id="3" creationId="{730ED893-E10E-49EC-9BC1-5430ABD65FD0}"/>
-          </ac:spMkLst>
-        </pc:spChg>
-        <pc:spChg chg="mod">
-          <ac:chgData name="Hugo Paula" userId="ea3b8808-58fe-4fde-bf79-dea1702d2ab3" providerId="ADAL" clId="{76146E61-8DBC-4233-8216-62341FC25837}" dt="2020-05-08T14:49:20.770" v="423"/>
-          <ac:spMkLst>
-            <pc:docMk/>
-            <pc:sldMk cId="1484901578" sldId="262"/>
-            <ac:spMk id="5" creationId="{09EA8956-93C4-4342-92C4-A01E74D25FA0}"/>
-          </ac:spMkLst>
-        </pc:spChg>
-        <pc:spChg chg="add del">
-          <ac:chgData name="Hugo Paula" userId="ea3b8808-58fe-4fde-bf79-dea1702d2ab3" providerId="ADAL" clId="{76146E61-8DBC-4233-8216-62341FC25837}" dt="2020-05-08T14:48:44.559" v="418" actId="478"/>
-          <ac:spMkLst>
-            <pc:docMk/>
-            <pc:sldMk cId="1484901578" sldId="262"/>
-            <ac:spMk id="6" creationId="{338C3BD5-B939-4F57-8B7E-DB28DF4D3F38}"/>
-          </ac:spMkLst>
-        </pc:spChg>
-        <pc:spChg chg="add del mod">
-          <ac:chgData name="Hugo Paula" userId="ea3b8808-58fe-4fde-bf79-dea1702d2ab3" providerId="ADAL" clId="{76146E61-8DBC-4233-8216-62341FC25837}" dt="2020-05-08T14:48:51.586" v="420" actId="478"/>
-          <ac:spMkLst>
-            <pc:docMk/>
-            <pc:sldMk cId="1484901578" sldId="262"/>
-            <ac:spMk id="7" creationId="{3D754839-F92B-4FD7-AEC0-7654E3A95583}"/>
-          </ac:spMkLst>
-        </pc:spChg>
-        <pc:picChg chg="del">
-          <ac:chgData name="Hugo Paula" userId="ea3b8808-58fe-4fde-bf79-dea1702d2ab3" providerId="ADAL" clId="{76146E61-8DBC-4233-8216-62341FC25837}" dt="2020-05-08T14:48:14.151" v="409" actId="478"/>
-          <ac:picMkLst>
-            <pc:docMk/>
-            <pc:sldMk cId="1484901578" sldId="262"/>
-            <ac:picMk id="9" creationId="{28998B04-2E0C-4EDE-A876-8AC36B08BE2D}"/>
-          </ac:picMkLst>
-        </pc:picChg>
-        <pc:picChg chg="add del">
-          <ac:chgData name="Hugo Paula" userId="ea3b8808-58fe-4fde-bf79-dea1702d2ab3" providerId="ADAL" clId="{76146E61-8DBC-4233-8216-62341FC25837}" dt="2020-05-08T14:48:10.537" v="407" actId="478"/>
-          <ac:picMkLst>
-            <pc:docMk/>
-            <pc:sldMk cId="1484901578" sldId="262"/>
-            <ac:picMk id="12" creationId="{50B5E82C-C540-4E7B-8D89-CF56CEA88008}"/>
-          </ac:picMkLst>
-        </pc:picChg>
-        <pc:picChg chg="add del">
-          <ac:chgData name="Hugo Paula" userId="ea3b8808-58fe-4fde-bf79-dea1702d2ab3" providerId="ADAL" clId="{76146E61-8DBC-4233-8216-62341FC25837}" dt="2020-05-08T14:48:44.559" v="418" actId="478"/>
-          <ac:picMkLst>
-            <pc:docMk/>
-            <pc:sldMk cId="1484901578" sldId="262"/>
-            <ac:picMk id="13" creationId="{82EE73B5-7B46-48E2-A93C-931AC72DCBD6}"/>
-          </ac:picMkLst>
-        </pc:picChg>
-        <pc:picChg chg="add del mod">
-          <ac:chgData name="Hugo Paula" userId="ea3b8808-58fe-4fde-bf79-dea1702d2ab3" providerId="ADAL" clId="{76146E61-8DBC-4233-8216-62341FC25837}" dt="2020-05-08T14:48:32.231" v="416"/>
-          <ac:picMkLst>
-            <pc:docMk/>
-            <pc:sldMk cId="1484901578" sldId="262"/>
-            <ac:picMk id="14" creationId="{1691BB04-46C1-45BB-B779-24D8DCA0EA07}"/>
-          </ac:picMkLst>
-        </pc:picChg>
-        <pc:picChg chg="add mod">
-          <ac:chgData name="Hugo Paula" userId="ea3b8808-58fe-4fde-bf79-dea1702d2ab3" providerId="ADAL" clId="{76146E61-8DBC-4233-8216-62341FC25837}" dt="2020-05-08T16:23:48.696" v="745" actId="1440"/>
-          <ac:picMkLst>
-            <pc:docMk/>
-            <pc:sldMk cId="1484901578" sldId="262"/>
-            <ac:picMk id="19" creationId="{5DB947C6-0838-4E2B-BEC7-BCEFE6778E43}"/>
-          </ac:picMkLst>
-        </pc:picChg>
-        <pc:picChg chg="add mod">
-          <ac:chgData name="Hugo Paula" userId="ea3b8808-58fe-4fde-bf79-dea1702d2ab3" providerId="ADAL" clId="{76146E61-8DBC-4233-8216-62341FC25837}" dt="2020-05-08T16:23:48.696" v="745" actId="1440"/>
-          <ac:picMkLst>
-            <pc:docMk/>
-            <pc:sldMk cId="1484901578" sldId="262"/>
-            <ac:picMk id="20" creationId="{D127540A-5C5A-4725-8312-5D6C5807CEEC}"/>
-          </ac:picMkLst>
-        </pc:picChg>
-      </pc:sldChg>
-      <pc:sldChg chg="addSp delSp add del setBg delDesignElem">
-        <pc:chgData name="Hugo Paula" userId="ea3b8808-58fe-4fde-bf79-dea1702d2ab3" providerId="ADAL" clId="{76146E61-8DBC-4233-8216-62341FC25837}" dt="2020-05-08T14:47:55.097" v="404"/>
-        <pc:sldMkLst>
-          <pc:docMk/>
-          <pc:sldMk cId="2818404592" sldId="262"/>
-        </pc:sldMkLst>
-        <pc:spChg chg="add del">
-          <ac:chgData name="Hugo Paula" userId="ea3b8808-58fe-4fde-bf79-dea1702d2ab3" providerId="ADAL" clId="{76146E61-8DBC-4233-8216-62341FC25837}" dt="2020-05-08T14:47:55.097" v="404"/>
-          <ac:spMkLst>
-            <pc:docMk/>
-            <pc:sldMk cId="2818404592" sldId="262"/>
-            <ac:spMk id="38" creationId="{F4C0B10B-D2C4-4A54-AFAD-3D27DF88BB37}"/>
-          </ac:spMkLst>
-        </pc:spChg>
-        <pc:grpChg chg="add del">
-          <ac:chgData name="Hugo Paula" userId="ea3b8808-58fe-4fde-bf79-dea1702d2ab3" providerId="ADAL" clId="{76146E61-8DBC-4233-8216-62341FC25837}" dt="2020-05-08T14:47:55.097" v="404"/>
-          <ac:grpSpMkLst>
-            <pc:docMk/>
-            <pc:sldMk cId="2818404592" sldId="262"/>
-            <ac:grpSpMk id="40" creationId="{B6BADB90-C74B-40D6-86DC-503F65FCE8DC}"/>
-          </ac:grpSpMkLst>
-        </pc:grpChg>
-      </pc:sldChg>
-      <pc:sldChg chg="addSp modSp add mod setBg">
-        <pc:chgData name="Hugo Paula" userId="ea3b8808-58fe-4fde-bf79-dea1702d2ab3" providerId="ADAL" clId="{76146E61-8DBC-4233-8216-62341FC25837}" dt="2020-05-08T16:12:43.487" v="682" actId="207"/>
-        <pc:sldMkLst>
-          <pc:docMk/>
-          <pc:sldMk cId="3255236999" sldId="263"/>
-        </pc:sldMkLst>
-        <pc:spChg chg="mod">
-          <ac:chgData name="Hugo Paula" userId="ea3b8808-58fe-4fde-bf79-dea1702d2ab3" providerId="ADAL" clId="{76146E61-8DBC-4233-8216-62341FC25837}" dt="2020-05-08T15:00:34.174" v="584" actId="26606"/>
-          <ac:spMkLst>
-            <pc:docMk/>
-            <pc:sldMk cId="3255236999" sldId="263"/>
-            <ac:spMk id="2" creationId="{6518E36F-ED5D-4374-BA23-296679A70A95}"/>
-          </ac:spMkLst>
-        </pc:spChg>
-        <pc:spChg chg="mod">
-          <ac:chgData name="Hugo Paula" userId="ea3b8808-58fe-4fde-bf79-dea1702d2ab3" providerId="ADAL" clId="{76146E61-8DBC-4233-8216-62341FC25837}" dt="2020-05-08T16:12:43.487" v="682" actId="207"/>
-          <ac:spMkLst>
-            <pc:docMk/>
-            <pc:sldMk cId="3255236999" sldId="263"/>
-            <ac:spMk id="3" creationId="{C1FEE13F-C560-40E4-9738-DD62EE790C1D}"/>
-          </ac:spMkLst>
-        </pc:spChg>
-        <pc:spChg chg="add">
-          <ac:chgData name="Hugo Paula" userId="ea3b8808-58fe-4fde-bf79-dea1702d2ab3" providerId="ADAL" clId="{76146E61-8DBC-4233-8216-62341FC25837}" dt="2020-05-08T15:00:34.174" v="584" actId="26606"/>
-          <ac:spMkLst>
-            <pc:docMk/>
-            <pc:sldMk cId="3255236999" sldId="263"/>
-            <ac:spMk id="8" creationId="{8D70B121-56F4-4848-B38B-182089D909FA}"/>
-          </ac:spMkLst>
-        </pc:spChg>
-        <pc:cxnChg chg="add">
-          <ac:chgData name="Hugo Paula" userId="ea3b8808-58fe-4fde-bf79-dea1702d2ab3" providerId="ADAL" clId="{76146E61-8DBC-4233-8216-62341FC25837}" dt="2020-05-08T15:00:34.174" v="584" actId="26606"/>
-          <ac:cxnSpMkLst>
-            <pc:docMk/>
-            <pc:sldMk cId="3255236999" sldId="263"/>
-            <ac:cxnSpMk id="10" creationId="{2D72A2C9-F3CA-4216-8BAD-FA4C970C3C4E}"/>
-          </ac:cxnSpMkLst>
-        </pc:cxnChg>
-      </pc:sldChg>
-      <pc:sldChg chg="delSp add del setBg delDesignElem">
-        <pc:chgData name="Hugo Paula" userId="ea3b8808-58fe-4fde-bf79-dea1702d2ab3" providerId="ADAL" clId="{76146E61-8DBC-4233-8216-62341FC25837}" dt="2020-05-08T16:18:25.679" v="688" actId="2696"/>
-        <pc:sldMkLst>
-          <pc:docMk/>
-          <pc:sldMk cId="3588545967" sldId="264"/>
-        </pc:sldMkLst>
-        <pc:spChg chg="del">
-          <ac:chgData name="Hugo Paula" userId="ea3b8808-58fe-4fde-bf79-dea1702d2ab3" providerId="ADAL" clId="{76146E61-8DBC-4233-8216-62341FC25837}" dt="2020-05-08T14:51:20.203" v="426"/>
-          <ac:spMkLst>
-            <pc:docMk/>
-            <pc:sldMk cId="3588545967" sldId="264"/>
-            <ac:spMk id="38" creationId="{F4C0B10B-D2C4-4A54-AFAD-3D27DF88BB37}"/>
-          </ac:spMkLst>
-        </pc:spChg>
-        <pc:grpChg chg="del">
-          <ac:chgData name="Hugo Paula" userId="ea3b8808-58fe-4fde-bf79-dea1702d2ab3" providerId="ADAL" clId="{76146E61-8DBC-4233-8216-62341FC25837}" dt="2020-05-08T14:51:20.203" v="426"/>
-          <ac:grpSpMkLst>
-            <pc:docMk/>
-            <pc:sldMk cId="3588545967" sldId="264"/>
-            <ac:grpSpMk id="40" creationId="{B6BADB90-C74B-40D6-86DC-503F65FCE8DC}"/>
-          </ac:grpSpMkLst>
-        </pc:grpChg>
-      </pc:sldChg>
-      <pc:sldChg chg="addSp delSp add del setBg delDesignElem">
-        <pc:chgData name="Hugo Paula" userId="ea3b8808-58fe-4fde-bf79-dea1702d2ab3" providerId="ADAL" clId="{76146E61-8DBC-4233-8216-62341FC25837}" dt="2020-05-08T16:18:20.787" v="685"/>
-        <pc:sldMkLst>
-          <pc:docMk/>
-          <pc:sldMk cId="1590927140" sldId="265"/>
-        </pc:sldMkLst>
-        <pc:spChg chg="add del">
-          <ac:chgData name="Hugo Paula" userId="ea3b8808-58fe-4fde-bf79-dea1702d2ab3" providerId="ADAL" clId="{76146E61-8DBC-4233-8216-62341FC25837}" dt="2020-05-08T16:18:20.787" v="685"/>
-          <ac:spMkLst>
-            <pc:docMk/>
-            <pc:sldMk cId="1590927140" sldId="265"/>
-            <ac:spMk id="38" creationId="{F4C0B10B-D2C4-4A54-AFAD-3D27DF88BB37}"/>
-          </ac:spMkLst>
-        </pc:spChg>
-        <pc:grpChg chg="add del">
-          <ac:chgData name="Hugo Paula" userId="ea3b8808-58fe-4fde-bf79-dea1702d2ab3" providerId="ADAL" clId="{76146E61-8DBC-4233-8216-62341FC25837}" dt="2020-05-08T16:18:20.787" v="685"/>
-          <ac:grpSpMkLst>
-            <pc:docMk/>
-            <pc:sldMk cId="1590927140" sldId="265"/>
-            <ac:grpSpMk id="40" creationId="{B6BADB90-C74B-40D6-86DC-503F65FCE8DC}"/>
-          </ac:grpSpMkLst>
-        </pc:grpChg>
-      </pc:sldChg>
-      <pc:sldChg chg="addSp delSp modSp add ord">
-        <pc:chgData name="Hugo Paula" userId="ea3b8808-58fe-4fde-bf79-dea1702d2ab3" providerId="ADAL" clId="{76146E61-8DBC-4233-8216-62341FC25837}" dt="2020-05-08T16:23:41.580" v="744" actId="1440"/>
-        <pc:sldMkLst>
-          <pc:docMk/>
-          <pc:sldMk cId="1969108035" sldId="265"/>
-        </pc:sldMkLst>
-        <pc:picChg chg="add mod">
-          <ac:chgData name="Hugo Paula" userId="ea3b8808-58fe-4fde-bf79-dea1702d2ab3" providerId="ADAL" clId="{76146E61-8DBC-4233-8216-62341FC25837}" dt="2020-05-08T16:23:41.580" v="744" actId="1440"/>
-          <ac:picMkLst>
-            <pc:docMk/>
-            <pc:sldMk cId="1969108035" sldId="265"/>
-            <ac:picMk id="2" creationId="{BE4F27EB-87CA-41DB-B883-1CB7FEB7FFAE}"/>
-          </ac:picMkLst>
-        </pc:picChg>
-        <pc:picChg chg="add del mod">
-          <ac:chgData name="Hugo Paula" userId="ea3b8808-58fe-4fde-bf79-dea1702d2ab3" providerId="ADAL" clId="{76146E61-8DBC-4233-8216-62341FC25837}" dt="2020-05-08T16:20:08.895" v="699"/>
-          <ac:picMkLst>
-            <pc:docMk/>
-            <pc:sldMk cId="1969108035" sldId="265"/>
-            <ac:picMk id="3" creationId="{7486E5B8-586D-44BF-A9E2-A899C6C6CB05}"/>
-          </ac:picMkLst>
-        </pc:picChg>
-        <pc:picChg chg="add mod">
-          <ac:chgData name="Hugo Paula" userId="ea3b8808-58fe-4fde-bf79-dea1702d2ab3" providerId="ADAL" clId="{76146E61-8DBC-4233-8216-62341FC25837}" dt="2020-05-08T16:23:41.580" v="744" actId="1440"/>
-          <ac:picMkLst>
-            <pc:docMk/>
-            <pc:sldMk cId="1969108035" sldId="265"/>
-            <ac:picMk id="4" creationId="{EA6315DD-72A0-4F2F-94A7-53FFB55F8518}"/>
-          </ac:picMkLst>
-        </pc:picChg>
-        <pc:picChg chg="add mod">
-          <ac:chgData name="Hugo Paula" userId="ea3b8808-58fe-4fde-bf79-dea1702d2ab3" providerId="ADAL" clId="{76146E61-8DBC-4233-8216-62341FC25837}" dt="2020-05-08T16:23:41.580" v="744" actId="1440"/>
-          <ac:picMkLst>
-            <pc:docMk/>
-            <pc:sldMk cId="1969108035" sldId="265"/>
-            <ac:picMk id="6" creationId="{5D8B00A1-C343-4705-A34A-C00D9914A757}"/>
-          </ac:picMkLst>
-        </pc:picChg>
-        <pc:picChg chg="del">
-          <ac:chgData name="Hugo Paula" userId="ea3b8808-58fe-4fde-bf79-dea1702d2ab3" providerId="ADAL" clId="{76146E61-8DBC-4233-8216-62341FC25837}" dt="2020-05-08T16:18:27.500" v="689" actId="478"/>
-          <ac:picMkLst>
-            <pc:docMk/>
-            <pc:sldMk cId="1969108035" sldId="265"/>
-            <ac:picMk id="19" creationId="{5DB947C6-0838-4E2B-BEC7-BCEFE6778E43}"/>
-          </ac:picMkLst>
-        </pc:picChg>
-        <pc:picChg chg="del">
-          <ac:chgData name="Hugo Paula" userId="ea3b8808-58fe-4fde-bf79-dea1702d2ab3" providerId="ADAL" clId="{76146E61-8DBC-4233-8216-62341FC25837}" dt="2020-05-08T16:18:28.537" v="690" actId="478"/>
-          <ac:picMkLst>
-            <pc:docMk/>
-            <pc:sldMk cId="1969108035" sldId="265"/>
-            <ac:picMk id="20" creationId="{D127540A-5C5A-4725-8312-5D6C5807CEEC}"/>
-          </ac:picMkLst>
-        </pc:picChg>
-      </pc:sldChg>
-      <pc:sldChg chg="addSp delSp modSp add mod setBg">
-        <pc:chgData name="Hugo Paula" userId="ea3b8808-58fe-4fde-bf79-dea1702d2ab3" providerId="ADAL" clId="{76146E61-8DBC-4233-8216-62341FC25837}" dt="2020-05-08T16:31:39.915" v="752" actId="27614"/>
-        <pc:sldMkLst>
-          <pc:docMk/>
-          <pc:sldMk cId="430647495" sldId="266"/>
-        </pc:sldMkLst>
-        <pc:spChg chg="del">
-          <ac:chgData name="Hugo Paula" userId="ea3b8808-58fe-4fde-bf79-dea1702d2ab3" providerId="ADAL" clId="{76146E61-8DBC-4233-8216-62341FC25837}" dt="2020-05-08T16:31:33.165" v="751" actId="26606"/>
-          <ac:spMkLst>
-            <pc:docMk/>
-            <pc:sldMk cId="430647495" sldId="266"/>
-            <ac:spMk id="2" creationId="{C530C73E-0F16-47A2-862A-24AE7DF1D846}"/>
-          </ac:spMkLst>
-        </pc:spChg>
-        <pc:spChg chg="del">
-          <ac:chgData name="Hugo Paula" userId="ea3b8808-58fe-4fde-bf79-dea1702d2ab3" providerId="ADAL" clId="{76146E61-8DBC-4233-8216-62341FC25837}" dt="2020-05-08T16:31:29.035" v="750"/>
-          <ac:spMkLst>
-            <pc:docMk/>
-            <pc:sldMk cId="430647495" sldId="266"/>
-            <ac:spMk id="3" creationId="{07758A67-63EB-4657-981C-081D2D844CF9}"/>
-          </ac:spMkLst>
-        </pc:spChg>
-        <pc:picChg chg="add mod">
-          <ac:chgData name="Hugo Paula" userId="ea3b8808-58fe-4fde-bf79-dea1702d2ab3" providerId="ADAL" clId="{76146E61-8DBC-4233-8216-62341FC25837}" dt="2020-05-08T16:31:39.915" v="752" actId="27614"/>
-          <ac:picMkLst>
-            <pc:docMk/>
-            <pc:sldMk cId="430647495" sldId="266"/>
-            <ac:picMk id="4" creationId="{793BD231-7D0D-41C0-871D-1FAECC385B04}"/>
-          </ac:picMkLst>
-        </pc:picChg>
-      </pc:sldChg>
-      <pc:sldChg chg="addSp delSp add del setBg delDesignElem">
-        <pc:chgData name="Hugo Paula" userId="ea3b8808-58fe-4fde-bf79-dea1702d2ab3" providerId="ADAL" clId="{76146E61-8DBC-4233-8216-62341FC25837}" dt="2020-05-08T16:18:34.522" v="693"/>
-        <pc:sldMkLst>
-          <pc:docMk/>
-          <pc:sldMk cId="3429337213" sldId="266"/>
-        </pc:sldMkLst>
-        <pc:spChg chg="add del">
-          <ac:chgData name="Hugo Paula" userId="ea3b8808-58fe-4fde-bf79-dea1702d2ab3" providerId="ADAL" clId="{76146E61-8DBC-4233-8216-62341FC25837}" dt="2020-05-08T16:18:34.522" v="693"/>
-          <ac:spMkLst>
-            <pc:docMk/>
-            <pc:sldMk cId="3429337213" sldId="266"/>
-            <ac:spMk id="38" creationId="{F4C0B10B-D2C4-4A54-AFAD-3D27DF88BB37}"/>
-          </ac:spMkLst>
-        </pc:spChg>
-        <pc:grpChg chg="add del">
-          <ac:chgData name="Hugo Paula" userId="ea3b8808-58fe-4fde-bf79-dea1702d2ab3" providerId="ADAL" clId="{76146E61-8DBC-4233-8216-62341FC25837}" dt="2020-05-08T16:18:34.522" v="693"/>
-          <ac:grpSpMkLst>
-            <pc:docMk/>
-            <pc:sldMk cId="3429337213" sldId="266"/>
-            <ac:grpSpMk id="40" creationId="{B6BADB90-C74B-40D6-86DC-503F65FCE8DC}"/>
-          </ac:grpSpMkLst>
-        </pc:grpChg>
-      </pc:sldChg>
-      <pc:sldChg chg="addSp delSp modSp add mod setBg">
-        <pc:chgData name="Hugo Paula" userId="ea3b8808-58fe-4fde-bf79-dea1702d2ab3" providerId="ADAL" clId="{76146E61-8DBC-4233-8216-62341FC25837}" dt="2020-05-08T20:14:23.388" v="1047"/>
-        <pc:sldMkLst>
-          <pc:docMk/>
-          <pc:sldMk cId="200132653" sldId="267"/>
-        </pc:sldMkLst>
-        <pc:spChg chg="mod">
-          <ac:chgData name="Hugo Paula" userId="ea3b8808-58fe-4fde-bf79-dea1702d2ab3" providerId="ADAL" clId="{76146E61-8DBC-4233-8216-62341FC25837}" dt="2020-05-08T19:45:42.005" v="842" actId="26606"/>
-          <ac:spMkLst>
-            <pc:docMk/>
-            <pc:sldMk cId="200132653" sldId="267"/>
-            <ac:spMk id="2" creationId="{A856E191-2B88-48AA-B72F-782C114B80D6}"/>
-          </ac:spMkLst>
-        </pc:spChg>
-        <pc:spChg chg="mod">
-          <ac:chgData name="Hugo Paula" userId="ea3b8808-58fe-4fde-bf79-dea1702d2ab3" providerId="ADAL" clId="{76146E61-8DBC-4233-8216-62341FC25837}" dt="2020-05-08T19:50:19.638" v="874" actId="5793"/>
-          <ac:spMkLst>
-            <pc:docMk/>
-            <pc:sldMk cId="200132653" sldId="267"/>
-            <ac:spMk id="3" creationId="{A685E546-1AF1-48A1-BBB9-2B6C4561B81A}"/>
-          </ac:spMkLst>
-        </pc:spChg>
-        <pc:spChg chg="add del">
-          <ac:chgData name="Hugo Paula" userId="ea3b8808-58fe-4fde-bf79-dea1702d2ab3" providerId="ADAL" clId="{76146E61-8DBC-4233-8216-62341FC25837}" dt="2020-05-08T19:50:03.092" v="870" actId="26606"/>
-          <ac:spMkLst>
-            <pc:docMk/>
-            <pc:sldMk cId="200132653" sldId="267"/>
-            <ac:spMk id="9" creationId="{F4C0B10B-D2C4-4A54-AFAD-3D27DF88BB37}"/>
-          </ac:spMkLst>
-        </pc:spChg>
-        <pc:spChg chg="add del">
-          <ac:chgData name="Hugo Paula" userId="ea3b8808-58fe-4fde-bf79-dea1702d2ab3" providerId="ADAL" clId="{76146E61-8DBC-4233-8216-62341FC25837}" dt="2020-05-08T19:50:03.092" v="870" actId="26606"/>
-          <ac:spMkLst>
-            <pc:docMk/>
-            <pc:sldMk cId="200132653" sldId="267"/>
-            <ac:spMk id="21" creationId="{F4C0B10B-D2C4-4A54-AFAD-3D27DF88BB37}"/>
-          </ac:spMkLst>
-        </pc:spChg>
-        <pc:grpChg chg="add del">
-          <ac:chgData name="Hugo Paula" userId="ea3b8808-58fe-4fde-bf79-dea1702d2ab3" providerId="ADAL" clId="{76146E61-8DBC-4233-8216-62341FC25837}" dt="2020-05-08T19:50:03.092" v="870" actId="26606"/>
-          <ac:grpSpMkLst>
-            <pc:docMk/>
-            <pc:sldMk cId="200132653" sldId="267"/>
-            <ac:grpSpMk id="11" creationId="{B6BADB90-C74B-40D6-86DC-503F65FCE8DC}"/>
-          </ac:grpSpMkLst>
-        </pc:grpChg>
-        <pc:grpChg chg="add del">
-          <ac:chgData name="Hugo Paula" userId="ea3b8808-58fe-4fde-bf79-dea1702d2ab3" providerId="ADAL" clId="{76146E61-8DBC-4233-8216-62341FC25837}" dt="2020-05-08T19:50:03.092" v="870" actId="26606"/>
-          <ac:grpSpMkLst>
-            <pc:docMk/>
-            <pc:sldMk cId="200132653" sldId="267"/>
-            <ac:grpSpMk id="23" creationId="{B6BADB90-C74B-40D6-86DC-503F65FCE8DC}"/>
-          </ac:grpSpMkLst>
-        </pc:grpChg>
-        <pc:picChg chg="add del mod">
-          <ac:chgData name="Hugo Paula" userId="ea3b8808-58fe-4fde-bf79-dea1702d2ab3" providerId="ADAL" clId="{76146E61-8DBC-4233-8216-62341FC25837}" dt="2020-05-08T19:47:51.654" v="866" actId="478"/>
-          <ac:picMkLst>
-            <pc:docMk/>
-            <pc:sldMk cId="200132653" sldId="267"/>
-            <ac:picMk id="4" creationId="{9C0BF8B1-A5D2-40BB-9088-C9BDC8869FAD}"/>
-          </ac:picMkLst>
-        </pc:picChg>
-        <pc:picChg chg="add mod">
-          <ac:chgData name="Hugo Paula" userId="ea3b8808-58fe-4fde-bf79-dea1702d2ab3" providerId="ADAL" clId="{76146E61-8DBC-4233-8216-62341FC25837}" dt="2020-05-08T20:14:23.388" v="1047"/>
-          <ac:picMkLst>
-            <pc:docMk/>
-            <pc:sldMk cId="200132653" sldId="267"/>
-            <ac:picMk id="7" creationId="{4535EAE1-D652-4B69-8465-20C1D0CF796D}"/>
-          </ac:picMkLst>
-        </pc:picChg>
-        <pc:cxnChg chg="add del mod">
-          <ac:chgData name="Hugo Paula" userId="ea3b8808-58fe-4fde-bf79-dea1702d2ab3" providerId="ADAL" clId="{76146E61-8DBC-4233-8216-62341FC25837}" dt="2020-05-08T19:47:49.238" v="865" actId="478"/>
-          <ac:cxnSpMkLst>
-            <pc:docMk/>
-            <pc:sldMk cId="200132653" sldId="267"/>
-            <ac:cxnSpMk id="6" creationId="{A9CE88E6-A2E2-437C-8437-9B03B13648AD}"/>
-          </ac:cxnSpMkLst>
-        </pc:cxnChg>
-      </pc:sldChg>
-      <pc:sldChg chg="addSp modSp add mod setBg">
-        <pc:chgData name="Hugo Paula" userId="ea3b8808-58fe-4fde-bf79-dea1702d2ab3" providerId="ADAL" clId="{76146E61-8DBC-4233-8216-62341FC25837}" dt="2020-05-08T20:14:07.638" v="1045" actId="207"/>
-        <pc:sldMkLst>
-          <pc:docMk/>
-          <pc:sldMk cId="22703028" sldId="268"/>
-        </pc:sldMkLst>
-        <pc:spChg chg="mod">
-          <ac:chgData name="Hugo Paula" userId="ea3b8808-58fe-4fde-bf79-dea1702d2ab3" providerId="ADAL" clId="{76146E61-8DBC-4233-8216-62341FC25837}" dt="2020-05-08T20:13:25.004" v="1037" actId="26606"/>
-          <ac:spMkLst>
-            <pc:docMk/>
-            <pc:sldMk cId="22703028" sldId="268"/>
-            <ac:spMk id="2" creationId="{8FEB3542-D3FD-4204-BFFD-665C1C6409CE}"/>
-          </ac:spMkLst>
-        </pc:spChg>
-        <pc:spChg chg="mod">
-          <ac:chgData name="Hugo Paula" userId="ea3b8808-58fe-4fde-bf79-dea1702d2ab3" providerId="ADAL" clId="{76146E61-8DBC-4233-8216-62341FC25837}" dt="2020-05-08T20:14:07.638" v="1045" actId="207"/>
-          <ac:spMkLst>
-            <pc:docMk/>
-            <pc:sldMk cId="22703028" sldId="268"/>
-            <ac:spMk id="3" creationId="{36FE010B-7C9F-421C-ACAE-267315FBFCCC}"/>
-          </ac:spMkLst>
-        </pc:spChg>
-        <pc:spChg chg="add">
-          <ac:chgData name="Hugo Paula" userId="ea3b8808-58fe-4fde-bf79-dea1702d2ab3" providerId="ADAL" clId="{76146E61-8DBC-4233-8216-62341FC25837}" dt="2020-05-08T20:13:25.004" v="1037" actId="26606"/>
-          <ac:spMkLst>
-            <pc:docMk/>
-            <pc:sldMk cId="22703028" sldId="268"/>
-            <ac:spMk id="9" creationId="{F4C0B10B-D2C4-4A54-AFAD-3D27DF88BB37}"/>
-          </ac:spMkLst>
-        </pc:spChg>
-        <pc:grpChg chg="add">
-          <ac:chgData name="Hugo Paula" userId="ea3b8808-58fe-4fde-bf79-dea1702d2ab3" providerId="ADAL" clId="{76146E61-8DBC-4233-8216-62341FC25837}" dt="2020-05-08T20:13:25.004" v="1037" actId="26606"/>
-          <ac:grpSpMkLst>
-            <pc:docMk/>
-            <pc:sldMk cId="22703028" sldId="268"/>
-            <ac:grpSpMk id="11" creationId="{B6BADB90-C74B-40D6-86DC-503F65FCE8DC}"/>
-          </ac:grpSpMkLst>
-        </pc:grpChg>
-        <pc:picChg chg="add mod">
-          <ac:chgData name="Hugo Paula" userId="ea3b8808-58fe-4fde-bf79-dea1702d2ab3" providerId="ADAL" clId="{76146E61-8DBC-4233-8216-62341FC25837}" dt="2020-05-08T20:13:56.365" v="1042" actId="1440"/>
-          <ac:picMkLst>
-            <pc:docMk/>
-            <pc:sldMk cId="22703028" sldId="268"/>
-            <ac:picMk id="4" creationId="{3C47CA6A-FFDA-4117-9AA5-31A06308ABAC}"/>
-          </ac:picMkLst>
-        </pc:picChg>
-      </pc:sldChg>
-      <pc:sldChg chg="addSp delSp modSp add mod setBg">
-        <pc:chgData name="Hugo Paula" userId="ea3b8808-58fe-4fde-bf79-dea1702d2ab3" providerId="ADAL" clId="{76146E61-8DBC-4233-8216-62341FC25837}" dt="2020-05-08T20:21:17.836" v="1081" actId="1036"/>
-        <pc:sldMkLst>
-          <pc:docMk/>
-          <pc:sldMk cId="2329847041" sldId="269"/>
-        </pc:sldMkLst>
-        <pc:spChg chg="del">
-          <ac:chgData name="Hugo Paula" userId="ea3b8808-58fe-4fde-bf79-dea1702d2ab3" providerId="ADAL" clId="{76146E61-8DBC-4233-8216-62341FC25837}" dt="2020-05-08T20:18:29.743" v="1050" actId="26606"/>
-          <ac:spMkLst>
-            <pc:docMk/>
-            <pc:sldMk cId="2329847041" sldId="269"/>
-            <ac:spMk id="2" creationId="{85B0B7C0-ACD5-4A71-994A-0B1C82B7428F}"/>
-          </ac:spMkLst>
-        </pc:spChg>
-        <pc:spChg chg="del">
-          <ac:chgData name="Hugo Paula" userId="ea3b8808-58fe-4fde-bf79-dea1702d2ab3" providerId="ADAL" clId="{76146E61-8DBC-4233-8216-62341FC25837}" dt="2020-05-08T20:18:29.743" v="1050" actId="26606"/>
-          <ac:spMkLst>
-            <pc:docMk/>
-            <pc:sldMk cId="2329847041" sldId="269"/>
-            <ac:spMk id="3" creationId="{91DE9F0A-ADB1-41AC-9F87-D940984FB309}"/>
-          </ac:spMkLst>
-        </pc:spChg>
-        <pc:spChg chg="add del mod">
-          <ac:chgData name="Hugo Paula" userId="ea3b8808-58fe-4fde-bf79-dea1702d2ab3" providerId="ADAL" clId="{76146E61-8DBC-4233-8216-62341FC25837}" dt="2020-05-08T20:20:27.774" v="1063"/>
-          <ac:spMkLst>
-            <pc:docMk/>
-            <pc:sldMk cId="2329847041" sldId="269"/>
-            <ac:spMk id="6" creationId="{C7EED543-D1F9-41F6-9D3F-3260FF252A50}"/>
-          </ac:spMkLst>
-        </pc:spChg>
-        <pc:picChg chg="add del mod">
-          <ac:chgData name="Hugo Paula" userId="ea3b8808-58fe-4fde-bf79-dea1702d2ab3" providerId="ADAL" clId="{76146E61-8DBC-4233-8216-62341FC25837}" dt="2020-05-08T20:19:08.865" v="1058" actId="478"/>
-          <ac:picMkLst>
-            <pc:docMk/>
-            <pc:sldMk cId="2329847041" sldId="269"/>
-            <ac:picMk id="4" creationId="{91A213A5-92DE-4017-99CE-E056CA9A59BC}"/>
-          </ac:picMkLst>
-        </pc:picChg>
-        <pc:picChg chg="add del mod">
-          <ac:chgData name="Hugo Paula" userId="ea3b8808-58fe-4fde-bf79-dea1702d2ab3" providerId="ADAL" clId="{76146E61-8DBC-4233-8216-62341FC25837}" dt="2020-05-08T20:20:12.950" v="1062"/>
-          <ac:picMkLst>
-            <pc:docMk/>
-            <pc:sldMk cId="2329847041" sldId="269"/>
-            <ac:picMk id="7" creationId="{0B34A974-7073-466D-AF0F-3EC553F332AA}"/>
-          </ac:picMkLst>
-        </pc:picChg>
-        <pc:picChg chg="add mod">
-          <ac:chgData name="Hugo Paula" userId="ea3b8808-58fe-4fde-bf79-dea1702d2ab3" providerId="ADAL" clId="{76146E61-8DBC-4233-8216-62341FC25837}" dt="2020-05-08T20:21:17.836" v="1081" actId="1036"/>
-          <ac:picMkLst>
-            <pc:docMk/>
-            <pc:sldMk cId="2329847041" sldId="269"/>
-            <ac:picMk id="8" creationId="{9120DF27-F2FC-4747-B723-2879B7A7EEAD}"/>
-          </ac:picMkLst>
-        </pc:picChg>
-      </pc:sldChg>
-      <pc:sldChg chg="add del">
-        <pc:chgData name="Hugo Paula" userId="ea3b8808-58fe-4fde-bf79-dea1702d2ab3" providerId="ADAL" clId="{76146E61-8DBC-4233-8216-62341FC25837}" dt="2020-05-08T21:00:37.650" v="1083" actId="2696"/>
-        <pc:sldMkLst>
-          <pc:docMk/>
-          <pc:sldMk cId="1424902040" sldId="270"/>
-        </pc:sldMkLst>
       </pc:sldChg>
     </pc:docChg>
   </pc:docChgLst>
@@ -5199,198 +1956,3721 @@
     </pc:docChg>
   </pc:docChgLst>
   <pc:docChgLst>
-    <pc:chgData name="Hugo Paula" userId="ea3b8808-58fe-4fde-bf79-dea1702d2ab3" providerId="ADAL" clId="{7AD1C2C3-AD32-454D-8E09-E663225CF37E}"/>
-    <pc:docChg chg="undo custSel mod addSld delSld modSld">
-      <pc:chgData name="Hugo Paula" userId="ea3b8808-58fe-4fde-bf79-dea1702d2ab3" providerId="ADAL" clId="{7AD1C2C3-AD32-454D-8E09-E663225CF37E}" dt="2020-05-15T19:04:59.470" v="176" actId="115"/>
+    <pc:chgData name="Hugo Paula" userId="ea3b8808-58fe-4fde-bf79-dea1702d2ab3" providerId="ADAL" clId="{76146E61-8DBC-4233-8216-62341FC25837}"/>
+    <pc:docChg chg="undo custSel mod addSld delSld modSld sldOrd">
+      <pc:chgData name="Hugo Paula" userId="ea3b8808-58fe-4fde-bf79-dea1702d2ab3" providerId="ADAL" clId="{76146E61-8DBC-4233-8216-62341FC25837}" dt="2020-05-08T21:00:37.650" v="1083" actId="2696"/>
       <pc:docMkLst>
         <pc:docMk/>
       </pc:docMkLst>
-      <pc:sldChg chg="del">
-        <pc:chgData name="Hugo Paula" userId="ea3b8808-58fe-4fde-bf79-dea1702d2ab3" providerId="ADAL" clId="{7AD1C2C3-AD32-454D-8E09-E663225CF37E}" dt="2020-05-15T18:46:04.739" v="0" actId="2696"/>
-        <pc:sldMkLst>
-          <pc:docMk/>
-          <pc:sldMk cId="1651709553" sldId="257"/>
-        </pc:sldMkLst>
+      <pc:sldChg chg="modSp">
+        <pc:chgData name="Hugo Paula" userId="ea3b8808-58fe-4fde-bf79-dea1702d2ab3" providerId="ADAL" clId="{76146E61-8DBC-4233-8216-62341FC25837}" dt="2020-05-08T16:24:32.344" v="748" actId="1440"/>
+        <pc:sldMkLst>
+          <pc:docMk/>
+          <pc:sldMk cId="2229816697" sldId="257"/>
+        </pc:sldMkLst>
+        <pc:spChg chg="mod">
+          <ac:chgData name="Hugo Paula" userId="ea3b8808-58fe-4fde-bf79-dea1702d2ab3" providerId="ADAL" clId="{76146E61-8DBC-4233-8216-62341FC25837}" dt="2020-05-08T13:06:28.967" v="22" actId="20577"/>
+          <ac:spMkLst>
+            <pc:docMk/>
+            <pc:sldMk cId="2229816697" sldId="257"/>
+            <ac:spMk id="4" creationId="{44C620B7-2DA6-47A4-AD25-3A224CB070D0}"/>
+          </ac:spMkLst>
+        </pc:spChg>
+        <pc:graphicFrameChg chg="mod">
+          <ac:chgData name="Hugo Paula" userId="ea3b8808-58fe-4fde-bf79-dea1702d2ab3" providerId="ADAL" clId="{76146E61-8DBC-4233-8216-62341FC25837}" dt="2020-05-08T13:05:24.840" v="7" actId="20577"/>
+          <ac:graphicFrameMkLst>
+            <pc:docMk/>
+            <pc:sldMk cId="2229816697" sldId="257"/>
+            <ac:graphicFrameMk id="14" creationId="{4D2C7B24-AABE-4B03-A392-55ECAFB2DF8D}"/>
+          </ac:graphicFrameMkLst>
+        </pc:graphicFrameChg>
+        <pc:picChg chg="mod">
+          <ac:chgData name="Hugo Paula" userId="ea3b8808-58fe-4fde-bf79-dea1702d2ab3" providerId="ADAL" clId="{76146E61-8DBC-4233-8216-62341FC25837}" dt="2020-05-08T16:24:32.344" v="748" actId="1440"/>
+          <ac:picMkLst>
+            <pc:docMk/>
+            <pc:sldMk cId="2229816697" sldId="257"/>
+            <ac:picMk id="12" creationId="{42BCA3A6-592C-48F0-91B5-00DECF1C5A95}"/>
+          </ac:picMkLst>
+        </pc:picChg>
       </pc:sldChg>
       <pc:sldChg chg="addSp delSp modSp add mod setBg">
-        <pc:chgData name="Hugo Paula" userId="ea3b8808-58fe-4fde-bf79-dea1702d2ab3" providerId="ADAL" clId="{7AD1C2C3-AD32-454D-8E09-E663225CF37E}" dt="2020-05-15T19:04:59.470" v="176" actId="115"/>
-        <pc:sldMkLst>
-          <pc:docMk/>
-          <pc:sldMk cId="3272187284" sldId="257"/>
+        <pc:chgData name="Hugo Paula" userId="ea3b8808-58fe-4fde-bf79-dea1702d2ab3" providerId="ADAL" clId="{76146E61-8DBC-4233-8216-62341FC25837}" dt="2020-05-08T16:24:23.224" v="747" actId="1440"/>
+        <pc:sldMkLst>
+          <pc:docMk/>
+          <pc:sldMk cId="350072528" sldId="258"/>
+        </pc:sldMkLst>
+        <pc:spChg chg="add del">
+          <ac:chgData name="Hugo Paula" userId="ea3b8808-58fe-4fde-bf79-dea1702d2ab3" providerId="ADAL" clId="{76146E61-8DBC-4233-8216-62341FC25837}" dt="2020-05-08T13:07:42.570" v="68"/>
+          <ac:spMkLst>
+            <pc:docMk/>
+            <pc:sldMk cId="350072528" sldId="258"/>
+            <ac:spMk id="2" creationId="{3D6E76DC-67F8-4EDA-890B-56C8B400A7F9}"/>
+          </ac:spMkLst>
+        </pc:spChg>
+        <pc:spChg chg="del">
+          <ac:chgData name="Hugo Paula" userId="ea3b8808-58fe-4fde-bf79-dea1702d2ab3" providerId="ADAL" clId="{76146E61-8DBC-4233-8216-62341FC25837}" dt="2020-05-08T11:25:59.367" v="1"/>
+          <ac:spMkLst>
+            <pc:docMk/>
+            <pc:sldMk cId="350072528" sldId="258"/>
+            <ac:spMk id="2" creationId="{B5A77B1B-1473-48C5-BE34-EB2FACDCCA65}"/>
+          </ac:spMkLst>
+        </pc:spChg>
+        <pc:spChg chg="del">
+          <ac:chgData name="Hugo Paula" userId="ea3b8808-58fe-4fde-bf79-dea1702d2ab3" providerId="ADAL" clId="{76146E61-8DBC-4233-8216-62341FC25837}" dt="2020-05-08T11:25:59.367" v="1"/>
+          <ac:spMkLst>
+            <pc:docMk/>
+            <pc:sldMk cId="350072528" sldId="258"/>
+            <ac:spMk id="3" creationId="{17EBEF06-9EFD-4438-A199-9BD059E4F7CD}"/>
+          </ac:spMkLst>
+        </pc:spChg>
+        <pc:spChg chg="add del">
+          <ac:chgData name="Hugo Paula" userId="ea3b8808-58fe-4fde-bf79-dea1702d2ab3" providerId="ADAL" clId="{76146E61-8DBC-4233-8216-62341FC25837}" dt="2020-05-08T13:07:42.135" v="67"/>
+          <ac:spMkLst>
+            <pc:docMk/>
+            <pc:sldMk cId="350072528" sldId="258"/>
+            <ac:spMk id="3" creationId="{A261CE72-A88B-4A2C-A030-48364A3BD7F6}"/>
+          </ac:spMkLst>
+        </pc:spChg>
+        <pc:spChg chg="add del">
+          <ac:chgData name="Hugo Paula" userId="ea3b8808-58fe-4fde-bf79-dea1702d2ab3" providerId="ADAL" clId="{76146E61-8DBC-4233-8216-62341FC25837}" dt="2020-05-08T13:07:41.690" v="66"/>
+          <ac:spMkLst>
+            <pc:docMk/>
+            <pc:sldMk cId="350072528" sldId="258"/>
+            <ac:spMk id="4" creationId="{A9A3BFCC-2052-4824-92CF-00191012C7EA}"/>
+          </ac:spMkLst>
+        </pc:spChg>
+        <pc:spChg chg="del">
+          <ac:chgData name="Hugo Paula" userId="ea3b8808-58fe-4fde-bf79-dea1702d2ab3" providerId="ADAL" clId="{76146E61-8DBC-4233-8216-62341FC25837}" dt="2020-05-08T11:25:59.367" v="1"/>
+          <ac:spMkLst>
+            <pc:docMk/>
+            <pc:sldMk cId="350072528" sldId="258"/>
+            <ac:spMk id="4" creationId="{D4EC532A-417A-4397-91DC-1AF3F6491EB0}"/>
+          </ac:spMkLst>
+        </pc:spChg>
+        <pc:spChg chg="add mod">
+          <ac:chgData name="Hugo Paula" userId="ea3b8808-58fe-4fde-bf79-dea1702d2ab3" providerId="ADAL" clId="{76146E61-8DBC-4233-8216-62341FC25837}" dt="2020-05-08T13:12:24.636" v="224" actId="26606"/>
+          <ac:spMkLst>
+            <pc:docMk/>
+            <pc:sldMk cId="350072528" sldId="258"/>
+            <ac:spMk id="5" creationId="{09EA8956-93C4-4342-92C4-A01E74D25FA0}"/>
+          </ac:spMkLst>
+        </pc:spChg>
+        <pc:spChg chg="add mod">
+          <ac:chgData name="Hugo Paula" userId="ea3b8808-58fe-4fde-bf79-dea1702d2ab3" providerId="ADAL" clId="{76146E61-8DBC-4233-8216-62341FC25837}" dt="2020-05-08T14:46:52.768" v="393" actId="26606"/>
+          <ac:spMkLst>
+            <pc:docMk/>
+            <pc:sldMk cId="350072528" sldId="258"/>
+            <ac:spMk id="6" creationId="{338C3BD5-B939-4F57-8B7E-DB28DF4D3F38}"/>
+          </ac:spMkLst>
+        </pc:spChg>
+        <pc:spChg chg="add del">
+          <ac:chgData name="Hugo Paula" userId="ea3b8808-58fe-4fde-bf79-dea1702d2ab3" providerId="ADAL" clId="{76146E61-8DBC-4233-8216-62341FC25837}" dt="2020-05-08T13:10:47.181" v="198"/>
+          <ac:spMkLst>
+            <pc:docMk/>
+            <pc:sldMk cId="350072528" sldId="258"/>
+            <ac:spMk id="7" creationId="{33AF42C0-F87B-43A6-A008-F5819867E232}"/>
+          </ac:spMkLst>
+        </pc:spChg>
+        <pc:spChg chg="add del">
+          <ac:chgData name="Hugo Paula" userId="ea3b8808-58fe-4fde-bf79-dea1702d2ab3" providerId="ADAL" clId="{76146E61-8DBC-4233-8216-62341FC25837}" dt="2020-05-08T13:10:52.975" v="210"/>
+          <ac:spMkLst>
+            <pc:docMk/>
+            <pc:sldMk cId="350072528" sldId="258"/>
+            <ac:spMk id="8" creationId="{0E684677-D400-45D6-AB5F-7328F024903F}"/>
+          </ac:spMkLst>
+        </pc:spChg>
+        <pc:spChg chg="add del">
+          <ac:chgData name="Hugo Paula" userId="ea3b8808-58fe-4fde-bf79-dea1702d2ab3" providerId="ADAL" clId="{76146E61-8DBC-4233-8216-62341FC25837}" dt="2020-05-08T13:12:52.171" v="232" actId="26606"/>
+          <ac:spMkLst>
+            <pc:docMk/>
+            <pc:sldMk cId="350072528" sldId="258"/>
+            <ac:spMk id="14" creationId="{F4C0B10B-D2C4-4A54-AFAD-3D27DF88BB37}"/>
+          </ac:spMkLst>
+        </pc:spChg>
+        <pc:spChg chg="add del">
+          <ac:chgData name="Hugo Paula" userId="ea3b8808-58fe-4fde-bf79-dea1702d2ab3" providerId="ADAL" clId="{76146E61-8DBC-4233-8216-62341FC25837}" dt="2020-05-08T14:46:52.768" v="393" actId="26606"/>
+          <ac:spMkLst>
+            <pc:docMk/>
+            <pc:sldMk cId="350072528" sldId="258"/>
+            <ac:spMk id="26" creationId="{F4C0B10B-D2C4-4A54-AFAD-3D27DF88BB37}"/>
+          </ac:spMkLst>
+        </pc:spChg>
+        <pc:spChg chg="add">
+          <ac:chgData name="Hugo Paula" userId="ea3b8808-58fe-4fde-bf79-dea1702d2ab3" providerId="ADAL" clId="{76146E61-8DBC-4233-8216-62341FC25837}" dt="2020-05-08T14:46:52.768" v="393" actId="26606"/>
+          <ac:spMkLst>
+            <pc:docMk/>
+            <pc:sldMk cId="350072528" sldId="258"/>
+            <ac:spMk id="38" creationId="{F4C0B10B-D2C4-4A54-AFAD-3D27DF88BB37}"/>
+          </ac:spMkLst>
+        </pc:spChg>
+        <pc:grpChg chg="add del">
+          <ac:chgData name="Hugo Paula" userId="ea3b8808-58fe-4fde-bf79-dea1702d2ab3" providerId="ADAL" clId="{76146E61-8DBC-4233-8216-62341FC25837}" dt="2020-05-08T13:12:52.171" v="232" actId="26606"/>
+          <ac:grpSpMkLst>
+            <pc:docMk/>
+            <pc:sldMk cId="350072528" sldId="258"/>
+            <ac:grpSpMk id="16" creationId="{B6BADB90-C74B-40D6-86DC-503F65FCE8DC}"/>
+          </ac:grpSpMkLst>
+        </pc:grpChg>
+        <pc:grpChg chg="add del">
+          <ac:chgData name="Hugo Paula" userId="ea3b8808-58fe-4fde-bf79-dea1702d2ab3" providerId="ADAL" clId="{76146E61-8DBC-4233-8216-62341FC25837}" dt="2020-05-08T14:46:52.768" v="393" actId="26606"/>
+          <ac:grpSpMkLst>
+            <pc:docMk/>
+            <pc:sldMk cId="350072528" sldId="258"/>
+            <ac:grpSpMk id="28" creationId="{B6BADB90-C74B-40D6-86DC-503F65FCE8DC}"/>
+          </ac:grpSpMkLst>
+        </pc:grpChg>
+        <pc:grpChg chg="add">
+          <ac:chgData name="Hugo Paula" userId="ea3b8808-58fe-4fde-bf79-dea1702d2ab3" providerId="ADAL" clId="{76146E61-8DBC-4233-8216-62341FC25837}" dt="2020-05-08T14:46:52.768" v="393" actId="26606"/>
+          <ac:grpSpMkLst>
+            <pc:docMk/>
+            <pc:sldMk cId="350072528" sldId="258"/>
+            <ac:grpSpMk id="40" creationId="{B6BADB90-C74B-40D6-86DC-503F65FCE8DC}"/>
+          </ac:grpSpMkLst>
+        </pc:grpChg>
+        <pc:picChg chg="add mod modCrop">
+          <ac:chgData name="Hugo Paula" userId="ea3b8808-58fe-4fde-bf79-dea1702d2ab3" providerId="ADAL" clId="{76146E61-8DBC-4233-8216-62341FC25837}" dt="2020-05-08T16:24:23.224" v="747" actId="1440"/>
+          <ac:picMkLst>
+            <pc:docMk/>
+            <pc:sldMk cId="350072528" sldId="258"/>
+            <ac:picMk id="9" creationId="{28998B04-2E0C-4EDE-A876-8AC36B08BE2D}"/>
+          </ac:picMkLst>
+        </pc:picChg>
+      </pc:sldChg>
+      <pc:sldChg chg="addSp delSp modSp add">
+        <pc:chgData name="Hugo Paula" userId="ea3b8808-58fe-4fde-bf79-dea1702d2ab3" providerId="ADAL" clId="{76146E61-8DBC-4233-8216-62341FC25837}" dt="2020-05-08T16:24:18.439" v="746" actId="1440"/>
+        <pc:sldMkLst>
+          <pc:docMk/>
+          <pc:sldMk cId="998056632" sldId="259"/>
         </pc:sldMkLst>
         <pc:spChg chg="mod">
-          <ac:chgData name="Hugo Paula" userId="ea3b8808-58fe-4fde-bf79-dea1702d2ab3" providerId="ADAL" clId="{7AD1C2C3-AD32-454D-8E09-E663225CF37E}" dt="2020-05-15T18:47:51.200" v="72" actId="26606"/>
-          <ac:spMkLst>
-            <pc:docMk/>
-            <pc:sldMk cId="3272187284" sldId="257"/>
-            <ac:spMk id="2" creationId="{D8261509-837A-4984-9791-1899AE0FD647}"/>
-          </ac:spMkLst>
-        </pc:spChg>
-        <pc:spChg chg="mod ord">
-          <ac:chgData name="Hugo Paula" userId="ea3b8808-58fe-4fde-bf79-dea1702d2ab3" providerId="ADAL" clId="{7AD1C2C3-AD32-454D-8E09-E663225CF37E}" dt="2020-05-15T19:04:59.470" v="176" actId="115"/>
-          <ac:spMkLst>
-            <pc:docMk/>
-            <pc:sldMk cId="3272187284" sldId="257"/>
-            <ac:spMk id="3" creationId="{B8BCCF03-050D-45AE-826E-AD1649BF6347}"/>
+          <ac:chgData name="Hugo Paula" userId="ea3b8808-58fe-4fde-bf79-dea1702d2ab3" providerId="ADAL" clId="{76146E61-8DBC-4233-8216-62341FC25837}" dt="2020-05-08T13:13:50.776" v="261" actId="20577"/>
+          <ac:spMkLst>
+            <pc:docMk/>
+            <pc:sldMk cId="998056632" sldId="259"/>
+            <ac:spMk id="2" creationId="{28EE8995-B0B9-45C3-AEB0-17EA94024716}"/>
+          </ac:spMkLst>
+        </pc:spChg>
+        <pc:spChg chg="del mod">
+          <ac:chgData name="Hugo Paula" userId="ea3b8808-58fe-4fde-bf79-dea1702d2ab3" providerId="ADAL" clId="{76146E61-8DBC-4233-8216-62341FC25837}" dt="2020-05-08T13:17:57.662" v="267" actId="478"/>
+          <ac:spMkLst>
+            <pc:docMk/>
+            <pc:sldMk cId="998056632" sldId="259"/>
+            <ac:spMk id="3" creationId="{C1D2C880-F627-4F9C-84BA-D941575B6A81}"/>
           </ac:spMkLst>
         </pc:spChg>
         <pc:spChg chg="add del">
-          <ac:chgData name="Hugo Paula" userId="ea3b8808-58fe-4fde-bf79-dea1702d2ab3" providerId="ADAL" clId="{7AD1C2C3-AD32-454D-8E09-E663225CF37E}" dt="2020-05-15T18:47:42.517" v="69" actId="26606"/>
-          <ac:spMkLst>
-            <pc:docMk/>
-            <pc:sldMk cId="3272187284" sldId="257"/>
-            <ac:spMk id="10" creationId="{8E20FA99-AAAC-4AF3-9FAE-707420324F1C}"/>
-          </ac:spMkLst>
-        </pc:spChg>
-        <pc:spChg chg="add del">
-          <ac:chgData name="Hugo Paula" userId="ea3b8808-58fe-4fde-bf79-dea1702d2ab3" providerId="ADAL" clId="{7AD1C2C3-AD32-454D-8E09-E663225CF37E}" dt="2020-05-15T18:47:42.517" v="69" actId="26606"/>
-          <ac:spMkLst>
-            <pc:docMk/>
-            <pc:sldMk cId="3272187284" sldId="257"/>
-            <ac:spMk id="12" creationId="{9573BE85-6043-4C3A-A7DD-483A0A5FB740}"/>
-          </ac:spMkLst>
-        </pc:spChg>
-        <pc:spChg chg="add del">
-          <ac:chgData name="Hugo Paula" userId="ea3b8808-58fe-4fde-bf79-dea1702d2ab3" providerId="ADAL" clId="{7AD1C2C3-AD32-454D-8E09-E663225CF37E}" dt="2020-05-15T18:47:51.196" v="71" actId="26606"/>
-          <ac:spMkLst>
-            <pc:docMk/>
-            <pc:sldMk cId="3272187284" sldId="257"/>
-            <ac:spMk id="14" creationId="{46F7435D-E3DB-47B1-BA61-B00ACC83A9DE}"/>
-          </ac:spMkLst>
-        </pc:spChg>
-        <pc:spChg chg="add del">
-          <ac:chgData name="Hugo Paula" userId="ea3b8808-58fe-4fde-bf79-dea1702d2ab3" providerId="ADAL" clId="{7AD1C2C3-AD32-454D-8E09-E663225CF37E}" dt="2020-05-15T18:47:51.196" v="71" actId="26606"/>
-          <ac:spMkLst>
-            <pc:docMk/>
-            <pc:sldMk cId="3272187284" sldId="257"/>
-            <ac:spMk id="15" creationId="{F263A0B5-F8C4-4116-809F-78A768EA79A6}"/>
-          </ac:spMkLst>
-        </pc:spChg>
-        <pc:spChg chg="add del">
-          <ac:chgData name="Hugo Paula" userId="ea3b8808-58fe-4fde-bf79-dea1702d2ab3" providerId="ADAL" clId="{7AD1C2C3-AD32-454D-8E09-E663225CF37E}" dt="2020-05-15T18:51:31.552" v="150" actId="26606"/>
-          <ac:spMkLst>
-            <pc:docMk/>
-            <pc:sldMk cId="3272187284" sldId="257"/>
-            <ac:spMk id="17" creationId="{8E20FA99-AAAC-4AF3-9FAE-707420324F1C}"/>
-          </ac:spMkLst>
-        </pc:spChg>
-        <pc:spChg chg="add del">
-          <ac:chgData name="Hugo Paula" userId="ea3b8808-58fe-4fde-bf79-dea1702d2ab3" providerId="ADAL" clId="{7AD1C2C3-AD32-454D-8E09-E663225CF37E}" dt="2020-05-15T18:51:31.552" v="150" actId="26606"/>
-          <ac:spMkLst>
-            <pc:docMk/>
-            <pc:sldMk cId="3272187284" sldId="257"/>
-            <ac:spMk id="18" creationId="{9573BE85-6043-4C3A-A7DD-483A0A5FB740}"/>
-          </ac:spMkLst>
-        </pc:spChg>
-        <pc:spChg chg="add">
-          <ac:chgData name="Hugo Paula" userId="ea3b8808-58fe-4fde-bf79-dea1702d2ab3" providerId="ADAL" clId="{7AD1C2C3-AD32-454D-8E09-E663225CF37E}" dt="2020-05-15T18:51:31.552" v="150" actId="26606"/>
-          <ac:spMkLst>
-            <pc:docMk/>
-            <pc:sldMk cId="3272187284" sldId="257"/>
-            <ac:spMk id="23" creationId="{8E20FA99-AAAC-4AF3-9FAE-707420324F1C}"/>
-          </ac:spMkLst>
-        </pc:spChg>
-        <pc:spChg chg="add">
-          <ac:chgData name="Hugo Paula" userId="ea3b8808-58fe-4fde-bf79-dea1702d2ab3" providerId="ADAL" clId="{7AD1C2C3-AD32-454D-8E09-E663225CF37E}" dt="2020-05-15T18:51:31.552" v="150" actId="26606"/>
-          <ac:spMkLst>
-            <pc:docMk/>
-            <pc:sldMk cId="3272187284" sldId="257"/>
-            <ac:spMk id="25" creationId="{9573BE85-6043-4C3A-A7DD-483A0A5FB740}"/>
-          </ac:spMkLst>
-        </pc:spChg>
-        <pc:picChg chg="add del mod">
-          <ac:chgData name="Hugo Paula" userId="ea3b8808-58fe-4fde-bf79-dea1702d2ab3" providerId="ADAL" clId="{7AD1C2C3-AD32-454D-8E09-E663225CF37E}" dt="2020-05-15T18:51:20.496" v="145" actId="478"/>
+          <ac:chgData name="Hugo Paula" userId="ea3b8808-58fe-4fde-bf79-dea1702d2ab3" providerId="ADAL" clId="{76146E61-8DBC-4233-8216-62341FC25837}" dt="2020-05-08T13:14:07.674" v="266"/>
+          <ac:spMkLst>
+            <pc:docMk/>
+            <pc:sldMk cId="998056632" sldId="259"/>
+            <ac:spMk id="4" creationId="{15270E70-5922-4508-9374-58F6F8EE764B}"/>
+          </ac:spMkLst>
+        </pc:spChg>
+        <pc:spChg chg="add del mod">
+          <ac:chgData name="Hugo Paula" userId="ea3b8808-58fe-4fde-bf79-dea1702d2ab3" providerId="ADAL" clId="{76146E61-8DBC-4233-8216-62341FC25837}" dt="2020-05-08T13:18:04.387" v="270"/>
+          <ac:spMkLst>
+            <pc:docMk/>
+            <pc:sldMk cId="998056632" sldId="259"/>
+            <ac:spMk id="6" creationId="{EC5577FA-BE33-48B0-9948-874D01DAC9BE}"/>
+          </ac:spMkLst>
+        </pc:spChg>
+        <pc:spChg chg="add del mod">
+          <ac:chgData name="Hugo Paula" userId="ea3b8808-58fe-4fde-bf79-dea1702d2ab3" providerId="ADAL" clId="{76146E61-8DBC-4233-8216-62341FC25837}" dt="2020-05-08T13:18:15.317" v="273"/>
+          <ac:spMkLst>
+            <pc:docMk/>
+            <pc:sldMk cId="998056632" sldId="259"/>
+            <ac:spMk id="9" creationId="{C67CCE50-BBB5-4F64-A387-58AD56D05663}"/>
+          </ac:spMkLst>
+        </pc:spChg>
+        <pc:spChg chg="add del mod">
+          <ac:chgData name="Hugo Paula" userId="ea3b8808-58fe-4fde-bf79-dea1702d2ab3" providerId="ADAL" clId="{76146E61-8DBC-4233-8216-62341FC25837}" dt="2020-05-08T13:18:15.317" v="273"/>
+          <ac:spMkLst>
+            <pc:docMk/>
+            <pc:sldMk cId="998056632" sldId="259"/>
+            <ac:spMk id="10" creationId="{41649031-78B5-4E11-B1AA-5F11E443EB56}"/>
+          </ac:spMkLst>
+        </pc:spChg>
+        <pc:picChg chg="add del">
+          <ac:chgData name="Hugo Paula" userId="ea3b8808-58fe-4fde-bf79-dea1702d2ab3" providerId="ADAL" clId="{76146E61-8DBC-4233-8216-62341FC25837}" dt="2020-05-08T13:18:01.496" v="269"/>
           <ac:picMkLst>
             <pc:docMk/>
-            <pc:sldMk cId="3272187284" sldId="257"/>
-            <ac:picMk id="5" creationId="{7076B158-3DCF-4FB1-AA4A-BDA3E6229760}"/>
+            <pc:sldMk cId="998056632" sldId="259"/>
+            <ac:picMk id="7" creationId="{953D3A77-C48D-4BDC-82FB-9598EE319D6E}"/>
           </ac:picMkLst>
         </pc:picChg>
         <pc:picChg chg="add mod">
-          <ac:chgData name="Hugo Paula" userId="ea3b8808-58fe-4fde-bf79-dea1702d2ab3" providerId="ADAL" clId="{7AD1C2C3-AD32-454D-8E09-E663225CF37E}" dt="2020-05-15T18:51:31.552" v="150" actId="26606"/>
+          <ac:chgData name="Hugo Paula" userId="ea3b8808-58fe-4fde-bf79-dea1702d2ab3" providerId="ADAL" clId="{76146E61-8DBC-4233-8216-62341FC25837}" dt="2020-05-08T16:24:18.439" v="746" actId="1440"/>
           <ac:picMkLst>
             <pc:docMk/>
-            <pc:sldMk cId="3272187284" sldId="257"/>
-            <ac:picMk id="7" creationId="{8E97C985-4BAA-4F1B-AF57-B44DDF0B6E1E}"/>
+            <pc:sldMk cId="998056632" sldId="259"/>
+            <ac:picMk id="8" creationId="{341BFBFC-0152-467F-BC1B-82E898FD21CF}"/>
           </ac:picMkLst>
         </pc:picChg>
       </pc:sldChg>
+      <pc:sldChg chg="addSp delSp modSp add mod setBg">
+        <pc:chgData name="Hugo Paula" userId="ea3b8808-58fe-4fde-bf79-dea1702d2ab3" providerId="ADAL" clId="{76146E61-8DBC-4233-8216-62341FC25837}" dt="2020-05-08T15:01:01.688" v="587" actId="207"/>
+        <pc:sldMkLst>
+          <pc:docMk/>
+          <pc:sldMk cId="1999229014" sldId="260"/>
+        </pc:sldMkLst>
+        <pc:spChg chg="mod">
+          <ac:chgData name="Hugo Paula" userId="ea3b8808-58fe-4fde-bf79-dea1702d2ab3" providerId="ADAL" clId="{76146E61-8DBC-4233-8216-62341FC25837}" dt="2020-05-08T14:54:18.095" v="427" actId="26606"/>
+          <ac:spMkLst>
+            <pc:docMk/>
+            <pc:sldMk cId="1999229014" sldId="260"/>
+            <ac:spMk id="2" creationId="{6518E36F-ED5D-4374-BA23-296679A70A95}"/>
+          </ac:spMkLst>
+        </pc:spChg>
+        <pc:spChg chg="mod">
+          <ac:chgData name="Hugo Paula" userId="ea3b8808-58fe-4fde-bf79-dea1702d2ab3" providerId="ADAL" clId="{76146E61-8DBC-4233-8216-62341FC25837}" dt="2020-05-08T15:01:01.688" v="587" actId="207"/>
+          <ac:spMkLst>
+            <pc:docMk/>
+            <pc:sldMk cId="1999229014" sldId="260"/>
+            <ac:spMk id="3" creationId="{C1FEE13F-C560-40E4-9738-DD62EE790C1D}"/>
+          </ac:spMkLst>
+        </pc:spChg>
+        <pc:spChg chg="add">
+          <ac:chgData name="Hugo Paula" userId="ea3b8808-58fe-4fde-bf79-dea1702d2ab3" providerId="ADAL" clId="{76146E61-8DBC-4233-8216-62341FC25837}" dt="2020-05-08T14:54:18.095" v="427" actId="26606"/>
+          <ac:spMkLst>
+            <pc:docMk/>
+            <pc:sldMk cId="1999229014" sldId="260"/>
+            <ac:spMk id="8" creationId="{8D70B121-56F4-4848-B38B-182089D909FA}"/>
+          </ac:spMkLst>
+        </pc:spChg>
+        <pc:picChg chg="add del">
+          <ac:chgData name="Hugo Paula" userId="ea3b8808-58fe-4fde-bf79-dea1702d2ab3" providerId="ADAL" clId="{76146E61-8DBC-4233-8216-62341FC25837}" dt="2020-05-08T14:47:46.441" v="401"/>
+          <ac:picMkLst>
+            <pc:docMk/>
+            <pc:sldMk cId="1999229014" sldId="260"/>
+            <ac:picMk id="4" creationId="{38EA0CBB-A3BA-4E9F-818E-23CD2F77E739}"/>
+          </ac:picMkLst>
+        </pc:picChg>
+        <pc:cxnChg chg="add">
+          <ac:chgData name="Hugo Paula" userId="ea3b8808-58fe-4fde-bf79-dea1702d2ab3" providerId="ADAL" clId="{76146E61-8DBC-4233-8216-62341FC25837}" dt="2020-05-08T14:54:18.095" v="427" actId="26606"/>
+          <ac:cxnSpMkLst>
+            <pc:docMk/>
+            <pc:sldMk cId="1999229014" sldId="260"/>
+            <ac:cxnSpMk id="10" creationId="{2D72A2C9-F3CA-4216-8BAD-FA4C970C3C4E}"/>
+          </ac:cxnSpMkLst>
+        </pc:cxnChg>
+      </pc:sldChg>
+      <pc:sldChg chg="addSp delSp modSp add del mod setBg">
+        <pc:chgData name="Hugo Paula" userId="ea3b8808-58fe-4fde-bf79-dea1702d2ab3" providerId="ADAL" clId="{76146E61-8DBC-4233-8216-62341FC25837}" dt="2020-05-08T14:51:10.627" v="424" actId="2696"/>
+        <pc:sldMkLst>
+          <pc:docMk/>
+          <pc:sldMk cId="1645763970" sldId="261"/>
+        </pc:sldMkLst>
+        <pc:spChg chg="del">
+          <ac:chgData name="Hugo Paula" userId="ea3b8808-58fe-4fde-bf79-dea1702d2ab3" providerId="ADAL" clId="{76146E61-8DBC-4233-8216-62341FC25837}" dt="2020-05-08T14:45:37.227" v="386"/>
+          <ac:spMkLst>
+            <pc:docMk/>
+            <pc:sldMk cId="1645763970" sldId="261"/>
+            <ac:spMk id="2" creationId="{6D2ADCA8-BCD2-4D0B-9E69-E0B2E3405A88}"/>
+          </ac:spMkLst>
+        </pc:spChg>
+        <pc:spChg chg="del">
+          <ac:chgData name="Hugo Paula" userId="ea3b8808-58fe-4fde-bf79-dea1702d2ab3" providerId="ADAL" clId="{76146E61-8DBC-4233-8216-62341FC25837}" dt="2020-05-08T14:45:37.227" v="386"/>
+          <ac:spMkLst>
+            <pc:docMk/>
+            <pc:sldMk cId="1645763970" sldId="261"/>
+            <ac:spMk id="3" creationId="{228E3B08-835C-4443-A308-1FD597B6FF97}"/>
+          </ac:spMkLst>
+        </pc:spChg>
+        <pc:spChg chg="add mod ord">
+          <ac:chgData name="Hugo Paula" userId="ea3b8808-58fe-4fde-bf79-dea1702d2ab3" providerId="ADAL" clId="{76146E61-8DBC-4233-8216-62341FC25837}" dt="2020-05-08T14:46:46.676" v="392" actId="26606"/>
+          <ac:spMkLst>
+            <pc:docMk/>
+            <pc:sldMk cId="1645763970" sldId="261"/>
+            <ac:spMk id="4" creationId="{3D4B0DBB-DBC5-4BC5-9000-C8955D21E99E}"/>
+          </ac:spMkLst>
+        </pc:spChg>
+        <pc:spChg chg="add del mod">
+          <ac:chgData name="Hugo Paula" userId="ea3b8808-58fe-4fde-bf79-dea1702d2ab3" providerId="ADAL" clId="{76146E61-8DBC-4233-8216-62341FC25837}" dt="2020-05-08T14:45:41.133" v="387"/>
+          <ac:spMkLst>
+            <pc:docMk/>
+            <pc:sldMk cId="1645763970" sldId="261"/>
+            <ac:spMk id="5" creationId="{03DB8789-48EC-4903-8401-0BC9750F7ED6}"/>
+          </ac:spMkLst>
+        </pc:spChg>
+        <pc:spChg chg="add del mod">
+          <ac:chgData name="Hugo Paula" userId="ea3b8808-58fe-4fde-bf79-dea1702d2ab3" providerId="ADAL" clId="{76146E61-8DBC-4233-8216-62341FC25837}" dt="2020-05-08T14:46:11.668" v="388"/>
+          <ac:spMkLst>
+            <pc:docMk/>
+            <pc:sldMk cId="1645763970" sldId="261"/>
+            <ac:spMk id="6" creationId="{D9C91094-9B40-4024-842A-92BEA32FABEB}"/>
+          </ac:spMkLst>
+        </pc:spChg>
+        <pc:spChg chg="add del mod">
+          <ac:chgData name="Hugo Paula" userId="ea3b8808-58fe-4fde-bf79-dea1702d2ab3" providerId="ADAL" clId="{76146E61-8DBC-4233-8216-62341FC25837}" dt="2020-05-08T14:47:42.050" v="398"/>
+          <ac:spMkLst>
+            <pc:docMk/>
+            <pc:sldMk cId="1645763970" sldId="261"/>
+            <ac:spMk id="9" creationId="{8B8B333D-6C51-4959-96D5-0267196A2CC1}"/>
+          </ac:spMkLst>
+        </pc:spChg>
+        <pc:spChg chg="add del">
+          <ac:chgData name="Hugo Paula" userId="ea3b8808-58fe-4fde-bf79-dea1702d2ab3" providerId="ADAL" clId="{76146E61-8DBC-4233-8216-62341FC25837}" dt="2020-05-08T14:46:46.676" v="392" actId="26606"/>
+          <ac:spMkLst>
+            <pc:docMk/>
+            <pc:sldMk cId="1645763970" sldId="261"/>
+            <ac:spMk id="10" creationId="{193844EA-0D22-410F-A01B-F4F29533D073}"/>
+          </ac:spMkLst>
+        </pc:spChg>
+        <pc:spChg chg="add del">
+          <ac:chgData name="Hugo Paula" userId="ea3b8808-58fe-4fde-bf79-dea1702d2ab3" providerId="ADAL" clId="{76146E61-8DBC-4233-8216-62341FC25837}" dt="2020-05-08T14:46:46.676" v="392" actId="26606"/>
+          <ac:spMkLst>
+            <pc:docMk/>
+            <pc:sldMk cId="1645763970" sldId="261"/>
+            <ac:spMk id="12" creationId="{5240663D-974E-4B54-BEF2-0AEF269A321A}"/>
+          </ac:spMkLst>
+        </pc:spChg>
+        <pc:spChg chg="add del">
+          <ac:chgData name="Hugo Paula" userId="ea3b8808-58fe-4fde-bf79-dea1702d2ab3" providerId="ADAL" clId="{76146E61-8DBC-4233-8216-62341FC25837}" dt="2020-05-08T14:46:24.686" v="390" actId="26606"/>
+          <ac:spMkLst>
+            <pc:docMk/>
+            <pc:sldMk cId="1645763970" sldId="261"/>
+            <ac:spMk id="13" creationId="{193844EA-0D22-410F-A01B-F4F29533D073}"/>
+          </ac:spMkLst>
+        </pc:spChg>
+        <pc:spChg chg="add del">
+          <ac:chgData name="Hugo Paula" userId="ea3b8808-58fe-4fde-bf79-dea1702d2ab3" providerId="ADAL" clId="{76146E61-8DBC-4233-8216-62341FC25837}" dt="2020-05-08T14:46:46.676" v="392" actId="26606"/>
+          <ac:spMkLst>
+            <pc:docMk/>
+            <pc:sldMk cId="1645763970" sldId="261"/>
+            <ac:spMk id="14" creationId="{3E9B34ED-699B-421D-8B75-2235E5010EAE}"/>
+          </ac:spMkLst>
+        </pc:spChg>
+        <pc:spChg chg="add del">
+          <ac:chgData name="Hugo Paula" userId="ea3b8808-58fe-4fde-bf79-dea1702d2ab3" providerId="ADAL" clId="{76146E61-8DBC-4233-8216-62341FC25837}" dt="2020-05-08T14:46:46.676" v="392" actId="26606"/>
+          <ac:spMkLst>
+            <pc:docMk/>
+            <pc:sldMk cId="1645763970" sldId="261"/>
+            <ac:spMk id="16" creationId="{87427BBD-1323-4FFD-9089-40083FC54515}"/>
+          </ac:spMkLst>
+        </pc:spChg>
+        <pc:spChg chg="add del">
+          <ac:chgData name="Hugo Paula" userId="ea3b8808-58fe-4fde-bf79-dea1702d2ab3" providerId="ADAL" clId="{76146E61-8DBC-4233-8216-62341FC25837}" dt="2020-05-08T14:46:24.686" v="390" actId="26606"/>
+          <ac:spMkLst>
+            <pc:docMk/>
+            <pc:sldMk cId="1645763970" sldId="261"/>
+            <ac:spMk id="17" creationId="{5240663D-974E-4B54-BEF2-0AEF269A321A}"/>
+          </ac:spMkLst>
+        </pc:spChg>
+        <pc:spChg chg="add del">
+          <ac:chgData name="Hugo Paula" userId="ea3b8808-58fe-4fde-bf79-dea1702d2ab3" providerId="ADAL" clId="{76146E61-8DBC-4233-8216-62341FC25837}" dt="2020-05-08T14:46:46.676" v="392" actId="26606"/>
+          <ac:spMkLst>
+            <pc:docMk/>
+            <pc:sldMk cId="1645763970" sldId="261"/>
+            <ac:spMk id="18" creationId="{5754E5A4-4679-40DF-8B05-9029BA0D703E}"/>
+          </ac:spMkLst>
+        </pc:spChg>
+        <pc:spChg chg="add del">
+          <ac:chgData name="Hugo Paula" userId="ea3b8808-58fe-4fde-bf79-dea1702d2ab3" providerId="ADAL" clId="{76146E61-8DBC-4233-8216-62341FC25837}" dt="2020-05-08T14:46:24.686" v="390" actId="26606"/>
+          <ac:spMkLst>
+            <pc:docMk/>
+            <pc:sldMk cId="1645763970" sldId="261"/>
+            <ac:spMk id="19" creationId="{3E9B34ED-699B-421D-8B75-2235E5010EAE}"/>
+          </ac:spMkLst>
+        </pc:spChg>
+        <pc:spChg chg="add del">
+          <ac:chgData name="Hugo Paula" userId="ea3b8808-58fe-4fde-bf79-dea1702d2ab3" providerId="ADAL" clId="{76146E61-8DBC-4233-8216-62341FC25837}" dt="2020-05-08T14:46:46.676" v="392" actId="26606"/>
+          <ac:spMkLst>
+            <pc:docMk/>
+            <pc:sldMk cId="1645763970" sldId="261"/>
+            <ac:spMk id="20" creationId="{9FC83CD4-234F-4750-ABF6-5481D9055AFE}"/>
+          </ac:spMkLst>
+        </pc:spChg>
+        <pc:spChg chg="add del">
+          <ac:chgData name="Hugo Paula" userId="ea3b8808-58fe-4fde-bf79-dea1702d2ab3" providerId="ADAL" clId="{76146E61-8DBC-4233-8216-62341FC25837}" dt="2020-05-08T14:46:24.686" v="390" actId="26606"/>
+          <ac:spMkLst>
+            <pc:docMk/>
+            <pc:sldMk cId="1645763970" sldId="261"/>
+            <ac:spMk id="21" creationId="{87427BBD-1323-4FFD-9089-40083FC54515}"/>
+          </ac:spMkLst>
+        </pc:spChg>
+        <pc:spChg chg="add del">
+          <ac:chgData name="Hugo Paula" userId="ea3b8808-58fe-4fde-bf79-dea1702d2ab3" providerId="ADAL" clId="{76146E61-8DBC-4233-8216-62341FC25837}" dt="2020-05-08T14:46:46.676" v="392" actId="26606"/>
+          <ac:spMkLst>
+            <pc:docMk/>
+            <pc:sldMk cId="1645763970" sldId="261"/>
+            <ac:spMk id="22" creationId="{568D0189-FF37-41B1-A9F5-C564BA47BB59}"/>
+          </ac:spMkLst>
+        </pc:spChg>
+        <pc:spChg chg="add del">
+          <ac:chgData name="Hugo Paula" userId="ea3b8808-58fe-4fde-bf79-dea1702d2ab3" providerId="ADAL" clId="{76146E61-8DBC-4233-8216-62341FC25837}" dt="2020-05-08T14:46:24.686" v="390" actId="26606"/>
+          <ac:spMkLst>
+            <pc:docMk/>
+            <pc:sldMk cId="1645763970" sldId="261"/>
+            <ac:spMk id="23" creationId="{5754E5A4-4679-40DF-8B05-9029BA0D703E}"/>
+          </ac:spMkLst>
+        </pc:spChg>
+        <pc:spChg chg="add del">
+          <ac:chgData name="Hugo Paula" userId="ea3b8808-58fe-4fde-bf79-dea1702d2ab3" providerId="ADAL" clId="{76146E61-8DBC-4233-8216-62341FC25837}" dt="2020-05-08T14:46:24.686" v="390" actId="26606"/>
+          <ac:spMkLst>
+            <pc:docMk/>
+            <pc:sldMk cId="1645763970" sldId="261"/>
+            <ac:spMk id="25" creationId="{9FC83CD4-234F-4750-ABF6-5481D9055AFE}"/>
+          </ac:spMkLst>
+        </pc:spChg>
+        <pc:spChg chg="add del">
+          <ac:chgData name="Hugo Paula" userId="ea3b8808-58fe-4fde-bf79-dea1702d2ab3" providerId="ADAL" clId="{76146E61-8DBC-4233-8216-62341FC25837}" dt="2020-05-08T14:46:46.676" v="392" actId="26606"/>
+          <ac:spMkLst>
+            <pc:docMk/>
+            <pc:sldMk cId="1645763970" sldId="261"/>
+            <ac:spMk id="26" creationId="{5B4888BC-D2FB-4207-8548-E0FA79633948}"/>
+          </ac:spMkLst>
+        </pc:spChg>
+        <pc:spChg chg="add del">
+          <ac:chgData name="Hugo Paula" userId="ea3b8808-58fe-4fde-bf79-dea1702d2ab3" providerId="ADAL" clId="{76146E61-8DBC-4233-8216-62341FC25837}" dt="2020-05-08T14:46:24.686" v="390" actId="26606"/>
+          <ac:spMkLst>
+            <pc:docMk/>
+            <pc:sldMk cId="1645763970" sldId="261"/>
+            <ac:spMk id="27" creationId="{568D0189-FF37-41B1-A9F5-C564BA47BB59}"/>
+          </ac:spMkLst>
+        </pc:spChg>
+        <pc:spChg chg="add del mod">
+          <ac:chgData name="Hugo Paula" userId="ea3b8808-58fe-4fde-bf79-dea1702d2ab3" providerId="ADAL" clId="{76146E61-8DBC-4233-8216-62341FC25837}" dt="2020-05-08T14:48:32.967" v="417"/>
+          <ac:spMkLst>
+            <pc:docMk/>
+            <pc:sldMk cId="1645763970" sldId="261"/>
+            <ac:spMk id="28" creationId="{8781490A-2157-4130-8A95-5C528C5C9DF1}"/>
+          </ac:spMkLst>
+        </pc:spChg>
+        <pc:spChg chg="add del">
+          <ac:chgData name="Hugo Paula" userId="ea3b8808-58fe-4fde-bf79-dea1702d2ab3" providerId="ADAL" clId="{76146E61-8DBC-4233-8216-62341FC25837}" dt="2020-05-08T14:46:24.686" v="390" actId="26606"/>
+          <ac:spMkLst>
+            <pc:docMk/>
+            <pc:sldMk cId="1645763970" sldId="261"/>
+            <ac:spMk id="31" creationId="{5B4888BC-D2FB-4207-8548-E0FA79633948}"/>
+          </ac:spMkLst>
+        </pc:spChg>
+        <pc:picChg chg="add del mod ord">
+          <ac:chgData name="Hugo Paula" userId="ea3b8808-58fe-4fde-bf79-dea1702d2ab3" providerId="ADAL" clId="{76146E61-8DBC-4233-8216-62341FC25837}" dt="2020-05-08T14:48:32.967" v="417"/>
+          <ac:picMkLst>
+            <pc:docMk/>
+            <pc:sldMk cId="1645763970" sldId="261"/>
+            <ac:picMk id="7" creationId="{304A6856-80FF-49C5-935F-2871EB96D72F}"/>
+          </ac:picMkLst>
+        </pc:picChg>
+        <pc:picChg chg="add del mod">
+          <ac:chgData name="Hugo Paula" userId="ea3b8808-58fe-4fde-bf79-dea1702d2ab3" providerId="ADAL" clId="{76146E61-8DBC-4233-8216-62341FC25837}" dt="2020-05-08T14:47:42.050" v="398"/>
+          <ac:picMkLst>
+            <pc:docMk/>
+            <pc:sldMk cId="1645763970" sldId="261"/>
+            <ac:picMk id="8" creationId="{6C7FB59D-D46A-4707-80DF-64482804F9E4}"/>
+          </ac:picMkLst>
+        </pc:picChg>
+        <pc:cxnChg chg="add del">
+          <ac:chgData name="Hugo Paula" userId="ea3b8808-58fe-4fde-bf79-dea1702d2ab3" providerId="ADAL" clId="{76146E61-8DBC-4233-8216-62341FC25837}" dt="2020-05-08T14:46:46.676" v="392" actId="26606"/>
+          <ac:cxnSpMkLst>
+            <pc:docMk/>
+            <pc:sldMk cId="1645763970" sldId="261"/>
+            <ac:cxnSpMk id="11" creationId="{3E65E162-F3C5-496E-83F3-35D3847D7EDC}"/>
+          </ac:cxnSpMkLst>
+        </pc:cxnChg>
+        <pc:cxnChg chg="add del">
+          <ac:chgData name="Hugo Paula" userId="ea3b8808-58fe-4fde-bf79-dea1702d2ab3" providerId="ADAL" clId="{76146E61-8DBC-4233-8216-62341FC25837}" dt="2020-05-08T14:46:24.686" v="390" actId="26606"/>
+          <ac:cxnSpMkLst>
+            <pc:docMk/>
+            <pc:sldMk cId="1645763970" sldId="261"/>
+            <ac:cxnSpMk id="15" creationId="{3E65E162-F3C5-496E-83F3-35D3847D7EDC}"/>
+          </ac:cxnSpMkLst>
+        </pc:cxnChg>
+        <pc:cxnChg chg="add del">
+          <ac:chgData name="Hugo Paula" userId="ea3b8808-58fe-4fde-bf79-dea1702d2ab3" providerId="ADAL" clId="{76146E61-8DBC-4233-8216-62341FC25837}" dt="2020-05-08T14:46:46.676" v="392" actId="26606"/>
+          <ac:cxnSpMkLst>
+            <pc:docMk/>
+            <pc:sldMk cId="1645763970" sldId="261"/>
+            <ac:cxnSpMk id="24" creationId="{4B60F436-E9B6-463A-BC51-14940E646051}"/>
+          </ac:cxnSpMkLst>
+        </pc:cxnChg>
+        <pc:cxnChg chg="add del">
+          <ac:chgData name="Hugo Paula" userId="ea3b8808-58fe-4fde-bf79-dea1702d2ab3" providerId="ADAL" clId="{76146E61-8DBC-4233-8216-62341FC25837}" dt="2020-05-08T14:46:24.686" v="390" actId="26606"/>
+          <ac:cxnSpMkLst>
+            <pc:docMk/>
+            <pc:sldMk cId="1645763970" sldId="261"/>
+            <ac:cxnSpMk id="29" creationId="{4B60F436-E9B6-463A-BC51-14940E646051}"/>
+          </ac:cxnSpMkLst>
+        </pc:cxnChg>
+      </pc:sldChg>
+      <pc:sldChg chg="addSp delSp add del setBg delDesignElem">
+        <pc:chgData name="Hugo Paula" userId="ea3b8808-58fe-4fde-bf79-dea1702d2ab3" providerId="ADAL" clId="{76146E61-8DBC-4233-8216-62341FC25837}" dt="2020-05-08T14:47:42.714" v="399"/>
+        <pc:sldMkLst>
+          <pc:docMk/>
+          <pc:sldMk cId="1080657766" sldId="262"/>
+        </pc:sldMkLst>
+        <pc:spChg chg="add del">
+          <ac:chgData name="Hugo Paula" userId="ea3b8808-58fe-4fde-bf79-dea1702d2ab3" providerId="ADAL" clId="{76146E61-8DBC-4233-8216-62341FC25837}" dt="2020-05-08T14:47:42.714" v="399"/>
+          <ac:spMkLst>
+            <pc:docMk/>
+            <pc:sldMk cId="1080657766" sldId="262"/>
+            <ac:spMk id="38" creationId="{F4C0B10B-D2C4-4A54-AFAD-3D27DF88BB37}"/>
+          </ac:spMkLst>
+        </pc:spChg>
+        <pc:grpChg chg="add del">
+          <ac:chgData name="Hugo Paula" userId="ea3b8808-58fe-4fde-bf79-dea1702d2ab3" providerId="ADAL" clId="{76146E61-8DBC-4233-8216-62341FC25837}" dt="2020-05-08T14:47:42.714" v="399"/>
+          <ac:grpSpMkLst>
+            <pc:docMk/>
+            <pc:sldMk cId="1080657766" sldId="262"/>
+            <ac:grpSpMk id="40" creationId="{B6BADB90-C74B-40D6-86DC-503F65FCE8DC}"/>
+          </ac:grpSpMkLst>
+        </pc:grpChg>
+      </pc:sldChg>
+      <pc:sldChg chg="addSp delSp modSp add">
+        <pc:chgData name="Hugo Paula" userId="ea3b8808-58fe-4fde-bf79-dea1702d2ab3" providerId="ADAL" clId="{76146E61-8DBC-4233-8216-62341FC25837}" dt="2020-05-08T16:23:48.696" v="745" actId="1440"/>
+        <pc:sldMkLst>
+          <pc:docMk/>
+          <pc:sldMk cId="1484901578" sldId="262"/>
+        </pc:sldMkLst>
+        <pc:spChg chg="add del mod">
+          <ac:chgData name="Hugo Paula" userId="ea3b8808-58fe-4fde-bf79-dea1702d2ab3" providerId="ADAL" clId="{76146E61-8DBC-4233-8216-62341FC25837}" dt="2020-05-08T14:48:31.423" v="414" actId="478"/>
+          <ac:spMkLst>
+            <pc:docMk/>
+            <pc:sldMk cId="1484901578" sldId="262"/>
+            <ac:spMk id="3" creationId="{730ED893-E10E-49EC-9BC1-5430ABD65FD0}"/>
+          </ac:spMkLst>
+        </pc:spChg>
+        <pc:spChg chg="mod">
+          <ac:chgData name="Hugo Paula" userId="ea3b8808-58fe-4fde-bf79-dea1702d2ab3" providerId="ADAL" clId="{76146E61-8DBC-4233-8216-62341FC25837}" dt="2020-05-08T14:49:20.770" v="423"/>
+          <ac:spMkLst>
+            <pc:docMk/>
+            <pc:sldMk cId="1484901578" sldId="262"/>
+            <ac:spMk id="5" creationId="{09EA8956-93C4-4342-92C4-A01E74D25FA0}"/>
+          </ac:spMkLst>
+        </pc:spChg>
+        <pc:spChg chg="add del">
+          <ac:chgData name="Hugo Paula" userId="ea3b8808-58fe-4fde-bf79-dea1702d2ab3" providerId="ADAL" clId="{76146E61-8DBC-4233-8216-62341FC25837}" dt="2020-05-08T14:48:44.559" v="418" actId="478"/>
+          <ac:spMkLst>
+            <pc:docMk/>
+            <pc:sldMk cId="1484901578" sldId="262"/>
+            <ac:spMk id="6" creationId="{338C3BD5-B939-4F57-8B7E-DB28DF4D3F38}"/>
+          </ac:spMkLst>
+        </pc:spChg>
+        <pc:spChg chg="add del mod">
+          <ac:chgData name="Hugo Paula" userId="ea3b8808-58fe-4fde-bf79-dea1702d2ab3" providerId="ADAL" clId="{76146E61-8DBC-4233-8216-62341FC25837}" dt="2020-05-08T14:48:51.586" v="420" actId="478"/>
+          <ac:spMkLst>
+            <pc:docMk/>
+            <pc:sldMk cId="1484901578" sldId="262"/>
+            <ac:spMk id="7" creationId="{3D754839-F92B-4FD7-AEC0-7654E3A95583}"/>
+          </ac:spMkLst>
+        </pc:spChg>
+        <pc:picChg chg="del">
+          <ac:chgData name="Hugo Paula" userId="ea3b8808-58fe-4fde-bf79-dea1702d2ab3" providerId="ADAL" clId="{76146E61-8DBC-4233-8216-62341FC25837}" dt="2020-05-08T14:48:14.151" v="409" actId="478"/>
+          <ac:picMkLst>
+            <pc:docMk/>
+            <pc:sldMk cId="1484901578" sldId="262"/>
+            <ac:picMk id="9" creationId="{28998B04-2E0C-4EDE-A876-8AC36B08BE2D}"/>
+          </ac:picMkLst>
+        </pc:picChg>
+        <pc:picChg chg="add del">
+          <ac:chgData name="Hugo Paula" userId="ea3b8808-58fe-4fde-bf79-dea1702d2ab3" providerId="ADAL" clId="{76146E61-8DBC-4233-8216-62341FC25837}" dt="2020-05-08T14:48:10.537" v="407" actId="478"/>
+          <ac:picMkLst>
+            <pc:docMk/>
+            <pc:sldMk cId="1484901578" sldId="262"/>
+            <ac:picMk id="12" creationId="{50B5E82C-C540-4E7B-8D89-CF56CEA88008}"/>
+          </ac:picMkLst>
+        </pc:picChg>
+        <pc:picChg chg="add del">
+          <ac:chgData name="Hugo Paula" userId="ea3b8808-58fe-4fde-bf79-dea1702d2ab3" providerId="ADAL" clId="{76146E61-8DBC-4233-8216-62341FC25837}" dt="2020-05-08T14:48:44.559" v="418" actId="478"/>
+          <ac:picMkLst>
+            <pc:docMk/>
+            <pc:sldMk cId="1484901578" sldId="262"/>
+            <ac:picMk id="13" creationId="{82EE73B5-7B46-48E2-A93C-931AC72DCBD6}"/>
+          </ac:picMkLst>
+        </pc:picChg>
+        <pc:picChg chg="add del mod">
+          <ac:chgData name="Hugo Paula" userId="ea3b8808-58fe-4fde-bf79-dea1702d2ab3" providerId="ADAL" clId="{76146E61-8DBC-4233-8216-62341FC25837}" dt="2020-05-08T14:48:32.231" v="416"/>
+          <ac:picMkLst>
+            <pc:docMk/>
+            <pc:sldMk cId="1484901578" sldId="262"/>
+            <ac:picMk id="14" creationId="{1691BB04-46C1-45BB-B779-24D8DCA0EA07}"/>
+          </ac:picMkLst>
+        </pc:picChg>
+        <pc:picChg chg="add mod">
+          <ac:chgData name="Hugo Paula" userId="ea3b8808-58fe-4fde-bf79-dea1702d2ab3" providerId="ADAL" clId="{76146E61-8DBC-4233-8216-62341FC25837}" dt="2020-05-08T16:23:48.696" v="745" actId="1440"/>
+          <ac:picMkLst>
+            <pc:docMk/>
+            <pc:sldMk cId="1484901578" sldId="262"/>
+            <ac:picMk id="19" creationId="{5DB947C6-0838-4E2B-BEC7-BCEFE6778E43}"/>
+          </ac:picMkLst>
+        </pc:picChg>
+        <pc:picChg chg="add mod">
+          <ac:chgData name="Hugo Paula" userId="ea3b8808-58fe-4fde-bf79-dea1702d2ab3" providerId="ADAL" clId="{76146E61-8DBC-4233-8216-62341FC25837}" dt="2020-05-08T16:23:48.696" v="745" actId="1440"/>
+          <ac:picMkLst>
+            <pc:docMk/>
+            <pc:sldMk cId="1484901578" sldId="262"/>
+            <ac:picMk id="20" creationId="{D127540A-5C5A-4725-8312-5D6C5807CEEC}"/>
+          </ac:picMkLst>
+        </pc:picChg>
+      </pc:sldChg>
+      <pc:sldChg chg="addSp delSp add del setBg delDesignElem">
+        <pc:chgData name="Hugo Paula" userId="ea3b8808-58fe-4fde-bf79-dea1702d2ab3" providerId="ADAL" clId="{76146E61-8DBC-4233-8216-62341FC25837}" dt="2020-05-08T14:47:55.097" v="404"/>
+        <pc:sldMkLst>
+          <pc:docMk/>
+          <pc:sldMk cId="2818404592" sldId="262"/>
+        </pc:sldMkLst>
+        <pc:spChg chg="add del">
+          <ac:chgData name="Hugo Paula" userId="ea3b8808-58fe-4fde-bf79-dea1702d2ab3" providerId="ADAL" clId="{76146E61-8DBC-4233-8216-62341FC25837}" dt="2020-05-08T14:47:55.097" v="404"/>
+          <ac:spMkLst>
+            <pc:docMk/>
+            <pc:sldMk cId="2818404592" sldId="262"/>
+            <ac:spMk id="38" creationId="{F4C0B10B-D2C4-4A54-AFAD-3D27DF88BB37}"/>
+          </ac:spMkLst>
+        </pc:spChg>
+        <pc:grpChg chg="add del">
+          <ac:chgData name="Hugo Paula" userId="ea3b8808-58fe-4fde-bf79-dea1702d2ab3" providerId="ADAL" clId="{76146E61-8DBC-4233-8216-62341FC25837}" dt="2020-05-08T14:47:55.097" v="404"/>
+          <ac:grpSpMkLst>
+            <pc:docMk/>
+            <pc:sldMk cId="2818404592" sldId="262"/>
+            <ac:grpSpMk id="40" creationId="{B6BADB90-C74B-40D6-86DC-503F65FCE8DC}"/>
+          </ac:grpSpMkLst>
+        </pc:grpChg>
+      </pc:sldChg>
+      <pc:sldChg chg="addSp modSp add mod setBg">
+        <pc:chgData name="Hugo Paula" userId="ea3b8808-58fe-4fde-bf79-dea1702d2ab3" providerId="ADAL" clId="{76146E61-8DBC-4233-8216-62341FC25837}" dt="2020-05-08T16:12:43.487" v="682" actId="207"/>
+        <pc:sldMkLst>
+          <pc:docMk/>
+          <pc:sldMk cId="3255236999" sldId="263"/>
+        </pc:sldMkLst>
+        <pc:spChg chg="mod">
+          <ac:chgData name="Hugo Paula" userId="ea3b8808-58fe-4fde-bf79-dea1702d2ab3" providerId="ADAL" clId="{76146E61-8DBC-4233-8216-62341FC25837}" dt="2020-05-08T15:00:34.174" v="584" actId="26606"/>
+          <ac:spMkLst>
+            <pc:docMk/>
+            <pc:sldMk cId="3255236999" sldId="263"/>
+            <ac:spMk id="2" creationId="{6518E36F-ED5D-4374-BA23-296679A70A95}"/>
+          </ac:spMkLst>
+        </pc:spChg>
+        <pc:spChg chg="mod">
+          <ac:chgData name="Hugo Paula" userId="ea3b8808-58fe-4fde-bf79-dea1702d2ab3" providerId="ADAL" clId="{76146E61-8DBC-4233-8216-62341FC25837}" dt="2020-05-08T16:12:43.487" v="682" actId="207"/>
+          <ac:spMkLst>
+            <pc:docMk/>
+            <pc:sldMk cId="3255236999" sldId="263"/>
+            <ac:spMk id="3" creationId="{C1FEE13F-C560-40E4-9738-DD62EE790C1D}"/>
+          </ac:spMkLst>
+        </pc:spChg>
+        <pc:spChg chg="add">
+          <ac:chgData name="Hugo Paula" userId="ea3b8808-58fe-4fde-bf79-dea1702d2ab3" providerId="ADAL" clId="{76146E61-8DBC-4233-8216-62341FC25837}" dt="2020-05-08T15:00:34.174" v="584" actId="26606"/>
+          <ac:spMkLst>
+            <pc:docMk/>
+            <pc:sldMk cId="3255236999" sldId="263"/>
+            <ac:spMk id="8" creationId="{8D70B121-56F4-4848-B38B-182089D909FA}"/>
+          </ac:spMkLst>
+        </pc:spChg>
+        <pc:cxnChg chg="add">
+          <ac:chgData name="Hugo Paula" userId="ea3b8808-58fe-4fde-bf79-dea1702d2ab3" providerId="ADAL" clId="{76146E61-8DBC-4233-8216-62341FC25837}" dt="2020-05-08T15:00:34.174" v="584" actId="26606"/>
+          <ac:cxnSpMkLst>
+            <pc:docMk/>
+            <pc:sldMk cId="3255236999" sldId="263"/>
+            <ac:cxnSpMk id="10" creationId="{2D72A2C9-F3CA-4216-8BAD-FA4C970C3C4E}"/>
+          </ac:cxnSpMkLst>
+        </pc:cxnChg>
+      </pc:sldChg>
+      <pc:sldChg chg="delSp add del setBg delDesignElem">
+        <pc:chgData name="Hugo Paula" userId="ea3b8808-58fe-4fde-bf79-dea1702d2ab3" providerId="ADAL" clId="{76146E61-8DBC-4233-8216-62341FC25837}" dt="2020-05-08T16:18:25.679" v="688" actId="2696"/>
+        <pc:sldMkLst>
+          <pc:docMk/>
+          <pc:sldMk cId="3588545967" sldId="264"/>
+        </pc:sldMkLst>
+        <pc:spChg chg="del">
+          <ac:chgData name="Hugo Paula" userId="ea3b8808-58fe-4fde-bf79-dea1702d2ab3" providerId="ADAL" clId="{76146E61-8DBC-4233-8216-62341FC25837}" dt="2020-05-08T14:51:20.203" v="426"/>
+          <ac:spMkLst>
+            <pc:docMk/>
+            <pc:sldMk cId="3588545967" sldId="264"/>
+            <ac:spMk id="38" creationId="{F4C0B10B-D2C4-4A54-AFAD-3D27DF88BB37}"/>
+          </ac:spMkLst>
+        </pc:spChg>
+        <pc:grpChg chg="del">
+          <ac:chgData name="Hugo Paula" userId="ea3b8808-58fe-4fde-bf79-dea1702d2ab3" providerId="ADAL" clId="{76146E61-8DBC-4233-8216-62341FC25837}" dt="2020-05-08T14:51:20.203" v="426"/>
+          <ac:grpSpMkLst>
+            <pc:docMk/>
+            <pc:sldMk cId="3588545967" sldId="264"/>
+            <ac:grpSpMk id="40" creationId="{B6BADB90-C74B-40D6-86DC-503F65FCE8DC}"/>
+          </ac:grpSpMkLst>
+        </pc:grpChg>
+      </pc:sldChg>
+      <pc:sldChg chg="addSp delSp add del setBg delDesignElem">
+        <pc:chgData name="Hugo Paula" userId="ea3b8808-58fe-4fde-bf79-dea1702d2ab3" providerId="ADAL" clId="{76146E61-8DBC-4233-8216-62341FC25837}" dt="2020-05-08T16:18:20.787" v="685"/>
+        <pc:sldMkLst>
+          <pc:docMk/>
+          <pc:sldMk cId="1590927140" sldId="265"/>
+        </pc:sldMkLst>
+        <pc:spChg chg="add del">
+          <ac:chgData name="Hugo Paula" userId="ea3b8808-58fe-4fde-bf79-dea1702d2ab3" providerId="ADAL" clId="{76146E61-8DBC-4233-8216-62341FC25837}" dt="2020-05-08T16:18:20.787" v="685"/>
+          <ac:spMkLst>
+            <pc:docMk/>
+            <pc:sldMk cId="1590927140" sldId="265"/>
+            <ac:spMk id="38" creationId="{F4C0B10B-D2C4-4A54-AFAD-3D27DF88BB37}"/>
+          </ac:spMkLst>
+        </pc:spChg>
+        <pc:grpChg chg="add del">
+          <ac:chgData name="Hugo Paula" userId="ea3b8808-58fe-4fde-bf79-dea1702d2ab3" providerId="ADAL" clId="{76146E61-8DBC-4233-8216-62341FC25837}" dt="2020-05-08T16:18:20.787" v="685"/>
+          <ac:grpSpMkLst>
+            <pc:docMk/>
+            <pc:sldMk cId="1590927140" sldId="265"/>
+            <ac:grpSpMk id="40" creationId="{B6BADB90-C74B-40D6-86DC-503F65FCE8DC}"/>
+          </ac:grpSpMkLst>
+        </pc:grpChg>
+      </pc:sldChg>
+      <pc:sldChg chg="addSp delSp modSp add ord">
+        <pc:chgData name="Hugo Paula" userId="ea3b8808-58fe-4fde-bf79-dea1702d2ab3" providerId="ADAL" clId="{76146E61-8DBC-4233-8216-62341FC25837}" dt="2020-05-08T16:23:41.580" v="744" actId="1440"/>
+        <pc:sldMkLst>
+          <pc:docMk/>
+          <pc:sldMk cId="1969108035" sldId="265"/>
+        </pc:sldMkLst>
+        <pc:picChg chg="add mod">
+          <ac:chgData name="Hugo Paula" userId="ea3b8808-58fe-4fde-bf79-dea1702d2ab3" providerId="ADAL" clId="{76146E61-8DBC-4233-8216-62341FC25837}" dt="2020-05-08T16:23:41.580" v="744" actId="1440"/>
+          <ac:picMkLst>
+            <pc:docMk/>
+            <pc:sldMk cId="1969108035" sldId="265"/>
+            <ac:picMk id="2" creationId="{BE4F27EB-87CA-41DB-B883-1CB7FEB7FFAE}"/>
+          </ac:picMkLst>
+        </pc:picChg>
+        <pc:picChg chg="add del mod">
+          <ac:chgData name="Hugo Paula" userId="ea3b8808-58fe-4fde-bf79-dea1702d2ab3" providerId="ADAL" clId="{76146E61-8DBC-4233-8216-62341FC25837}" dt="2020-05-08T16:20:08.895" v="699"/>
+          <ac:picMkLst>
+            <pc:docMk/>
+            <pc:sldMk cId="1969108035" sldId="265"/>
+            <ac:picMk id="3" creationId="{7486E5B8-586D-44BF-A9E2-A899C6C6CB05}"/>
+          </ac:picMkLst>
+        </pc:picChg>
+        <pc:picChg chg="add mod">
+          <ac:chgData name="Hugo Paula" userId="ea3b8808-58fe-4fde-bf79-dea1702d2ab3" providerId="ADAL" clId="{76146E61-8DBC-4233-8216-62341FC25837}" dt="2020-05-08T16:23:41.580" v="744" actId="1440"/>
+          <ac:picMkLst>
+            <pc:docMk/>
+            <pc:sldMk cId="1969108035" sldId="265"/>
+            <ac:picMk id="4" creationId="{EA6315DD-72A0-4F2F-94A7-53FFB55F8518}"/>
+          </ac:picMkLst>
+        </pc:picChg>
+        <pc:picChg chg="add mod">
+          <ac:chgData name="Hugo Paula" userId="ea3b8808-58fe-4fde-bf79-dea1702d2ab3" providerId="ADAL" clId="{76146E61-8DBC-4233-8216-62341FC25837}" dt="2020-05-08T16:23:41.580" v="744" actId="1440"/>
+          <ac:picMkLst>
+            <pc:docMk/>
+            <pc:sldMk cId="1969108035" sldId="265"/>
+            <ac:picMk id="6" creationId="{5D8B00A1-C343-4705-A34A-C00D9914A757}"/>
+          </ac:picMkLst>
+        </pc:picChg>
+        <pc:picChg chg="del">
+          <ac:chgData name="Hugo Paula" userId="ea3b8808-58fe-4fde-bf79-dea1702d2ab3" providerId="ADAL" clId="{76146E61-8DBC-4233-8216-62341FC25837}" dt="2020-05-08T16:18:27.500" v="689" actId="478"/>
+          <ac:picMkLst>
+            <pc:docMk/>
+            <pc:sldMk cId="1969108035" sldId="265"/>
+            <ac:picMk id="19" creationId="{5DB947C6-0838-4E2B-BEC7-BCEFE6778E43}"/>
+          </ac:picMkLst>
+        </pc:picChg>
+        <pc:picChg chg="del">
+          <ac:chgData name="Hugo Paula" userId="ea3b8808-58fe-4fde-bf79-dea1702d2ab3" providerId="ADAL" clId="{76146E61-8DBC-4233-8216-62341FC25837}" dt="2020-05-08T16:18:28.537" v="690" actId="478"/>
+          <ac:picMkLst>
+            <pc:docMk/>
+            <pc:sldMk cId="1969108035" sldId="265"/>
+            <ac:picMk id="20" creationId="{D127540A-5C5A-4725-8312-5D6C5807CEEC}"/>
+          </ac:picMkLst>
+        </pc:picChg>
+      </pc:sldChg>
+      <pc:sldChg chg="addSp delSp modSp add mod setBg">
+        <pc:chgData name="Hugo Paula" userId="ea3b8808-58fe-4fde-bf79-dea1702d2ab3" providerId="ADAL" clId="{76146E61-8DBC-4233-8216-62341FC25837}" dt="2020-05-08T16:31:39.915" v="752" actId="27614"/>
+        <pc:sldMkLst>
+          <pc:docMk/>
+          <pc:sldMk cId="430647495" sldId="266"/>
+        </pc:sldMkLst>
+        <pc:spChg chg="del">
+          <ac:chgData name="Hugo Paula" userId="ea3b8808-58fe-4fde-bf79-dea1702d2ab3" providerId="ADAL" clId="{76146E61-8DBC-4233-8216-62341FC25837}" dt="2020-05-08T16:31:33.165" v="751" actId="26606"/>
+          <ac:spMkLst>
+            <pc:docMk/>
+            <pc:sldMk cId="430647495" sldId="266"/>
+            <ac:spMk id="2" creationId="{C530C73E-0F16-47A2-862A-24AE7DF1D846}"/>
+          </ac:spMkLst>
+        </pc:spChg>
+        <pc:spChg chg="del">
+          <ac:chgData name="Hugo Paula" userId="ea3b8808-58fe-4fde-bf79-dea1702d2ab3" providerId="ADAL" clId="{76146E61-8DBC-4233-8216-62341FC25837}" dt="2020-05-08T16:31:29.035" v="750"/>
+          <ac:spMkLst>
+            <pc:docMk/>
+            <pc:sldMk cId="430647495" sldId="266"/>
+            <ac:spMk id="3" creationId="{07758A67-63EB-4657-981C-081D2D844CF9}"/>
+          </ac:spMkLst>
+        </pc:spChg>
+        <pc:picChg chg="add mod">
+          <ac:chgData name="Hugo Paula" userId="ea3b8808-58fe-4fde-bf79-dea1702d2ab3" providerId="ADAL" clId="{76146E61-8DBC-4233-8216-62341FC25837}" dt="2020-05-08T16:31:39.915" v="752" actId="27614"/>
+          <ac:picMkLst>
+            <pc:docMk/>
+            <pc:sldMk cId="430647495" sldId="266"/>
+            <ac:picMk id="4" creationId="{793BD231-7D0D-41C0-871D-1FAECC385B04}"/>
+          </ac:picMkLst>
+        </pc:picChg>
+      </pc:sldChg>
+      <pc:sldChg chg="addSp delSp add del setBg delDesignElem">
+        <pc:chgData name="Hugo Paula" userId="ea3b8808-58fe-4fde-bf79-dea1702d2ab3" providerId="ADAL" clId="{76146E61-8DBC-4233-8216-62341FC25837}" dt="2020-05-08T16:18:34.522" v="693"/>
+        <pc:sldMkLst>
+          <pc:docMk/>
+          <pc:sldMk cId="3429337213" sldId="266"/>
+        </pc:sldMkLst>
+        <pc:spChg chg="add del">
+          <ac:chgData name="Hugo Paula" userId="ea3b8808-58fe-4fde-bf79-dea1702d2ab3" providerId="ADAL" clId="{76146E61-8DBC-4233-8216-62341FC25837}" dt="2020-05-08T16:18:34.522" v="693"/>
+          <ac:spMkLst>
+            <pc:docMk/>
+            <pc:sldMk cId="3429337213" sldId="266"/>
+            <ac:spMk id="38" creationId="{F4C0B10B-D2C4-4A54-AFAD-3D27DF88BB37}"/>
+          </ac:spMkLst>
+        </pc:spChg>
+        <pc:grpChg chg="add del">
+          <ac:chgData name="Hugo Paula" userId="ea3b8808-58fe-4fde-bf79-dea1702d2ab3" providerId="ADAL" clId="{76146E61-8DBC-4233-8216-62341FC25837}" dt="2020-05-08T16:18:34.522" v="693"/>
+          <ac:grpSpMkLst>
+            <pc:docMk/>
+            <pc:sldMk cId="3429337213" sldId="266"/>
+            <ac:grpSpMk id="40" creationId="{B6BADB90-C74B-40D6-86DC-503F65FCE8DC}"/>
+          </ac:grpSpMkLst>
+        </pc:grpChg>
+      </pc:sldChg>
+      <pc:sldChg chg="addSp delSp modSp add mod setBg">
+        <pc:chgData name="Hugo Paula" userId="ea3b8808-58fe-4fde-bf79-dea1702d2ab3" providerId="ADAL" clId="{76146E61-8DBC-4233-8216-62341FC25837}" dt="2020-05-08T20:14:23.388" v="1047"/>
+        <pc:sldMkLst>
+          <pc:docMk/>
+          <pc:sldMk cId="200132653" sldId="267"/>
+        </pc:sldMkLst>
+        <pc:spChg chg="mod">
+          <ac:chgData name="Hugo Paula" userId="ea3b8808-58fe-4fde-bf79-dea1702d2ab3" providerId="ADAL" clId="{76146E61-8DBC-4233-8216-62341FC25837}" dt="2020-05-08T19:45:42.005" v="842" actId="26606"/>
+          <ac:spMkLst>
+            <pc:docMk/>
+            <pc:sldMk cId="200132653" sldId="267"/>
+            <ac:spMk id="2" creationId="{A856E191-2B88-48AA-B72F-782C114B80D6}"/>
+          </ac:spMkLst>
+        </pc:spChg>
+        <pc:spChg chg="mod">
+          <ac:chgData name="Hugo Paula" userId="ea3b8808-58fe-4fde-bf79-dea1702d2ab3" providerId="ADAL" clId="{76146E61-8DBC-4233-8216-62341FC25837}" dt="2020-05-08T19:50:19.638" v="874" actId="5793"/>
+          <ac:spMkLst>
+            <pc:docMk/>
+            <pc:sldMk cId="200132653" sldId="267"/>
+            <ac:spMk id="3" creationId="{A685E546-1AF1-48A1-BBB9-2B6C4561B81A}"/>
+          </ac:spMkLst>
+        </pc:spChg>
+        <pc:spChg chg="add del">
+          <ac:chgData name="Hugo Paula" userId="ea3b8808-58fe-4fde-bf79-dea1702d2ab3" providerId="ADAL" clId="{76146E61-8DBC-4233-8216-62341FC25837}" dt="2020-05-08T19:50:03.092" v="870" actId="26606"/>
+          <ac:spMkLst>
+            <pc:docMk/>
+            <pc:sldMk cId="200132653" sldId="267"/>
+            <ac:spMk id="9" creationId="{F4C0B10B-D2C4-4A54-AFAD-3D27DF88BB37}"/>
+          </ac:spMkLst>
+        </pc:spChg>
+        <pc:spChg chg="add del">
+          <ac:chgData name="Hugo Paula" userId="ea3b8808-58fe-4fde-bf79-dea1702d2ab3" providerId="ADAL" clId="{76146E61-8DBC-4233-8216-62341FC25837}" dt="2020-05-08T19:50:03.092" v="870" actId="26606"/>
+          <ac:spMkLst>
+            <pc:docMk/>
+            <pc:sldMk cId="200132653" sldId="267"/>
+            <ac:spMk id="21" creationId="{F4C0B10B-D2C4-4A54-AFAD-3D27DF88BB37}"/>
+          </ac:spMkLst>
+        </pc:spChg>
+        <pc:grpChg chg="add del">
+          <ac:chgData name="Hugo Paula" userId="ea3b8808-58fe-4fde-bf79-dea1702d2ab3" providerId="ADAL" clId="{76146E61-8DBC-4233-8216-62341FC25837}" dt="2020-05-08T19:50:03.092" v="870" actId="26606"/>
+          <ac:grpSpMkLst>
+            <pc:docMk/>
+            <pc:sldMk cId="200132653" sldId="267"/>
+            <ac:grpSpMk id="11" creationId="{B6BADB90-C74B-40D6-86DC-503F65FCE8DC}"/>
+          </ac:grpSpMkLst>
+        </pc:grpChg>
+        <pc:grpChg chg="add del">
+          <ac:chgData name="Hugo Paula" userId="ea3b8808-58fe-4fde-bf79-dea1702d2ab3" providerId="ADAL" clId="{76146E61-8DBC-4233-8216-62341FC25837}" dt="2020-05-08T19:50:03.092" v="870" actId="26606"/>
+          <ac:grpSpMkLst>
+            <pc:docMk/>
+            <pc:sldMk cId="200132653" sldId="267"/>
+            <ac:grpSpMk id="23" creationId="{B6BADB90-C74B-40D6-86DC-503F65FCE8DC}"/>
+          </ac:grpSpMkLst>
+        </pc:grpChg>
+        <pc:picChg chg="add del mod">
+          <ac:chgData name="Hugo Paula" userId="ea3b8808-58fe-4fde-bf79-dea1702d2ab3" providerId="ADAL" clId="{76146E61-8DBC-4233-8216-62341FC25837}" dt="2020-05-08T19:47:51.654" v="866" actId="478"/>
+          <ac:picMkLst>
+            <pc:docMk/>
+            <pc:sldMk cId="200132653" sldId="267"/>
+            <ac:picMk id="4" creationId="{9C0BF8B1-A5D2-40BB-9088-C9BDC8869FAD}"/>
+          </ac:picMkLst>
+        </pc:picChg>
+        <pc:picChg chg="add mod">
+          <ac:chgData name="Hugo Paula" userId="ea3b8808-58fe-4fde-bf79-dea1702d2ab3" providerId="ADAL" clId="{76146E61-8DBC-4233-8216-62341FC25837}" dt="2020-05-08T20:14:23.388" v="1047"/>
+          <ac:picMkLst>
+            <pc:docMk/>
+            <pc:sldMk cId="200132653" sldId="267"/>
+            <ac:picMk id="7" creationId="{4535EAE1-D652-4B69-8465-20C1D0CF796D}"/>
+          </ac:picMkLst>
+        </pc:picChg>
+        <pc:cxnChg chg="add del mod">
+          <ac:chgData name="Hugo Paula" userId="ea3b8808-58fe-4fde-bf79-dea1702d2ab3" providerId="ADAL" clId="{76146E61-8DBC-4233-8216-62341FC25837}" dt="2020-05-08T19:47:49.238" v="865" actId="478"/>
+          <ac:cxnSpMkLst>
+            <pc:docMk/>
+            <pc:sldMk cId="200132653" sldId="267"/>
+            <ac:cxnSpMk id="6" creationId="{A9CE88E6-A2E2-437C-8437-9B03B13648AD}"/>
+          </ac:cxnSpMkLst>
+        </pc:cxnChg>
+      </pc:sldChg>
+      <pc:sldChg chg="addSp modSp add mod setBg">
+        <pc:chgData name="Hugo Paula" userId="ea3b8808-58fe-4fde-bf79-dea1702d2ab3" providerId="ADAL" clId="{76146E61-8DBC-4233-8216-62341FC25837}" dt="2020-05-08T20:14:07.638" v="1045" actId="207"/>
+        <pc:sldMkLst>
+          <pc:docMk/>
+          <pc:sldMk cId="22703028" sldId="268"/>
+        </pc:sldMkLst>
+        <pc:spChg chg="mod">
+          <ac:chgData name="Hugo Paula" userId="ea3b8808-58fe-4fde-bf79-dea1702d2ab3" providerId="ADAL" clId="{76146E61-8DBC-4233-8216-62341FC25837}" dt="2020-05-08T20:13:25.004" v="1037" actId="26606"/>
+          <ac:spMkLst>
+            <pc:docMk/>
+            <pc:sldMk cId="22703028" sldId="268"/>
+            <ac:spMk id="2" creationId="{8FEB3542-D3FD-4204-BFFD-665C1C6409CE}"/>
+          </ac:spMkLst>
+        </pc:spChg>
+        <pc:spChg chg="mod">
+          <ac:chgData name="Hugo Paula" userId="ea3b8808-58fe-4fde-bf79-dea1702d2ab3" providerId="ADAL" clId="{76146E61-8DBC-4233-8216-62341FC25837}" dt="2020-05-08T20:14:07.638" v="1045" actId="207"/>
+          <ac:spMkLst>
+            <pc:docMk/>
+            <pc:sldMk cId="22703028" sldId="268"/>
+            <ac:spMk id="3" creationId="{36FE010B-7C9F-421C-ACAE-267315FBFCCC}"/>
+          </ac:spMkLst>
+        </pc:spChg>
+        <pc:spChg chg="add">
+          <ac:chgData name="Hugo Paula" userId="ea3b8808-58fe-4fde-bf79-dea1702d2ab3" providerId="ADAL" clId="{76146E61-8DBC-4233-8216-62341FC25837}" dt="2020-05-08T20:13:25.004" v="1037" actId="26606"/>
+          <ac:spMkLst>
+            <pc:docMk/>
+            <pc:sldMk cId="22703028" sldId="268"/>
+            <ac:spMk id="9" creationId="{F4C0B10B-D2C4-4A54-AFAD-3D27DF88BB37}"/>
+          </ac:spMkLst>
+        </pc:spChg>
+        <pc:grpChg chg="add">
+          <ac:chgData name="Hugo Paula" userId="ea3b8808-58fe-4fde-bf79-dea1702d2ab3" providerId="ADAL" clId="{76146E61-8DBC-4233-8216-62341FC25837}" dt="2020-05-08T20:13:25.004" v="1037" actId="26606"/>
+          <ac:grpSpMkLst>
+            <pc:docMk/>
+            <pc:sldMk cId="22703028" sldId="268"/>
+            <ac:grpSpMk id="11" creationId="{B6BADB90-C74B-40D6-86DC-503F65FCE8DC}"/>
+          </ac:grpSpMkLst>
+        </pc:grpChg>
+        <pc:picChg chg="add mod">
+          <ac:chgData name="Hugo Paula" userId="ea3b8808-58fe-4fde-bf79-dea1702d2ab3" providerId="ADAL" clId="{76146E61-8DBC-4233-8216-62341FC25837}" dt="2020-05-08T20:13:56.365" v="1042" actId="1440"/>
+          <ac:picMkLst>
+            <pc:docMk/>
+            <pc:sldMk cId="22703028" sldId="268"/>
+            <ac:picMk id="4" creationId="{3C47CA6A-FFDA-4117-9AA5-31A06308ABAC}"/>
+          </ac:picMkLst>
+        </pc:picChg>
+      </pc:sldChg>
+      <pc:sldChg chg="addSp delSp modSp add mod setBg">
+        <pc:chgData name="Hugo Paula" userId="ea3b8808-58fe-4fde-bf79-dea1702d2ab3" providerId="ADAL" clId="{76146E61-8DBC-4233-8216-62341FC25837}" dt="2020-05-08T20:21:17.836" v="1081" actId="1036"/>
+        <pc:sldMkLst>
+          <pc:docMk/>
+          <pc:sldMk cId="2329847041" sldId="269"/>
+        </pc:sldMkLst>
+        <pc:spChg chg="del">
+          <ac:chgData name="Hugo Paula" userId="ea3b8808-58fe-4fde-bf79-dea1702d2ab3" providerId="ADAL" clId="{76146E61-8DBC-4233-8216-62341FC25837}" dt="2020-05-08T20:18:29.743" v="1050" actId="26606"/>
+          <ac:spMkLst>
+            <pc:docMk/>
+            <pc:sldMk cId="2329847041" sldId="269"/>
+            <ac:spMk id="2" creationId="{85B0B7C0-ACD5-4A71-994A-0B1C82B7428F}"/>
+          </ac:spMkLst>
+        </pc:spChg>
+        <pc:spChg chg="del">
+          <ac:chgData name="Hugo Paula" userId="ea3b8808-58fe-4fde-bf79-dea1702d2ab3" providerId="ADAL" clId="{76146E61-8DBC-4233-8216-62341FC25837}" dt="2020-05-08T20:18:29.743" v="1050" actId="26606"/>
+          <ac:spMkLst>
+            <pc:docMk/>
+            <pc:sldMk cId="2329847041" sldId="269"/>
+            <ac:spMk id="3" creationId="{91DE9F0A-ADB1-41AC-9F87-D940984FB309}"/>
+          </ac:spMkLst>
+        </pc:spChg>
+        <pc:spChg chg="add del mod">
+          <ac:chgData name="Hugo Paula" userId="ea3b8808-58fe-4fde-bf79-dea1702d2ab3" providerId="ADAL" clId="{76146E61-8DBC-4233-8216-62341FC25837}" dt="2020-05-08T20:20:27.774" v="1063"/>
+          <ac:spMkLst>
+            <pc:docMk/>
+            <pc:sldMk cId="2329847041" sldId="269"/>
+            <ac:spMk id="6" creationId="{C7EED543-D1F9-41F6-9D3F-3260FF252A50}"/>
+          </ac:spMkLst>
+        </pc:spChg>
+        <pc:picChg chg="add del mod">
+          <ac:chgData name="Hugo Paula" userId="ea3b8808-58fe-4fde-bf79-dea1702d2ab3" providerId="ADAL" clId="{76146E61-8DBC-4233-8216-62341FC25837}" dt="2020-05-08T20:19:08.865" v="1058" actId="478"/>
+          <ac:picMkLst>
+            <pc:docMk/>
+            <pc:sldMk cId="2329847041" sldId="269"/>
+            <ac:picMk id="4" creationId="{91A213A5-92DE-4017-99CE-E056CA9A59BC}"/>
+          </ac:picMkLst>
+        </pc:picChg>
+        <pc:picChg chg="add del mod">
+          <ac:chgData name="Hugo Paula" userId="ea3b8808-58fe-4fde-bf79-dea1702d2ab3" providerId="ADAL" clId="{76146E61-8DBC-4233-8216-62341FC25837}" dt="2020-05-08T20:20:12.950" v="1062"/>
+          <ac:picMkLst>
+            <pc:docMk/>
+            <pc:sldMk cId="2329847041" sldId="269"/>
+            <ac:picMk id="7" creationId="{0B34A974-7073-466D-AF0F-3EC553F332AA}"/>
+          </ac:picMkLst>
+        </pc:picChg>
+        <pc:picChg chg="add mod">
+          <ac:chgData name="Hugo Paula" userId="ea3b8808-58fe-4fde-bf79-dea1702d2ab3" providerId="ADAL" clId="{76146E61-8DBC-4233-8216-62341FC25837}" dt="2020-05-08T20:21:17.836" v="1081" actId="1036"/>
+          <ac:picMkLst>
+            <pc:docMk/>
+            <pc:sldMk cId="2329847041" sldId="269"/>
+            <ac:picMk id="8" creationId="{9120DF27-F2FC-4747-B723-2879B7A7EEAD}"/>
+          </ac:picMkLst>
+        </pc:picChg>
+      </pc:sldChg>
+      <pc:sldChg chg="add del">
+        <pc:chgData name="Hugo Paula" userId="ea3b8808-58fe-4fde-bf79-dea1702d2ab3" providerId="ADAL" clId="{76146E61-8DBC-4233-8216-62341FC25837}" dt="2020-05-08T21:00:37.650" v="1083" actId="2696"/>
+        <pc:sldMkLst>
+          <pc:docMk/>
+          <pc:sldMk cId="1424902040" sldId="270"/>
+        </pc:sldMkLst>
+      </pc:sldChg>
+    </pc:docChg>
+  </pc:docChgLst>
+  <pc:docChgLst>
+    <pc:chgData name="Hugo Bastos De Paula" userId="ea3b8808-58fe-4fde-bf79-dea1702d2ab3" providerId="ADAL" clId="{64EC5E40-8BB5-4320-902C-16E2C649128C}"/>
+    <pc:docChg chg="undo custSel mod addSld delSld modSld">
+      <pc:chgData name="Hugo Bastos De Paula" userId="ea3b8808-58fe-4fde-bf79-dea1702d2ab3" providerId="ADAL" clId="{64EC5E40-8BB5-4320-902C-16E2C649128C}" dt="2020-02-06T10:36:41.904" v="791" actId="6549"/>
+      <pc:docMkLst>
+        <pc:docMk/>
+      </pc:docMkLst>
+      <pc:sldChg chg="modSp">
+        <pc:chgData name="Hugo Bastos De Paula" userId="ea3b8808-58fe-4fde-bf79-dea1702d2ab3" providerId="ADAL" clId="{64EC5E40-8BB5-4320-902C-16E2C649128C}" dt="2020-02-04T11:03:58.930" v="23" actId="20577"/>
+        <pc:sldMkLst>
+          <pc:docMk/>
+          <pc:sldMk cId="1300950052" sldId="256"/>
+        </pc:sldMkLst>
+        <pc:spChg chg="mod">
+          <ac:chgData name="Hugo Bastos De Paula" userId="ea3b8808-58fe-4fde-bf79-dea1702d2ab3" providerId="ADAL" clId="{64EC5E40-8BB5-4320-902C-16E2C649128C}" dt="2020-02-04T11:03:58.930" v="23" actId="20577"/>
+          <ac:spMkLst>
+            <pc:docMk/>
+            <pc:sldMk cId="1300950052" sldId="256"/>
+            <ac:spMk id="2" creationId="{3143D889-4F7D-41FD-93D4-9F5B7C0110F0}"/>
+          </ac:spMkLst>
+        </pc:spChg>
+      </pc:sldChg>
+      <pc:sldChg chg="add del">
+        <pc:chgData name="Hugo Bastos De Paula" userId="ea3b8808-58fe-4fde-bf79-dea1702d2ab3" providerId="ADAL" clId="{64EC5E40-8BB5-4320-902C-16E2C649128C}" dt="2020-02-04T11:05:15.924" v="27" actId="47"/>
+        <pc:sldMkLst>
+          <pc:docMk/>
+          <pc:sldMk cId="2345506383" sldId="257"/>
+        </pc:sldMkLst>
+      </pc:sldChg>
       <pc:sldChg chg="del">
-        <pc:chgData name="Hugo Paula" userId="ea3b8808-58fe-4fde-bf79-dea1702d2ab3" providerId="ADAL" clId="{7AD1C2C3-AD32-454D-8E09-E663225CF37E}" dt="2020-05-15T18:46:04.741" v="1" actId="2696"/>
+        <pc:chgData name="Hugo Bastos De Paula" userId="ea3b8808-58fe-4fde-bf79-dea1702d2ab3" providerId="ADAL" clId="{64EC5E40-8BB5-4320-902C-16E2C649128C}" dt="2020-02-04T11:04:07.480" v="24" actId="47"/>
+        <pc:sldMkLst>
+          <pc:docMk/>
+          <pc:sldMk cId="3491934599" sldId="257"/>
+        </pc:sldMkLst>
+      </pc:sldChg>
+      <pc:sldChg chg="addSp delSp modSp add mod setBg setClrOvrMap chgLayout">
+        <pc:chgData name="Hugo Bastos De Paula" userId="ea3b8808-58fe-4fde-bf79-dea1702d2ab3" providerId="ADAL" clId="{64EC5E40-8BB5-4320-902C-16E2C649128C}" dt="2020-02-04T13:25:20.122" v="624" actId="403"/>
+        <pc:sldMkLst>
+          <pc:docMk/>
+          <pc:sldMk cId="3719368456" sldId="257"/>
+        </pc:sldMkLst>
+        <pc:spChg chg="add del mod">
+          <ac:chgData name="Hugo Bastos De Paula" userId="ea3b8808-58fe-4fde-bf79-dea1702d2ab3" providerId="ADAL" clId="{64EC5E40-8BB5-4320-902C-16E2C649128C}" dt="2020-02-04T11:20:50.878" v="484" actId="6264"/>
+          <ac:spMkLst>
+            <pc:docMk/>
+            <pc:sldMk cId="3719368456" sldId="257"/>
+            <ac:spMk id="2" creationId="{23599EF9-A294-4C90-A67B-F1868738B098}"/>
+          </ac:spMkLst>
+        </pc:spChg>
+        <pc:spChg chg="add del mod">
+          <ac:chgData name="Hugo Bastos De Paula" userId="ea3b8808-58fe-4fde-bf79-dea1702d2ab3" providerId="ADAL" clId="{64EC5E40-8BB5-4320-902C-16E2C649128C}" dt="2020-02-04T11:20:50.878" v="484" actId="6264"/>
+          <ac:spMkLst>
+            <pc:docMk/>
+            <pc:sldMk cId="3719368456" sldId="257"/>
+            <ac:spMk id="3" creationId="{CE3048B6-8C6C-4A47-B9E2-03ABAC91FD05}"/>
+          </ac:spMkLst>
+        </pc:spChg>
+        <pc:spChg chg="add del mod">
+          <ac:chgData name="Hugo Bastos De Paula" userId="ea3b8808-58fe-4fde-bf79-dea1702d2ab3" providerId="ADAL" clId="{64EC5E40-8BB5-4320-902C-16E2C649128C}" dt="2020-02-04T11:20:50.878" v="484" actId="6264"/>
+          <ac:spMkLst>
+            <pc:docMk/>
+            <pc:sldMk cId="3719368456" sldId="257"/>
+            <ac:spMk id="4" creationId="{F96BF263-C035-45EA-AC80-2783FB46DD35}"/>
+          </ac:spMkLst>
+        </pc:spChg>
+        <pc:spChg chg="add del mod">
+          <ac:chgData name="Hugo Bastos De Paula" userId="ea3b8808-58fe-4fde-bf79-dea1702d2ab3" providerId="ADAL" clId="{64EC5E40-8BB5-4320-902C-16E2C649128C}" dt="2020-02-04T13:15:38.941" v="532"/>
+          <ac:spMkLst>
+            <pc:docMk/>
+            <pc:sldMk cId="3719368456" sldId="257"/>
+            <ac:spMk id="5" creationId="{48017E56-8FF7-4493-9973-E87FF94C529F}"/>
+          </ac:spMkLst>
+        </pc:spChg>
+        <pc:spChg chg="add del">
+          <ac:chgData name="Hugo Bastos De Paula" userId="ea3b8808-58fe-4fde-bf79-dea1702d2ab3" providerId="ADAL" clId="{64EC5E40-8BB5-4320-902C-16E2C649128C}" dt="2020-02-04T13:15:56.626" v="536" actId="26606"/>
+          <ac:spMkLst>
+            <pc:docMk/>
+            <pc:sldMk cId="3719368456" sldId="257"/>
+            <ac:spMk id="72" creationId="{867D4867-5BA7-4462-B2F6-A23F4A622AA7}"/>
+          </ac:spMkLst>
+        </pc:spChg>
+        <pc:spChg chg="add del">
+          <ac:chgData name="Hugo Bastos De Paula" userId="ea3b8808-58fe-4fde-bf79-dea1702d2ab3" providerId="ADAL" clId="{64EC5E40-8BB5-4320-902C-16E2C649128C}" dt="2020-02-04T13:16:42.980" v="553" actId="26606"/>
+          <ac:spMkLst>
+            <pc:docMk/>
+            <pc:sldMk cId="3719368456" sldId="257"/>
+            <ac:spMk id="76" creationId="{73ED6512-6858-4552-B699-9A97FE9A4EA2}"/>
+          </ac:spMkLst>
+        </pc:spChg>
+        <pc:spChg chg="add del">
+          <ac:chgData name="Hugo Bastos De Paula" userId="ea3b8808-58fe-4fde-bf79-dea1702d2ab3" providerId="ADAL" clId="{64EC5E40-8BB5-4320-902C-16E2C649128C}" dt="2020-02-04T13:16:37.053" v="550" actId="26606"/>
+          <ac:spMkLst>
+            <pc:docMk/>
+            <pc:sldMk cId="3719368456" sldId="257"/>
+            <ac:spMk id="141" creationId="{92468898-5A6E-4D55-85EC-308E785EE06C}"/>
+          </ac:spMkLst>
+        </pc:spChg>
+        <pc:spChg chg="add del">
+          <ac:chgData name="Hugo Bastos De Paula" userId="ea3b8808-58fe-4fde-bf79-dea1702d2ab3" providerId="ADAL" clId="{64EC5E40-8BB5-4320-902C-16E2C649128C}" dt="2020-02-04T13:16:37.053" v="550" actId="26606"/>
+          <ac:spMkLst>
+            <pc:docMk/>
+            <pc:sldMk cId="3719368456" sldId="257"/>
+            <ac:spMk id="143" creationId="{3E23A947-2D45-4208-AE2B-64948C87A3EB}"/>
+          </ac:spMkLst>
+        </pc:spChg>
+        <pc:spChg chg="add del">
+          <ac:chgData name="Hugo Bastos De Paula" userId="ea3b8808-58fe-4fde-bf79-dea1702d2ab3" providerId="ADAL" clId="{64EC5E40-8BB5-4320-902C-16E2C649128C}" dt="2020-02-04T13:16:37.053" v="550" actId="26606"/>
+          <ac:spMkLst>
+            <pc:docMk/>
+            <pc:sldMk cId="3719368456" sldId="257"/>
+            <ac:spMk id="145" creationId="{E5BBB0F9-6A59-4D02-A9C7-A2D6516684CE}"/>
+          </ac:spMkLst>
+        </pc:spChg>
+        <pc:spChg chg="add">
+          <ac:chgData name="Hugo Bastos De Paula" userId="ea3b8808-58fe-4fde-bf79-dea1702d2ab3" providerId="ADAL" clId="{64EC5E40-8BB5-4320-902C-16E2C649128C}" dt="2020-02-04T13:16:42.980" v="553" actId="26606"/>
+          <ac:spMkLst>
+            <pc:docMk/>
+            <pc:sldMk cId="3719368456" sldId="257"/>
+            <ac:spMk id="147" creationId="{2A865FE3-5FC9-4049-87CF-30019C46C0F5}"/>
+          </ac:spMkLst>
+        </pc:spChg>
+        <pc:spChg chg="mod ord">
+          <ac:chgData name="Hugo Bastos De Paula" userId="ea3b8808-58fe-4fde-bf79-dea1702d2ab3" providerId="ADAL" clId="{64EC5E40-8BB5-4320-902C-16E2C649128C}" dt="2020-02-04T13:16:42.980" v="553" actId="26606"/>
+          <ac:spMkLst>
+            <pc:docMk/>
+            <pc:sldMk cId="3719368456" sldId="257"/>
+            <ac:spMk id="3074" creationId="{D53DF61A-C1FD-4D79-ACB5-4C47D8C18888}"/>
+          </ac:spMkLst>
+        </pc:spChg>
+        <pc:spChg chg="mod ord">
+          <ac:chgData name="Hugo Bastos De Paula" userId="ea3b8808-58fe-4fde-bf79-dea1702d2ab3" providerId="ADAL" clId="{64EC5E40-8BB5-4320-902C-16E2C649128C}" dt="2020-02-04T13:25:20.122" v="624" actId="403"/>
+          <ac:spMkLst>
+            <pc:docMk/>
+            <pc:sldMk cId="3719368456" sldId="257"/>
+            <ac:spMk id="3075" creationId="{DD4281FC-A506-445E-B2CA-56401A9FD938}"/>
+          </ac:spMkLst>
+        </pc:spChg>
+        <pc:spChg chg="add del">
+          <ac:chgData name="Hugo Bastos De Paula" userId="ea3b8808-58fe-4fde-bf79-dea1702d2ab3" providerId="ADAL" clId="{64EC5E40-8BB5-4320-902C-16E2C649128C}" dt="2020-02-04T13:15:58.894" v="538" actId="26606"/>
+          <ac:spMkLst>
+            <pc:docMk/>
+            <pc:sldMk cId="3719368456" sldId="257"/>
+            <ac:spMk id="3077" creationId="{B0792D4F-247E-46FE-85FC-881DEFA41D94}"/>
+          </ac:spMkLst>
+        </pc:spChg>
+        <pc:spChg chg="add del">
+          <ac:chgData name="Hugo Bastos De Paula" userId="ea3b8808-58fe-4fde-bf79-dea1702d2ab3" providerId="ADAL" clId="{64EC5E40-8BB5-4320-902C-16E2C649128C}" dt="2020-02-04T13:16:42.980" v="553" actId="26606"/>
+          <ac:spMkLst>
+            <pc:docMk/>
+            <pc:sldMk cId="3719368456" sldId="257"/>
+            <ac:spMk id="3079" creationId="{4038CB10-1F5C-4D54-9DF7-12586DE5B007}"/>
+          </ac:spMkLst>
+        </pc:spChg>
+        <pc:spChg chg="add del">
+          <ac:chgData name="Hugo Bastos De Paula" userId="ea3b8808-58fe-4fde-bf79-dea1702d2ab3" providerId="ADAL" clId="{64EC5E40-8BB5-4320-902C-16E2C649128C}" dt="2020-02-04T13:16:42.980" v="553" actId="26606"/>
+          <ac:spMkLst>
+            <pc:docMk/>
+            <pc:sldMk cId="3719368456" sldId="257"/>
+            <ac:spMk id="3080" creationId="{36D30126-6314-4A93-B27E-5C66CF781924}"/>
+          </ac:spMkLst>
+        </pc:spChg>
+        <pc:spChg chg="add">
+          <ac:chgData name="Hugo Bastos De Paula" userId="ea3b8808-58fe-4fde-bf79-dea1702d2ab3" providerId="ADAL" clId="{64EC5E40-8BB5-4320-902C-16E2C649128C}" dt="2020-02-04T13:16:42.980" v="553" actId="26606"/>
+          <ac:spMkLst>
+            <pc:docMk/>
+            <pc:sldMk cId="3719368456" sldId="257"/>
+            <ac:spMk id="3082" creationId="{2C9A9DA9-7DC8-488B-A882-123947B0F3D9}"/>
+          </ac:spMkLst>
+        </pc:spChg>
+        <pc:spChg chg="add">
+          <ac:chgData name="Hugo Bastos De Paula" userId="ea3b8808-58fe-4fde-bf79-dea1702d2ab3" providerId="ADAL" clId="{64EC5E40-8BB5-4320-902C-16E2C649128C}" dt="2020-02-04T13:16:42.980" v="553" actId="26606"/>
+          <ac:spMkLst>
+            <pc:docMk/>
+            <pc:sldMk cId="3719368456" sldId="257"/>
+            <ac:spMk id="3083" creationId="{57F6BDD4-E066-4008-8011-6CC31AEB4556}"/>
+          </ac:spMkLst>
+        </pc:spChg>
+        <pc:spChg chg="add">
+          <ac:chgData name="Hugo Bastos De Paula" userId="ea3b8808-58fe-4fde-bf79-dea1702d2ab3" providerId="ADAL" clId="{64EC5E40-8BB5-4320-902C-16E2C649128C}" dt="2020-02-04T13:16:42.980" v="553" actId="26606"/>
+          <ac:spMkLst>
+            <pc:docMk/>
+            <pc:sldMk cId="3719368456" sldId="257"/>
+            <ac:spMk id="3084" creationId="{2711A8FB-68FC-45FC-B01E-38F809E2D439}"/>
+          </ac:spMkLst>
+        </pc:spChg>
+        <pc:picChg chg="add del">
+          <ac:chgData name="Hugo Bastos De Paula" userId="ea3b8808-58fe-4fde-bf79-dea1702d2ab3" providerId="ADAL" clId="{64EC5E40-8BB5-4320-902C-16E2C649128C}" dt="2020-02-04T13:13:59.889" v="526"/>
+          <ac:picMkLst>
+            <pc:docMk/>
+            <pc:sldMk cId="3719368456" sldId="257"/>
+            <ac:picMk id="2" creationId="{6D4DB825-C61C-4DD3-8979-DAA65619C267}"/>
+          </ac:picMkLst>
+        </pc:picChg>
+        <pc:picChg chg="add del mod">
+          <ac:chgData name="Hugo Bastos De Paula" userId="ea3b8808-58fe-4fde-bf79-dea1702d2ab3" providerId="ADAL" clId="{64EC5E40-8BB5-4320-902C-16E2C649128C}" dt="2020-02-04T13:15:35.579" v="531" actId="21"/>
+          <ac:picMkLst>
+            <pc:docMk/>
+            <pc:sldMk cId="3719368456" sldId="257"/>
+            <ac:picMk id="4" creationId="{022341C0-D70E-43A4-8AB3-7A46B3FCAF68}"/>
+          </ac:picMkLst>
+        </pc:picChg>
+        <pc:picChg chg="add mod ord">
+          <ac:chgData name="Hugo Bastos De Paula" userId="ea3b8808-58fe-4fde-bf79-dea1702d2ab3" providerId="ADAL" clId="{64EC5E40-8BB5-4320-902C-16E2C649128C}" dt="2020-02-04T13:16:42.980" v="553" actId="26606"/>
+          <ac:picMkLst>
+            <pc:docMk/>
+            <pc:sldMk cId="3719368456" sldId="257"/>
+            <ac:picMk id="9" creationId="{CD9B24B2-0464-4E11-A8DB-41B5CB400F62}"/>
+          </ac:picMkLst>
+        </pc:picChg>
+        <pc:picChg chg="del mod ord">
+          <ac:chgData name="Hugo Bastos De Paula" userId="ea3b8808-58fe-4fde-bf79-dea1702d2ab3" providerId="ADAL" clId="{64EC5E40-8BB5-4320-902C-16E2C649128C}" dt="2020-02-04T13:15:33.199" v="530" actId="478"/>
+          <ac:picMkLst>
+            <pc:docMk/>
+            <pc:sldMk cId="3719368456" sldId="257"/>
+            <ac:picMk id="3076" creationId="{8386E5D6-9C05-4C9B-AD16-A7EF69CF1509}"/>
+          </ac:picMkLst>
+        </pc:picChg>
+        <pc:cxnChg chg="add del">
+          <ac:chgData name="Hugo Bastos De Paula" userId="ea3b8808-58fe-4fde-bf79-dea1702d2ab3" providerId="ADAL" clId="{64EC5E40-8BB5-4320-902C-16E2C649128C}" dt="2020-02-04T13:15:58.894" v="538" actId="26606"/>
+          <ac:cxnSpMkLst>
+            <pc:docMk/>
+            <pc:sldMk cId="3719368456" sldId="257"/>
+            <ac:cxnSpMk id="74" creationId="{CE272F12-AF86-441A-BC1B-C014BBBF85B5}"/>
+          </ac:cxnSpMkLst>
+        </pc:cxnChg>
+      </pc:sldChg>
+      <pc:sldChg chg="addSp delSp modSp add mod chgLayout">
+        <pc:chgData name="Hugo Bastos De Paula" userId="ea3b8808-58fe-4fde-bf79-dea1702d2ab3" providerId="ADAL" clId="{64EC5E40-8BB5-4320-902C-16E2C649128C}" dt="2020-02-04T13:24:37.245" v="613" actId="108"/>
+        <pc:sldMkLst>
+          <pc:docMk/>
+          <pc:sldMk cId="418469430" sldId="258"/>
+        </pc:sldMkLst>
+        <pc:spChg chg="add del mod">
+          <ac:chgData name="Hugo Bastos De Paula" userId="ea3b8808-58fe-4fde-bf79-dea1702d2ab3" providerId="ADAL" clId="{64EC5E40-8BB5-4320-902C-16E2C649128C}" dt="2020-02-04T11:20:55.673" v="486" actId="6264"/>
+          <ac:spMkLst>
+            <pc:docMk/>
+            <pc:sldMk cId="418469430" sldId="258"/>
+            <ac:spMk id="2" creationId="{39D5CE73-5357-47D0-9E03-6E5D1716ABA7}"/>
+          </ac:spMkLst>
+        </pc:spChg>
+        <pc:spChg chg="add del mod">
+          <ac:chgData name="Hugo Bastos De Paula" userId="ea3b8808-58fe-4fde-bf79-dea1702d2ab3" providerId="ADAL" clId="{64EC5E40-8BB5-4320-902C-16E2C649128C}" dt="2020-02-04T13:16:57.643" v="555"/>
+          <ac:spMkLst>
+            <pc:docMk/>
+            <pc:sldMk cId="418469430" sldId="258"/>
+            <ac:spMk id="2" creationId="{84EC68E0-0DA3-4685-A0D8-BF1A22EBB545}"/>
+          </ac:spMkLst>
+        </pc:spChg>
+        <pc:spChg chg="add del mod">
+          <ac:chgData name="Hugo Bastos De Paula" userId="ea3b8808-58fe-4fde-bf79-dea1702d2ab3" providerId="ADAL" clId="{64EC5E40-8BB5-4320-902C-16E2C649128C}" dt="2020-02-04T11:20:55.673" v="486" actId="6264"/>
+          <ac:spMkLst>
+            <pc:docMk/>
+            <pc:sldMk cId="418469430" sldId="258"/>
+            <ac:spMk id="3" creationId="{5E1EB75C-4281-478F-AADA-9479FE98621B}"/>
+          </ac:spMkLst>
+        </pc:spChg>
+        <pc:spChg chg="add del mod">
+          <ac:chgData name="Hugo Bastos De Paula" userId="ea3b8808-58fe-4fde-bf79-dea1702d2ab3" providerId="ADAL" clId="{64EC5E40-8BB5-4320-902C-16E2C649128C}" dt="2020-02-04T11:20:55.673" v="486" actId="6264"/>
+          <ac:spMkLst>
+            <pc:docMk/>
+            <pc:sldMk cId="418469430" sldId="258"/>
+            <ac:spMk id="4" creationId="{7CEF6415-B457-4647-B0B6-09F2F4FDA43B}"/>
+          </ac:spMkLst>
+        </pc:spChg>
+        <pc:spChg chg="mod ord">
+          <ac:chgData name="Hugo Bastos De Paula" userId="ea3b8808-58fe-4fde-bf79-dea1702d2ab3" providerId="ADAL" clId="{64EC5E40-8BB5-4320-902C-16E2C649128C}" dt="2020-02-04T11:20:55.673" v="486" actId="6264"/>
+          <ac:spMkLst>
+            <pc:docMk/>
+            <pc:sldMk cId="418469430" sldId="258"/>
+            <ac:spMk id="4098" creationId="{49360DB1-222B-4371-94B5-3C9F4B323800}"/>
+          </ac:spMkLst>
+        </pc:spChg>
+        <pc:spChg chg="mod ord">
+          <ac:chgData name="Hugo Bastos De Paula" userId="ea3b8808-58fe-4fde-bf79-dea1702d2ab3" providerId="ADAL" clId="{64EC5E40-8BB5-4320-902C-16E2C649128C}" dt="2020-02-04T13:24:37.245" v="613" actId="108"/>
+          <ac:spMkLst>
+            <pc:docMk/>
+            <pc:sldMk cId="418469430" sldId="258"/>
+            <ac:spMk id="4099" creationId="{F8B6654F-AC80-4D3E-BB01-B8A7B370BA29}"/>
+          </ac:spMkLst>
+        </pc:spChg>
+        <pc:picChg chg="del mod ord">
+          <ac:chgData name="Hugo Bastos De Paula" userId="ea3b8808-58fe-4fde-bf79-dea1702d2ab3" providerId="ADAL" clId="{64EC5E40-8BB5-4320-902C-16E2C649128C}" dt="2020-02-04T13:16:53.490" v="554" actId="478"/>
+          <ac:picMkLst>
+            <pc:docMk/>
+            <pc:sldMk cId="418469430" sldId="258"/>
+            <ac:picMk id="4100" creationId="{29C93BE5-3F42-40E6-A302-9CEB6088724B}"/>
+          </ac:picMkLst>
+        </pc:picChg>
+      </pc:sldChg>
+      <pc:sldChg chg="del">
+        <pc:chgData name="Hugo Bastos De Paula" userId="ea3b8808-58fe-4fde-bf79-dea1702d2ab3" providerId="ADAL" clId="{64EC5E40-8BB5-4320-902C-16E2C649128C}" dt="2020-02-04T11:04:07.480" v="24" actId="47"/>
+        <pc:sldMkLst>
+          <pc:docMk/>
+          <pc:sldMk cId="2665930106" sldId="258"/>
+        </pc:sldMkLst>
+      </pc:sldChg>
+      <pc:sldChg chg="addSp delSp modSp add mod chgLayout">
+        <pc:chgData name="Hugo Bastos De Paula" userId="ea3b8808-58fe-4fde-bf79-dea1702d2ab3" providerId="ADAL" clId="{64EC5E40-8BB5-4320-902C-16E2C649128C}" dt="2020-02-04T13:26:06.012" v="628" actId="313"/>
+        <pc:sldMkLst>
+          <pc:docMk/>
+          <pc:sldMk cId="1008540925" sldId="259"/>
+        </pc:sldMkLst>
+        <pc:spChg chg="add del mod">
+          <ac:chgData name="Hugo Bastos De Paula" userId="ea3b8808-58fe-4fde-bf79-dea1702d2ab3" providerId="ADAL" clId="{64EC5E40-8BB5-4320-902C-16E2C649128C}" dt="2020-02-04T11:20:33.584" v="482" actId="6264"/>
+          <ac:spMkLst>
+            <pc:docMk/>
+            <pc:sldMk cId="1008540925" sldId="259"/>
+            <ac:spMk id="2" creationId="{A19A8EE7-DE45-49A1-A5D3-9818C50E2E93}"/>
+          </ac:spMkLst>
+        </pc:spChg>
+        <pc:spChg chg="add del mod">
+          <ac:chgData name="Hugo Bastos De Paula" userId="ea3b8808-58fe-4fde-bf79-dea1702d2ab3" providerId="ADAL" clId="{64EC5E40-8BB5-4320-902C-16E2C649128C}" dt="2020-02-04T11:20:33.584" v="482" actId="6264"/>
+          <ac:spMkLst>
+            <pc:docMk/>
+            <pc:sldMk cId="1008540925" sldId="259"/>
+            <ac:spMk id="3" creationId="{09D16D0E-ACAD-4E0E-917E-E44C3A2F7144}"/>
+          </ac:spMkLst>
+        </pc:spChg>
+        <pc:spChg chg="mod ord">
+          <ac:chgData name="Hugo Bastos De Paula" userId="ea3b8808-58fe-4fde-bf79-dea1702d2ab3" providerId="ADAL" clId="{64EC5E40-8BB5-4320-902C-16E2C649128C}" dt="2020-02-04T13:23:58.430" v="604" actId="20577"/>
+          <ac:spMkLst>
+            <pc:docMk/>
+            <pc:sldMk cId="1008540925" sldId="259"/>
+            <ac:spMk id="5122" creationId="{DDD69306-529E-41D8-8B50-109DCBD2443D}"/>
+          </ac:spMkLst>
+        </pc:spChg>
+        <pc:spChg chg="mod ord">
+          <ac:chgData name="Hugo Bastos De Paula" userId="ea3b8808-58fe-4fde-bf79-dea1702d2ab3" providerId="ADAL" clId="{64EC5E40-8BB5-4320-902C-16E2C649128C}" dt="2020-02-04T13:26:06.012" v="628" actId="313"/>
+          <ac:spMkLst>
+            <pc:docMk/>
+            <pc:sldMk cId="1008540925" sldId="259"/>
+            <ac:spMk id="5123" creationId="{C955F144-3173-4C55-8A4E-1ED1EF601E44}"/>
+          </ac:spMkLst>
+        </pc:spChg>
+      </pc:sldChg>
+      <pc:sldChg chg="del">
+        <pc:chgData name="Hugo Bastos De Paula" userId="ea3b8808-58fe-4fde-bf79-dea1702d2ab3" providerId="ADAL" clId="{64EC5E40-8BB5-4320-902C-16E2C649128C}" dt="2020-02-04T11:04:07.480" v="24" actId="47"/>
+        <pc:sldMkLst>
+          <pc:docMk/>
+          <pc:sldMk cId="2445231288" sldId="259"/>
+        </pc:sldMkLst>
+      </pc:sldChg>
+      <pc:sldChg chg="delSp add">
+        <pc:chgData name="Hugo Bastos De Paula" userId="ea3b8808-58fe-4fde-bf79-dea1702d2ab3" providerId="ADAL" clId="{64EC5E40-8BB5-4320-902C-16E2C649128C}" dt="2020-02-04T11:05:19.398" v="28" actId="478"/>
+        <pc:sldMkLst>
+          <pc:docMk/>
+          <pc:sldMk cId="649663368" sldId="260"/>
+        </pc:sldMkLst>
+        <pc:spChg chg="del">
+          <ac:chgData name="Hugo Bastos De Paula" userId="ea3b8808-58fe-4fde-bf79-dea1702d2ab3" providerId="ADAL" clId="{64EC5E40-8BB5-4320-902C-16E2C649128C}" dt="2020-02-04T11:05:19.398" v="28" actId="478"/>
+          <ac:spMkLst>
+            <pc:docMk/>
+            <pc:sldMk cId="649663368" sldId="260"/>
+            <ac:spMk id="7" creationId="{6B4238FA-BB02-4477-B4BF-7F4A2171549E}"/>
+          </ac:spMkLst>
+        </pc:spChg>
+      </pc:sldChg>
+      <pc:sldChg chg="del">
+        <pc:chgData name="Hugo Bastos De Paula" userId="ea3b8808-58fe-4fde-bf79-dea1702d2ab3" providerId="ADAL" clId="{64EC5E40-8BB5-4320-902C-16E2C649128C}" dt="2020-02-04T11:04:07.480" v="24" actId="47"/>
+        <pc:sldMkLst>
+          <pc:docMk/>
+          <pc:sldMk cId="4147951829" sldId="260"/>
+        </pc:sldMkLst>
+      </pc:sldChg>
+      <pc:sldChg chg="addSp delSp modSp add mod setBg">
+        <pc:chgData name="Hugo Bastos De Paula" userId="ea3b8808-58fe-4fde-bf79-dea1702d2ab3" providerId="ADAL" clId="{64EC5E40-8BB5-4320-902C-16E2C649128C}" dt="2020-02-04T11:11:17.597" v="82" actId="1076"/>
+        <pc:sldMkLst>
+          <pc:docMk/>
+          <pc:sldMk cId="1153408665" sldId="261"/>
+        </pc:sldMkLst>
+        <pc:spChg chg="del">
+          <ac:chgData name="Hugo Bastos De Paula" userId="ea3b8808-58fe-4fde-bf79-dea1702d2ab3" providerId="ADAL" clId="{64EC5E40-8BB5-4320-902C-16E2C649128C}" dt="2020-02-04T11:06:19.651" v="41"/>
+          <ac:spMkLst>
+            <pc:docMk/>
+            <pc:sldMk cId="1153408665" sldId="261"/>
+            <ac:spMk id="2" creationId="{FE71F8E4-1660-46F9-AEEE-C98472574FB8}"/>
+          </ac:spMkLst>
+        </pc:spChg>
+        <pc:spChg chg="del">
+          <ac:chgData name="Hugo Bastos De Paula" userId="ea3b8808-58fe-4fde-bf79-dea1702d2ab3" providerId="ADAL" clId="{64EC5E40-8BB5-4320-902C-16E2C649128C}" dt="2020-02-04T11:06:19.651" v="41"/>
+          <ac:spMkLst>
+            <pc:docMk/>
+            <pc:sldMk cId="1153408665" sldId="261"/>
+            <ac:spMk id="3" creationId="{119B1ABF-B417-4685-A6F9-B3151784D8D6}"/>
+          </ac:spMkLst>
+        </pc:spChg>
+        <pc:spChg chg="add mod">
+          <ac:chgData name="Hugo Bastos De Paula" userId="ea3b8808-58fe-4fde-bf79-dea1702d2ab3" providerId="ADAL" clId="{64EC5E40-8BB5-4320-902C-16E2C649128C}" dt="2020-02-04T11:11:17.597" v="82" actId="1076"/>
+          <ac:spMkLst>
+            <pc:docMk/>
+            <pc:sldMk cId="1153408665" sldId="261"/>
+            <ac:spMk id="8" creationId="{4CFC47C1-D9D9-4347-99DF-8B524C43B6D3}"/>
+          </ac:spMkLst>
+        </pc:spChg>
+        <pc:spChg chg="add del">
+          <ac:chgData name="Hugo Bastos De Paula" userId="ea3b8808-58fe-4fde-bf79-dea1702d2ab3" providerId="ADAL" clId="{64EC5E40-8BB5-4320-902C-16E2C649128C}" dt="2020-02-04T11:06:25.368" v="45" actId="26606"/>
+          <ac:spMkLst>
+            <pc:docMk/>
+            <pc:sldMk cId="1153408665" sldId="261"/>
+            <ac:spMk id="12" creationId="{32BC26D8-82FB-445E-AA49-62A77D7C1EE0}"/>
+          </ac:spMkLst>
+        </pc:spChg>
+        <pc:spChg chg="add del">
+          <ac:chgData name="Hugo Bastos De Paula" userId="ea3b8808-58fe-4fde-bf79-dea1702d2ab3" providerId="ADAL" clId="{64EC5E40-8BB5-4320-902C-16E2C649128C}" dt="2020-02-04T11:06:25.368" v="45" actId="26606"/>
+          <ac:spMkLst>
+            <pc:docMk/>
+            <pc:sldMk cId="1153408665" sldId="261"/>
+            <ac:spMk id="14" creationId="{CB44330D-EA18-4254-AA95-EB49948539B8}"/>
+          </ac:spMkLst>
+        </pc:spChg>
+        <pc:spChg chg="add del">
+          <ac:chgData name="Hugo Bastos De Paula" userId="ea3b8808-58fe-4fde-bf79-dea1702d2ab3" providerId="ADAL" clId="{64EC5E40-8BB5-4320-902C-16E2C649128C}" dt="2020-02-04T11:06:37.084" v="47" actId="26606"/>
+          <ac:spMkLst>
+            <pc:docMk/>
+            <pc:sldMk cId="1153408665" sldId="261"/>
+            <ac:spMk id="16" creationId="{29FDB030-9B49-4CED-8CCD-4D99382388AC}"/>
+          </ac:spMkLst>
+        </pc:spChg>
+        <pc:spChg chg="add del">
+          <ac:chgData name="Hugo Bastos De Paula" userId="ea3b8808-58fe-4fde-bf79-dea1702d2ab3" providerId="ADAL" clId="{64EC5E40-8BB5-4320-902C-16E2C649128C}" dt="2020-02-04T11:06:37.084" v="47" actId="26606"/>
+          <ac:spMkLst>
+            <pc:docMk/>
+            <pc:sldMk cId="1153408665" sldId="261"/>
+            <ac:spMk id="17" creationId="{F3060C83-F051-4F0E-ABAD-AA0DFC48B218}"/>
+          </ac:spMkLst>
+        </pc:spChg>
+        <pc:spChg chg="add del">
+          <ac:chgData name="Hugo Bastos De Paula" userId="ea3b8808-58fe-4fde-bf79-dea1702d2ab3" providerId="ADAL" clId="{64EC5E40-8BB5-4320-902C-16E2C649128C}" dt="2020-02-04T11:06:37.084" v="47" actId="26606"/>
+          <ac:spMkLst>
+            <pc:docMk/>
+            <pc:sldMk cId="1153408665" sldId="261"/>
+            <ac:spMk id="18" creationId="{3783CA14-24A1-485C-8B30-D6A5D87987AD}"/>
+          </ac:spMkLst>
+        </pc:spChg>
+        <pc:spChg chg="add del">
+          <ac:chgData name="Hugo Bastos De Paula" userId="ea3b8808-58fe-4fde-bf79-dea1702d2ab3" providerId="ADAL" clId="{64EC5E40-8BB5-4320-902C-16E2C649128C}" dt="2020-02-04T11:06:37.084" v="47" actId="26606"/>
+          <ac:spMkLst>
+            <pc:docMk/>
+            <pc:sldMk cId="1153408665" sldId="261"/>
+            <ac:spMk id="19" creationId="{83C98ABE-055B-441F-B07E-44F97F083C39}"/>
+          </ac:spMkLst>
+        </pc:spChg>
+        <pc:spChg chg="add del">
+          <ac:chgData name="Hugo Bastos De Paula" userId="ea3b8808-58fe-4fde-bf79-dea1702d2ab3" providerId="ADAL" clId="{64EC5E40-8BB5-4320-902C-16E2C649128C}" dt="2020-02-04T11:06:37.084" v="47" actId="26606"/>
+          <ac:spMkLst>
+            <pc:docMk/>
+            <pc:sldMk cId="1153408665" sldId="261"/>
+            <ac:spMk id="20" creationId="{9A97C86A-04D6-40F7-AE84-31AB43E6A846}"/>
+          </ac:spMkLst>
+        </pc:spChg>
+        <pc:spChg chg="add del">
+          <ac:chgData name="Hugo Bastos De Paula" userId="ea3b8808-58fe-4fde-bf79-dea1702d2ab3" providerId="ADAL" clId="{64EC5E40-8BB5-4320-902C-16E2C649128C}" dt="2020-02-04T11:06:37.084" v="47" actId="26606"/>
+          <ac:spMkLst>
+            <pc:docMk/>
+            <pc:sldMk cId="1153408665" sldId="261"/>
+            <ac:spMk id="22" creationId="{FF9F2414-84E8-453E-B1F3-389FDE8192D9}"/>
+          </ac:spMkLst>
+        </pc:spChg>
+        <pc:spChg chg="add del">
+          <ac:chgData name="Hugo Bastos De Paula" userId="ea3b8808-58fe-4fde-bf79-dea1702d2ab3" providerId="ADAL" clId="{64EC5E40-8BB5-4320-902C-16E2C649128C}" dt="2020-02-04T11:06:37.084" v="47" actId="26606"/>
+          <ac:spMkLst>
+            <pc:docMk/>
+            <pc:sldMk cId="1153408665" sldId="261"/>
+            <ac:spMk id="24" creationId="{3ECA69A1-7536-43AC-85EF-C7106179F5ED}"/>
+          </ac:spMkLst>
+        </pc:spChg>
+        <pc:spChg chg="add">
+          <ac:chgData name="Hugo Bastos De Paula" userId="ea3b8808-58fe-4fde-bf79-dea1702d2ab3" providerId="ADAL" clId="{64EC5E40-8BB5-4320-902C-16E2C649128C}" dt="2020-02-04T11:06:37.100" v="48" actId="26606"/>
+          <ac:spMkLst>
+            <pc:docMk/>
+            <pc:sldMk cId="1153408665" sldId="261"/>
+            <ac:spMk id="26" creationId="{32BC26D8-82FB-445E-AA49-62A77D7C1EE0}"/>
+          </ac:spMkLst>
+        </pc:spChg>
+        <pc:spChg chg="add">
+          <ac:chgData name="Hugo Bastos De Paula" userId="ea3b8808-58fe-4fde-bf79-dea1702d2ab3" providerId="ADAL" clId="{64EC5E40-8BB5-4320-902C-16E2C649128C}" dt="2020-02-04T11:06:37.100" v="48" actId="26606"/>
+          <ac:spMkLst>
+            <pc:docMk/>
+            <pc:sldMk cId="1153408665" sldId="261"/>
+            <ac:spMk id="27" creationId="{CB44330D-EA18-4254-AA95-EB49948539B8}"/>
+          </ac:spMkLst>
+        </pc:spChg>
+        <pc:picChg chg="add del mod">
+          <ac:chgData name="Hugo Bastos De Paula" userId="ea3b8808-58fe-4fde-bf79-dea1702d2ab3" providerId="ADAL" clId="{64EC5E40-8BB5-4320-902C-16E2C649128C}" dt="2020-02-04T11:06:05.772" v="37" actId="478"/>
+          <ac:picMkLst>
+            <pc:docMk/>
+            <pc:sldMk cId="1153408665" sldId="261"/>
+            <ac:picMk id="5" creationId="{D039B72E-14CC-416B-8FBD-B211566BA3CA}"/>
+          </ac:picMkLst>
+        </pc:picChg>
+        <pc:picChg chg="add mod">
+          <ac:chgData name="Hugo Bastos De Paula" userId="ea3b8808-58fe-4fde-bf79-dea1702d2ab3" providerId="ADAL" clId="{64EC5E40-8BB5-4320-902C-16E2C649128C}" dt="2020-02-04T11:06:37.100" v="48" actId="26606"/>
+          <ac:picMkLst>
+            <pc:docMk/>
+            <pc:sldMk cId="1153408665" sldId="261"/>
+            <ac:picMk id="7" creationId="{F05BE08A-A178-4C32-A992-7F5D2D2698B1}"/>
+          </ac:picMkLst>
+        </pc:picChg>
+      </pc:sldChg>
+      <pc:sldChg chg="del">
+        <pc:chgData name="Hugo Bastos De Paula" userId="ea3b8808-58fe-4fde-bf79-dea1702d2ab3" providerId="ADAL" clId="{64EC5E40-8BB5-4320-902C-16E2C649128C}" dt="2020-02-04T11:04:07.480" v="24" actId="47"/>
+        <pc:sldMkLst>
+          <pc:docMk/>
+          <pc:sldMk cId="1652398062" sldId="261"/>
+        </pc:sldMkLst>
+      </pc:sldChg>
+      <pc:sldChg chg="del">
+        <pc:chgData name="Hugo Bastos De Paula" userId="ea3b8808-58fe-4fde-bf79-dea1702d2ab3" providerId="ADAL" clId="{64EC5E40-8BB5-4320-902C-16E2C649128C}" dt="2020-02-04T11:04:07.480" v="24" actId="47"/>
+        <pc:sldMkLst>
+          <pc:docMk/>
+          <pc:sldMk cId="721748103" sldId="262"/>
+        </pc:sldMkLst>
+      </pc:sldChg>
+      <pc:sldChg chg="addSp delSp modSp add mod setBg">
+        <pc:chgData name="Hugo Bastos De Paula" userId="ea3b8808-58fe-4fde-bf79-dea1702d2ab3" providerId="ADAL" clId="{64EC5E40-8BB5-4320-902C-16E2C649128C}" dt="2020-02-04T11:11:21.846" v="83"/>
+        <pc:sldMkLst>
+          <pc:docMk/>
+          <pc:sldMk cId="2486841636" sldId="262"/>
+        </pc:sldMkLst>
+        <pc:spChg chg="del">
+          <ac:chgData name="Hugo Bastos De Paula" userId="ea3b8808-58fe-4fde-bf79-dea1702d2ab3" providerId="ADAL" clId="{64EC5E40-8BB5-4320-902C-16E2C649128C}" dt="2020-02-04T11:06:51.360" v="52"/>
+          <ac:spMkLst>
+            <pc:docMk/>
+            <pc:sldMk cId="2486841636" sldId="262"/>
+            <ac:spMk id="2" creationId="{65B37555-46A9-4672-B9BA-03D2E04D07F3}"/>
+          </ac:spMkLst>
+        </pc:spChg>
+        <pc:spChg chg="del">
+          <ac:chgData name="Hugo Bastos De Paula" userId="ea3b8808-58fe-4fde-bf79-dea1702d2ab3" providerId="ADAL" clId="{64EC5E40-8BB5-4320-902C-16E2C649128C}" dt="2020-02-04T11:06:51.360" v="52"/>
+          <ac:spMkLst>
+            <pc:docMk/>
+            <pc:sldMk cId="2486841636" sldId="262"/>
+            <ac:spMk id="3" creationId="{EFA7455B-0226-4EBA-A7D6-FCA5BDA8467A}"/>
+          </ac:spMkLst>
+        </pc:spChg>
+        <pc:spChg chg="add">
+          <ac:chgData name="Hugo Bastos De Paula" userId="ea3b8808-58fe-4fde-bf79-dea1702d2ab3" providerId="ADAL" clId="{64EC5E40-8BB5-4320-902C-16E2C649128C}" dt="2020-02-04T11:11:21.846" v="83"/>
+          <ac:spMkLst>
+            <pc:docMk/>
+            <pc:sldMk cId="2486841636" sldId="262"/>
+            <ac:spMk id="8" creationId="{F6AED6D8-8DF1-4451-9D6C-048AC4265DB8}"/>
+          </ac:spMkLst>
+        </pc:spChg>
+        <pc:spChg chg="add">
+          <ac:chgData name="Hugo Bastos De Paula" userId="ea3b8808-58fe-4fde-bf79-dea1702d2ab3" providerId="ADAL" clId="{64EC5E40-8BB5-4320-902C-16E2C649128C}" dt="2020-02-04T11:06:53.609" v="53" actId="26606"/>
+          <ac:spMkLst>
+            <pc:docMk/>
+            <pc:sldMk cId="2486841636" sldId="262"/>
+            <ac:spMk id="10" creationId="{32BC26D8-82FB-445E-AA49-62A77D7C1EE0}"/>
+          </ac:spMkLst>
+        </pc:spChg>
+        <pc:spChg chg="add">
+          <ac:chgData name="Hugo Bastos De Paula" userId="ea3b8808-58fe-4fde-bf79-dea1702d2ab3" providerId="ADAL" clId="{64EC5E40-8BB5-4320-902C-16E2C649128C}" dt="2020-02-04T11:06:53.609" v="53" actId="26606"/>
+          <ac:spMkLst>
+            <pc:docMk/>
+            <pc:sldMk cId="2486841636" sldId="262"/>
+            <ac:spMk id="12" creationId="{CB44330D-EA18-4254-AA95-EB49948539B8}"/>
+          </ac:spMkLst>
+        </pc:spChg>
+        <pc:picChg chg="add mod">
+          <ac:chgData name="Hugo Bastos De Paula" userId="ea3b8808-58fe-4fde-bf79-dea1702d2ab3" providerId="ADAL" clId="{64EC5E40-8BB5-4320-902C-16E2C649128C}" dt="2020-02-04T11:06:53.609" v="53" actId="26606"/>
+          <ac:picMkLst>
+            <pc:docMk/>
+            <pc:sldMk cId="2486841636" sldId="262"/>
+            <ac:picMk id="5" creationId="{8B7D34DF-39B3-4C3C-97BC-E5972DF34B9F}"/>
+          </ac:picMkLst>
+        </pc:picChg>
+      </pc:sldChg>
+      <pc:sldChg chg="del">
+        <pc:chgData name="Hugo Bastos De Paula" userId="ea3b8808-58fe-4fde-bf79-dea1702d2ab3" providerId="ADAL" clId="{64EC5E40-8BB5-4320-902C-16E2C649128C}" dt="2020-02-04T11:04:07.480" v="24" actId="47"/>
+        <pc:sldMkLst>
+          <pc:docMk/>
+          <pc:sldMk cId="334346411" sldId="263"/>
+        </pc:sldMkLst>
+      </pc:sldChg>
+      <pc:sldChg chg="addSp delSp modSp add mod setBg">
+        <pc:chgData name="Hugo Bastos De Paula" userId="ea3b8808-58fe-4fde-bf79-dea1702d2ab3" providerId="ADAL" clId="{64EC5E40-8BB5-4320-902C-16E2C649128C}" dt="2020-02-04T11:11:23.049" v="84"/>
+        <pc:sldMkLst>
+          <pc:docMk/>
+          <pc:sldMk cId="2706184083" sldId="263"/>
+        </pc:sldMkLst>
+        <pc:spChg chg="del">
+          <ac:chgData name="Hugo Bastos De Paula" userId="ea3b8808-58fe-4fde-bf79-dea1702d2ab3" providerId="ADAL" clId="{64EC5E40-8BB5-4320-902C-16E2C649128C}" dt="2020-02-04T11:06:58.389" v="54"/>
+          <ac:spMkLst>
+            <pc:docMk/>
+            <pc:sldMk cId="2706184083" sldId="263"/>
+            <ac:spMk id="2" creationId="{14C75367-112F-464C-B272-F47E3D784071}"/>
+          </ac:spMkLst>
+        </pc:spChg>
+        <pc:spChg chg="del">
+          <ac:chgData name="Hugo Bastos De Paula" userId="ea3b8808-58fe-4fde-bf79-dea1702d2ab3" providerId="ADAL" clId="{64EC5E40-8BB5-4320-902C-16E2C649128C}" dt="2020-02-04T11:06:58.389" v="54"/>
+          <ac:spMkLst>
+            <pc:docMk/>
+            <pc:sldMk cId="2706184083" sldId="263"/>
+            <ac:spMk id="3" creationId="{C2E76556-EAA2-4D7F-9235-380E1A887181}"/>
+          </ac:spMkLst>
+        </pc:spChg>
+        <pc:spChg chg="add">
+          <ac:chgData name="Hugo Bastos De Paula" userId="ea3b8808-58fe-4fde-bf79-dea1702d2ab3" providerId="ADAL" clId="{64EC5E40-8BB5-4320-902C-16E2C649128C}" dt="2020-02-04T11:11:23.049" v="84"/>
+          <ac:spMkLst>
+            <pc:docMk/>
+            <pc:sldMk cId="2706184083" sldId="263"/>
+            <ac:spMk id="8" creationId="{1F3D1023-5016-437C-BAC2-ECF5EBB8A84B}"/>
+          </ac:spMkLst>
+        </pc:spChg>
+        <pc:spChg chg="add">
+          <ac:chgData name="Hugo Bastos De Paula" userId="ea3b8808-58fe-4fde-bf79-dea1702d2ab3" providerId="ADAL" clId="{64EC5E40-8BB5-4320-902C-16E2C649128C}" dt="2020-02-04T11:07:03.884" v="58" actId="26606"/>
+          <ac:spMkLst>
+            <pc:docMk/>
+            <pc:sldMk cId="2706184083" sldId="263"/>
+            <ac:spMk id="10" creationId="{32BC26D8-82FB-445E-AA49-62A77D7C1EE0}"/>
+          </ac:spMkLst>
+        </pc:spChg>
+        <pc:spChg chg="add">
+          <ac:chgData name="Hugo Bastos De Paula" userId="ea3b8808-58fe-4fde-bf79-dea1702d2ab3" providerId="ADAL" clId="{64EC5E40-8BB5-4320-902C-16E2C649128C}" dt="2020-02-04T11:07:03.884" v="58" actId="26606"/>
+          <ac:spMkLst>
+            <pc:docMk/>
+            <pc:sldMk cId="2706184083" sldId="263"/>
+            <ac:spMk id="12" creationId="{CB44330D-EA18-4254-AA95-EB49948539B8}"/>
+          </ac:spMkLst>
+        </pc:spChg>
+        <pc:picChg chg="add mod">
+          <ac:chgData name="Hugo Bastos De Paula" userId="ea3b8808-58fe-4fde-bf79-dea1702d2ab3" providerId="ADAL" clId="{64EC5E40-8BB5-4320-902C-16E2C649128C}" dt="2020-02-04T11:07:03.884" v="58" actId="26606"/>
+          <ac:picMkLst>
+            <pc:docMk/>
+            <pc:sldMk cId="2706184083" sldId="263"/>
+            <ac:picMk id="5" creationId="{26DC4557-F3A9-4C01-8DA2-7559EE8C148F}"/>
+          </ac:picMkLst>
+        </pc:picChg>
+      </pc:sldChg>
+      <pc:sldChg chg="addSp delSp modSp add mod setBg chgLayout">
+        <pc:chgData name="Hugo Bastos De Paula" userId="ea3b8808-58fe-4fde-bf79-dea1702d2ab3" providerId="ADAL" clId="{64EC5E40-8BB5-4320-902C-16E2C649128C}" dt="2020-02-04T11:11:24.268" v="85"/>
+        <pc:sldMkLst>
+          <pc:docMk/>
+          <pc:sldMk cId="1902884617" sldId="264"/>
+        </pc:sldMkLst>
+        <pc:spChg chg="del">
+          <ac:chgData name="Hugo Bastos De Paula" userId="ea3b8808-58fe-4fde-bf79-dea1702d2ab3" providerId="ADAL" clId="{64EC5E40-8BB5-4320-902C-16E2C649128C}" dt="2020-02-04T11:07:08.102" v="59" actId="6264"/>
+          <ac:spMkLst>
+            <pc:docMk/>
+            <pc:sldMk cId="1902884617" sldId="264"/>
+            <ac:spMk id="2" creationId="{49758855-E222-4C72-BD4A-9F914E98E631}"/>
+          </ac:spMkLst>
+        </pc:spChg>
+        <pc:spChg chg="del">
+          <ac:chgData name="Hugo Bastos De Paula" userId="ea3b8808-58fe-4fde-bf79-dea1702d2ab3" providerId="ADAL" clId="{64EC5E40-8BB5-4320-902C-16E2C649128C}" dt="2020-02-04T11:07:08.102" v="59" actId="6264"/>
+          <ac:spMkLst>
+            <pc:docMk/>
+            <pc:sldMk cId="1902884617" sldId="264"/>
+            <ac:spMk id="3" creationId="{D84310F6-33C5-41B5-A1A6-7B9E01CC6DB7}"/>
+          </ac:spMkLst>
+        </pc:spChg>
+        <pc:spChg chg="add del mod ord">
+          <ac:chgData name="Hugo Bastos De Paula" userId="ea3b8808-58fe-4fde-bf79-dea1702d2ab3" providerId="ADAL" clId="{64EC5E40-8BB5-4320-902C-16E2C649128C}" dt="2020-02-04T11:07:10.071" v="60"/>
+          <ac:spMkLst>
+            <pc:docMk/>
+            <pc:sldMk cId="1902884617" sldId="264"/>
+            <ac:spMk id="4" creationId="{087BFD40-4552-4D6C-A3E9-3A885B6D1BFD}"/>
+          </ac:spMkLst>
+        </pc:spChg>
+        <pc:spChg chg="add del mod ord">
+          <ac:chgData name="Hugo Bastos De Paula" userId="ea3b8808-58fe-4fde-bf79-dea1702d2ab3" providerId="ADAL" clId="{64EC5E40-8BB5-4320-902C-16E2C649128C}" dt="2020-02-04T11:07:10.071" v="60"/>
+          <ac:spMkLst>
+            <pc:docMk/>
+            <pc:sldMk cId="1902884617" sldId="264"/>
+            <ac:spMk id="5" creationId="{473D18EF-8643-4229-A23A-3842B22CB9CF}"/>
+          </ac:spMkLst>
+        </pc:spChg>
+        <pc:spChg chg="add">
+          <ac:chgData name="Hugo Bastos De Paula" userId="ea3b8808-58fe-4fde-bf79-dea1702d2ab3" providerId="ADAL" clId="{64EC5E40-8BB5-4320-902C-16E2C649128C}" dt="2020-02-04T11:11:24.268" v="85"/>
+          <ac:spMkLst>
+            <pc:docMk/>
+            <pc:sldMk cId="1902884617" sldId="264"/>
+            <ac:spMk id="10" creationId="{3ACE9B84-9E28-4334-B12D-4939053F9F87}"/>
+          </ac:spMkLst>
+        </pc:spChg>
+        <pc:spChg chg="add">
+          <ac:chgData name="Hugo Bastos De Paula" userId="ea3b8808-58fe-4fde-bf79-dea1702d2ab3" providerId="ADAL" clId="{64EC5E40-8BB5-4320-902C-16E2C649128C}" dt="2020-02-04T11:07:23.084" v="64" actId="26606"/>
+          <ac:spMkLst>
+            <pc:docMk/>
+            <pc:sldMk cId="1902884617" sldId="264"/>
+            <ac:spMk id="12" creationId="{32BC26D8-82FB-445E-AA49-62A77D7C1EE0}"/>
+          </ac:spMkLst>
+        </pc:spChg>
+        <pc:spChg chg="add">
+          <ac:chgData name="Hugo Bastos De Paula" userId="ea3b8808-58fe-4fde-bf79-dea1702d2ab3" providerId="ADAL" clId="{64EC5E40-8BB5-4320-902C-16E2C649128C}" dt="2020-02-04T11:07:23.084" v="64" actId="26606"/>
+          <ac:spMkLst>
+            <pc:docMk/>
+            <pc:sldMk cId="1902884617" sldId="264"/>
+            <ac:spMk id="14" creationId="{CB44330D-EA18-4254-AA95-EB49948539B8}"/>
+          </ac:spMkLst>
+        </pc:spChg>
+        <pc:picChg chg="add mod">
+          <ac:chgData name="Hugo Bastos De Paula" userId="ea3b8808-58fe-4fde-bf79-dea1702d2ab3" providerId="ADAL" clId="{64EC5E40-8BB5-4320-902C-16E2C649128C}" dt="2020-02-04T11:07:23.084" v="64" actId="26606"/>
+          <ac:picMkLst>
+            <pc:docMk/>
+            <pc:sldMk cId="1902884617" sldId="264"/>
+            <ac:picMk id="7" creationId="{27CEF4E8-D0DD-4E9E-9D0C-4A5FE297731A}"/>
+          </ac:picMkLst>
+        </pc:picChg>
+      </pc:sldChg>
+      <pc:sldChg chg="del">
+        <pc:chgData name="Hugo Bastos De Paula" userId="ea3b8808-58fe-4fde-bf79-dea1702d2ab3" providerId="ADAL" clId="{64EC5E40-8BB5-4320-902C-16E2C649128C}" dt="2020-02-04T11:04:07.480" v="24" actId="47"/>
+        <pc:sldMkLst>
+          <pc:docMk/>
+          <pc:sldMk cId="3081371082" sldId="264"/>
+        </pc:sldMkLst>
+      </pc:sldChg>
+      <pc:sldChg chg="modSp add">
+        <pc:chgData name="Hugo Bastos De Paula" userId="ea3b8808-58fe-4fde-bf79-dea1702d2ab3" providerId="ADAL" clId="{64EC5E40-8BB5-4320-902C-16E2C649128C}" dt="2020-02-04T11:19:31.957" v="481" actId="20577"/>
+        <pc:sldMkLst>
+          <pc:docMk/>
+          <pc:sldMk cId="2399826713" sldId="265"/>
+        </pc:sldMkLst>
+        <pc:spChg chg="mod">
+          <ac:chgData name="Hugo Bastos De Paula" userId="ea3b8808-58fe-4fde-bf79-dea1702d2ab3" providerId="ADAL" clId="{64EC5E40-8BB5-4320-902C-16E2C649128C}" dt="2020-02-04T11:13:07.348" v="99" actId="20577"/>
+          <ac:spMkLst>
+            <pc:docMk/>
+            <pc:sldMk cId="2399826713" sldId="265"/>
+            <ac:spMk id="2" creationId="{EA00F411-5232-453A-A9B6-F5B77EDB5540}"/>
+          </ac:spMkLst>
+        </pc:spChg>
+        <pc:spChg chg="mod">
+          <ac:chgData name="Hugo Bastos De Paula" userId="ea3b8808-58fe-4fde-bf79-dea1702d2ab3" providerId="ADAL" clId="{64EC5E40-8BB5-4320-902C-16E2C649128C}" dt="2020-02-04T11:19:31.957" v="481" actId="20577"/>
+          <ac:spMkLst>
+            <pc:docMk/>
+            <pc:sldMk cId="2399826713" sldId="265"/>
+            <ac:spMk id="3" creationId="{08C4F6FD-F97E-44FC-A320-1BAFC3FC5004}"/>
+          </ac:spMkLst>
+        </pc:spChg>
+      </pc:sldChg>
+      <pc:sldChg chg="del">
+        <pc:chgData name="Hugo Bastos De Paula" userId="ea3b8808-58fe-4fde-bf79-dea1702d2ab3" providerId="ADAL" clId="{64EC5E40-8BB5-4320-902C-16E2C649128C}" dt="2020-02-04T11:04:07.480" v="24" actId="47"/>
+        <pc:sldMkLst>
+          <pc:docMk/>
+          <pc:sldMk cId="2452709085" sldId="265"/>
+        </pc:sldMkLst>
+      </pc:sldChg>
+      <pc:sldChg chg="addSp delSp modSp add mod setBg chgLayout">
+        <pc:chgData name="Hugo Bastos De Paula" userId="ea3b8808-58fe-4fde-bf79-dea1702d2ab3" providerId="ADAL" clId="{64EC5E40-8BB5-4320-902C-16E2C649128C}" dt="2020-02-04T13:28:30.927" v="634" actId="14100"/>
+        <pc:sldMkLst>
+          <pc:docMk/>
+          <pc:sldMk cId="430647495" sldId="266"/>
+        </pc:sldMkLst>
+        <pc:spChg chg="add del mod">
+          <ac:chgData name="Hugo Bastos De Paula" userId="ea3b8808-58fe-4fde-bf79-dea1702d2ab3" providerId="ADAL" clId="{64EC5E40-8BB5-4320-902C-16E2C649128C}" dt="2020-02-04T11:21:26.437" v="489" actId="6264"/>
+          <ac:spMkLst>
+            <pc:docMk/>
+            <pc:sldMk cId="430647495" sldId="266"/>
+            <ac:spMk id="2" creationId="{0D6C4DB8-0E2F-4BC3-B7D9-86B6C3B0321A}"/>
+          </ac:spMkLst>
+        </pc:spChg>
+        <pc:spChg chg="add del mod">
+          <ac:chgData name="Hugo Bastos De Paula" userId="ea3b8808-58fe-4fde-bf79-dea1702d2ab3" providerId="ADAL" clId="{64EC5E40-8BB5-4320-902C-16E2C649128C}" dt="2020-02-04T11:21:26.437" v="489" actId="6264"/>
+          <ac:spMkLst>
+            <pc:docMk/>
+            <pc:sldMk cId="430647495" sldId="266"/>
+            <ac:spMk id="3" creationId="{C2499CA5-6F0D-46F8-BF15-91185166DFB8}"/>
+          </ac:spMkLst>
+        </pc:spChg>
+        <pc:spChg chg="add del mod">
+          <ac:chgData name="Hugo Bastos De Paula" userId="ea3b8808-58fe-4fde-bf79-dea1702d2ab3" providerId="ADAL" clId="{64EC5E40-8BB5-4320-902C-16E2C649128C}" dt="2020-02-04T11:21:26.437" v="489" actId="6264"/>
+          <ac:spMkLst>
+            <pc:docMk/>
+            <pc:sldMk cId="430647495" sldId="266"/>
+            <ac:spMk id="4" creationId="{B683EA71-B459-47AB-AAB0-7C06DB06D22C}"/>
+          </ac:spMkLst>
+        </pc:spChg>
+        <pc:spChg chg="add del mod">
+          <ac:chgData name="Hugo Bastos De Paula" userId="ea3b8808-58fe-4fde-bf79-dea1702d2ab3" providerId="ADAL" clId="{64EC5E40-8BB5-4320-902C-16E2C649128C}" dt="2020-02-04T11:21:26.437" v="489" actId="6264"/>
+          <ac:spMkLst>
+            <pc:docMk/>
+            <pc:sldMk cId="430647495" sldId="266"/>
+            <ac:spMk id="5" creationId="{96034816-95A6-480F-91D0-3FABF3EDCA19}"/>
+          </ac:spMkLst>
+        </pc:spChg>
+        <pc:spChg chg="add del mod">
+          <ac:chgData name="Hugo Bastos De Paula" userId="ea3b8808-58fe-4fde-bf79-dea1702d2ab3" providerId="ADAL" clId="{64EC5E40-8BB5-4320-902C-16E2C649128C}" dt="2020-02-04T11:21:43.964" v="496" actId="478"/>
+          <ac:spMkLst>
+            <pc:docMk/>
+            <pc:sldMk cId="430647495" sldId="266"/>
+            <ac:spMk id="7" creationId="{C97BF521-A5C4-431B-891B-CFF1871CEFBF}"/>
+          </ac:spMkLst>
+        </pc:spChg>
+        <pc:spChg chg="mod ord">
+          <ac:chgData name="Hugo Bastos De Paula" userId="ea3b8808-58fe-4fde-bf79-dea1702d2ab3" providerId="ADAL" clId="{64EC5E40-8BB5-4320-902C-16E2C649128C}" dt="2020-02-04T11:22:16.681" v="502" actId="114"/>
+          <ac:spMkLst>
+            <pc:docMk/>
+            <pc:sldMk cId="430647495" sldId="266"/>
+            <ac:spMk id="6146" creationId="{E50A4FEA-DBD6-4135-A694-679DD0F6355A}"/>
+          </ac:spMkLst>
+        </pc:spChg>
+        <pc:spChg chg="del mod ord">
+          <ac:chgData name="Hugo Bastos De Paula" userId="ea3b8808-58fe-4fde-bf79-dea1702d2ab3" providerId="ADAL" clId="{64EC5E40-8BB5-4320-902C-16E2C649128C}" dt="2020-02-04T11:21:42.277" v="495" actId="478"/>
+          <ac:spMkLst>
+            <pc:docMk/>
+            <pc:sldMk cId="430647495" sldId="266"/>
+            <ac:spMk id="6147" creationId="{30D24D86-7121-40BA-BA04-4D9E8CC00BEC}"/>
+          </ac:spMkLst>
+        </pc:spChg>
+        <pc:picChg chg="mod ord">
+          <ac:chgData name="Hugo Bastos De Paula" userId="ea3b8808-58fe-4fde-bf79-dea1702d2ab3" providerId="ADAL" clId="{64EC5E40-8BB5-4320-902C-16E2C649128C}" dt="2020-02-04T11:22:01.543" v="501" actId="26606"/>
+          <ac:picMkLst>
+            <pc:docMk/>
+            <pc:sldMk cId="430647495" sldId="266"/>
+            <ac:picMk id="6148" creationId="{ADC18EF1-8D11-42D6-BEC5-170A389B0535}"/>
+          </ac:picMkLst>
+        </pc:picChg>
+        <pc:picChg chg="mod ord">
+          <ac:chgData name="Hugo Bastos De Paula" userId="ea3b8808-58fe-4fde-bf79-dea1702d2ab3" providerId="ADAL" clId="{64EC5E40-8BB5-4320-902C-16E2C649128C}" dt="2020-02-04T13:28:30.927" v="634" actId="14100"/>
+          <ac:picMkLst>
+            <pc:docMk/>
+            <pc:sldMk cId="430647495" sldId="266"/>
+            <ac:picMk id="6149" creationId="{B18013D3-F061-4C64-8645-5F649042F8F9}"/>
+          </ac:picMkLst>
+        </pc:picChg>
+      </pc:sldChg>
+      <pc:sldChg chg="del">
+        <pc:chgData name="Hugo Bastos De Paula" userId="ea3b8808-58fe-4fde-bf79-dea1702d2ab3" providerId="ADAL" clId="{64EC5E40-8BB5-4320-902C-16E2C649128C}" dt="2020-02-04T11:04:07.480" v="24" actId="47"/>
+        <pc:sldMkLst>
+          <pc:docMk/>
+          <pc:sldMk cId="840580429" sldId="266"/>
+        </pc:sldMkLst>
+      </pc:sldChg>
+      <pc:sldChg chg="addSp delSp modSp add mod chgLayout">
+        <pc:chgData name="Hugo Bastos De Paula" userId="ea3b8808-58fe-4fde-bf79-dea1702d2ab3" providerId="ADAL" clId="{64EC5E40-8BB5-4320-902C-16E2C649128C}" dt="2020-02-04T13:36:06.407" v="665" actId="313"/>
+        <pc:sldMkLst>
+          <pc:docMk/>
+          <pc:sldMk cId="200132653" sldId="267"/>
+        </pc:sldMkLst>
+        <pc:spChg chg="add del mod">
+          <ac:chgData name="Hugo Bastos De Paula" userId="ea3b8808-58fe-4fde-bf79-dea1702d2ab3" providerId="ADAL" clId="{64EC5E40-8BB5-4320-902C-16E2C649128C}" dt="2020-02-04T11:22:24.866" v="503" actId="6264"/>
+          <ac:spMkLst>
+            <pc:docMk/>
+            <pc:sldMk cId="200132653" sldId="267"/>
+            <ac:spMk id="2" creationId="{250E3E8E-DF75-46C1-AAC9-7135AEB1F2BB}"/>
+          </ac:spMkLst>
+        </pc:spChg>
+        <pc:spChg chg="add del mod">
+          <ac:chgData name="Hugo Bastos De Paula" userId="ea3b8808-58fe-4fde-bf79-dea1702d2ab3" providerId="ADAL" clId="{64EC5E40-8BB5-4320-902C-16E2C649128C}" dt="2020-02-04T13:34:30.229" v="643" actId="6264"/>
+          <ac:spMkLst>
+            <pc:docMk/>
+            <pc:sldMk cId="200132653" sldId="267"/>
+            <ac:spMk id="2" creationId="{F44F8B5F-7C50-4782-9CF7-6C9AC2CB1CB6}"/>
+          </ac:spMkLst>
+        </pc:spChg>
+        <pc:spChg chg="add del mod">
+          <ac:chgData name="Hugo Bastos De Paula" userId="ea3b8808-58fe-4fde-bf79-dea1702d2ab3" providerId="ADAL" clId="{64EC5E40-8BB5-4320-902C-16E2C649128C}" dt="2020-02-04T13:34:30.229" v="643" actId="6264"/>
+          <ac:spMkLst>
+            <pc:docMk/>
+            <pc:sldMk cId="200132653" sldId="267"/>
+            <ac:spMk id="3" creationId="{4B51EE86-E621-48D3-B12E-713ADD08AFC7}"/>
+          </ac:spMkLst>
+        </pc:spChg>
+        <pc:spChg chg="add del mod">
+          <ac:chgData name="Hugo Bastos De Paula" userId="ea3b8808-58fe-4fde-bf79-dea1702d2ab3" providerId="ADAL" clId="{64EC5E40-8BB5-4320-902C-16E2C649128C}" dt="2020-02-04T11:22:24.866" v="503" actId="6264"/>
+          <ac:spMkLst>
+            <pc:docMk/>
+            <pc:sldMk cId="200132653" sldId="267"/>
+            <ac:spMk id="3" creationId="{689B5280-1E64-4B31-B848-FC3D1DD4E3E7}"/>
+          </ac:spMkLst>
+        </pc:spChg>
+        <pc:spChg chg="mod ord">
+          <ac:chgData name="Hugo Bastos De Paula" userId="ea3b8808-58fe-4fde-bf79-dea1702d2ab3" providerId="ADAL" clId="{64EC5E40-8BB5-4320-902C-16E2C649128C}" dt="2020-02-04T13:34:30.229" v="643" actId="6264"/>
+          <ac:spMkLst>
+            <pc:docMk/>
+            <pc:sldMk cId="200132653" sldId="267"/>
+            <ac:spMk id="7170" creationId="{E3A184C1-B45A-4D00-8D1B-72A6EACA4FB5}"/>
+          </ac:spMkLst>
+        </pc:spChg>
+        <pc:spChg chg="mod ord">
+          <ac:chgData name="Hugo Bastos De Paula" userId="ea3b8808-58fe-4fde-bf79-dea1702d2ab3" providerId="ADAL" clId="{64EC5E40-8BB5-4320-902C-16E2C649128C}" dt="2020-02-04T13:36:06.407" v="665" actId="313"/>
+          <ac:spMkLst>
+            <pc:docMk/>
+            <pc:sldMk cId="200132653" sldId="267"/>
+            <ac:spMk id="7171" creationId="{DC5F7F28-0BFC-4A1A-9BEA-0A6B39F0C012}"/>
+          </ac:spMkLst>
+        </pc:spChg>
+      </pc:sldChg>
+      <pc:sldChg chg="del">
+        <pc:chgData name="Hugo Bastos De Paula" userId="ea3b8808-58fe-4fde-bf79-dea1702d2ab3" providerId="ADAL" clId="{64EC5E40-8BB5-4320-902C-16E2C649128C}" dt="2020-02-04T11:04:07.480" v="24" actId="47"/>
+        <pc:sldMkLst>
+          <pc:docMk/>
+          <pc:sldMk cId="3028835910" sldId="267"/>
+        </pc:sldMkLst>
+      </pc:sldChg>
+      <pc:sldChg chg="addSp delSp modSp add mod chgLayout">
+        <pc:chgData name="Hugo Bastos De Paula" userId="ea3b8808-58fe-4fde-bf79-dea1702d2ab3" providerId="ADAL" clId="{64EC5E40-8BB5-4320-902C-16E2C649128C}" dt="2020-02-04T13:35:41.788" v="664" actId="6549"/>
+        <pc:sldMkLst>
+          <pc:docMk/>
+          <pc:sldMk cId="22703028" sldId="268"/>
+        </pc:sldMkLst>
+        <pc:spChg chg="add del mod">
+          <ac:chgData name="Hugo Bastos De Paula" userId="ea3b8808-58fe-4fde-bf79-dea1702d2ab3" providerId="ADAL" clId="{64EC5E40-8BB5-4320-902C-16E2C649128C}" dt="2020-02-04T13:28:56.479" v="636" actId="478"/>
+          <ac:spMkLst>
+            <pc:docMk/>
+            <pc:sldMk cId="22703028" sldId="268"/>
+            <ac:spMk id="2" creationId="{2ABCCB23-7873-489B-BBD8-5D0EBC281972}"/>
+          </ac:spMkLst>
+        </pc:spChg>
+        <pc:spChg chg="add del mod">
+          <ac:chgData name="Hugo Bastos De Paula" userId="ea3b8808-58fe-4fde-bf79-dea1702d2ab3" providerId="ADAL" clId="{64EC5E40-8BB5-4320-902C-16E2C649128C}" dt="2020-02-04T13:34:18.277" v="641" actId="6264"/>
+          <ac:spMkLst>
+            <pc:docMk/>
+            <pc:sldMk cId="22703028" sldId="268"/>
+            <ac:spMk id="3" creationId="{9469ED34-25F1-4DAB-A064-4F97EF89C1E0}"/>
+          </ac:spMkLst>
+        </pc:spChg>
+        <pc:spChg chg="add del mod">
+          <ac:chgData name="Hugo Bastos De Paula" userId="ea3b8808-58fe-4fde-bf79-dea1702d2ab3" providerId="ADAL" clId="{64EC5E40-8BB5-4320-902C-16E2C649128C}" dt="2020-02-04T13:34:18.277" v="641" actId="6264"/>
+          <ac:spMkLst>
+            <pc:docMk/>
+            <pc:sldMk cId="22703028" sldId="268"/>
+            <ac:spMk id="4" creationId="{F2B0BAF3-8459-469A-A33C-23B2C23D1A56}"/>
+          </ac:spMkLst>
+        </pc:spChg>
+        <pc:spChg chg="mod ord">
+          <ac:chgData name="Hugo Bastos De Paula" userId="ea3b8808-58fe-4fde-bf79-dea1702d2ab3" providerId="ADAL" clId="{64EC5E40-8BB5-4320-902C-16E2C649128C}" dt="2020-02-04T13:34:18.277" v="641" actId="6264"/>
+          <ac:spMkLst>
+            <pc:docMk/>
+            <pc:sldMk cId="22703028" sldId="268"/>
+            <ac:spMk id="8194" creationId="{30E97455-FC0E-4BAF-A23D-B133D9D49AEF}"/>
+          </ac:spMkLst>
+        </pc:spChg>
+        <pc:spChg chg="mod ord">
+          <ac:chgData name="Hugo Bastos De Paula" userId="ea3b8808-58fe-4fde-bf79-dea1702d2ab3" providerId="ADAL" clId="{64EC5E40-8BB5-4320-902C-16E2C649128C}" dt="2020-02-04T13:35:41.788" v="664" actId="6549"/>
+          <ac:spMkLst>
+            <pc:docMk/>
+            <pc:sldMk cId="22703028" sldId="268"/>
+            <ac:spMk id="8195" creationId="{838B32A6-7A8E-4737-8B36-EDDC7F0C07C5}"/>
+          </ac:spMkLst>
+        </pc:spChg>
+        <pc:picChg chg="del">
+          <ac:chgData name="Hugo Bastos De Paula" userId="ea3b8808-58fe-4fde-bf79-dea1702d2ab3" providerId="ADAL" clId="{64EC5E40-8BB5-4320-902C-16E2C649128C}" dt="2020-02-04T13:28:50.909" v="635" actId="478"/>
+          <ac:picMkLst>
+            <pc:docMk/>
+            <pc:sldMk cId="22703028" sldId="268"/>
+            <ac:picMk id="8196" creationId="{CB41C329-A05C-4AAB-98E9-1D15CD06B7C4}"/>
+          </ac:picMkLst>
+        </pc:picChg>
+      </pc:sldChg>
+      <pc:sldChg chg="del">
+        <pc:chgData name="Hugo Bastos De Paula" userId="ea3b8808-58fe-4fde-bf79-dea1702d2ab3" providerId="ADAL" clId="{64EC5E40-8BB5-4320-902C-16E2C649128C}" dt="2020-02-04T11:04:07.480" v="24" actId="47"/>
+        <pc:sldMkLst>
+          <pc:docMk/>
+          <pc:sldMk cId="3549903614" sldId="268"/>
+        </pc:sldMkLst>
+      </pc:sldChg>
+      <pc:sldChg chg="addSp delSp modSp add mod chgLayout">
+        <pc:chgData name="Hugo Bastos De Paula" userId="ea3b8808-58fe-4fde-bf79-dea1702d2ab3" providerId="ADAL" clId="{64EC5E40-8BB5-4320-902C-16E2C649128C}" dt="2020-02-06T10:36:41.904" v="791" actId="6549"/>
+        <pc:sldMkLst>
+          <pc:docMk/>
+          <pc:sldMk cId="2329847041" sldId="269"/>
+        </pc:sldMkLst>
+        <pc:spChg chg="add del mod">
+          <ac:chgData name="Hugo Bastos De Paula" userId="ea3b8808-58fe-4fde-bf79-dea1702d2ab3" providerId="ADAL" clId="{64EC5E40-8BB5-4320-902C-16E2C649128C}" dt="2020-02-04T11:22:38.007" v="505" actId="6264"/>
+          <ac:spMkLst>
+            <pc:docMk/>
+            <pc:sldMk cId="2329847041" sldId="269"/>
+            <ac:spMk id="2" creationId="{00C06EF8-9C9B-4E46-9F20-9603F262F66A}"/>
+          </ac:spMkLst>
+        </pc:spChg>
+        <pc:spChg chg="add del mod">
+          <ac:chgData name="Hugo Bastos De Paula" userId="ea3b8808-58fe-4fde-bf79-dea1702d2ab3" providerId="ADAL" clId="{64EC5E40-8BB5-4320-902C-16E2C649128C}" dt="2020-02-04T11:22:38.007" v="505" actId="6264"/>
+          <ac:spMkLst>
+            <pc:docMk/>
+            <pc:sldMk cId="2329847041" sldId="269"/>
+            <ac:spMk id="3" creationId="{3D1E02EA-278C-4B74-BEAF-CB66F346F8A6}"/>
+          </ac:spMkLst>
+        </pc:spChg>
+        <pc:spChg chg="mod ord">
+          <ac:chgData name="Hugo Bastos De Paula" userId="ea3b8808-58fe-4fde-bf79-dea1702d2ab3" providerId="ADAL" clId="{64EC5E40-8BB5-4320-902C-16E2C649128C}" dt="2020-02-04T11:22:38.007" v="505" actId="6264"/>
+          <ac:spMkLst>
+            <pc:docMk/>
+            <pc:sldMk cId="2329847041" sldId="269"/>
+            <ac:spMk id="9218" creationId="{919C15B3-2545-4B14-8AAE-76D84AF30C99}"/>
+          </ac:spMkLst>
+        </pc:spChg>
+        <pc:spChg chg="mod ord">
+          <ac:chgData name="Hugo Bastos De Paula" userId="ea3b8808-58fe-4fde-bf79-dea1702d2ab3" providerId="ADAL" clId="{64EC5E40-8BB5-4320-902C-16E2C649128C}" dt="2020-02-06T10:36:41.904" v="791" actId="6549"/>
+          <ac:spMkLst>
+            <pc:docMk/>
+            <pc:sldMk cId="2329847041" sldId="269"/>
+            <ac:spMk id="9219" creationId="{7D98DB46-C61E-4CE5-BE3A-3312B3E33778}"/>
+          </ac:spMkLst>
+        </pc:spChg>
+      </pc:sldChg>
+      <pc:sldChg chg="addSp delSp modSp add mod chgLayout">
+        <pc:chgData name="Hugo Bastos De Paula" userId="ea3b8808-58fe-4fde-bf79-dea1702d2ab3" providerId="ADAL" clId="{64EC5E40-8BB5-4320-902C-16E2C649128C}" dt="2020-02-06T10:35:58.792" v="783" actId="20577"/>
+        <pc:sldMkLst>
+          <pc:docMk/>
+          <pc:sldMk cId="0" sldId="270"/>
+        </pc:sldMkLst>
+        <pc:spChg chg="add del mod">
+          <ac:chgData name="Hugo Bastos De Paula" userId="ea3b8808-58fe-4fde-bf79-dea1702d2ab3" providerId="ADAL" clId="{64EC5E40-8BB5-4320-902C-16E2C649128C}" dt="2020-02-06T10:35:02.599" v="763" actId="6264"/>
+          <ac:spMkLst>
+            <pc:docMk/>
+            <pc:sldMk cId="0" sldId="270"/>
+            <ac:spMk id="2" creationId="{67C7A326-9F64-4568-A4C4-2779A099E132}"/>
+          </ac:spMkLst>
+        </pc:spChg>
+        <pc:spChg chg="add del mod">
+          <ac:chgData name="Hugo Bastos De Paula" userId="ea3b8808-58fe-4fde-bf79-dea1702d2ab3" providerId="ADAL" clId="{64EC5E40-8BB5-4320-902C-16E2C649128C}" dt="2020-02-06T10:35:02.599" v="763" actId="6264"/>
+          <ac:spMkLst>
+            <pc:docMk/>
+            <pc:sldMk cId="0" sldId="270"/>
+            <ac:spMk id="3" creationId="{9F1426A2-E417-4EE8-AA65-F8CE79C0D4B4}"/>
+          </ac:spMkLst>
+        </pc:spChg>
+        <pc:spChg chg="add del mod">
+          <ac:chgData name="Hugo Bastos De Paula" userId="ea3b8808-58fe-4fde-bf79-dea1702d2ab3" providerId="ADAL" clId="{64EC5E40-8BB5-4320-902C-16E2C649128C}" dt="2020-02-06T10:35:02.599" v="763" actId="6264"/>
+          <ac:spMkLst>
+            <pc:docMk/>
+            <pc:sldMk cId="0" sldId="270"/>
+            <ac:spMk id="4" creationId="{0126BA5C-49CE-4D33-A07A-22E602F06E52}"/>
+          </ac:spMkLst>
+        </pc:spChg>
+        <pc:spChg chg="mod ord">
+          <ac:chgData name="Hugo Bastos De Paula" userId="ea3b8808-58fe-4fde-bf79-dea1702d2ab3" providerId="ADAL" clId="{64EC5E40-8BB5-4320-902C-16E2C649128C}" dt="2020-02-06T10:35:02.599" v="763" actId="6264"/>
+          <ac:spMkLst>
+            <pc:docMk/>
+            <pc:sldMk cId="0" sldId="270"/>
+            <ac:spMk id="10242" creationId="{909EF548-4648-497D-9612-BD527967E970}"/>
+          </ac:spMkLst>
+        </pc:spChg>
+        <pc:spChg chg="mod ord">
+          <ac:chgData name="Hugo Bastos De Paula" userId="ea3b8808-58fe-4fde-bf79-dea1702d2ab3" providerId="ADAL" clId="{64EC5E40-8BB5-4320-902C-16E2C649128C}" dt="2020-02-06T10:35:58.792" v="783" actId="20577"/>
+          <ac:spMkLst>
+            <pc:docMk/>
+            <pc:sldMk cId="0" sldId="270"/>
+            <ac:spMk id="10243" creationId="{DF620B93-C76E-4495-AA91-8823C5EDF1C7}"/>
+          </ac:spMkLst>
+        </pc:spChg>
+        <pc:picChg chg="mod ord">
+          <ac:chgData name="Hugo Bastos De Paula" userId="ea3b8808-58fe-4fde-bf79-dea1702d2ab3" providerId="ADAL" clId="{64EC5E40-8BB5-4320-902C-16E2C649128C}" dt="2020-02-06T10:35:28.947" v="774" actId="14100"/>
+          <ac:picMkLst>
+            <pc:docMk/>
+            <pc:sldMk cId="0" sldId="270"/>
+            <ac:picMk id="10244" creationId="{CB50D27D-91C0-47DD-A825-98599E74BD20}"/>
+          </ac:picMkLst>
+        </pc:picChg>
+      </pc:sldChg>
+      <pc:sldChg chg="addSp delSp modSp add mod setBg">
+        <pc:chgData name="Hugo Bastos De Paula" userId="ea3b8808-58fe-4fde-bf79-dea1702d2ab3" providerId="ADAL" clId="{64EC5E40-8BB5-4320-902C-16E2C649128C}" dt="2020-02-06T10:34:23.726" v="762" actId="790"/>
+        <pc:sldMkLst>
+          <pc:docMk/>
+          <pc:sldMk cId="0" sldId="271"/>
+        </pc:sldMkLst>
+        <pc:spChg chg="add del">
+          <ac:chgData name="Hugo Bastos De Paula" userId="ea3b8808-58fe-4fde-bf79-dea1702d2ab3" providerId="ADAL" clId="{64EC5E40-8BB5-4320-902C-16E2C649128C}" dt="2020-02-06T10:33:34.628" v="745" actId="26606"/>
+          <ac:spMkLst>
+            <pc:docMk/>
+            <pc:sldMk cId="0" sldId="271"/>
+            <ac:spMk id="73" creationId="{CEB41C5C-0F34-4DDA-9D7C-5E717F35F60C}"/>
+          </ac:spMkLst>
+        </pc:spChg>
+        <pc:spChg chg="add">
+          <ac:chgData name="Hugo Bastos De Paula" userId="ea3b8808-58fe-4fde-bf79-dea1702d2ab3" providerId="ADAL" clId="{64EC5E40-8BB5-4320-902C-16E2C649128C}" dt="2020-02-06T10:33:34.628" v="745" actId="26606"/>
+          <ac:spMkLst>
+            <pc:docMk/>
+            <pc:sldMk cId="0" sldId="271"/>
+            <ac:spMk id="137" creationId="{577D1452-F0B7-431E-9A24-D3F7103D8510}"/>
+          </ac:spMkLst>
+        </pc:spChg>
+        <pc:spChg chg="add">
+          <ac:chgData name="Hugo Bastos De Paula" userId="ea3b8808-58fe-4fde-bf79-dea1702d2ab3" providerId="ADAL" clId="{64EC5E40-8BB5-4320-902C-16E2C649128C}" dt="2020-02-06T10:33:34.628" v="745" actId="26606"/>
+          <ac:spMkLst>
+            <pc:docMk/>
+            <pc:sldMk cId="0" sldId="271"/>
+            <ac:spMk id="139" creationId="{A660F4F9-5DF5-4F15-BE6A-CD8648BB1148}"/>
+          </ac:spMkLst>
+        </pc:spChg>
+        <pc:spChg chg="mod">
+          <ac:chgData name="Hugo Bastos De Paula" userId="ea3b8808-58fe-4fde-bf79-dea1702d2ab3" providerId="ADAL" clId="{64EC5E40-8BB5-4320-902C-16E2C649128C}" dt="2020-02-06T10:34:23.726" v="762" actId="790"/>
+          <ac:spMkLst>
+            <pc:docMk/>
+            <pc:sldMk cId="0" sldId="271"/>
+            <ac:spMk id="11266" creationId="{2CA26AC2-9892-496A-932A-66F0A405286D}"/>
+          </ac:spMkLst>
+        </pc:spChg>
+        <pc:spChg chg="mod ord">
+          <ac:chgData name="Hugo Bastos De Paula" userId="ea3b8808-58fe-4fde-bf79-dea1702d2ab3" providerId="ADAL" clId="{64EC5E40-8BB5-4320-902C-16E2C649128C}" dt="2020-02-06T10:34:23.726" v="762" actId="790"/>
+          <ac:spMkLst>
+            <pc:docMk/>
+            <pc:sldMk cId="0" sldId="271"/>
+            <ac:spMk id="11267" creationId="{3E9D1ACB-5EA6-4434-9EF4-CC26DBEECFB7}"/>
+          </ac:spMkLst>
+        </pc:spChg>
+        <pc:picChg chg="mod">
+          <ac:chgData name="Hugo Bastos De Paula" userId="ea3b8808-58fe-4fde-bf79-dea1702d2ab3" providerId="ADAL" clId="{64EC5E40-8BB5-4320-902C-16E2C649128C}" dt="2020-02-06T10:33:34.628" v="745" actId="26606"/>
+          <ac:picMkLst>
+            <pc:docMk/>
+            <pc:sldMk cId="0" sldId="271"/>
+            <ac:picMk id="11268" creationId="{89D375B7-CABB-4725-B45C-4F18DE91F3E2}"/>
+          </ac:picMkLst>
+        </pc:picChg>
+        <pc:cxnChg chg="add del">
+          <ac:chgData name="Hugo Bastos De Paula" userId="ea3b8808-58fe-4fde-bf79-dea1702d2ab3" providerId="ADAL" clId="{64EC5E40-8BB5-4320-902C-16E2C649128C}" dt="2020-02-06T10:33:34.628" v="745" actId="26606"/>
+          <ac:cxnSpMkLst>
+            <pc:docMk/>
+            <pc:sldMk cId="0" sldId="271"/>
+            <ac:cxnSpMk id="75" creationId="{57E1E5E6-F385-4E9C-B201-BA5BDE5CAD52}"/>
+          </ac:cxnSpMkLst>
+        </pc:cxnChg>
+      </pc:sldChg>
+      <pc:sldChg chg="addSp modSp add mod setBg">
+        <pc:chgData name="Hugo Bastos De Paula" userId="ea3b8808-58fe-4fde-bf79-dea1702d2ab3" providerId="ADAL" clId="{64EC5E40-8BB5-4320-902C-16E2C649128C}" dt="2020-02-06T10:32:51.502" v="738" actId="790"/>
+        <pc:sldMkLst>
+          <pc:docMk/>
+          <pc:sldMk cId="0" sldId="272"/>
+        </pc:sldMkLst>
+        <pc:spChg chg="add">
+          <ac:chgData name="Hugo Bastos De Paula" userId="ea3b8808-58fe-4fde-bf79-dea1702d2ab3" providerId="ADAL" clId="{64EC5E40-8BB5-4320-902C-16E2C649128C}" dt="2020-02-06T10:31:53.547" v="705" actId="26606"/>
+          <ac:spMkLst>
+            <pc:docMk/>
+            <pc:sldMk cId="0" sldId="272"/>
+            <ac:spMk id="73" creationId="{CEB41C5C-0F34-4DDA-9D7C-5E717F35F60C}"/>
+          </ac:spMkLst>
+        </pc:spChg>
+        <pc:spChg chg="mod">
+          <ac:chgData name="Hugo Bastos De Paula" userId="ea3b8808-58fe-4fde-bf79-dea1702d2ab3" providerId="ADAL" clId="{64EC5E40-8BB5-4320-902C-16E2C649128C}" dt="2020-02-06T10:32:51.502" v="738" actId="790"/>
+          <ac:spMkLst>
+            <pc:docMk/>
+            <pc:sldMk cId="0" sldId="272"/>
+            <ac:spMk id="12290" creationId="{22A19493-3DBB-4487-8732-73247C0F5AA4}"/>
+          </ac:spMkLst>
+        </pc:spChg>
+        <pc:spChg chg="mod">
+          <ac:chgData name="Hugo Bastos De Paula" userId="ea3b8808-58fe-4fde-bf79-dea1702d2ab3" providerId="ADAL" clId="{64EC5E40-8BB5-4320-902C-16E2C649128C}" dt="2020-02-06T10:32:33.255" v="737" actId="1035"/>
+          <ac:spMkLst>
+            <pc:docMk/>
+            <pc:sldMk cId="0" sldId="272"/>
+            <ac:spMk id="12292" creationId="{DB45AEFA-8098-4798-97AD-3A6AC30B080F}"/>
+          </ac:spMkLst>
+        </pc:spChg>
+        <pc:picChg chg="mod">
+          <ac:chgData name="Hugo Bastos De Paula" userId="ea3b8808-58fe-4fde-bf79-dea1702d2ab3" providerId="ADAL" clId="{64EC5E40-8BB5-4320-902C-16E2C649128C}" dt="2020-02-06T10:32:16.306" v="713" actId="14100"/>
+          <ac:picMkLst>
+            <pc:docMk/>
+            <pc:sldMk cId="0" sldId="272"/>
+            <ac:picMk id="12291" creationId="{D59EA310-54E6-4AD4-B5C9-60329D55D926}"/>
+          </ac:picMkLst>
+        </pc:picChg>
+      </pc:sldChg>
+      <pc:sldChg chg="addSp delSp modSp add mod setBg">
+        <pc:chgData name="Hugo Bastos De Paula" userId="ea3b8808-58fe-4fde-bf79-dea1702d2ab3" providerId="ADAL" clId="{64EC5E40-8BB5-4320-902C-16E2C649128C}" dt="2020-02-06T10:31:11.760" v="700" actId="404"/>
+        <pc:sldMkLst>
+          <pc:docMk/>
+          <pc:sldMk cId="0" sldId="273"/>
+        </pc:sldMkLst>
+        <pc:spChg chg="add del">
+          <ac:chgData name="Hugo Bastos De Paula" userId="ea3b8808-58fe-4fde-bf79-dea1702d2ab3" providerId="ADAL" clId="{64EC5E40-8BB5-4320-902C-16E2C649128C}" dt="2020-02-06T10:30:25.345" v="683" actId="26606"/>
+          <ac:spMkLst>
+            <pc:docMk/>
+            <pc:sldMk cId="0" sldId="273"/>
+            <ac:spMk id="73" creationId="{0288C6B4-AFC3-407F-A595-EFFD38D4CCAF}"/>
+          </ac:spMkLst>
+        </pc:spChg>
+        <pc:spChg chg="add del">
+          <ac:chgData name="Hugo Bastos De Paula" userId="ea3b8808-58fe-4fde-bf79-dea1702d2ab3" providerId="ADAL" clId="{64EC5E40-8BB5-4320-902C-16E2C649128C}" dt="2020-02-06T10:30:25.345" v="683" actId="26606"/>
+          <ac:spMkLst>
+            <pc:docMk/>
+            <pc:sldMk cId="0" sldId="273"/>
+            <ac:spMk id="75" creationId="{CF236821-17FE-429B-8D2C-08E13A64EA40}"/>
+          </ac:spMkLst>
+        </pc:spChg>
+        <pc:spChg chg="add del">
+          <ac:chgData name="Hugo Bastos De Paula" userId="ea3b8808-58fe-4fde-bf79-dea1702d2ab3" providerId="ADAL" clId="{64EC5E40-8BB5-4320-902C-16E2C649128C}" dt="2020-02-06T10:30:25.345" v="683" actId="26606"/>
+          <ac:spMkLst>
+            <pc:docMk/>
+            <pc:sldMk cId="0" sldId="273"/>
+            <ac:spMk id="77" creationId="{C0BDBCD2-E081-43AB-9119-C55465E59757}"/>
+          </ac:spMkLst>
+        </pc:spChg>
+        <pc:spChg chg="add del">
+          <ac:chgData name="Hugo Bastos De Paula" userId="ea3b8808-58fe-4fde-bf79-dea1702d2ab3" providerId="ADAL" clId="{64EC5E40-8BB5-4320-902C-16E2C649128C}" dt="2020-02-06T10:30:25.345" v="683" actId="26606"/>
+          <ac:spMkLst>
+            <pc:docMk/>
+            <pc:sldMk cId="0" sldId="273"/>
+            <ac:spMk id="79" creationId="{98E79BE4-34FE-485A-98A5-92CE8F7C4743}"/>
+          </ac:spMkLst>
+        </pc:spChg>
+        <pc:spChg chg="add del">
+          <ac:chgData name="Hugo Bastos De Paula" userId="ea3b8808-58fe-4fde-bf79-dea1702d2ab3" providerId="ADAL" clId="{64EC5E40-8BB5-4320-902C-16E2C649128C}" dt="2020-02-06T10:30:25.345" v="683" actId="26606"/>
+          <ac:spMkLst>
+            <pc:docMk/>
+            <pc:sldMk cId="0" sldId="273"/>
+            <ac:spMk id="81" creationId="{7A5F0580-5EE9-419F-96EE-B6529EF6E7D0}"/>
+          </ac:spMkLst>
+        </pc:spChg>
+        <pc:spChg chg="mod">
+          <ac:chgData name="Hugo Bastos De Paula" userId="ea3b8808-58fe-4fde-bf79-dea1702d2ab3" providerId="ADAL" clId="{64EC5E40-8BB5-4320-902C-16E2C649128C}" dt="2020-02-06T10:30:51.694" v="693" actId="14100"/>
+          <ac:spMkLst>
+            <pc:docMk/>
+            <pc:sldMk cId="0" sldId="273"/>
+            <ac:spMk id="13314" creationId="{2350E04F-7184-43AD-8B15-59054A6F01F7}"/>
+          </ac:spMkLst>
+        </pc:spChg>
+        <pc:spChg chg="mod">
+          <ac:chgData name="Hugo Bastos De Paula" userId="ea3b8808-58fe-4fde-bf79-dea1702d2ab3" providerId="ADAL" clId="{64EC5E40-8BB5-4320-902C-16E2C649128C}" dt="2020-02-06T10:31:11.760" v="700" actId="404"/>
+          <ac:spMkLst>
+            <pc:docMk/>
+            <pc:sldMk cId="0" sldId="273"/>
+            <ac:spMk id="13316" creationId="{6B7C21E6-5D86-4F0D-85D0-AA0D5D1FD5A6}"/>
+          </ac:spMkLst>
+        </pc:spChg>
+        <pc:spChg chg="add del">
+          <ac:chgData name="Hugo Bastos De Paula" userId="ea3b8808-58fe-4fde-bf79-dea1702d2ab3" providerId="ADAL" clId="{64EC5E40-8BB5-4320-902C-16E2C649128C}" dt="2020-02-06T10:30:26.485" v="685" actId="26606"/>
+          <ac:spMkLst>
+            <pc:docMk/>
+            <pc:sldMk cId="0" sldId="273"/>
+            <ac:spMk id="13318" creationId="{5C9B446A-6343-4E56-90BA-061E4DDF0FFB}"/>
+          </ac:spMkLst>
+        </pc:spChg>
+        <pc:spChg chg="add del">
+          <ac:chgData name="Hugo Bastos De Paula" userId="ea3b8808-58fe-4fde-bf79-dea1702d2ab3" providerId="ADAL" clId="{64EC5E40-8BB5-4320-902C-16E2C649128C}" dt="2020-02-06T10:30:26.485" v="685" actId="26606"/>
+          <ac:spMkLst>
+            <pc:docMk/>
+            <pc:sldMk cId="0" sldId="273"/>
+            <ac:spMk id="13319" creationId="{3EC72A1B-03D3-499C-B4BF-AC68EEC22B10}"/>
+          </ac:spMkLst>
+        </pc:spChg>
+        <pc:spChg chg="add del">
+          <ac:chgData name="Hugo Bastos De Paula" userId="ea3b8808-58fe-4fde-bf79-dea1702d2ab3" providerId="ADAL" clId="{64EC5E40-8BB5-4320-902C-16E2C649128C}" dt="2020-02-06T10:30:26.485" v="685" actId="26606"/>
+          <ac:spMkLst>
+            <pc:docMk/>
+            <pc:sldMk cId="0" sldId="273"/>
+            <ac:spMk id="13320" creationId="{216322C2-3CF0-4D33-BF90-3F384CF6D232}"/>
+          </ac:spMkLst>
+        </pc:spChg>
+        <pc:spChg chg="add del">
+          <ac:chgData name="Hugo Bastos De Paula" userId="ea3b8808-58fe-4fde-bf79-dea1702d2ab3" providerId="ADAL" clId="{64EC5E40-8BB5-4320-902C-16E2C649128C}" dt="2020-02-06T10:30:26.485" v="685" actId="26606"/>
+          <ac:spMkLst>
+            <pc:docMk/>
+            <pc:sldMk cId="0" sldId="273"/>
+            <ac:spMk id="13321" creationId="{55D4142C-5077-457F-A6AD-3FECFDB39685}"/>
+          </ac:spMkLst>
+        </pc:spChg>
+        <pc:spChg chg="add del">
+          <ac:chgData name="Hugo Bastos De Paula" userId="ea3b8808-58fe-4fde-bf79-dea1702d2ab3" providerId="ADAL" clId="{64EC5E40-8BB5-4320-902C-16E2C649128C}" dt="2020-02-06T10:30:26.485" v="685" actId="26606"/>
+          <ac:spMkLst>
+            <pc:docMk/>
+            <pc:sldMk cId="0" sldId="273"/>
+            <ac:spMk id="13322" creationId="{7A5F0580-5EE9-419F-96EE-B6529EF6E7D0}"/>
+          </ac:spMkLst>
+        </pc:spChg>
+        <pc:spChg chg="add del">
+          <ac:chgData name="Hugo Bastos De Paula" userId="ea3b8808-58fe-4fde-bf79-dea1702d2ab3" providerId="ADAL" clId="{64EC5E40-8BB5-4320-902C-16E2C649128C}" dt="2020-02-06T10:30:34.764" v="687" actId="26606"/>
+          <ac:spMkLst>
+            <pc:docMk/>
+            <pc:sldMk cId="0" sldId="273"/>
+            <ac:spMk id="13324" creationId="{0288C6B4-AFC3-407F-A595-EFFD38D4CCAF}"/>
+          </ac:spMkLst>
+        </pc:spChg>
+        <pc:spChg chg="add del">
+          <ac:chgData name="Hugo Bastos De Paula" userId="ea3b8808-58fe-4fde-bf79-dea1702d2ab3" providerId="ADAL" clId="{64EC5E40-8BB5-4320-902C-16E2C649128C}" dt="2020-02-06T10:30:34.764" v="687" actId="26606"/>
+          <ac:spMkLst>
+            <pc:docMk/>
+            <pc:sldMk cId="0" sldId="273"/>
+            <ac:spMk id="13325" creationId="{CF236821-17FE-429B-8D2C-08E13A64EA40}"/>
+          </ac:spMkLst>
+        </pc:spChg>
+        <pc:spChg chg="add del">
+          <ac:chgData name="Hugo Bastos De Paula" userId="ea3b8808-58fe-4fde-bf79-dea1702d2ab3" providerId="ADAL" clId="{64EC5E40-8BB5-4320-902C-16E2C649128C}" dt="2020-02-06T10:30:34.764" v="687" actId="26606"/>
+          <ac:spMkLst>
+            <pc:docMk/>
+            <pc:sldMk cId="0" sldId="273"/>
+            <ac:spMk id="13326" creationId="{C0BDBCD2-E081-43AB-9119-C55465E59757}"/>
+          </ac:spMkLst>
+        </pc:spChg>
+        <pc:spChg chg="add del">
+          <ac:chgData name="Hugo Bastos De Paula" userId="ea3b8808-58fe-4fde-bf79-dea1702d2ab3" providerId="ADAL" clId="{64EC5E40-8BB5-4320-902C-16E2C649128C}" dt="2020-02-06T10:30:34.764" v="687" actId="26606"/>
+          <ac:spMkLst>
+            <pc:docMk/>
+            <pc:sldMk cId="0" sldId="273"/>
+            <ac:spMk id="13327" creationId="{98E79BE4-34FE-485A-98A5-92CE8F7C4743}"/>
+          </ac:spMkLst>
+        </pc:spChg>
+        <pc:spChg chg="add del">
+          <ac:chgData name="Hugo Bastos De Paula" userId="ea3b8808-58fe-4fde-bf79-dea1702d2ab3" providerId="ADAL" clId="{64EC5E40-8BB5-4320-902C-16E2C649128C}" dt="2020-02-06T10:30:34.764" v="687" actId="26606"/>
+          <ac:spMkLst>
+            <pc:docMk/>
+            <pc:sldMk cId="0" sldId="273"/>
+            <ac:spMk id="13328" creationId="{7A5F0580-5EE9-419F-96EE-B6529EF6E7D0}"/>
+          </ac:spMkLst>
+        </pc:spChg>
+        <pc:picChg chg="mod ord">
+          <ac:chgData name="Hugo Bastos De Paula" userId="ea3b8808-58fe-4fde-bf79-dea1702d2ab3" providerId="ADAL" clId="{64EC5E40-8BB5-4320-902C-16E2C649128C}" dt="2020-02-06T10:30:34.764" v="687" actId="26606"/>
+          <ac:picMkLst>
+            <pc:docMk/>
+            <pc:sldMk cId="0" sldId="273"/>
+            <ac:picMk id="13315" creationId="{2D1FA4A5-121D-43B0-9D1C-E450E860A31E}"/>
+          </ac:picMkLst>
+        </pc:picChg>
+      </pc:sldChg>
+      <pc:sldChg chg="addSp delSp modSp add mod chgLayout">
+        <pc:chgData name="Hugo Bastos De Paula" userId="ea3b8808-58fe-4fde-bf79-dea1702d2ab3" providerId="ADAL" clId="{64EC5E40-8BB5-4320-902C-16E2C649128C}" dt="2020-02-06T10:31:26.210" v="704" actId="403"/>
+        <pc:sldMkLst>
+          <pc:docMk/>
+          <pc:sldMk cId="0" sldId="274"/>
+        </pc:sldMkLst>
+        <pc:spChg chg="add del mod">
+          <ac:chgData name="Hugo Bastos De Paula" userId="ea3b8808-58fe-4fde-bf79-dea1702d2ab3" providerId="ADAL" clId="{64EC5E40-8BB5-4320-902C-16E2C649128C}" dt="2020-02-04T11:22:44.069" v="507" actId="6264"/>
+          <ac:spMkLst>
+            <pc:docMk/>
+            <pc:sldMk cId="0" sldId="274"/>
+            <ac:spMk id="2" creationId="{1AD3C61E-E92B-48EA-89EB-5470D25B6A04}"/>
+          </ac:spMkLst>
+        </pc:spChg>
+        <pc:spChg chg="add del mod">
+          <ac:chgData name="Hugo Bastos De Paula" userId="ea3b8808-58fe-4fde-bf79-dea1702d2ab3" providerId="ADAL" clId="{64EC5E40-8BB5-4320-902C-16E2C649128C}" dt="2020-02-04T11:22:44.069" v="507" actId="6264"/>
+          <ac:spMkLst>
+            <pc:docMk/>
+            <pc:sldMk cId="0" sldId="274"/>
+            <ac:spMk id="3" creationId="{F80FF827-7A67-466B-8E0A-D0E8B44C4A05}"/>
+          </ac:spMkLst>
+        </pc:spChg>
+        <pc:spChg chg="add mod ord">
+          <ac:chgData name="Hugo Bastos De Paula" userId="ea3b8808-58fe-4fde-bf79-dea1702d2ab3" providerId="ADAL" clId="{64EC5E40-8BB5-4320-902C-16E2C649128C}" dt="2020-02-06T10:31:26.210" v="704" actId="403"/>
+          <ac:spMkLst>
+            <pc:docMk/>
+            <pc:sldMk cId="0" sldId="274"/>
+            <ac:spMk id="4" creationId="{0C2A6CCD-0455-456B-9C86-0A2B12D855F5}"/>
+          </ac:spMkLst>
+        </pc:spChg>
+        <pc:spChg chg="add del mod">
+          <ac:chgData name="Hugo Bastos De Paula" userId="ea3b8808-58fe-4fde-bf79-dea1702d2ab3" providerId="ADAL" clId="{64EC5E40-8BB5-4320-902C-16E2C649128C}" dt="2020-02-04T11:23:02.819" v="521" actId="6264"/>
+          <ac:spMkLst>
+            <pc:docMk/>
+            <pc:sldMk cId="0" sldId="274"/>
+            <ac:spMk id="5" creationId="{BBC1218B-1ABC-4DF7-B415-0F1EF06FD0B9}"/>
+          </ac:spMkLst>
+        </pc:spChg>
+        <pc:spChg chg="add del mod">
+          <ac:chgData name="Hugo Bastos De Paula" userId="ea3b8808-58fe-4fde-bf79-dea1702d2ab3" providerId="ADAL" clId="{64EC5E40-8BB5-4320-902C-16E2C649128C}" dt="2020-02-04T11:23:02.819" v="521" actId="6264"/>
+          <ac:spMkLst>
+            <pc:docMk/>
+            <pc:sldMk cId="0" sldId="274"/>
+            <ac:spMk id="6" creationId="{ED679C1C-665A-402E-AECA-CFF73F795CEF}"/>
+          </ac:spMkLst>
+        </pc:spChg>
+        <pc:spChg chg="add del mod">
+          <ac:chgData name="Hugo Bastos De Paula" userId="ea3b8808-58fe-4fde-bf79-dea1702d2ab3" providerId="ADAL" clId="{64EC5E40-8BB5-4320-902C-16E2C649128C}" dt="2020-02-04T11:23:02.819" v="521" actId="6264"/>
+          <ac:spMkLst>
+            <pc:docMk/>
+            <pc:sldMk cId="0" sldId="274"/>
+            <ac:spMk id="7" creationId="{725969C9-A938-4FF4-B51A-7821FA943000}"/>
+          </ac:spMkLst>
+        </pc:spChg>
+        <pc:spChg chg="mod ord">
+          <ac:chgData name="Hugo Bastos De Paula" userId="ea3b8808-58fe-4fde-bf79-dea1702d2ab3" providerId="ADAL" clId="{64EC5E40-8BB5-4320-902C-16E2C649128C}" dt="2020-02-04T11:23:02.819" v="521" actId="6264"/>
+          <ac:spMkLst>
+            <pc:docMk/>
+            <pc:sldMk cId="0" sldId="274"/>
+            <ac:spMk id="14338" creationId="{4F6602D1-E5BA-4FE7-83EA-C7DFA5B9E94B}"/>
+          </ac:spMkLst>
+        </pc:spChg>
+        <pc:spChg chg="del mod">
+          <ac:chgData name="Hugo Bastos De Paula" userId="ea3b8808-58fe-4fde-bf79-dea1702d2ab3" providerId="ADAL" clId="{64EC5E40-8BB5-4320-902C-16E2C649128C}" dt="2020-02-04T11:22:53.649" v="510" actId="478"/>
+          <ac:spMkLst>
+            <pc:docMk/>
+            <pc:sldMk cId="0" sldId="274"/>
+            <ac:spMk id="14340" creationId="{9D1A7E6B-72E8-43DF-9DB5-C0BA4215E9B3}"/>
+          </ac:spMkLst>
+        </pc:spChg>
+        <pc:picChg chg="mod ord">
+          <ac:chgData name="Hugo Bastos De Paula" userId="ea3b8808-58fe-4fde-bf79-dea1702d2ab3" providerId="ADAL" clId="{64EC5E40-8BB5-4320-902C-16E2C649128C}" dt="2020-02-06T10:31:20.804" v="702" actId="14100"/>
+          <ac:picMkLst>
+            <pc:docMk/>
+            <pc:sldMk cId="0" sldId="274"/>
+            <ac:picMk id="14339" creationId="{639DC811-12FC-48EB-AF79-46BBDE3101F5}"/>
+          </ac:picMkLst>
+        </pc:picChg>
+      </pc:sldChg>
+      <pc:sldChg chg="addSp delSp modSp add mod setBg setClrOvrMap">
+        <pc:chgData name="Hugo Bastos De Paula" userId="ea3b8808-58fe-4fde-bf79-dea1702d2ab3" providerId="ADAL" clId="{64EC5E40-8BB5-4320-902C-16E2C649128C}" dt="2020-02-04T13:23:35.628" v="603" actId="1076"/>
+        <pc:sldMkLst>
+          <pc:docMk/>
+          <pc:sldMk cId="824306656" sldId="275"/>
+        </pc:sldMkLst>
+        <pc:spChg chg="mod">
+          <ac:chgData name="Hugo Bastos De Paula" userId="ea3b8808-58fe-4fde-bf79-dea1702d2ab3" providerId="ADAL" clId="{64EC5E40-8BB5-4320-902C-16E2C649128C}" dt="2020-02-04T13:21:30.270" v="597" actId="26606"/>
+          <ac:spMkLst>
+            <pc:docMk/>
+            <pc:sldMk cId="824306656" sldId="275"/>
+            <ac:spMk id="2" creationId="{8B37E5B5-1B5B-4D74-AE6B-8FBBE039DE93}"/>
+          </ac:spMkLst>
+        </pc:spChg>
+        <pc:spChg chg="del">
+          <ac:chgData name="Hugo Bastos De Paula" userId="ea3b8808-58fe-4fde-bf79-dea1702d2ab3" providerId="ADAL" clId="{64EC5E40-8BB5-4320-902C-16E2C649128C}" dt="2020-02-04T13:18:52.390" v="580"/>
+          <ac:spMkLst>
+            <pc:docMk/>
+            <pc:sldMk cId="824306656" sldId="275"/>
+            <ac:spMk id="3" creationId="{2B96C232-897E-43AA-B830-30C88DBBCFAA}"/>
+          </ac:spMkLst>
+        </pc:spChg>
+        <pc:spChg chg="del">
+          <ac:chgData name="Hugo Bastos De Paula" userId="ea3b8808-58fe-4fde-bf79-dea1702d2ab3" providerId="ADAL" clId="{64EC5E40-8BB5-4320-902C-16E2C649128C}" dt="2020-02-04T13:18:52.390" v="580"/>
+          <ac:spMkLst>
+            <pc:docMk/>
+            <pc:sldMk cId="824306656" sldId="275"/>
+            <ac:spMk id="4" creationId="{6192710B-50CF-48DF-B5B3-E7E623FDB0EA}"/>
+          </ac:spMkLst>
+        </pc:spChg>
+        <pc:spChg chg="add del mod">
+          <ac:chgData name="Hugo Bastos De Paula" userId="ea3b8808-58fe-4fde-bf79-dea1702d2ab3" providerId="ADAL" clId="{64EC5E40-8BB5-4320-902C-16E2C649128C}" dt="2020-02-04T13:19:01.820" v="581" actId="931"/>
+          <ac:spMkLst>
+            <pc:docMk/>
+            <pc:sldMk cId="824306656" sldId="275"/>
+            <ac:spMk id="5" creationId="{B604C9A2-FEB7-4BCA-9C36-3593B3F26B2A}"/>
+          </ac:spMkLst>
+        </pc:spChg>
+        <pc:spChg chg="add del">
+          <ac:chgData name="Hugo Bastos De Paula" userId="ea3b8808-58fe-4fde-bf79-dea1702d2ab3" providerId="ADAL" clId="{64EC5E40-8BB5-4320-902C-16E2C649128C}" dt="2020-02-04T13:20:01.553" v="593"/>
+          <ac:spMkLst>
+            <pc:docMk/>
+            <pc:sldMk cId="824306656" sldId="275"/>
+            <ac:spMk id="8" creationId="{88E97DB7-8EE6-4F62-9C34-19A050E0513F}"/>
+          </ac:spMkLst>
+        </pc:spChg>
+        <pc:spChg chg="add del">
+          <ac:chgData name="Hugo Bastos De Paula" userId="ea3b8808-58fe-4fde-bf79-dea1702d2ab3" providerId="ADAL" clId="{64EC5E40-8BB5-4320-902C-16E2C649128C}" dt="2020-02-04T13:21:30.247" v="596" actId="26606"/>
+          <ac:spMkLst>
+            <pc:docMk/>
+            <pc:sldMk cId="824306656" sldId="275"/>
+            <ac:spMk id="13" creationId="{86C904DE-1A5E-4992-99CD-7515FA4A7938}"/>
+          </ac:spMkLst>
+        </pc:spChg>
+        <pc:spChg chg="add del">
+          <ac:chgData name="Hugo Bastos De Paula" userId="ea3b8808-58fe-4fde-bf79-dea1702d2ab3" providerId="ADAL" clId="{64EC5E40-8BB5-4320-902C-16E2C649128C}" dt="2020-02-04T13:23:25.419" v="600" actId="26606"/>
+          <ac:spMkLst>
+            <pc:docMk/>
+            <pc:sldMk cId="824306656" sldId="275"/>
+            <ac:spMk id="14" creationId="{823AC064-BC96-4F32-8AE1-B2FD38754823}"/>
+          </ac:spMkLst>
+        </pc:spChg>
+        <pc:spChg chg="add del">
+          <ac:chgData name="Hugo Bastos De Paula" userId="ea3b8808-58fe-4fde-bf79-dea1702d2ab3" providerId="ADAL" clId="{64EC5E40-8BB5-4320-902C-16E2C649128C}" dt="2020-02-04T13:21:30.247" v="596" actId="26606"/>
+          <ac:spMkLst>
+            <pc:docMk/>
+            <pc:sldMk cId="824306656" sldId="275"/>
+            <ac:spMk id="16" creationId="{EB181E26-89C4-4A14-92DE-0F4C4B0E9484}"/>
+          </ac:spMkLst>
+        </pc:spChg>
+        <pc:spChg chg="add del">
+          <ac:chgData name="Hugo Bastos De Paula" userId="ea3b8808-58fe-4fde-bf79-dea1702d2ab3" providerId="ADAL" clId="{64EC5E40-8BB5-4320-902C-16E2C649128C}" dt="2020-02-04T13:21:30.247" v="596" actId="26606"/>
+          <ac:spMkLst>
+            <pc:docMk/>
+            <pc:sldMk cId="824306656" sldId="275"/>
+            <ac:spMk id="18" creationId="{342402E1-B9D8-424B-837F-6E4AA2E0FF2B}"/>
+          </ac:spMkLst>
+        </pc:spChg>
+        <pc:spChg chg="add">
+          <ac:chgData name="Hugo Bastos De Paula" userId="ea3b8808-58fe-4fde-bf79-dea1702d2ab3" providerId="ADAL" clId="{64EC5E40-8BB5-4320-902C-16E2C649128C}" dt="2020-02-04T13:23:25.419" v="600" actId="26606"/>
+          <ac:spMkLst>
+            <pc:docMk/>
+            <pc:sldMk cId="824306656" sldId="275"/>
+            <ac:spMk id="26" creationId="{823AC064-BC96-4F32-8AE1-B2FD38754823}"/>
+          </ac:spMkLst>
+        </pc:spChg>
+        <pc:picChg chg="add mod ord">
+          <ac:chgData name="Hugo Bastos De Paula" userId="ea3b8808-58fe-4fde-bf79-dea1702d2ab3" providerId="ADAL" clId="{64EC5E40-8BB5-4320-902C-16E2C649128C}" dt="2020-02-04T13:23:35.628" v="603" actId="1076"/>
+          <ac:picMkLst>
+            <pc:docMk/>
+            <pc:sldMk cId="824306656" sldId="275"/>
+            <ac:picMk id="7" creationId="{9F636B69-14A4-452D-805D-E75F7398E6B1}"/>
+          </ac:picMkLst>
+        </pc:picChg>
+        <pc:picChg chg="add del mod">
+          <ac:chgData name="Hugo Bastos De Paula" userId="ea3b8808-58fe-4fde-bf79-dea1702d2ab3" providerId="ADAL" clId="{64EC5E40-8BB5-4320-902C-16E2C649128C}" dt="2020-02-04T13:23:20.465" v="598" actId="478"/>
+          <ac:picMkLst>
+            <pc:docMk/>
+            <pc:sldMk cId="824306656" sldId="275"/>
+            <ac:picMk id="9" creationId="{8F626B20-F384-4B3C-B084-D5E62A468198}"/>
+          </ac:picMkLst>
+        </pc:picChg>
+        <pc:picChg chg="add mod">
+          <ac:chgData name="Hugo Bastos De Paula" userId="ea3b8808-58fe-4fde-bf79-dea1702d2ab3" providerId="ADAL" clId="{64EC5E40-8BB5-4320-902C-16E2C649128C}" dt="2020-02-04T13:23:33.034" v="602" actId="1076"/>
+          <ac:picMkLst>
+            <pc:docMk/>
+            <pc:sldMk cId="824306656" sldId="275"/>
+            <ac:picMk id="10" creationId="{D048911A-5BAB-412A-9B24-80626FC0980B}"/>
+          </ac:picMkLst>
+        </pc:picChg>
+        <pc:cxnChg chg="add del">
+          <ac:chgData name="Hugo Bastos De Paula" userId="ea3b8808-58fe-4fde-bf79-dea1702d2ab3" providerId="ADAL" clId="{64EC5E40-8BB5-4320-902C-16E2C649128C}" dt="2020-02-04T13:23:25.419" v="600" actId="26606"/>
+          <ac:cxnSpMkLst>
+            <pc:docMk/>
+            <pc:sldMk cId="824306656" sldId="275"/>
+            <ac:cxnSpMk id="20" creationId="{7E7C77BC-7138-40B1-A15B-20F57A494629}"/>
+          </ac:cxnSpMkLst>
+        </pc:cxnChg>
+        <pc:cxnChg chg="add del">
+          <ac:chgData name="Hugo Bastos De Paula" userId="ea3b8808-58fe-4fde-bf79-dea1702d2ab3" providerId="ADAL" clId="{64EC5E40-8BB5-4320-902C-16E2C649128C}" dt="2020-02-04T13:23:25.419" v="600" actId="26606"/>
+          <ac:cxnSpMkLst>
+            <pc:docMk/>
+            <pc:sldMk cId="824306656" sldId="275"/>
+            <ac:cxnSpMk id="21" creationId="{DB146403-F3D6-484B-B2ED-97F9565D0370}"/>
+          </ac:cxnSpMkLst>
+        </pc:cxnChg>
+        <pc:cxnChg chg="add">
+          <ac:chgData name="Hugo Bastos De Paula" userId="ea3b8808-58fe-4fde-bf79-dea1702d2ab3" providerId="ADAL" clId="{64EC5E40-8BB5-4320-902C-16E2C649128C}" dt="2020-02-04T13:23:25.419" v="600" actId="26606"/>
+          <ac:cxnSpMkLst>
+            <pc:docMk/>
+            <pc:sldMk cId="824306656" sldId="275"/>
+            <ac:cxnSpMk id="28" creationId="{7E7C77BC-7138-40B1-A15B-20F57A494629}"/>
+          </ac:cxnSpMkLst>
+        </pc:cxnChg>
+        <pc:cxnChg chg="add">
+          <ac:chgData name="Hugo Bastos De Paula" userId="ea3b8808-58fe-4fde-bf79-dea1702d2ab3" providerId="ADAL" clId="{64EC5E40-8BB5-4320-902C-16E2C649128C}" dt="2020-02-04T13:23:25.419" v="600" actId="26606"/>
+          <ac:cxnSpMkLst>
+            <pc:docMk/>
+            <pc:sldMk cId="824306656" sldId="275"/>
+            <ac:cxnSpMk id="30" creationId="{DB146403-F3D6-484B-B2ED-97F9565D0370}"/>
+          </ac:cxnSpMkLst>
+        </pc:cxnChg>
+      </pc:sldChg>
+      <pc:sldChg chg="addSp delSp modSp add mod setBg">
+        <pc:chgData name="Hugo Bastos De Paula" userId="ea3b8808-58fe-4fde-bf79-dea1702d2ab3" providerId="ADAL" clId="{64EC5E40-8BB5-4320-902C-16E2C649128C}" dt="2020-02-04T13:38:23.985" v="681" actId="14100"/>
+        <pc:sldMkLst>
+          <pc:docMk/>
+          <pc:sldMk cId="2598514401" sldId="276"/>
+        </pc:sldMkLst>
+        <pc:spChg chg="mod">
+          <ac:chgData name="Hugo Bastos De Paula" userId="ea3b8808-58fe-4fde-bf79-dea1702d2ab3" providerId="ADAL" clId="{64EC5E40-8BB5-4320-902C-16E2C649128C}" dt="2020-02-04T13:37:21.592" v="673" actId="26606"/>
+          <ac:spMkLst>
+            <pc:docMk/>
+            <pc:sldMk cId="2598514401" sldId="276"/>
+            <ac:spMk id="2" creationId="{71C57E55-2DF1-4007-B192-BC95C7A3B69F}"/>
+          </ac:spMkLst>
+        </pc:spChg>
+        <pc:spChg chg="del">
+          <ac:chgData name="Hugo Bastos De Paula" userId="ea3b8808-58fe-4fde-bf79-dea1702d2ab3" providerId="ADAL" clId="{64EC5E40-8BB5-4320-902C-16E2C649128C}" dt="2020-02-04T13:37:03.265" v="667"/>
+          <ac:spMkLst>
+            <pc:docMk/>
+            <pc:sldMk cId="2598514401" sldId="276"/>
+            <ac:spMk id="3" creationId="{6CF5C4F4-C994-4B1E-8F5A-76B29B62B153}"/>
+          </ac:spMkLst>
+        </pc:spChg>
+        <pc:spChg chg="add del">
+          <ac:chgData name="Hugo Bastos De Paula" userId="ea3b8808-58fe-4fde-bf79-dea1702d2ab3" providerId="ADAL" clId="{64EC5E40-8BB5-4320-902C-16E2C649128C}" dt="2020-02-04T13:37:18.665" v="670" actId="26606"/>
+          <ac:spMkLst>
+            <pc:docMk/>
+            <pc:sldMk cId="2598514401" sldId="276"/>
+            <ac:spMk id="9" creationId="{BEE73255-8084-4DF9-BB0B-15EAC92E2CB9}"/>
+          </ac:spMkLst>
+        </pc:spChg>
+        <pc:spChg chg="add del">
+          <ac:chgData name="Hugo Bastos De Paula" userId="ea3b8808-58fe-4fde-bf79-dea1702d2ab3" providerId="ADAL" clId="{64EC5E40-8BB5-4320-902C-16E2C649128C}" dt="2020-02-04T13:37:18.665" v="670" actId="26606"/>
+          <ac:spMkLst>
+            <pc:docMk/>
+            <pc:sldMk cId="2598514401" sldId="276"/>
+            <ac:spMk id="11" creationId="{67048353-8981-459A-9BC6-9711CE462E06}"/>
+          </ac:spMkLst>
+        </pc:spChg>
+        <pc:spChg chg="add del">
+          <ac:chgData name="Hugo Bastos De Paula" userId="ea3b8808-58fe-4fde-bf79-dea1702d2ab3" providerId="ADAL" clId="{64EC5E40-8BB5-4320-902C-16E2C649128C}" dt="2020-02-04T13:37:21.573" v="672" actId="26606"/>
+          <ac:spMkLst>
+            <pc:docMk/>
+            <pc:sldMk cId="2598514401" sldId="276"/>
+            <ac:spMk id="13" creationId="{16C5FA50-8D52-4617-AF91-5C7B1C8352F1}"/>
+          </ac:spMkLst>
+        </pc:spChg>
+        <pc:spChg chg="add del">
+          <ac:chgData name="Hugo Bastos De Paula" userId="ea3b8808-58fe-4fde-bf79-dea1702d2ab3" providerId="ADAL" clId="{64EC5E40-8BB5-4320-902C-16E2C649128C}" dt="2020-02-04T13:37:21.573" v="672" actId="26606"/>
+          <ac:spMkLst>
+            <pc:docMk/>
+            <pc:sldMk cId="2598514401" sldId="276"/>
+            <ac:spMk id="14" creationId="{E223798C-12AD-4B0C-A50C-D676347D67CF}"/>
+          </ac:spMkLst>
+        </pc:spChg>
+        <pc:spChg chg="add">
+          <ac:chgData name="Hugo Bastos De Paula" userId="ea3b8808-58fe-4fde-bf79-dea1702d2ab3" providerId="ADAL" clId="{64EC5E40-8BB5-4320-902C-16E2C649128C}" dt="2020-02-04T13:37:21.592" v="673" actId="26606"/>
+          <ac:spMkLst>
+            <pc:docMk/>
+            <pc:sldMk cId="2598514401" sldId="276"/>
+            <ac:spMk id="16" creationId="{BEE73255-8084-4DF9-BB0B-15EAC92E2CB9}"/>
+          </ac:spMkLst>
+        </pc:spChg>
+        <pc:spChg chg="add">
+          <ac:chgData name="Hugo Bastos De Paula" userId="ea3b8808-58fe-4fde-bf79-dea1702d2ab3" providerId="ADAL" clId="{64EC5E40-8BB5-4320-902C-16E2C649128C}" dt="2020-02-04T13:37:21.592" v="673" actId="26606"/>
+          <ac:spMkLst>
+            <pc:docMk/>
+            <pc:sldMk cId="2598514401" sldId="276"/>
+            <ac:spMk id="17" creationId="{67048353-8981-459A-9BC6-9711CE462E06}"/>
+          </ac:spMkLst>
+        </pc:spChg>
+        <pc:picChg chg="add mod">
+          <ac:chgData name="Hugo Bastos De Paula" userId="ea3b8808-58fe-4fde-bf79-dea1702d2ab3" providerId="ADAL" clId="{64EC5E40-8BB5-4320-902C-16E2C649128C}" dt="2020-02-04T13:38:23.985" v="681" actId="14100"/>
+          <ac:picMkLst>
+            <pc:docMk/>
+            <pc:sldMk cId="2598514401" sldId="276"/>
+            <ac:picMk id="4" creationId="{39240A05-387F-40C6-A45E-62301DD07CAC}"/>
+          </ac:picMkLst>
+        </pc:picChg>
+      </pc:sldChg>
+    </pc:docChg>
+  </pc:docChgLst>
+  <pc:docChgLst>
+    <pc:chgData name="Hugo Paula" userId="ea3b8808-58fe-4fde-bf79-dea1702d2ab3" providerId="ADAL" clId="{1CFDEEFE-F232-4D31-A8B2-61CDFC1DABCB}"/>
+    <pc:docChg chg="undo custSel mod addSld delSld modSld sldOrd">
+      <pc:chgData name="Hugo Paula" userId="ea3b8808-58fe-4fde-bf79-dea1702d2ab3" providerId="ADAL" clId="{1CFDEEFE-F232-4D31-A8B2-61CDFC1DABCB}" dt="2020-05-08T22:15:04.259" v="628" actId="14100"/>
+      <pc:docMkLst>
+        <pc:docMk/>
+      </pc:docMkLst>
+      <pc:sldChg chg="modSp">
+        <pc:chgData name="Hugo Paula" userId="ea3b8808-58fe-4fde-bf79-dea1702d2ab3" providerId="ADAL" clId="{1CFDEEFE-F232-4D31-A8B2-61CDFC1DABCB}" dt="2020-05-08T21:04:19.188" v="11" actId="20577"/>
+        <pc:sldMkLst>
+          <pc:docMk/>
+          <pc:sldMk cId="1300950052" sldId="256"/>
+        </pc:sldMkLst>
+        <pc:spChg chg="mod">
+          <ac:chgData name="Hugo Paula" userId="ea3b8808-58fe-4fde-bf79-dea1702d2ab3" providerId="ADAL" clId="{1CFDEEFE-F232-4D31-A8B2-61CDFC1DABCB}" dt="2020-05-08T21:04:19.188" v="11" actId="20577"/>
+          <ac:spMkLst>
+            <pc:docMk/>
+            <pc:sldMk cId="1300950052" sldId="256"/>
+            <ac:spMk id="2" creationId="{3143D889-4F7D-41FD-93D4-9F5B7C0110F0}"/>
+          </ac:spMkLst>
+        </pc:spChg>
+      </pc:sldChg>
+      <pc:sldChg chg="addSp delSp modSp add mod setBg">
+        <pc:chgData name="Hugo Paula" userId="ea3b8808-58fe-4fde-bf79-dea1702d2ab3" providerId="ADAL" clId="{1CFDEEFE-F232-4D31-A8B2-61CDFC1DABCB}" dt="2020-05-08T21:34:56.885" v="403" actId="207"/>
+        <pc:sldMkLst>
+          <pc:docMk/>
+          <pc:sldMk cId="1651709553" sldId="257"/>
+        </pc:sldMkLst>
+        <pc:spChg chg="mod">
+          <ac:chgData name="Hugo Paula" userId="ea3b8808-58fe-4fde-bf79-dea1702d2ab3" providerId="ADAL" clId="{1CFDEEFE-F232-4D31-A8B2-61CDFC1DABCB}" dt="2020-05-08T21:28:07.923" v="367" actId="26606"/>
+          <ac:spMkLst>
+            <pc:docMk/>
+            <pc:sldMk cId="1651709553" sldId="257"/>
+            <ac:spMk id="2" creationId="{439ED156-BA9D-4ABA-A6C3-9E47EF968ED9}"/>
+          </ac:spMkLst>
+        </pc:spChg>
+        <pc:spChg chg="add del mod">
+          <ac:chgData name="Hugo Paula" userId="ea3b8808-58fe-4fde-bf79-dea1702d2ab3" providerId="ADAL" clId="{1CFDEEFE-F232-4D31-A8B2-61CDFC1DABCB}" dt="2020-05-08T21:28:07.923" v="367" actId="26606"/>
+          <ac:spMkLst>
+            <pc:docMk/>
+            <pc:sldMk cId="1651709553" sldId="257"/>
+            <ac:spMk id="3" creationId="{CE6C1F47-73F7-4441-8CA7-972EEE878EC6}"/>
+          </ac:spMkLst>
+        </pc:spChg>
+        <pc:spChg chg="add del mod">
+          <ac:chgData name="Hugo Paula" userId="ea3b8808-58fe-4fde-bf79-dea1702d2ab3" providerId="ADAL" clId="{1CFDEEFE-F232-4D31-A8B2-61CDFC1DABCB}" dt="2020-05-08T21:08:17.284" v="301"/>
+          <ac:spMkLst>
+            <pc:docMk/>
+            <pc:sldMk cId="1651709553" sldId="257"/>
+            <ac:spMk id="4" creationId="{A61E1C48-1CF4-4B04-9803-1CB56C914FA4}"/>
+          </ac:spMkLst>
+        </pc:spChg>
+        <pc:spChg chg="add del mod">
+          <ac:chgData name="Hugo Paula" userId="ea3b8808-58fe-4fde-bf79-dea1702d2ab3" providerId="ADAL" clId="{1CFDEEFE-F232-4D31-A8B2-61CDFC1DABCB}" dt="2020-05-08T21:08:17.284" v="301"/>
+          <ac:spMkLst>
+            <pc:docMk/>
+            <pc:sldMk cId="1651709553" sldId="257"/>
+            <ac:spMk id="5" creationId="{8A6CC014-97C3-4A17-9B65-CA47A27A3CA7}"/>
+          </ac:spMkLst>
+        </pc:spChg>
+        <pc:spChg chg="add mod">
+          <ac:chgData name="Hugo Paula" userId="ea3b8808-58fe-4fde-bf79-dea1702d2ab3" providerId="ADAL" clId="{1CFDEEFE-F232-4D31-A8B2-61CDFC1DABCB}" dt="2020-05-08T21:34:56.885" v="403" actId="207"/>
+          <ac:spMkLst>
+            <pc:docMk/>
+            <pc:sldMk cId="1651709553" sldId="257"/>
+            <ac:spMk id="9" creationId="{CE6C1F47-73F7-4441-8CA7-972EEE878EC6}"/>
+          </ac:spMkLst>
+        </pc:spChg>
+        <pc:graphicFrameChg chg="add del">
+          <ac:chgData name="Hugo Paula" userId="ea3b8808-58fe-4fde-bf79-dea1702d2ab3" providerId="ADAL" clId="{1CFDEEFE-F232-4D31-A8B2-61CDFC1DABCB}" dt="2020-05-08T21:28:07.917" v="366" actId="26606"/>
+          <ac:graphicFrameMkLst>
+            <pc:docMk/>
+            <pc:sldMk cId="1651709553" sldId="257"/>
+            <ac:graphicFrameMk id="6" creationId="{325E1048-F3A5-4C53-8CD3-C15AFB83F61A}"/>
+          </ac:graphicFrameMkLst>
+        </pc:graphicFrameChg>
+        <pc:picChg chg="add mod modCrop">
+          <ac:chgData name="Hugo Paula" userId="ea3b8808-58fe-4fde-bf79-dea1702d2ab3" providerId="ADAL" clId="{1CFDEEFE-F232-4D31-A8B2-61CDFC1DABCB}" dt="2020-05-08T21:31:18.619" v="383" actId="732"/>
+          <ac:picMkLst>
+            <pc:docMk/>
+            <pc:sldMk cId="1651709553" sldId="257"/>
+            <ac:picMk id="8" creationId="{C8011785-422B-4B66-8E86-86FCC7715A58}"/>
+          </ac:picMkLst>
+        </pc:picChg>
+        <pc:picChg chg="add del mod">
+          <ac:chgData name="Hugo Paula" userId="ea3b8808-58fe-4fde-bf79-dea1702d2ab3" providerId="ADAL" clId="{1CFDEEFE-F232-4D31-A8B2-61CDFC1DABCB}" dt="2020-05-08T21:32:48.206" v="392" actId="478"/>
+          <ac:picMkLst>
+            <pc:docMk/>
+            <pc:sldMk cId="1651709553" sldId="257"/>
+            <ac:picMk id="10" creationId="{5AEF3901-A606-4F73-86B6-42FE99EA6F06}"/>
+          </ac:picMkLst>
+        </pc:picChg>
+        <pc:picChg chg="add del mod">
+          <ac:chgData name="Hugo Paula" userId="ea3b8808-58fe-4fde-bf79-dea1702d2ab3" providerId="ADAL" clId="{1CFDEEFE-F232-4D31-A8B2-61CDFC1DABCB}" dt="2020-05-08T21:33:53.916" v="398" actId="931"/>
+          <ac:picMkLst>
+            <pc:docMk/>
+            <pc:sldMk cId="1651709553" sldId="257"/>
+            <ac:picMk id="12" creationId="{8492AC05-E37C-403D-84EE-FCBF6A782715}"/>
+          </ac:picMkLst>
+        </pc:picChg>
+        <pc:picChg chg="add mod">
+          <ac:chgData name="Hugo Paula" userId="ea3b8808-58fe-4fde-bf79-dea1702d2ab3" providerId="ADAL" clId="{1CFDEEFE-F232-4D31-A8B2-61CDFC1DABCB}" dt="2020-05-08T21:34:38.707" v="401" actId="1076"/>
+          <ac:picMkLst>
+            <pc:docMk/>
+            <pc:sldMk cId="1651709553" sldId="257"/>
+            <ac:picMk id="14" creationId="{5104E81B-B6F5-47F3-9899-4EBB2F28F033}"/>
+          </ac:picMkLst>
+        </pc:picChg>
+      </pc:sldChg>
+      <pc:sldChg chg="del">
+        <pc:chgData name="Hugo Paula" userId="ea3b8808-58fe-4fde-bf79-dea1702d2ab3" providerId="ADAL" clId="{1CFDEEFE-F232-4D31-A8B2-61CDFC1DABCB}" dt="2020-05-08T21:04:27.470" v="12" actId="2696"/>
+        <pc:sldMkLst>
+          <pc:docMk/>
+          <pc:sldMk cId="2229816697" sldId="257"/>
+        </pc:sldMkLst>
+      </pc:sldChg>
+      <pc:sldChg chg="addSp delSp modSp add">
+        <pc:chgData name="Hugo Paula" userId="ea3b8808-58fe-4fde-bf79-dea1702d2ab3" providerId="ADAL" clId="{1CFDEEFE-F232-4D31-A8B2-61CDFC1DABCB}" dt="2020-05-08T21:39:49.443" v="438" actId="1076"/>
         <pc:sldMkLst>
           <pc:docMk/>
           <pc:sldMk cId="305091697" sldId="258"/>
         </pc:sldMkLst>
+        <pc:spChg chg="del">
+          <ac:chgData name="Hugo Paula" userId="ea3b8808-58fe-4fde-bf79-dea1702d2ab3" providerId="ADAL" clId="{1CFDEEFE-F232-4D31-A8B2-61CDFC1DABCB}" dt="2020-05-08T21:37:23.571" v="407"/>
+          <ac:spMkLst>
+            <pc:docMk/>
+            <pc:sldMk cId="305091697" sldId="258"/>
+            <ac:spMk id="2" creationId="{5ABA0AC6-B4A6-4061-BB6A-DD6977B11D6B}"/>
+          </ac:spMkLst>
+        </pc:spChg>
+        <pc:spChg chg="del">
+          <ac:chgData name="Hugo Paula" userId="ea3b8808-58fe-4fde-bf79-dea1702d2ab3" providerId="ADAL" clId="{1CFDEEFE-F232-4D31-A8B2-61CDFC1DABCB}" dt="2020-05-08T21:37:23.571" v="407"/>
+          <ac:spMkLst>
+            <pc:docMk/>
+            <pc:sldMk cId="305091697" sldId="258"/>
+            <ac:spMk id="3" creationId="{61C74B77-A740-4674-8355-C3F31544E468}"/>
+          </ac:spMkLst>
+        </pc:spChg>
+        <pc:spChg chg="add mod">
+          <ac:chgData name="Hugo Paula" userId="ea3b8808-58fe-4fde-bf79-dea1702d2ab3" providerId="ADAL" clId="{1CFDEEFE-F232-4D31-A8B2-61CDFC1DABCB}" dt="2020-05-08T21:39:49.443" v="438" actId="1076"/>
+          <ac:spMkLst>
+            <pc:docMk/>
+            <pc:sldMk cId="305091697" sldId="258"/>
+            <ac:spMk id="5" creationId="{85334006-A9E2-4815-A080-CFD40F49B4E3}"/>
+          </ac:spMkLst>
+        </pc:spChg>
+        <pc:picChg chg="add mod modCrop">
+          <ac:chgData name="Hugo Paula" userId="ea3b8808-58fe-4fde-bf79-dea1702d2ab3" providerId="ADAL" clId="{1CFDEEFE-F232-4D31-A8B2-61CDFC1DABCB}" dt="2020-05-08T21:38:07.164" v="427" actId="1036"/>
+          <ac:picMkLst>
+            <pc:docMk/>
+            <pc:sldMk cId="305091697" sldId="258"/>
+            <ac:picMk id="4" creationId="{76C25EC9-F791-43B6-975B-DA273CC02A9F}"/>
+          </ac:picMkLst>
+        </pc:picChg>
       </pc:sldChg>
       <pc:sldChg chg="del">
-        <pc:chgData name="Hugo Paula" userId="ea3b8808-58fe-4fde-bf79-dea1702d2ab3" providerId="ADAL" clId="{7AD1C2C3-AD32-454D-8E09-E663225CF37E}" dt="2020-05-15T18:46:04.742" v="2" actId="2696"/>
+        <pc:chgData name="Hugo Paula" userId="ea3b8808-58fe-4fde-bf79-dea1702d2ab3" providerId="ADAL" clId="{1CFDEEFE-F232-4D31-A8B2-61CDFC1DABCB}" dt="2020-05-08T21:04:27.472" v="13" actId="2696"/>
+        <pc:sldMkLst>
+          <pc:docMk/>
+          <pc:sldMk cId="350072528" sldId="258"/>
+        </pc:sldMkLst>
+      </pc:sldChg>
+      <pc:sldChg chg="del">
+        <pc:chgData name="Hugo Paula" userId="ea3b8808-58fe-4fde-bf79-dea1702d2ab3" providerId="ADAL" clId="{1CFDEEFE-F232-4D31-A8B2-61CDFC1DABCB}" dt="2020-05-08T21:04:27.473" v="14" actId="2696"/>
+        <pc:sldMkLst>
+          <pc:docMk/>
+          <pc:sldMk cId="998056632" sldId="259"/>
+        </pc:sldMkLst>
+      </pc:sldChg>
+      <pc:sldChg chg="addSp modSp add">
+        <pc:chgData name="Hugo Paula" userId="ea3b8808-58fe-4fde-bf79-dea1702d2ab3" providerId="ADAL" clId="{1CFDEEFE-F232-4D31-A8B2-61CDFC1DABCB}" dt="2020-05-08T21:40:18.916" v="445" actId="6549"/>
         <pc:sldMkLst>
           <pc:docMk/>
           <pc:sldMk cId="1889711616" sldId="259"/>
         </pc:sldMkLst>
+        <pc:spChg chg="add mod">
+          <ac:chgData name="Hugo Paula" userId="ea3b8808-58fe-4fde-bf79-dea1702d2ab3" providerId="ADAL" clId="{1CFDEEFE-F232-4D31-A8B2-61CDFC1DABCB}" dt="2020-05-08T21:40:18.916" v="445" actId="6549"/>
+          <ac:spMkLst>
+            <pc:docMk/>
+            <pc:sldMk cId="1889711616" sldId="259"/>
+            <ac:spMk id="3" creationId="{52846065-DEE1-4B07-937C-AF87E18213F7}"/>
+          </ac:spMkLst>
+        </pc:spChg>
+        <pc:picChg chg="add mod">
+          <ac:chgData name="Hugo Paula" userId="ea3b8808-58fe-4fde-bf79-dea1702d2ab3" providerId="ADAL" clId="{1CFDEEFE-F232-4D31-A8B2-61CDFC1DABCB}" dt="2020-05-08T21:39:17.539" v="433" actId="14100"/>
+          <ac:picMkLst>
+            <pc:docMk/>
+            <pc:sldMk cId="1889711616" sldId="259"/>
+            <ac:picMk id="2" creationId="{FB6DCFE8-9CB4-4400-8E38-E3B85D4FA205}"/>
+          </ac:picMkLst>
+        </pc:picChg>
       </pc:sldChg>
       <pc:sldChg chg="del">
-        <pc:chgData name="Hugo Paula" userId="ea3b8808-58fe-4fde-bf79-dea1702d2ab3" providerId="ADAL" clId="{7AD1C2C3-AD32-454D-8E09-E663225CF37E}" dt="2020-05-15T18:46:04.743" v="3" actId="2696"/>
+        <pc:chgData name="Hugo Paula" userId="ea3b8808-58fe-4fde-bf79-dea1702d2ab3" providerId="ADAL" clId="{1CFDEEFE-F232-4D31-A8B2-61CDFC1DABCB}" dt="2020-05-08T21:04:27.474" v="15" actId="2696"/>
+        <pc:sldMkLst>
+          <pc:docMk/>
+          <pc:sldMk cId="1999229014" sldId="260"/>
+        </pc:sldMkLst>
+      </pc:sldChg>
+      <pc:sldChg chg="addSp delSp modSp add">
+        <pc:chgData name="Hugo Paula" userId="ea3b8808-58fe-4fde-bf79-dea1702d2ab3" providerId="ADAL" clId="{1CFDEEFE-F232-4D31-A8B2-61CDFC1DABCB}" dt="2020-05-08T21:45:01.504" v="537"/>
         <pc:sldMkLst>
           <pc:docMk/>
           <pc:sldMk cId="2688481900" sldId="260"/>
         </pc:sldMkLst>
+        <pc:spChg chg="add mod">
+          <ac:chgData name="Hugo Paula" userId="ea3b8808-58fe-4fde-bf79-dea1702d2ab3" providerId="ADAL" clId="{1CFDEEFE-F232-4D31-A8B2-61CDFC1DABCB}" dt="2020-05-08T21:41:42.381" v="449" actId="20577"/>
+          <ac:spMkLst>
+            <pc:docMk/>
+            <pc:sldMk cId="2688481900" sldId="260"/>
+            <ac:spMk id="2" creationId="{54516795-5AA5-46B5-A01F-FD622340103F}"/>
+          </ac:spMkLst>
+        </pc:spChg>
+        <pc:spChg chg="add mod">
+          <ac:chgData name="Hugo Paula" userId="ea3b8808-58fe-4fde-bf79-dea1702d2ab3" providerId="ADAL" clId="{1CFDEEFE-F232-4D31-A8B2-61CDFC1DABCB}" dt="2020-05-08T21:45:01.504" v="537"/>
+          <ac:spMkLst>
+            <pc:docMk/>
+            <pc:sldMk cId="2688481900" sldId="260"/>
+            <ac:spMk id="3" creationId="{36F84F06-90DA-48E2-A8E1-CFFCD2694F22}"/>
+          </ac:spMkLst>
+        </pc:spChg>
+        <pc:spChg chg="add mod">
+          <ac:chgData name="Hugo Paula" userId="ea3b8808-58fe-4fde-bf79-dea1702d2ab3" providerId="ADAL" clId="{1CFDEEFE-F232-4D31-A8B2-61CDFC1DABCB}" dt="2020-05-08T21:42:09.500" v="455" actId="20577"/>
+          <ac:spMkLst>
+            <pc:docMk/>
+            <pc:sldMk cId="2688481900" sldId="260"/>
+            <ac:spMk id="4" creationId="{5866B71F-A1B7-4157-9979-20C883A6AB12}"/>
+          </ac:spMkLst>
+        </pc:spChg>
+        <pc:spChg chg="add del mod">
+          <ac:chgData name="Hugo Paula" userId="ea3b8808-58fe-4fde-bf79-dea1702d2ab3" providerId="ADAL" clId="{1CFDEEFE-F232-4D31-A8B2-61CDFC1DABCB}" dt="2020-05-08T21:42:15.092" v="456"/>
+          <ac:spMkLst>
+            <pc:docMk/>
+            <pc:sldMk cId="2688481900" sldId="260"/>
+            <ac:spMk id="5" creationId="{F00E90F5-9C0B-434F-BA73-4584697D8878}"/>
+          </ac:spMkLst>
+        </pc:spChg>
+        <pc:spChg chg="add del mod">
+          <ac:chgData name="Hugo Paula" userId="ea3b8808-58fe-4fde-bf79-dea1702d2ab3" providerId="ADAL" clId="{1CFDEEFE-F232-4D31-A8B2-61CDFC1DABCB}" dt="2020-05-08T21:42:15.092" v="456"/>
+          <ac:spMkLst>
+            <pc:docMk/>
+            <pc:sldMk cId="2688481900" sldId="260"/>
+            <ac:spMk id="6" creationId="{8CAD50DC-F993-425A-BEB5-01DF42F68D49}"/>
+          </ac:spMkLst>
+        </pc:spChg>
+      </pc:sldChg>
+      <pc:sldChg chg="addSp delSp modSp add mod setBg">
+        <pc:chgData name="Hugo Paula" userId="ea3b8808-58fe-4fde-bf79-dea1702d2ab3" providerId="ADAL" clId="{1CFDEEFE-F232-4D31-A8B2-61CDFC1DABCB}" dt="2020-05-08T21:49:05.646" v="546" actId="1036"/>
+        <pc:sldMkLst>
+          <pc:docMk/>
+          <pc:sldMk cId="674789163" sldId="261"/>
+        </pc:sldMkLst>
+        <pc:spChg chg="del">
+          <ac:chgData name="Hugo Paula" userId="ea3b8808-58fe-4fde-bf79-dea1702d2ab3" providerId="ADAL" clId="{1CFDEEFE-F232-4D31-A8B2-61CDFC1DABCB}" dt="2020-05-08T21:47:56.933" v="540"/>
+          <ac:spMkLst>
+            <pc:docMk/>
+            <pc:sldMk cId="674789163" sldId="261"/>
+            <ac:spMk id="2" creationId="{D754D0BA-00C2-49C1-9269-BEA09A5EE942}"/>
+          </ac:spMkLst>
+        </pc:spChg>
+        <pc:spChg chg="del">
+          <ac:chgData name="Hugo Paula" userId="ea3b8808-58fe-4fde-bf79-dea1702d2ab3" providerId="ADAL" clId="{1CFDEEFE-F232-4D31-A8B2-61CDFC1DABCB}" dt="2020-05-08T21:47:56.933" v="540"/>
+          <ac:spMkLst>
+            <pc:docMk/>
+            <pc:sldMk cId="674789163" sldId="261"/>
+            <ac:spMk id="3" creationId="{0755A8E7-55C0-411E-B93A-5C1DA90CEB56}"/>
+          </ac:spMkLst>
+        </pc:spChg>
+        <pc:spChg chg="add">
+          <ac:chgData name="Hugo Paula" userId="ea3b8808-58fe-4fde-bf79-dea1702d2ab3" providerId="ADAL" clId="{1CFDEEFE-F232-4D31-A8B2-61CDFC1DABCB}" dt="2020-05-08T21:48:04.011" v="541" actId="26606"/>
+          <ac:spMkLst>
+            <pc:docMk/>
+            <pc:sldMk cId="674789163" sldId="261"/>
+            <ac:spMk id="9" creationId="{CA815F2C-4E80-4019-8E59-FAD3F7F8473D}"/>
+          </ac:spMkLst>
+        </pc:spChg>
+        <pc:picChg chg="add mod">
+          <ac:chgData name="Hugo Paula" userId="ea3b8808-58fe-4fde-bf79-dea1702d2ab3" providerId="ADAL" clId="{1CFDEEFE-F232-4D31-A8B2-61CDFC1DABCB}" dt="2020-05-08T21:49:05.646" v="546" actId="1036"/>
+          <ac:picMkLst>
+            <pc:docMk/>
+            <pc:sldMk cId="674789163" sldId="261"/>
+            <ac:picMk id="4" creationId="{0535EDEC-47D0-423E-A224-1FBC7C4C0C48}"/>
+          </ac:picMkLst>
+        </pc:picChg>
       </pc:sldChg>
       <pc:sldChg chg="del">
-        <pc:chgData name="Hugo Paula" userId="ea3b8808-58fe-4fde-bf79-dea1702d2ab3" providerId="ADAL" clId="{7AD1C2C3-AD32-454D-8E09-E663225CF37E}" dt="2020-05-15T18:46:04.746" v="4" actId="2696"/>
-        <pc:sldMkLst>
-          <pc:docMk/>
-          <pc:sldMk cId="674789163" sldId="261"/>
-        </pc:sldMkLst>
+        <pc:chgData name="Hugo Paula" userId="ea3b8808-58fe-4fde-bf79-dea1702d2ab3" providerId="ADAL" clId="{1CFDEEFE-F232-4D31-A8B2-61CDFC1DABCB}" dt="2020-05-08T21:04:27.475" v="16" actId="2696"/>
+        <pc:sldMkLst>
+          <pc:docMk/>
+          <pc:sldMk cId="1484901578" sldId="262"/>
+        </pc:sldMkLst>
+      </pc:sldChg>
+      <pc:sldChg chg="addSp modSp add mod setBg">
+        <pc:chgData name="Hugo Paula" userId="ea3b8808-58fe-4fde-bf79-dea1702d2ab3" providerId="ADAL" clId="{1CFDEEFE-F232-4D31-A8B2-61CDFC1DABCB}" dt="2020-05-08T21:50:18.083" v="554" actId="1440"/>
+        <pc:sldMkLst>
+          <pc:docMk/>
+          <pc:sldMk cId="1844488416" sldId="262"/>
+        </pc:sldMkLst>
+        <pc:spChg chg="add">
+          <ac:chgData name="Hugo Paula" userId="ea3b8808-58fe-4fde-bf79-dea1702d2ab3" providerId="ADAL" clId="{1CFDEEFE-F232-4D31-A8B2-61CDFC1DABCB}" dt="2020-05-08T21:49:14.001" v="549" actId="26606"/>
+          <ac:spMkLst>
+            <pc:docMk/>
+            <pc:sldMk cId="1844488416" sldId="262"/>
+            <ac:spMk id="7" creationId="{CA815F2C-4E80-4019-8E59-FAD3F7F8473D}"/>
+          </ac:spMkLst>
+        </pc:spChg>
+        <pc:picChg chg="add mod">
+          <ac:chgData name="Hugo Paula" userId="ea3b8808-58fe-4fde-bf79-dea1702d2ab3" providerId="ADAL" clId="{1CFDEEFE-F232-4D31-A8B2-61CDFC1DABCB}" dt="2020-05-08T21:50:18.083" v="554" actId="1440"/>
+          <ac:picMkLst>
+            <pc:docMk/>
+            <pc:sldMk cId="1844488416" sldId="262"/>
+            <ac:picMk id="2" creationId="{E09EA3CA-81F2-484F-B528-049EB715E7DB}"/>
+          </ac:picMkLst>
+        </pc:picChg>
+      </pc:sldChg>
+      <pc:sldChg chg="addSp modSp add mod setBg">
+        <pc:chgData name="Hugo Paula" userId="ea3b8808-58fe-4fde-bf79-dea1702d2ab3" providerId="ADAL" clId="{1CFDEEFE-F232-4D31-A8B2-61CDFC1DABCB}" dt="2020-05-08T21:50:14.868" v="553" actId="1440"/>
+        <pc:sldMkLst>
+          <pc:docMk/>
+          <pc:sldMk cId="1295353090" sldId="263"/>
+        </pc:sldMkLst>
+        <pc:spChg chg="add">
+          <ac:chgData name="Hugo Paula" userId="ea3b8808-58fe-4fde-bf79-dea1702d2ab3" providerId="ADAL" clId="{1CFDEEFE-F232-4D31-A8B2-61CDFC1DABCB}" dt="2020-05-08T21:50:03.873" v="552" actId="26606"/>
+          <ac:spMkLst>
+            <pc:docMk/>
+            <pc:sldMk cId="1295353090" sldId="263"/>
+            <ac:spMk id="7" creationId="{CA815F2C-4E80-4019-8E59-FAD3F7F8473D}"/>
+          </ac:spMkLst>
+        </pc:spChg>
+        <pc:picChg chg="add mod">
+          <ac:chgData name="Hugo Paula" userId="ea3b8808-58fe-4fde-bf79-dea1702d2ab3" providerId="ADAL" clId="{1CFDEEFE-F232-4D31-A8B2-61CDFC1DABCB}" dt="2020-05-08T21:50:14.868" v="553" actId="1440"/>
+          <ac:picMkLst>
+            <pc:docMk/>
+            <pc:sldMk cId="1295353090" sldId="263"/>
+            <ac:picMk id="2" creationId="{5EE5664D-AE5D-4482-9780-297E1957D8F4}"/>
+          </ac:picMkLst>
+        </pc:picChg>
       </pc:sldChg>
       <pc:sldChg chg="del">
-        <pc:chgData name="Hugo Paula" userId="ea3b8808-58fe-4fde-bf79-dea1702d2ab3" providerId="ADAL" clId="{7AD1C2C3-AD32-454D-8E09-E663225CF37E}" dt="2020-05-15T18:46:04.748" v="5" actId="2696"/>
-        <pc:sldMkLst>
-          <pc:docMk/>
-          <pc:sldMk cId="1844488416" sldId="262"/>
-        </pc:sldMkLst>
+        <pc:chgData name="Hugo Paula" userId="ea3b8808-58fe-4fde-bf79-dea1702d2ab3" providerId="ADAL" clId="{1CFDEEFE-F232-4D31-A8B2-61CDFC1DABCB}" dt="2020-05-08T21:04:27.475" v="17" actId="2696"/>
+        <pc:sldMkLst>
+          <pc:docMk/>
+          <pc:sldMk cId="3255236999" sldId="263"/>
+        </pc:sldMkLst>
+      </pc:sldChg>
+      <pc:sldChg chg="addSp delSp modSp add mod ord setBg">
+        <pc:chgData name="Hugo Paula" userId="ea3b8808-58fe-4fde-bf79-dea1702d2ab3" providerId="ADAL" clId="{1CFDEEFE-F232-4D31-A8B2-61CDFC1DABCB}" dt="2020-05-08T22:15:04.259" v="628" actId="14100"/>
+        <pc:sldMkLst>
+          <pc:docMk/>
+          <pc:sldMk cId="3033660984" sldId="264"/>
+        </pc:sldMkLst>
+        <pc:spChg chg="add mod">
+          <ac:chgData name="Hugo Paula" userId="ea3b8808-58fe-4fde-bf79-dea1702d2ab3" providerId="ADAL" clId="{1CFDEEFE-F232-4D31-A8B2-61CDFC1DABCB}" dt="2020-05-08T22:12:14.818" v="577" actId="1076"/>
+          <ac:spMkLst>
+            <pc:docMk/>
+            <pc:sldMk cId="3033660984" sldId="264"/>
+            <ac:spMk id="2" creationId="{46AFEF97-F8F8-4CB4-A2B5-9DAC2B25DBDA}"/>
+          </ac:spMkLst>
+        </pc:spChg>
+        <pc:spChg chg="add del mod">
+          <ac:chgData name="Hugo Paula" userId="ea3b8808-58fe-4fde-bf79-dea1702d2ab3" providerId="ADAL" clId="{1CFDEEFE-F232-4D31-A8B2-61CDFC1DABCB}" dt="2020-05-08T22:10:55.131" v="566" actId="478"/>
+          <ac:spMkLst>
+            <pc:docMk/>
+            <pc:sldMk cId="3033660984" sldId="264"/>
+            <ac:spMk id="3" creationId="{4BF6DF69-871D-4147-AA5F-8B97A87F4622}"/>
+          </ac:spMkLst>
+        </pc:spChg>
+        <pc:spChg chg="add del">
+          <ac:chgData name="Hugo Paula" userId="ea3b8808-58fe-4fde-bf79-dea1702d2ab3" providerId="ADAL" clId="{1CFDEEFE-F232-4D31-A8B2-61CDFC1DABCB}" dt="2020-05-08T22:13:59.962" v="583"/>
+          <ac:spMkLst>
+            <pc:docMk/>
+            <pc:sldMk cId="3033660984" sldId="264"/>
+            <ac:spMk id="6" creationId="{69E0D293-8D38-4194-9032-BD7CFEFB5BD0}"/>
+          </ac:spMkLst>
+        </pc:spChg>
+        <pc:spChg chg="add mod">
+          <ac:chgData name="Hugo Paula" userId="ea3b8808-58fe-4fde-bf79-dea1702d2ab3" providerId="ADAL" clId="{1CFDEEFE-F232-4D31-A8B2-61CDFC1DABCB}" dt="2020-05-08T22:15:04.259" v="628" actId="14100"/>
+          <ac:spMkLst>
+            <pc:docMk/>
+            <pc:sldMk cId="3033660984" sldId="264"/>
+            <ac:spMk id="7" creationId="{673A6AEF-6825-4C13-B763-35C1E7D648EA}"/>
+          </ac:spMkLst>
+        </pc:spChg>
+        <pc:spChg chg="add del">
+          <ac:chgData name="Hugo Paula" userId="ea3b8808-58fe-4fde-bf79-dea1702d2ab3" providerId="ADAL" clId="{1CFDEEFE-F232-4D31-A8B2-61CDFC1DABCB}" dt="2020-05-08T22:11:54.238" v="573" actId="26606"/>
+          <ac:spMkLst>
+            <pc:docMk/>
+            <pc:sldMk cId="3033660984" sldId="264"/>
+            <ac:spMk id="10" creationId="{823AC064-BC96-4F32-8AE1-B2FD38754823}"/>
+          </ac:spMkLst>
+        </pc:spChg>
+        <pc:picChg chg="add mod ord">
+          <ac:chgData name="Hugo Paula" userId="ea3b8808-58fe-4fde-bf79-dea1702d2ab3" providerId="ADAL" clId="{1CFDEEFE-F232-4D31-A8B2-61CDFC1DABCB}" dt="2020-05-08T22:14:49.987" v="623" actId="1076"/>
+          <ac:picMkLst>
+            <pc:docMk/>
+            <pc:sldMk cId="3033660984" sldId="264"/>
+            <ac:picMk id="4" creationId="{CD1912A4-605C-496B-8A51-10C7196FFAB0}"/>
+          </ac:picMkLst>
+        </pc:picChg>
+        <pc:picChg chg="add mod ord">
+          <ac:chgData name="Hugo Paula" userId="ea3b8808-58fe-4fde-bf79-dea1702d2ab3" providerId="ADAL" clId="{1CFDEEFE-F232-4D31-A8B2-61CDFC1DABCB}" dt="2020-05-08T22:12:28.347" v="581" actId="1440"/>
+          <ac:picMkLst>
+            <pc:docMk/>
+            <pc:sldMk cId="3033660984" sldId="264"/>
+            <ac:picMk id="5" creationId="{F4A61A5C-29C5-4196-A7E7-7A536D2F257E}"/>
+          </ac:picMkLst>
+        </pc:picChg>
+        <pc:cxnChg chg="add del">
+          <ac:chgData name="Hugo Paula" userId="ea3b8808-58fe-4fde-bf79-dea1702d2ab3" providerId="ADAL" clId="{1CFDEEFE-F232-4D31-A8B2-61CDFC1DABCB}" dt="2020-05-08T22:11:54.238" v="573" actId="26606"/>
+          <ac:cxnSpMkLst>
+            <pc:docMk/>
+            <pc:sldMk cId="3033660984" sldId="264"/>
+            <ac:cxnSpMk id="12" creationId="{7E7C77BC-7138-40B1-A15B-20F57A494629}"/>
+          </ac:cxnSpMkLst>
+        </pc:cxnChg>
+        <pc:cxnChg chg="add del">
+          <ac:chgData name="Hugo Paula" userId="ea3b8808-58fe-4fde-bf79-dea1702d2ab3" providerId="ADAL" clId="{1CFDEEFE-F232-4D31-A8B2-61CDFC1DABCB}" dt="2020-05-08T22:11:54.238" v="573" actId="26606"/>
+          <ac:cxnSpMkLst>
+            <pc:docMk/>
+            <pc:sldMk cId="3033660984" sldId="264"/>
+            <ac:cxnSpMk id="14" creationId="{DB146403-F3D6-484B-B2ED-97F9565D0370}"/>
+          </ac:cxnSpMkLst>
+        </pc:cxnChg>
       </pc:sldChg>
       <pc:sldChg chg="del">
-        <pc:chgData name="Hugo Paula" userId="ea3b8808-58fe-4fde-bf79-dea1702d2ab3" providerId="ADAL" clId="{7AD1C2C3-AD32-454D-8E09-E663225CF37E}" dt="2020-05-15T18:46:04.750" v="6" actId="2696"/>
-        <pc:sldMkLst>
-          <pc:docMk/>
-          <pc:sldMk cId="1295353090" sldId="263"/>
+        <pc:chgData name="Hugo Paula" userId="ea3b8808-58fe-4fde-bf79-dea1702d2ab3" providerId="ADAL" clId="{1CFDEEFE-F232-4D31-A8B2-61CDFC1DABCB}" dt="2020-05-08T21:04:27.477" v="18" actId="2696"/>
+        <pc:sldMkLst>
+          <pc:docMk/>
+          <pc:sldMk cId="1969108035" sldId="265"/>
         </pc:sldMkLst>
       </pc:sldChg>
       <pc:sldChg chg="del">
-        <pc:chgData name="Hugo Paula" userId="ea3b8808-58fe-4fde-bf79-dea1702d2ab3" providerId="ADAL" clId="{7AD1C2C3-AD32-454D-8E09-E663225CF37E}" dt="2020-05-15T18:46:04.751" v="7" actId="2696"/>
-        <pc:sldMkLst>
-          <pc:docMk/>
-          <pc:sldMk cId="3033660984" sldId="264"/>
+        <pc:chgData name="Hugo Paula" userId="ea3b8808-58fe-4fde-bf79-dea1702d2ab3" providerId="ADAL" clId="{1CFDEEFE-F232-4D31-A8B2-61CDFC1DABCB}" dt="2020-05-08T21:04:27.477" v="19" actId="2696"/>
+        <pc:sldMkLst>
+          <pc:docMk/>
+          <pc:sldMk cId="430647495" sldId="266"/>
         </pc:sldMkLst>
       </pc:sldChg>
       <pc:sldChg chg="del">
-        <pc:chgData name="Hugo Paula" userId="ea3b8808-58fe-4fde-bf79-dea1702d2ab3" providerId="ADAL" clId="{7AD1C2C3-AD32-454D-8E09-E663225CF37E}" dt="2020-05-15T18:46:04.752" v="8" actId="2696"/>
-        <pc:sldMkLst>
-          <pc:docMk/>
-          <pc:sldMk cId="2125204866" sldId="265"/>
+        <pc:chgData name="Hugo Paula" userId="ea3b8808-58fe-4fde-bf79-dea1702d2ab3" providerId="ADAL" clId="{1CFDEEFE-F232-4D31-A8B2-61CDFC1DABCB}" dt="2020-05-08T21:04:27.479" v="20" actId="2696"/>
+        <pc:sldMkLst>
+          <pc:docMk/>
+          <pc:sldMk cId="200132653" sldId="267"/>
         </pc:sldMkLst>
       </pc:sldChg>
       <pc:sldChg chg="del">
-        <pc:chgData name="Hugo Paula" userId="ea3b8808-58fe-4fde-bf79-dea1702d2ab3" providerId="ADAL" clId="{7AD1C2C3-AD32-454D-8E09-E663225CF37E}" dt="2020-05-15T18:46:04.753" v="9" actId="2696"/>
-        <pc:sldMkLst>
-          <pc:docMk/>
-          <pc:sldMk cId="1383510725" sldId="266"/>
+        <pc:chgData name="Hugo Paula" userId="ea3b8808-58fe-4fde-bf79-dea1702d2ab3" providerId="ADAL" clId="{1CFDEEFE-F232-4D31-A8B2-61CDFC1DABCB}" dt="2020-05-08T21:04:27.480" v="21" actId="2696"/>
+        <pc:sldMkLst>
+          <pc:docMk/>
+          <pc:sldMk cId="22703028" sldId="268"/>
         </pc:sldMkLst>
       </pc:sldChg>
       <pc:sldChg chg="del">
-        <pc:chgData name="Hugo Paula" userId="ea3b8808-58fe-4fde-bf79-dea1702d2ab3" providerId="ADAL" clId="{7AD1C2C3-AD32-454D-8E09-E663225CF37E}" dt="2020-05-15T18:46:04.754" v="10" actId="2696"/>
-        <pc:sldMkLst>
-          <pc:docMk/>
-          <pc:sldMk cId="2896419768" sldId="267"/>
-        </pc:sldMkLst>
-      </pc:sldChg>
-      <pc:sldChg chg="del">
-        <pc:chgData name="Hugo Paula" userId="ea3b8808-58fe-4fde-bf79-dea1702d2ab3" providerId="ADAL" clId="{7AD1C2C3-AD32-454D-8E09-E663225CF37E}" dt="2020-05-15T18:46:04.754" v="11" actId="2696"/>
-        <pc:sldMkLst>
-          <pc:docMk/>
-          <pc:sldMk cId="3838270506" sldId="268"/>
-        </pc:sldMkLst>
+        <pc:chgData name="Hugo Paula" userId="ea3b8808-58fe-4fde-bf79-dea1702d2ab3" providerId="ADAL" clId="{1CFDEEFE-F232-4D31-A8B2-61CDFC1DABCB}" dt="2020-05-08T21:04:27.481" v="22" actId="2696"/>
+        <pc:sldMkLst>
+          <pc:docMk/>
+          <pc:sldMk cId="2329847041" sldId="269"/>
+        </pc:sldMkLst>
+      </pc:sldChg>
+    </pc:docChg>
+  </pc:docChgLst>
+  <pc:docChgLst>
+    <pc:chgData name="Hugo Paula" userId="ea3b8808-58fe-4fde-bf79-dea1702d2ab3" providerId="ADAL" clId="{44247CD9-23E6-4312-A327-57D54A55DCD7}"/>
+    <pc:docChg chg="undo custSel mod addSld modSld sldOrd">
+      <pc:chgData name="Hugo Paula" userId="ea3b8808-58fe-4fde-bf79-dea1702d2ab3" providerId="ADAL" clId="{44247CD9-23E6-4312-A327-57D54A55DCD7}" dt="2019-08-20T04:28:59.376" v="694" actId="6549"/>
+      <pc:docMkLst>
+        <pc:docMk/>
+      </pc:docMkLst>
+      <pc:sldChg chg="modSp">
+        <pc:chgData name="Hugo Paula" userId="ea3b8808-58fe-4fde-bf79-dea1702d2ab3" providerId="ADAL" clId="{44247CD9-23E6-4312-A327-57D54A55DCD7}" dt="2019-08-20T04:28:59.376" v="694" actId="6549"/>
+        <pc:sldMkLst>
+          <pc:docMk/>
+          <pc:sldMk cId="1300950052" sldId="256"/>
+        </pc:sldMkLst>
+        <pc:spChg chg="mod">
+          <ac:chgData name="Hugo Paula" userId="ea3b8808-58fe-4fde-bf79-dea1702d2ab3" providerId="ADAL" clId="{44247CD9-23E6-4312-A327-57D54A55DCD7}" dt="2019-08-20T04:28:59.376" v="694" actId="6549"/>
+          <ac:spMkLst>
+            <pc:docMk/>
+            <pc:sldMk cId="1300950052" sldId="256"/>
+            <ac:spMk id="2" creationId="{3143D889-4F7D-41FD-93D4-9F5B7C0110F0}"/>
+          </ac:spMkLst>
+        </pc:spChg>
+        <pc:spChg chg="mod">
+          <ac:chgData name="Hugo Paula" userId="ea3b8808-58fe-4fde-bf79-dea1702d2ab3" providerId="ADAL" clId="{44247CD9-23E6-4312-A327-57D54A55DCD7}" dt="2019-08-13T18:19:33.069" v="53" actId="20577"/>
+          <ac:spMkLst>
+            <pc:docMk/>
+            <pc:sldMk cId="1300950052" sldId="256"/>
+            <ac:spMk id="3" creationId="{6EA10562-C1F6-41CE-B3B4-FB5A52C68EA4}"/>
+          </ac:spMkLst>
+        </pc:spChg>
+      </pc:sldChg>
+      <pc:sldChg chg="addSp delSp modSp add modAnim">
+        <pc:chgData name="Hugo Paula" userId="ea3b8808-58fe-4fde-bf79-dea1702d2ab3" providerId="ADAL" clId="{44247CD9-23E6-4312-A327-57D54A55DCD7}" dt="2019-08-13T18:21:59.015" v="64" actId="20577"/>
+        <pc:sldMkLst>
+          <pc:docMk/>
+          <pc:sldMk cId="3491934599" sldId="257"/>
+        </pc:sldMkLst>
+        <pc:spChg chg="mod">
+          <ac:chgData name="Hugo Paula" userId="ea3b8808-58fe-4fde-bf79-dea1702d2ab3" providerId="ADAL" clId="{44247CD9-23E6-4312-A327-57D54A55DCD7}" dt="2019-08-13T18:21:59.015" v="64" actId="20577"/>
+          <ac:spMkLst>
+            <pc:docMk/>
+            <pc:sldMk cId="3491934599" sldId="257"/>
+            <ac:spMk id="2" creationId="{1E8D7354-E925-4864-B71E-200F8E12217E}"/>
+          </ac:spMkLst>
+        </pc:spChg>
+        <pc:spChg chg="del">
+          <ac:chgData name="Hugo Paula" userId="ea3b8808-58fe-4fde-bf79-dea1702d2ab3" providerId="ADAL" clId="{44247CD9-23E6-4312-A327-57D54A55DCD7}" dt="2019-08-13T18:19:48.526" v="55"/>
+          <ac:spMkLst>
+            <pc:docMk/>
+            <pc:sldMk cId="3491934599" sldId="257"/>
+            <ac:spMk id="3" creationId="{0547CDF6-AEB3-4A46-A9E4-E132B791A0F9}"/>
+          </ac:spMkLst>
+        </pc:spChg>
+        <pc:picChg chg="add mod">
+          <ac:chgData name="Hugo Paula" userId="ea3b8808-58fe-4fde-bf79-dea1702d2ab3" providerId="ADAL" clId="{44247CD9-23E6-4312-A327-57D54A55DCD7}" dt="2019-08-13T18:19:48.526" v="55"/>
+          <ac:picMkLst>
+            <pc:docMk/>
+            <pc:sldMk cId="3491934599" sldId="257"/>
+            <ac:picMk id="4" creationId="{5ED835FA-59F9-4A10-89A0-30A5F78F6F47}"/>
+          </ac:picMkLst>
+        </pc:picChg>
+      </pc:sldChg>
+      <pc:sldChg chg="addSp delSp modSp add modAnim">
+        <pc:chgData name="Hugo Paula" userId="ea3b8808-58fe-4fde-bf79-dea1702d2ab3" providerId="ADAL" clId="{44247CD9-23E6-4312-A327-57D54A55DCD7}" dt="2019-08-13T18:25:08.454" v="70" actId="27636"/>
+        <pc:sldMkLst>
+          <pc:docMk/>
+          <pc:sldMk cId="2665930106" sldId="258"/>
+        </pc:sldMkLst>
+        <pc:spChg chg="mod">
+          <ac:chgData name="Hugo Paula" userId="ea3b8808-58fe-4fde-bf79-dea1702d2ab3" providerId="ADAL" clId="{44247CD9-23E6-4312-A327-57D54A55DCD7}" dt="2019-08-13T18:25:08.454" v="70" actId="27636"/>
+          <ac:spMkLst>
+            <pc:docMk/>
+            <pc:sldMk cId="2665930106" sldId="258"/>
+            <ac:spMk id="2" creationId="{AF7DFD24-5F25-49F6-B080-AD44798AE976}"/>
+          </ac:spMkLst>
+        </pc:spChg>
+        <pc:spChg chg="del">
+          <ac:chgData name="Hugo Paula" userId="ea3b8808-58fe-4fde-bf79-dea1702d2ab3" providerId="ADAL" clId="{44247CD9-23E6-4312-A327-57D54A55DCD7}" dt="2019-08-13T18:24:31.784" v="66"/>
+          <ac:spMkLst>
+            <pc:docMk/>
+            <pc:sldMk cId="2665930106" sldId="258"/>
+            <ac:spMk id="3" creationId="{9EC3076D-E93A-4B0B-BD26-7AD516F084A5}"/>
+          </ac:spMkLst>
+        </pc:spChg>
+        <pc:picChg chg="add mod">
+          <ac:chgData name="Hugo Paula" userId="ea3b8808-58fe-4fde-bf79-dea1702d2ab3" providerId="ADAL" clId="{44247CD9-23E6-4312-A327-57D54A55DCD7}" dt="2019-08-13T18:24:31.784" v="66"/>
+          <ac:picMkLst>
+            <pc:docMk/>
+            <pc:sldMk cId="2665930106" sldId="258"/>
+            <ac:picMk id="4" creationId="{BC327DF7-68E7-4B3C-AA72-8B0D8DBE85D7}"/>
+          </ac:picMkLst>
+        </pc:picChg>
+      </pc:sldChg>
+      <pc:sldChg chg="addSp delSp modSp add ord modAnim">
+        <pc:chgData name="Hugo Paula" userId="ea3b8808-58fe-4fde-bf79-dea1702d2ab3" providerId="ADAL" clId="{44247CD9-23E6-4312-A327-57D54A55DCD7}" dt="2019-08-13T18:45:08.221" v="190"/>
+        <pc:sldMkLst>
+          <pc:docMk/>
+          <pc:sldMk cId="2445231288" sldId="259"/>
+        </pc:sldMkLst>
+        <pc:spChg chg="mod">
+          <ac:chgData name="Hugo Paula" userId="ea3b8808-58fe-4fde-bf79-dea1702d2ab3" providerId="ADAL" clId="{44247CD9-23E6-4312-A327-57D54A55DCD7}" dt="2019-08-13T18:26:47.354" v="74" actId="20577"/>
+          <ac:spMkLst>
+            <pc:docMk/>
+            <pc:sldMk cId="2445231288" sldId="259"/>
+            <ac:spMk id="2" creationId="{2E679DF9-824B-4EE3-810F-AC09142D0515}"/>
+          </ac:spMkLst>
+        </pc:spChg>
+        <pc:spChg chg="del">
+          <ac:chgData name="Hugo Paula" userId="ea3b8808-58fe-4fde-bf79-dea1702d2ab3" providerId="ADAL" clId="{44247CD9-23E6-4312-A327-57D54A55DCD7}" dt="2019-08-13T18:26:36.624" v="72"/>
+          <ac:spMkLst>
+            <pc:docMk/>
+            <pc:sldMk cId="2445231288" sldId="259"/>
+            <ac:spMk id="3" creationId="{55CBF48B-9CEB-449A-B65E-3E1900AB8F6C}"/>
+          </ac:spMkLst>
+        </pc:spChg>
+        <pc:picChg chg="add mod">
+          <ac:chgData name="Hugo Paula" userId="ea3b8808-58fe-4fde-bf79-dea1702d2ab3" providerId="ADAL" clId="{44247CD9-23E6-4312-A327-57D54A55DCD7}" dt="2019-08-13T18:26:36.624" v="72"/>
+          <ac:picMkLst>
+            <pc:docMk/>
+            <pc:sldMk cId="2445231288" sldId="259"/>
+            <ac:picMk id="4" creationId="{C1F7EA7E-BABC-4ED3-BB9D-3D05EF09B042}"/>
+          </ac:picMkLst>
+        </pc:picChg>
+      </pc:sldChg>
+      <pc:sldChg chg="addSp delSp modSp add ord modAnim">
+        <pc:chgData name="Hugo Paula" userId="ea3b8808-58fe-4fde-bf79-dea1702d2ab3" providerId="ADAL" clId="{44247CD9-23E6-4312-A327-57D54A55DCD7}" dt="2019-08-13T18:45:15.765" v="192"/>
+        <pc:sldMkLst>
+          <pc:docMk/>
+          <pc:sldMk cId="4147951829" sldId="260"/>
+        </pc:sldMkLst>
+        <pc:spChg chg="mod">
+          <ac:chgData name="Hugo Paula" userId="ea3b8808-58fe-4fde-bf79-dea1702d2ab3" providerId="ADAL" clId="{44247CD9-23E6-4312-A327-57D54A55DCD7}" dt="2019-08-13T18:29:15.303" v="82" actId="6549"/>
+          <ac:spMkLst>
+            <pc:docMk/>
+            <pc:sldMk cId="4147951829" sldId="260"/>
+            <ac:spMk id="2" creationId="{53B6117B-1A6D-470A-AD24-BE5090A55050}"/>
+          </ac:spMkLst>
+        </pc:spChg>
+        <pc:spChg chg="del">
+          <ac:chgData name="Hugo Paula" userId="ea3b8808-58fe-4fde-bf79-dea1702d2ab3" providerId="ADAL" clId="{44247CD9-23E6-4312-A327-57D54A55DCD7}" dt="2019-08-13T18:28:18.254" v="76"/>
+          <ac:spMkLst>
+            <pc:docMk/>
+            <pc:sldMk cId="4147951829" sldId="260"/>
+            <ac:spMk id="3" creationId="{E8075CDE-44BB-42E5-8CE0-2E9CC4E3C822}"/>
+          </ac:spMkLst>
+        </pc:spChg>
+        <pc:picChg chg="add mod">
+          <ac:chgData name="Hugo Paula" userId="ea3b8808-58fe-4fde-bf79-dea1702d2ab3" providerId="ADAL" clId="{44247CD9-23E6-4312-A327-57D54A55DCD7}" dt="2019-08-13T18:28:18.254" v="76"/>
+          <ac:picMkLst>
+            <pc:docMk/>
+            <pc:sldMk cId="4147951829" sldId="260"/>
+            <ac:picMk id="4" creationId="{C026BC03-1976-4D10-BB95-15C24D66F6C9}"/>
+          </ac:picMkLst>
+        </pc:picChg>
+      </pc:sldChg>
+      <pc:sldChg chg="addSp delSp modSp add ord modAnim">
+        <pc:chgData name="Hugo Paula" userId="ea3b8808-58fe-4fde-bf79-dea1702d2ab3" providerId="ADAL" clId="{44247CD9-23E6-4312-A327-57D54A55DCD7}" dt="2019-08-13T18:45:22.276" v="193"/>
+        <pc:sldMkLst>
+          <pc:docMk/>
+          <pc:sldMk cId="1652398062" sldId="261"/>
+        </pc:sldMkLst>
+        <pc:spChg chg="mod">
+          <ac:chgData name="Hugo Paula" userId="ea3b8808-58fe-4fde-bf79-dea1702d2ab3" providerId="ADAL" clId="{44247CD9-23E6-4312-A327-57D54A55DCD7}" dt="2019-08-13T18:30:36.632" v="88" actId="27636"/>
+          <ac:spMkLst>
+            <pc:docMk/>
+            <pc:sldMk cId="1652398062" sldId="261"/>
+            <ac:spMk id="2" creationId="{64ECBD7B-B04A-4E64-9A1B-CC930C1A6F87}"/>
+          </ac:spMkLst>
+        </pc:spChg>
+        <pc:spChg chg="del">
+          <ac:chgData name="Hugo Paula" userId="ea3b8808-58fe-4fde-bf79-dea1702d2ab3" providerId="ADAL" clId="{44247CD9-23E6-4312-A327-57D54A55DCD7}" dt="2019-08-13T18:30:23.873" v="84"/>
+          <ac:spMkLst>
+            <pc:docMk/>
+            <pc:sldMk cId="1652398062" sldId="261"/>
+            <ac:spMk id="3" creationId="{A507B903-3AFA-4F0B-853D-D993AF5FDBE9}"/>
+          </ac:spMkLst>
+        </pc:spChg>
+        <pc:picChg chg="add mod">
+          <ac:chgData name="Hugo Paula" userId="ea3b8808-58fe-4fde-bf79-dea1702d2ab3" providerId="ADAL" clId="{44247CD9-23E6-4312-A327-57D54A55DCD7}" dt="2019-08-13T18:30:23.873" v="84"/>
+          <ac:picMkLst>
+            <pc:docMk/>
+            <pc:sldMk cId="1652398062" sldId="261"/>
+            <ac:picMk id="4" creationId="{F4429ED3-D2F9-44D6-8F2F-5E6C2E960678}"/>
+          </ac:picMkLst>
+        </pc:picChg>
+      </pc:sldChg>
+      <pc:sldChg chg="addSp delSp modSp add mod setBg setClrOvrMap">
+        <pc:chgData name="Hugo Paula" userId="ea3b8808-58fe-4fde-bf79-dea1702d2ab3" providerId="ADAL" clId="{44247CD9-23E6-4312-A327-57D54A55DCD7}" dt="2019-08-13T18:44:02.598" v="185" actId="26606"/>
+        <pc:sldMkLst>
+          <pc:docMk/>
+          <pc:sldMk cId="721748103" sldId="262"/>
+        </pc:sldMkLst>
+        <pc:spChg chg="mod ord">
+          <ac:chgData name="Hugo Paula" userId="ea3b8808-58fe-4fde-bf79-dea1702d2ab3" providerId="ADAL" clId="{44247CD9-23E6-4312-A327-57D54A55DCD7}" dt="2019-08-13T18:44:02.598" v="185" actId="26606"/>
+          <ac:spMkLst>
+            <pc:docMk/>
+            <pc:sldMk cId="721748103" sldId="262"/>
+            <ac:spMk id="2" creationId="{AD5EF0CA-9413-4EC8-83E8-DF9C9CC70BFC}"/>
+          </ac:spMkLst>
+        </pc:spChg>
+        <pc:spChg chg="del mod">
+          <ac:chgData name="Hugo Paula" userId="ea3b8808-58fe-4fde-bf79-dea1702d2ab3" providerId="ADAL" clId="{44247CD9-23E6-4312-A327-57D54A55DCD7}" dt="2019-08-13T18:41:24.494" v="127" actId="478"/>
+          <ac:spMkLst>
+            <pc:docMk/>
+            <pc:sldMk cId="721748103" sldId="262"/>
+            <ac:spMk id="3" creationId="{B474FC07-9AB9-4088-BDD9-20FC3F48EB66}"/>
+          </ac:spMkLst>
+        </pc:spChg>
+        <pc:spChg chg="add del mod">
+          <ac:chgData name="Hugo Paula" userId="ea3b8808-58fe-4fde-bf79-dea1702d2ab3" providerId="ADAL" clId="{44247CD9-23E6-4312-A327-57D54A55DCD7}" dt="2019-08-13T18:41:25.902" v="128" actId="478"/>
+          <ac:spMkLst>
+            <pc:docMk/>
+            <pc:sldMk cId="721748103" sldId="262"/>
+            <ac:spMk id="5" creationId="{93B463E7-F802-4A3C-85E3-64116F4CBECE}"/>
+          </ac:spMkLst>
+        </pc:spChg>
+        <pc:spChg chg="add del">
+          <ac:chgData name="Hugo Paula" userId="ea3b8808-58fe-4fde-bf79-dea1702d2ab3" providerId="ADAL" clId="{44247CD9-23E6-4312-A327-57D54A55DCD7}" dt="2019-08-13T18:41:46.622" v="130" actId="26606"/>
+          <ac:spMkLst>
+            <pc:docMk/>
+            <pc:sldMk cId="721748103" sldId="262"/>
+            <ac:spMk id="7" creationId="{23962611-DFD5-4092-AAFD-559E3DFCE2C9}"/>
+          </ac:spMkLst>
+        </pc:spChg>
+        <pc:spChg chg="add del">
+          <ac:chgData name="Hugo Paula" userId="ea3b8808-58fe-4fde-bf79-dea1702d2ab3" providerId="ADAL" clId="{44247CD9-23E6-4312-A327-57D54A55DCD7}" dt="2019-08-13T18:43:50.524" v="172" actId="26606"/>
+          <ac:spMkLst>
+            <pc:docMk/>
+            <pc:sldMk cId="721748103" sldId="262"/>
+            <ac:spMk id="13" creationId="{71B2258F-86CA-4D4D-8270-BC05FCDEBFB3}"/>
+          </ac:spMkLst>
+        </pc:spChg>
+        <pc:spChg chg="add del">
+          <ac:chgData name="Hugo Paula" userId="ea3b8808-58fe-4fde-bf79-dea1702d2ab3" providerId="ADAL" clId="{44247CD9-23E6-4312-A327-57D54A55DCD7}" dt="2019-08-13T18:43:52.927" v="174" actId="26606"/>
+          <ac:spMkLst>
+            <pc:docMk/>
+            <pc:sldMk cId="721748103" sldId="262"/>
+            <ac:spMk id="16" creationId="{87CC2527-562A-4F69-B487-4371E5B243E7}"/>
+          </ac:spMkLst>
+        </pc:spChg>
+        <pc:spChg chg="add del">
+          <ac:chgData name="Hugo Paula" userId="ea3b8808-58fe-4fde-bf79-dea1702d2ab3" providerId="ADAL" clId="{44247CD9-23E6-4312-A327-57D54A55DCD7}" dt="2019-08-13T18:43:54.646" v="176" actId="26606"/>
+          <ac:spMkLst>
+            <pc:docMk/>
+            <pc:sldMk cId="721748103" sldId="262"/>
+            <ac:spMk id="18" creationId="{37C89E4B-3C9F-44B9-8B86-D9E3D112D8EC}"/>
+          </ac:spMkLst>
+        </pc:spChg>
+        <pc:spChg chg="add del">
+          <ac:chgData name="Hugo Paula" userId="ea3b8808-58fe-4fde-bf79-dea1702d2ab3" providerId="ADAL" clId="{44247CD9-23E6-4312-A327-57D54A55DCD7}" dt="2019-08-13T18:43:55.767" v="178" actId="26606"/>
+          <ac:spMkLst>
+            <pc:docMk/>
+            <pc:sldMk cId="721748103" sldId="262"/>
+            <ac:spMk id="21" creationId="{1DB7C82F-AB7E-4F0C-B829-FA1B9C415180}"/>
+          </ac:spMkLst>
+        </pc:spChg>
+        <pc:spChg chg="add del">
+          <ac:chgData name="Hugo Paula" userId="ea3b8808-58fe-4fde-bf79-dea1702d2ab3" providerId="ADAL" clId="{44247CD9-23E6-4312-A327-57D54A55DCD7}" dt="2019-08-13T18:43:57.287" v="180" actId="26606"/>
+          <ac:spMkLst>
+            <pc:docMk/>
+            <pc:sldMk cId="721748103" sldId="262"/>
+            <ac:spMk id="23" creationId="{37C89E4B-3C9F-44B9-8B86-D9E3D112D8EC}"/>
+          </ac:spMkLst>
+        </pc:spChg>
+        <pc:spChg chg="add del">
+          <ac:chgData name="Hugo Paula" userId="ea3b8808-58fe-4fde-bf79-dea1702d2ab3" providerId="ADAL" clId="{44247CD9-23E6-4312-A327-57D54A55DCD7}" dt="2019-08-13T18:43:58.687" v="182" actId="26606"/>
+          <ac:spMkLst>
+            <pc:docMk/>
+            <pc:sldMk cId="721748103" sldId="262"/>
+            <ac:spMk id="27" creationId="{E20EB187-900F-4AF5-813B-101456D9FD39}"/>
+          </ac:spMkLst>
+        </pc:spChg>
+        <pc:spChg chg="add del">
+          <ac:chgData name="Hugo Paula" userId="ea3b8808-58fe-4fde-bf79-dea1702d2ab3" providerId="ADAL" clId="{44247CD9-23E6-4312-A327-57D54A55DCD7}" dt="2019-08-13T18:44:02.585" v="184" actId="26606"/>
+          <ac:spMkLst>
+            <pc:docMk/>
+            <pc:sldMk cId="721748103" sldId="262"/>
+            <ac:spMk id="30" creationId="{71B2258F-86CA-4D4D-8270-BC05FCDEBFB3}"/>
+          </ac:spMkLst>
+        </pc:spChg>
+        <pc:spChg chg="add">
+          <ac:chgData name="Hugo Paula" userId="ea3b8808-58fe-4fde-bf79-dea1702d2ab3" providerId="ADAL" clId="{44247CD9-23E6-4312-A327-57D54A55DCD7}" dt="2019-08-13T18:44:02.598" v="185" actId="26606"/>
+          <ac:spMkLst>
+            <pc:docMk/>
+            <pc:sldMk cId="721748103" sldId="262"/>
+            <ac:spMk id="32" creationId="{71B2258F-86CA-4D4D-8270-BC05FCDEBFB3}"/>
+          </ac:spMkLst>
+        </pc:spChg>
+        <pc:picChg chg="add mod">
+          <ac:chgData name="Hugo Paula" userId="ea3b8808-58fe-4fde-bf79-dea1702d2ab3" providerId="ADAL" clId="{44247CD9-23E6-4312-A327-57D54A55DCD7}" dt="2019-08-13T18:44:02.598" v="185" actId="26606"/>
+          <ac:picMkLst>
+            <pc:docMk/>
+            <pc:sldMk cId="721748103" sldId="262"/>
+            <ac:picMk id="8" creationId="{D95B943D-9346-4A21-8557-4CEC3383C120}"/>
+          </ac:picMkLst>
+        </pc:picChg>
+        <pc:picChg chg="add del">
+          <ac:chgData name="Hugo Paula" userId="ea3b8808-58fe-4fde-bf79-dea1702d2ab3" providerId="ADAL" clId="{44247CD9-23E6-4312-A327-57D54A55DCD7}" dt="2019-08-13T18:41:46.622" v="130" actId="26606"/>
+          <ac:picMkLst>
+            <pc:docMk/>
+            <pc:sldMk cId="721748103" sldId="262"/>
+            <ac:picMk id="9" creationId="{2270F1FA-0425-408F-9861-80BF5AFB276D}"/>
+          </ac:picMkLst>
+        </pc:picChg>
+        <pc:cxnChg chg="add del">
+          <ac:chgData name="Hugo Paula" userId="ea3b8808-58fe-4fde-bf79-dea1702d2ab3" providerId="ADAL" clId="{44247CD9-23E6-4312-A327-57D54A55DCD7}" dt="2019-08-13T18:43:52.927" v="174" actId="26606"/>
+          <ac:cxnSpMkLst>
+            <pc:docMk/>
+            <pc:sldMk cId="721748103" sldId="262"/>
+            <ac:cxnSpMk id="15" creationId="{BCDAEC91-5BCE-4B55-9CC0-43EF94CB734B}"/>
+          </ac:cxnSpMkLst>
+        </pc:cxnChg>
+        <pc:cxnChg chg="add del">
+          <ac:chgData name="Hugo Paula" userId="ea3b8808-58fe-4fde-bf79-dea1702d2ab3" providerId="ADAL" clId="{44247CD9-23E6-4312-A327-57D54A55DCD7}" dt="2019-08-13T18:43:54.646" v="176" actId="26606"/>
+          <ac:cxnSpMkLst>
+            <pc:docMk/>
+            <pc:sldMk cId="721748103" sldId="262"/>
+            <ac:cxnSpMk id="17" creationId="{D891E407-403B-4764-86C9-33A56D3BCAA3}"/>
+          </ac:cxnSpMkLst>
+        </pc:cxnChg>
+        <pc:cxnChg chg="add del">
+          <ac:chgData name="Hugo Paula" userId="ea3b8808-58fe-4fde-bf79-dea1702d2ab3" providerId="ADAL" clId="{44247CD9-23E6-4312-A327-57D54A55DCD7}" dt="2019-08-13T18:43:54.646" v="176" actId="26606"/>
+          <ac:cxnSpMkLst>
+            <pc:docMk/>
+            <pc:sldMk cId="721748103" sldId="262"/>
+            <ac:cxnSpMk id="19" creationId="{AA2EAA10-076F-46BD-8F0F-B9A2FB77A85C}"/>
+          </ac:cxnSpMkLst>
+        </pc:cxnChg>
+        <pc:cxnChg chg="add del">
+          <ac:chgData name="Hugo Paula" userId="ea3b8808-58fe-4fde-bf79-dea1702d2ab3" providerId="ADAL" clId="{44247CD9-23E6-4312-A327-57D54A55DCD7}" dt="2019-08-13T18:43:57.287" v="180" actId="26606"/>
+          <ac:cxnSpMkLst>
+            <pc:docMk/>
+            <pc:sldMk cId="721748103" sldId="262"/>
+            <ac:cxnSpMk id="24" creationId="{AA2EAA10-076F-46BD-8F0F-B9A2FB77A85C}"/>
+          </ac:cxnSpMkLst>
+        </pc:cxnChg>
+        <pc:cxnChg chg="add del">
+          <ac:chgData name="Hugo Paula" userId="ea3b8808-58fe-4fde-bf79-dea1702d2ab3" providerId="ADAL" clId="{44247CD9-23E6-4312-A327-57D54A55DCD7}" dt="2019-08-13T18:43:57.287" v="180" actId="26606"/>
+          <ac:cxnSpMkLst>
+            <pc:docMk/>
+            <pc:sldMk cId="721748103" sldId="262"/>
+            <ac:cxnSpMk id="25" creationId="{D891E407-403B-4764-86C9-33A56D3BCAA3}"/>
+          </ac:cxnSpMkLst>
+        </pc:cxnChg>
+        <pc:cxnChg chg="add del">
+          <ac:chgData name="Hugo Paula" userId="ea3b8808-58fe-4fde-bf79-dea1702d2ab3" providerId="ADAL" clId="{44247CD9-23E6-4312-A327-57D54A55DCD7}" dt="2019-08-13T18:43:58.687" v="182" actId="26606"/>
+          <ac:cxnSpMkLst>
+            <pc:docMk/>
+            <pc:sldMk cId="721748103" sldId="262"/>
+            <ac:cxnSpMk id="28" creationId="{624D17C8-E9C2-48A4-AA36-D7048A6CCC41}"/>
+          </ac:cxnSpMkLst>
+        </pc:cxnChg>
+      </pc:sldChg>
+      <pc:sldChg chg="addSp delSp modSp add mod setBg setClrOvrMap">
+        <pc:chgData name="Hugo Paula" userId="ea3b8808-58fe-4fde-bf79-dea1702d2ab3" providerId="ADAL" clId="{44247CD9-23E6-4312-A327-57D54A55DCD7}" dt="2019-08-13T18:48:35.638" v="237" actId="1037"/>
+        <pc:sldMkLst>
+          <pc:docMk/>
+          <pc:sldMk cId="334346411" sldId="263"/>
+        </pc:sldMkLst>
+        <pc:spChg chg="mod ord">
+          <ac:chgData name="Hugo Paula" userId="ea3b8808-58fe-4fde-bf79-dea1702d2ab3" providerId="ADAL" clId="{44247CD9-23E6-4312-A327-57D54A55DCD7}" dt="2019-08-13T18:48:11.499" v="205" actId="26606"/>
+          <ac:spMkLst>
+            <pc:docMk/>
+            <pc:sldMk cId="334346411" sldId="263"/>
+            <ac:spMk id="2" creationId="{739D779A-3F76-4632-856C-111CF9EEE040}"/>
+          </ac:spMkLst>
+        </pc:spChg>
+        <pc:spChg chg="add del">
+          <ac:chgData name="Hugo Paula" userId="ea3b8808-58fe-4fde-bf79-dea1702d2ab3" providerId="ADAL" clId="{44247CD9-23E6-4312-A327-57D54A55DCD7}" dt="2019-08-13T18:48:07.738" v="202"/>
+          <ac:spMkLst>
+            <pc:docMk/>
+            <pc:sldMk cId="334346411" sldId="263"/>
+            <ac:spMk id="3" creationId="{C8AB155E-4BA4-40F4-A119-13418DD4220B}"/>
+          </ac:spMkLst>
+        </pc:spChg>
+        <pc:spChg chg="add del mod">
+          <ac:chgData name="Hugo Paula" userId="ea3b8808-58fe-4fde-bf79-dea1702d2ab3" providerId="ADAL" clId="{44247CD9-23E6-4312-A327-57D54A55DCD7}" dt="2019-08-13T18:46:59.391" v="201" actId="931"/>
+          <ac:spMkLst>
+            <pc:docMk/>
+            <pc:sldMk cId="334346411" sldId="263"/>
+            <ac:spMk id="6" creationId="{05BA2D9D-076A-483C-9605-0EE9EEA3A8E2}"/>
+          </ac:spMkLst>
+        </pc:spChg>
+        <pc:spChg chg="add mod">
+          <ac:chgData name="Hugo Paula" userId="ea3b8808-58fe-4fde-bf79-dea1702d2ab3" providerId="ADAL" clId="{44247CD9-23E6-4312-A327-57D54A55DCD7}" dt="2019-08-13T18:48:35.638" v="237" actId="1037"/>
+          <ac:spMkLst>
+            <pc:docMk/>
+            <pc:sldMk cId="334346411" sldId="263"/>
+            <ac:spMk id="9" creationId="{D71D005A-4C5B-4FAD-8CA7-2D2E61B1F3E7}"/>
+          </ac:spMkLst>
+        </pc:spChg>
+        <pc:spChg chg="add">
+          <ac:chgData name="Hugo Paula" userId="ea3b8808-58fe-4fde-bf79-dea1702d2ab3" providerId="ADAL" clId="{44247CD9-23E6-4312-A327-57D54A55DCD7}" dt="2019-08-13T18:48:11.499" v="205" actId="26606"/>
+          <ac:spMkLst>
+            <pc:docMk/>
+            <pc:sldMk cId="334346411" sldId="263"/>
+            <ac:spMk id="13" creationId="{71B2258F-86CA-4D4D-8270-BC05FCDEBFB3}"/>
+          </ac:spMkLst>
+        </pc:spChg>
+        <pc:picChg chg="add del mod">
+          <ac:chgData name="Hugo Paula" userId="ea3b8808-58fe-4fde-bf79-dea1702d2ab3" providerId="ADAL" clId="{44247CD9-23E6-4312-A327-57D54A55DCD7}" dt="2019-08-13T18:46:59.391" v="201" actId="931"/>
+          <ac:picMkLst>
+            <pc:docMk/>
+            <pc:sldMk cId="334346411" sldId="263"/>
+            <ac:picMk id="5" creationId="{722E7914-D4A4-428C-AF80-59D84EE88EA8}"/>
+          </ac:picMkLst>
+        </pc:picChg>
+        <pc:picChg chg="add mod">
+          <ac:chgData name="Hugo Paula" userId="ea3b8808-58fe-4fde-bf79-dea1702d2ab3" providerId="ADAL" clId="{44247CD9-23E6-4312-A327-57D54A55DCD7}" dt="2019-08-13T18:48:11.499" v="205" actId="26606"/>
+          <ac:picMkLst>
+            <pc:docMk/>
+            <pc:sldMk cId="334346411" sldId="263"/>
+            <ac:picMk id="8" creationId="{69AD114F-2A52-4E67-8AA5-83CDA098121E}"/>
+          </ac:picMkLst>
+        </pc:picChg>
+      </pc:sldChg>
+      <pc:sldChg chg="addSp delSp modSp add mod setBg setClrOvrMap">
+        <pc:chgData name="Hugo Paula" userId="ea3b8808-58fe-4fde-bf79-dea1702d2ab3" providerId="ADAL" clId="{44247CD9-23E6-4312-A327-57D54A55DCD7}" dt="2019-08-13T18:59:28.569" v="343" actId="26606"/>
+        <pc:sldMkLst>
+          <pc:docMk/>
+          <pc:sldMk cId="3081371082" sldId="264"/>
+        </pc:sldMkLst>
+        <pc:spChg chg="mod ord">
+          <ac:chgData name="Hugo Paula" userId="ea3b8808-58fe-4fde-bf79-dea1702d2ab3" providerId="ADAL" clId="{44247CD9-23E6-4312-A327-57D54A55DCD7}" dt="2019-08-13T18:59:28.569" v="343" actId="26606"/>
+          <ac:spMkLst>
+            <pc:docMk/>
+            <pc:sldMk cId="3081371082" sldId="264"/>
+            <ac:spMk id="2" creationId="{118D22E6-21A5-46F5-9DF9-B92BB06F6D96}"/>
+          </ac:spMkLst>
+        </pc:spChg>
+        <pc:spChg chg="del">
+          <ac:chgData name="Hugo Paula" userId="ea3b8808-58fe-4fde-bf79-dea1702d2ab3" providerId="ADAL" clId="{44247CD9-23E6-4312-A327-57D54A55DCD7}" dt="2019-08-13T18:59:25.404" v="340"/>
+          <ac:spMkLst>
+            <pc:docMk/>
+            <pc:sldMk cId="3081371082" sldId="264"/>
+            <ac:spMk id="3" creationId="{57C667EE-C64B-4028-8966-F261555ED82A}"/>
+          </ac:spMkLst>
+        </pc:spChg>
+        <pc:spChg chg="add del">
+          <ac:chgData name="Hugo Paula" userId="ea3b8808-58fe-4fde-bf79-dea1702d2ab3" providerId="ADAL" clId="{44247CD9-23E6-4312-A327-57D54A55DCD7}" dt="2019-08-13T18:59:09.071" v="339"/>
+          <ac:spMkLst>
+            <pc:docMk/>
+            <pc:sldMk cId="3081371082" sldId="264"/>
+            <ac:spMk id="4" creationId="{D94D6B54-67DB-463C-8B9E-6AD4DACE443D}"/>
+          </ac:spMkLst>
+        </pc:spChg>
+        <pc:spChg chg="add">
+          <ac:chgData name="Hugo Paula" userId="ea3b8808-58fe-4fde-bf79-dea1702d2ab3" providerId="ADAL" clId="{44247CD9-23E6-4312-A327-57D54A55DCD7}" dt="2019-08-13T18:59:28.569" v="343" actId="26606"/>
+          <ac:spMkLst>
+            <pc:docMk/>
+            <pc:sldMk cId="3081371082" sldId="264"/>
+            <ac:spMk id="11" creationId="{71B2258F-86CA-4D4D-8270-BC05FCDEBFB3}"/>
+          </ac:spMkLst>
+        </pc:spChg>
+        <pc:picChg chg="add mod">
+          <ac:chgData name="Hugo Paula" userId="ea3b8808-58fe-4fde-bf79-dea1702d2ab3" providerId="ADAL" clId="{44247CD9-23E6-4312-A327-57D54A55DCD7}" dt="2019-08-13T18:59:28.569" v="343" actId="26606"/>
+          <ac:picMkLst>
+            <pc:docMk/>
+            <pc:sldMk cId="3081371082" sldId="264"/>
+            <ac:picMk id="6" creationId="{47E28149-AB93-4F7E-AE91-B94A8429E0A6}"/>
+          </ac:picMkLst>
+        </pc:picChg>
+      </pc:sldChg>
+      <pc:sldChg chg="addSp delSp modSp add mod setBg setClrOvrMap">
+        <pc:chgData name="Hugo Paula" userId="ea3b8808-58fe-4fde-bf79-dea1702d2ab3" providerId="ADAL" clId="{44247CD9-23E6-4312-A327-57D54A55DCD7}" dt="2019-08-13T19:03:55.147" v="610" actId="20577"/>
+        <pc:sldMkLst>
+          <pc:docMk/>
+          <pc:sldMk cId="2452709085" sldId="265"/>
+        </pc:sldMkLst>
+        <pc:spChg chg="mod ord">
+          <ac:chgData name="Hugo Paula" userId="ea3b8808-58fe-4fde-bf79-dea1702d2ab3" providerId="ADAL" clId="{44247CD9-23E6-4312-A327-57D54A55DCD7}" dt="2019-08-13T19:03:55.147" v="610" actId="20577"/>
+          <ac:spMkLst>
+            <pc:docMk/>
+            <pc:sldMk cId="2452709085" sldId="265"/>
+            <ac:spMk id="2" creationId="{8450D1F2-C179-42B3-96B4-CE5520C987C6}"/>
+          </ac:spMkLst>
+        </pc:spChg>
+        <pc:spChg chg="del">
+          <ac:chgData name="Hugo Paula" userId="ea3b8808-58fe-4fde-bf79-dea1702d2ab3" providerId="ADAL" clId="{44247CD9-23E6-4312-A327-57D54A55DCD7}" dt="2019-08-13T18:44:32.518" v="186" actId="931"/>
+          <ac:spMkLst>
+            <pc:docMk/>
+            <pc:sldMk cId="2452709085" sldId="265"/>
+            <ac:spMk id="3" creationId="{8AA10A6B-E8F8-43D1-92B2-73E7FEF47F93}"/>
+          </ac:spMkLst>
+        </pc:spChg>
+        <pc:spChg chg="add">
+          <ac:chgData name="Hugo Paula" userId="ea3b8808-58fe-4fde-bf79-dea1702d2ab3" providerId="ADAL" clId="{44247CD9-23E6-4312-A327-57D54A55DCD7}" dt="2019-08-13T18:44:35.687" v="189" actId="26606"/>
+          <ac:spMkLst>
+            <pc:docMk/>
+            <pc:sldMk cId="2452709085" sldId="265"/>
+            <ac:spMk id="10" creationId="{71B2258F-86CA-4D4D-8270-BC05FCDEBFB3}"/>
+          </ac:spMkLst>
+        </pc:spChg>
+        <pc:picChg chg="add mod">
+          <ac:chgData name="Hugo Paula" userId="ea3b8808-58fe-4fde-bf79-dea1702d2ab3" providerId="ADAL" clId="{44247CD9-23E6-4312-A327-57D54A55DCD7}" dt="2019-08-13T18:44:35.687" v="189" actId="26606"/>
+          <ac:picMkLst>
+            <pc:docMk/>
+            <pc:sldMk cId="2452709085" sldId="265"/>
+            <ac:picMk id="5" creationId="{AC05C6D1-0DFE-4566-870C-C567D3FC7ECD}"/>
+          </ac:picMkLst>
+        </pc:picChg>
+      </pc:sldChg>
+      <pc:sldChg chg="addSp delSp modSp add mod setBg setClrOvrMap">
+        <pc:chgData name="Hugo Paula" userId="ea3b8808-58fe-4fde-bf79-dea1702d2ab3" providerId="ADAL" clId="{44247CD9-23E6-4312-A327-57D54A55DCD7}" dt="2019-08-13T18:55:19.014" v="337" actId="26606"/>
+        <pc:sldMkLst>
+          <pc:docMk/>
+          <pc:sldMk cId="840580429" sldId="266"/>
+        </pc:sldMkLst>
+        <pc:spChg chg="mod">
+          <ac:chgData name="Hugo Paula" userId="ea3b8808-58fe-4fde-bf79-dea1702d2ab3" providerId="ADAL" clId="{44247CD9-23E6-4312-A327-57D54A55DCD7}" dt="2019-08-13T18:55:19.014" v="337" actId="26606"/>
+          <ac:spMkLst>
+            <pc:docMk/>
+            <pc:sldMk cId="840580429" sldId="266"/>
+            <ac:spMk id="2" creationId="{A4276225-561F-4026-93D2-30898D1CB2EF}"/>
+          </ac:spMkLst>
+        </pc:spChg>
+        <pc:spChg chg="del mod">
+          <ac:chgData name="Hugo Paula" userId="ea3b8808-58fe-4fde-bf79-dea1702d2ab3" providerId="ADAL" clId="{44247CD9-23E6-4312-A327-57D54A55DCD7}" dt="2019-08-13T18:55:19.014" v="337" actId="26606"/>
+          <ac:spMkLst>
+            <pc:docMk/>
+            <pc:sldMk cId="840580429" sldId="266"/>
+            <ac:spMk id="3" creationId="{7ADCA70E-7011-43E3-ABA9-3F0A6B8D01E8}"/>
+          </ac:spMkLst>
+        </pc:spChg>
+        <pc:graphicFrameChg chg="add">
+          <ac:chgData name="Hugo Paula" userId="ea3b8808-58fe-4fde-bf79-dea1702d2ab3" providerId="ADAL" clId="{44247CD9-23E6-4312-A327-57D54A55DCD7}" dt="2019-08-13T18:55:19.014" v="337" actId="26606"/>
+          <ac:graphicFrameMkLst>
+            <pc:docMk/>
+            <pc:sldMk cId="840580429" sldId="266"/>
+            <ac:graphicFrameMk id="5" creationId="{08458555-9731-473B-8BB6-F0C61C025FA3}"/>
+          </ac:graphicFrameMkLst>
+        </pc:graphicFrameChg>
+      </pc:sldChg>
+      <pc:sldChg chg="modSp add">
+        <pc:chgData name="Hugo Paula" userId="ea3b8808-58fe-4fde-bf79-dea1702d2ab3" providerId="ADAL" clId="{44247CD9-23E6-4312-A327-57D54A55DCD7}" dt="2019-08-13T19:03:31.309" v="602" actId="20577"/>
+        <pc:sldMkLst>
+          <pc:docMk/>
+          <pc:sldMk cId="3028835910" sldId="267"/>
+        </pc:sldMkLst>
+        <pc:spChg chg="mod">
+          <ac:chgData name="Hugo Paula" userId="ea3b8808-58fe-4fde-bf79-dea1702d2ab3" providerId="ADAL" clId="{44247CD9-23E6-4312-A327-57D54A55DCD7}" dt="2019-08-13T18:59:44.230" v="364" actId="20577"/>
+          <ac:spMkLst>
+            <pc:docMk/>
+            <pc:sldMk cId="3028835910" sldId="267"/>
+            <ac:spMk id="2" creationId="{B733E16C-0134-4E7C-8FFC-A21C041A04A4}"/>
+          </ac:spMkLst>
+        </pc:spChg>
+        <pc:spChg chg="mod">
+          <ac:chgData name="Hugo Paula" userId="ea3b8808-58fe-4fde-bf79-dea1702d2ab3" providerId="ADAL" clId="{44247CD9-23E6-4312-A327-57D54A55DCD7}" dt="2019-08-13T19:03:31.309" v="602" actId="20577"/>
+          <ac:spMkLst>
+            <pc:docMk/>
+            <pc:sldMk cId="3028835910" sldId="267"/>
+            <ac:spMk id="3" creationId="{4EDEE87B-35BE-42C3-B5C1-249768514C07}"/>
+          </ac:spMkLst>
+        </pc:spChg>
+      </pc:sldChg>
+      <pc:sldChg chg="addSp delSp modSp add delAnim modAnim">
+        <pc:chgData name="Hugo Paula" userId="ea3b8808-58fe-4fde-bf79-dea1702d2ab3" providerId="ADAL" clId="{44247CD9-23E6-4312-A327-57D54A55DCD7}" dt="2019-08-13T19:17:32.030" v="681" actId="14100"/>
+        <pc:sldMkLst>
+          <pc:docMk/>
+          <pc:sldMk cId="3549903614" sldId="268"/>
+        </pc:sldMkLst>
+        <pc:spChg chg="mod">
+          <ac:chgData name="Hugo Paula" userId="ea3b8808-58fe-4fde-bf79-dea1702d2ab3" providerId="ADAL" clId="{44247CD9-23E6-4312-A327-57D54A55DCD7}" dt="2019-08-13T19:04:20.239" v="631" actId="20577"/>
+          <ac:spMkLst>
+            <pc:docMk/>
+            <pc:sldMk cId="3549903614" sldId="268"/>
+            <ac:spMk id="2" creationId="{D3B6493E-964B-41AC-9BDC-ADFA2043617A}"/>
+          </ac:spMkLst>
+        </pc:spChg>
+        <pc:spChg chg="mod">
+          <ac:chgData name="Hugo Paula" userId="ea3b8808-58fe-4fde-bf79-dea1702d2ab3" providerId="ADAL" clId="{44247CD9-23E6-4312-A327-57D54A55DCD7}" dt="2019-08-13T19:10:06.774" v="672" actId="20577"/>
+          <ac:spMkLst>
+            <pc:docMk/>
+            <pc:sldMk cId="3549903614" sldId="268"/>
+            <ac:spMk id="3" creationId="{2BE3F706-8F9E-496D-A7AD-4F385F1DCCF0}"/>
+          </ac:spMkLst>
+        </pc:spChg>
+        <pc:spChg chg="add mod">
+          <ac:chgData name="Hugo Paula" userId="ea3b8808-58fe-4fde-bf79-dea1702d2ab3" providerId="ADAL" clId="{44247CD9-23E6-4312-A327-57D54A55DCD7}" dt="2019-08-13T19:16:48.862" v="680" actId="1076"/>
+          <ac:spMkLst>
+            <pc:docMk/>
+            <pc:sldMk cId="3549903614" sldId="268"/>
+            <ac:spMk id="5" creationId="{EE6C06AD-3907-49EC-ADB1-7AF65CEE5806}"/>
+          </ac:spMkLst>
+        </pc:spChg>
+        <pc:picChg chg="add del mod">
+          <ac:chgData name="Hugo Paula" userId="ea3b8808-58fe-4fde-bf79-dea1702d2ab3" providerId="ADAL" clId="{44247CD9-23E6-4312-A327-57D54A55DCD7}" dt="2019-08-13T19:16:08.631" v="673" actId="478"/>
+          <ac:picMkLst>
+            <pc:docMk/>
+            <pc:sldMk cId="3549903614" sldId="268"/>
+            <ac:picMk id="4" creationId="{503B1E6F-3A1E-44E7-AF0D-A33153ABF715}"/>
+          </ac:picMkLst>
+        </pc:picChg>
+        <pc:picChg chg="add mod">
+          <ac:chgData name="Hugo Paula" userId="ea3b8808-58fe-4fde-bf79-dea1702d2ab3" providerId="ADAL" clId="{44247CD9-23E6-4312-A327-57D54A55DCD7}" dt="2019-08-13T19:17:32.030" v="681" actId="14100"/>
+          <ac:picMkLst>
+            <pc:docMk/>
+            <pc:sldMk cId="3549903614" sldId="268"/>
+            <ac:picMk id="6" creationId="{8867359D-D3C6-4CF3-8054-38C7084BEDEB}"/>
+          </ac:picMkLst>
+        </pc:picChg>
       </pc:sldChg>
     </pc:docChg>
   </pc:docChgLst>
@@ -5792,7 +6072,7 @@
           <a:p>
             <a:fld id="{10C0C6F0-2E25-443B-BCD0-89AA4E0EC633}" type="datetimeFigureOut">
               <a:rPr lang="pt-BR" smtClean="0"/>
-              <a:t>15/05/2020</a:t>
+              <a:t>06/11/2024</a:t>
             </a:fld>
             <a:endParaRPr lang="pt-BR"/>
           </a:p>
@@ -6564,7 +6844,7 @@
           <a:p>
             <a:fld id="{10C0C6F0-2E25-443B-BCD0-89AA4E0EC633}" type="datetimeFigureOut">
               <a:rPr lang="pt-BR" smtClean="0"/>
-              <a:t>15/05/2020</a:t>
+              <a:t>06/11/2024</a:t>
             </a:fld>
             <a:endParaRPr lang="pt-BR"/>
           </a:p>
@@ -7182,7 +7462,7 @@
           <a:p>
             <a:fld id="{10C0C6F0-2E25-443B-BCD0-89AA4E0EC633}" type="datetimeFigureOut">
               <a:rPr lang="pt-BR" smtClean="0"/>
-              <a:t>15/05/2020</a:t>
+              <a:t>06/11/2024</a:t>
             </a:fld>
             <a:endParaRPr lang="pt-BR"/>
           </a:p>
@@ -7347,7 +7627,7 @@
           <a:p>
             <a:fld id="{10C0C6F0-2E25-443B-BCD0-89AA4E0EC633}" type="datetimeFigureOut">
               <a:rPr lang="pt-BR" smtClean="0"/>
-              <a:t>15/05/2020</a:t>
+              <a:t>06/11/2024</a:t>
             </a:fld>
             <a:endParaRPr lang="pt-BR"/>
           </a:p>
@@ -7484,7 +7764,7 @@
           <a:p>
             <a:fld id="{10C0C6F0-2E25-443B-BCD0-89AA4E0EC633}" type="datetimeFigureOut">
               <a:rPr lang="pt-BR" smtClean="0"/>
-              <a:t>15/05/2020</a:t>
+              <a:t>06/11/2024</a:t>
             </a:fld>
             <a:endParaRPr lang="pt-BR"/>
           </a:p>
@@ -7819,7 +8099,7 @@
           <a:p>
             <a:fld id="{10C0C6F0-2E25-443B-BCD0-89AA4E0EC633}" type="datetimeFigureOut">
               <a:rPr lang="pt-BR" smtClean="0"/>
-              <a:t>15/05/2020</a:t>
+              <a:t>06/11/2024</a:t>
             </a:fld>
             <a:endParaRPr lang="pt-BR"/>
           </a:p>
@@ -8131,7 +8411,7 @@
           <a:p>
             <a:fld id="{10C0C6F0-2E25-443B-BCD0-89AA4E0EC633}" type="datetimeFigureOut">
               <a:rPr lang="pt-BR" smtClean="0"/>
-              <a:t>15/05/2020</a:t>
+              <a:t>06/11/2024</a:t>
             </a:fld>
             <a:endParaRPr lang="pt-BR"/>
           </a:p>
@@ -8365,7 +8645,7 @@
             <a:effectLst/>
             <a:extLst>
               <a:ext uri="{C572A759-6A51-4108-AA02-DFA0A04FC94B}">
-                <ma14:wrappingTextBoxFlag xmlns:lc="http://schemas.openxmlformats.org/drawingml/2006/lockedCanvas" xmlns:pic="http://schemas.openxmlformats.org/drawingml/2006/picture" xmlns:a14="http://schemas.microsoft.com/office/drawing/2010/main" xmlns:ma14="http://schemas.microsoft.com/office/mac/drawingml/2011/main" xmlns:w="http://schemas.openxmlformats.org/wordprocessingml/2006/main" xmlns:w10="urn:schemas-microsoft-com:office:word" xmlns:v="urn:schemas-microsoft-com:vml" xmlns:o="urn:schemas-microsoft-com:office:office" xmlns:mv="urn:schemas-microsoft-com:mac:vml" xmlns:mo="http://schemas.microsoft.com/office/mac/office/2008/main" xmlns="" xmlns:wps="http://schemas.microsoft.com/office/word/2010/wordprocessingShape" xmlns:wne="http://schemas.microsoft.com/office/word/2006/wordml" xmlns:wpi="http://schemas.microsoft.com/office/word/2010/wordprocessingInk" xmlns:wpg="http://schemas.microsoft.com/office/word/2010/wordprocessingGroup" xmlns:w16se="http://schemas.microsoft.com/office/word/2015/wordml/symex" xmlns:w16cid="http://schemas.microsoft.com/office/word/2016/wordml/cid" xmlns:w15="http://schemas.microsoft.com/office/word/2012/wordml" xmlns:w14="http://schemas.microsoft.com/office/word/2010/wordml" xmlns:wp="http://schemas.openxmlformats.org/drawingml/2006/wordprocessingDrawing" xmlns:wp14="http://schemas.microsoft.com/office/word/2010/wordprocessingDrawing" xmlns:m="http://schemas.openxmlformats.org/officeDocument/2006/math" xmlns:am3d="http://schemas.microsoft.com/office/drawing/2017/model3d" xmlns:aink="http://schemas.microsoft.com/office/drawing/2016/ink" xmlns:mc="http://schemas.openxmlformats.org/markup-compatibility/2006" xmlns:cx8="http://schemas.microsoft.com/office/drawing/2016/5/14/chartex" xmlns:cx7="http://schemas.microsoft.com/office/drawing/2016/5/13/chartex" xmlns:cx6="http://schemas.microsoft.com/office/drawing/2016/5/12/chartex" xmlns:cx5="http://schemas.microsoft.com/office/drawing/2016/5/11/chartex" xmlns:cx4="http://schemas.microsoft.com/office/drawing/2016/5/10/chartex" xmlns:cx3="http://schemas.microsoft.com/office/drawing/2016/5/9/chartex" xmlns:cx2="http://schemas.microsoft.com/office/drawing/2015/10/21/chartex" xmlns:cx1="http://schemas.microsoft.com/office/drawing/2015/9/8/chartex" xmlns:cx="http://schemas.microsoft.com/office/drawing/2014/chartex" xmlns:wpc="http://schemas.microsoft.com/office/word/2010/wordprocessingCanvas"/>
+                <ma14:wrappingTextBoxFlag xmlns:wpc="http://schemas.microsoft.com/office/word/2010/wordprocessingCanvas" xmlns:cx="http://schemas.microsoft.com/office/drawing/2014/chartex" xmlns:cx1="http://schemas.microsoft.com/office/drawing/2015/9/8/chartex" xmlns:cx2="http://schemas.microsoft.com/office/drawing/2015/10/21/chartex" xmlns:cx3="http://schemas.microsoft.com/office/drawing/2016/5/9/chartex" xmlns:cx4="http://schemas.microsoft.com/office/drawing/2016/5/10/chartex" xmlns:cx5="http://schemas.microsoft.com/office/drawing/2016/5/11/chartex" xmlns:cx6="http://schemas.microsoft.com/office/drawing/2016/5/12/chartex" xmlns:cx7="http://schemas.microsoft.com/office/drawing/2016/5/13/chartex" xmlns:cx8="http://schemas.microsoft.com/office/drawing/2016/5/14/chartex" xmlns:mc="http://schemas.openxmlformats.org/markup-compatibility/2006" xmlns:aink="http://schemas.microsoft.com/office/drawing/2016/ink" xmlns:am3d="http://schemas.microsoft.com/office/drawing/2017/model3d" xmlns:m="http://schemas.openxmlformats.org/officeDocument/2006/math" xmlns:wp14="http://schemas.microsoft.com/office/word/2010/wordprocessingDrawing" xmlns:wp="http://schemas.openxmlformats.org/drawingml/2006/wordprocessingDrawing" xmlns:w14="http://schemas.microsoft.com/office/word/2010/wordml" xmlns:w15="http://schemas.microsoft.com/office/word/2012/wordml" xmlns:w16cid="http://schemas.microsoft.com/office/word/2016/wordml/cid" xmlns:w16se="http://schemas.microsoft.com/office/word/2015/wordml/symex" xmlns:wpg="http://schemas.microsoft.com/office/word/2010/wordprocessingGroup" xmlns:wpi="http://schemas.microsoft.com/office/word/2010/wordprocessingInk" xmlns:wne="http://schemas.microsoft.com/office/word/2006/wordml" xmlns:wps="http://schemas.microsoft.com/office/word/2010/wordprocessingShape" xmlns="" xmlns:mo="http://schemas.microsoft.com/office/mac/office/2008/main" xmlns:mv="urn:schemas-microsoft-com:mac:vml" xmlns:o="urn:schemas-microsoft-com:office:office" xmlns:v="urn:schemas-microsoft-com:vml" xmlns:w10="urn:schemas-microsoft-com:office:word" xmlns:w="http://schemas.openxmlformats.org/wordprocessingml/2006/main" xmlns:ma14="http://schemas.microsoft.com/office/mac/drawingml/2011/main" xmlns:a14="http://schemas.microsoft.com/office/drawing/2010/main" xmlns:pic="http://schemas.openxmlformats.org/drawingml/2006/picture" xmlns:lc="http://schemas.openxmlformats.org/drawingml/2006/lockedCanvas"/>
               </a:ext>
             </a:extLst>
           </p:spPr>
@@ -8457,7 +8737,7 @@
             <a:effectLst/>
             <a:extLst>
               <a:ext uri="{AF507438-7753-43e0-B8FC-AC1667EBCBE1}">
-                <a14:hiddenEffects xmlns:lc="http://schemas.openxmlformats.org/drawingml/2006/lockedCanvas" xmlns:pic="http://schemas.openxmlformats.org/drawingml/2006/picture" xmlns:ma14="http://schemas.microsoft.com/office/mac/drawingml/2011/main" xmlns:a14="http://schemas.microsoft.com/office/drawing/2010/main" xmlns:w="http://schemas.openxmlformats.org/wordprocessingml/2006/main" xmlns:w10="urn:schemas-microsoft-com:office:word" xmlns:v="urn:schemas-microsoft-com:vml" xmlns:o="urn:schemas-microsoft-com:office:office" xmlns:mv="urn:schemas-microsoft-com:mac:vml" xmlns:mo="http://schemas.microsoft.com/office/mac/office/2008/main" xmlns="" xmlns:wps="http://schemas.microsoft.com/office/word/2010/wordprocessingShape" xmlns:wne="http://schemas.microsoft.com/office/word/2006/wordml" xmlns:wpi="http://schemas.microsoft.com/office/word/2010/wordprocessingInk" xmlns:wpg="http://schemas.microsoft.com/office/word/2010/wordprocessingGroup" xmlns:w16se="http://schemas.microsoft.com/office/word/2015/wordml/symex" xmlns:w16cid="http://schemas.microsoft.com/office/word/2016/wordml/cid" xmlns:w15="http://schemas.microsoft.com/office/word/2012/wordml" xmlns:w14="http://schemas.microsoft.com/office/word/2010/wordml" xmlns:wp="http://schemas.openxmlformats.org/drawingml/2006/wordprocessingDrawing" xmlns:wp14="http://schemas.microsoft.com/office/word/2010/wordprocessingDrawing" xmlns:m="http://schemas.openxmlformats.org/officeDocument/2006/math" xmlns:am3d="http://schemas.microsoft.com/office/drawing/2017/model3d" xmlns:aink="http://schemas.microsoft.com/office/drawing/2016/ink" xmlns:mc="http://schemas.openxmlformats.org/markup-compatibility/2006" xmlns:cx8="http://schemas.microsoft.com/office/drawing/2016/5/14/chartex" xmlns:cx7="http://schemas.microsoft.com/office/drawing/2016/5/13/chartex" xmlns:cx6="http://schemas.microsoft.com/office/drawing/2016/5/12/chartex" xmlns:cx5="http://schemas.microsoft.com/office/drawing/2016/5/11/chartex" xmlns:cx4="http://schemas.microsoft.com/office/drawing/2016/5/10/chartex" xmlns:cx3="http://schemas.microsoft.com/office/drawing/2016/5/9/chartex" xmlns:cx2="http://schemas.microsoft.com/office/drawing/2015/10/21/chartex" xmlns:cx1="http://schemas.microsoft.com/office/drawing/2015/9/8/chartex" xmlns:cx="http://schemas.microsoft.com/office/drawing/2014/chartex" xmlns:wpc="http://schemas.microsoft.com/office/word/2010/wordprocessingCanvas">
+                <a14:hiddenEffects xmlns:wpc="http://schemas.microsoft.com/office/word/2010/wordprocessingCanvas" xmlns:cx="http://schemas.microsoft.com/office/drawing/2014/chartex" xmlns:cx1="http://schemas.microsoft.com/office/drawing/2015/9/8/chartex" xmlns:cx2="http://schemas.microsoft.com/office/drawing/2015/10/21/chartex" xmlns:cx3="http://schemas.microsoft.com/office/drawing/2016/5/9/chartex" xmlns:cx4="http://schemas.microsoft.com/office/drawing/2016/5/10/chartex" xmlns:cx5="http://schemas.microsoft.com/office/drawing/2016/5/11/chartex" xmlns:cx6="http://schemas.microsoft.com/office/drawing/2016/5/12/chartex" xmlns:cx7="http://schemas.microsoft.com/office/drawing/2016/5/13/chartex" xmlns:cx8="http://schemas.microsoft.com/office/drawing/2016/5/14/chartex" xmlns:mc="http://schemas.openxmlformats.org/markup-compatibility/2006" xmlns:aink="http://schemas.microsoft.com/office/drawing/2016/ink" xmlns:am3d="http://schemas.microsoft.com/office/drawing/2017/model3d" xmlns:m="http://schemas.openxmlformats.org/officeDocument/2006/math" xmlns:wp14="http://schemas.microsoft.com/office/word/2010/wordprocessingDrawing" xmlns:wp="http://schemas.openxmlformats.org/drawingml/2006/wordprocessingDrawing" xmlns:w14="http://schemas.microsoft.com/office/word/2010/wordml" xmlns:w15="http://schemas.microsoft.com/office/word/2012/wordml" xmlns:w16cid="http://schemas.microsoft.com/office/word/2016/wordml/cid" xmlns:w16se="http://schemas.microsoft.com/office/word/2015/wordml/symex" xmlns:wpg="http://schemas.microsoft.com/office/word/2010/wordprocessingGroup" xmlns:wpi="http://schemas.microsoft.com/office/word/2010/wordprocessingInk" xmlns:wne="http://schemas.microsoft.com/office/word/2006/wordml" xmlns:wps="http://schemas.microsoft.com/office/word/2010/wordprocessingShape" xmlns="" xmlns:mo="http://schemas.microsoft.com/office/mac/office/2008/main" xmlns:mv="urn:schemas-microsoft-com:mac:vml" xmlns:o="urn:schemas-microsoft-com:office:office" xmlns:v="urn:schemas-microsoft-com:vml" xmlns:w10="urn:schemas-microsoft-com:office:word" xmlns:w="http://schemas.openxmlformats.org/wordprocessingml/2006/main" xmlns:a14="http://schemas.microsoft.com/office/drawing/2010/main" xmlns:ma14="http://schemas.microsoft.com/office/mac/drawingml/2011/main" xmlns:pic="http://schemas.openxmlformats.org/drawingml/2006/picture" xmlns:lc="http://schemas.openxmlformats.org/drawingml/2006/lockedCanvas">
                   <a:effectLst>
                     <a:outerShdw blurRad="63500" dist="38099" dir="2700000" algn="ctr" rotWithShape="0">
                       <a:schemeClr val="bg2">
@@ -8507,7 +8787,7 @@
             <a:effectLst/>
             <a:extLst>
               <a:ext uri="{AF507438-7753-43e0-B8FC-AC1667EBCBE1}">
-                <a14:hiddenEffects xmlns:lc="http://schemas.openxmlformats.org/drawingml/2006/lockedCanvas" xmlns:pic="http://schemas.openxmlformats.org/drawingml/2006/picture" xmlns:ma14="http://schemas.microsoft.com/office/mac/drawingml/2011/main" xmlns:a14="http://schemas.microsoft.com/office/drawing/2010/main" xmlns:w="http://schemas.openxmlformats.org/wordprocessingml/2006/main" xmlns:w10="urn:schemas-microsoft-com:office:word" xmlns:v="urn:schemas-microsoft-com:vml" xmlns:o="urn:schemas-microsoft-com:office:office" xmlns:mv="urn:schemas-microsoft-com:mac:vml" xmlns:mo="http://schemas.microsoft.com/office/mac/office/2008/main" xmlns="" xmlns:wps="http://schemas.microsoft.com/office/word/2010/wordprocessingShape" xmlns:wne="http://schemas.microsoft.com/office/word/2006/wordml" xmlns:wpi="http://schemas.microsoft.com/office/word/2010/wordprocessingInk" xmlns:wpg="http://schemas.microsoft.com/office/word/2010/wordprocessingGroup" xmlns:w16se="http://schemas.microsoft.com/office/word/2015/wordml/symex" xmlns:w16cid="http://schemas.microsoft.com/office/word/2016/wordml/cid" xmlns:w15="http://schemas.microsoft.com/office/word/2012/wordml" xmlns:w14="http://schemas.microsoft.com/office/word/2010/wordml" xmlns:wp="http://schemas.openxmlformats.org/drawingml/2006/wordprocessingDrawing" xmlns:wp14="http://schemas.microsoft.com/office/word/2010/wordprocessingDrawing" xmlns:m="http://schemas.openxmlformats.org/officeDocument/2006/math" xmlns:am3d="http://schemas.microsoft.com/office/drawing/2017/model3d" xmlns:aink="http://schemas.microsoft.com/office/drawing/2016/ink" xmlns:mc="http://schemas.openxmlformats.org/markup-compatibility/2006" xmlns:cx8="http://schemas.microsoft.com/office/drawing/2016/5/14/chartex" xmlns:cx7="http://schemas.microsoft.com/office/drawing/2016/5/13/chartex" xmlns:cx6="http://schemas.microsoft.com/office/drawing/2016/5/12/chartex" xmlns:cx5="http://schemas.microsoft.com/office/drawing/2016/5/11/chartex" xmlns:cx4="http://schemas.microsoft.com/office/drawing/2016/5/10/chartex" xmlns:cx3="http://schemas.microsoft.com/office/drawing/2016/5/9/chartex" xmlns:cx2="http://schemas.microsoft.com/office/drawing/2015/10/21/chartex" xmlns:cx1="http://schemas.microsoft.com/office/drawing/2015/9/8/chartex" xmlns:cx="http://schemas.microsoft.com/office/drawing/2014/chartex" xmlns:wpc="http://schemas.microsoft.com/office/word/2010/wordprocessingCanvas">
+                <a14:hiddenEffects xmlns:wpc="http://schemas.microsoft.com/office/word/2010/wordprocessingCanvas" xmlns:cx="http://schemas.microsoft.com/office/drawing/2014/chartex" xmlns:cx1="http://schemas.microsoft.com/office/drawing/2015/9/8/chartex" xmlns:cx2="http://schemas.microsoft.com/office/drawing/2015/10/21/chartex" xmlns:cx3="http://schemas.microsoft.com/office/drawing/2016/5/9/chartex" xmlns:cx4="http://schemas.microsoft.com/office/drawing/2016/5/10/chartex" xmlns:cx5="http://schemas.microsoft.com/office/drawing/2016/5/11/chartex" xmlns:cx6="http://schemas.microsoft.com/office/drawing/2016/5/12/chartex" xmlns:cx7="http://schemas.microsoft.com/office/drawing/2016/5/13/chartex" xmlns:cx8="http://schemas.microsoft.com/office/drawing/2016/5/14/chartex" xmlns:mc="http://schemas.openxmlformats.org/markup-compatibility/2006" xmlns:aink="http://schemas.microsoft.com/office/drawing/2016/ink" xmlns:am3d="http://schemas.microsoft.com/office/drawing/2017/model3d" xmlns:m="http://schemas.openxmlformats.org/officeDocument/2006/math" xmlns:wp14="http://schemas.microsoft.com/office/word/2010/wordprocessingDrawing" xmlns:wp="http://schemas.openxmlformats.org/drawingml/2006/wordprocessingDrawing" xmlns:w14="http://schemas.microsoft.com/office/word/2010/wordml" xmlns:w15="http://schemas.microsoft.com/office/word/2012/wordml" xmlns:w16cid="http://schemas.microsoft.com/office/word/2016/wordml/cid" xmlns:w16se="http://schemas.microsoft.com/office/word/2015/wordml/symex" xmlns:wpg="http://schemas.microsoft.com/office/word/2010/wordprocessingGroup" xmlns:wpi="http://schemas.microsoft.com/office/word/2010/wordprocessingInk" xmlns:wne="http://schemas.microsoft.com/office/word/2006/wordml" xmlns:wps="http://schemas.microsoft.com/office/word/2010/wordprocessingShape" xmlns="" xmlns:mo="http://schemas.microsoft.com/office/mac/office/2008/main" xmlns:mv="urn:schemas-microsoft-com:mac:vml" xmlns:o="urn:schemas-microsoft-com:office:office" xmlns:v="urn:schemas-microsoft-com:vml" xmlns:w10="urn:schemas-microsoft-com:office:word" xmlns:w="http://schemas.openxmlformats.org/wordprocessingml/2006/main" xmlns:a14="http://schemas.microsoft.com/office/drawing/2010/main" xmlns:ma14="http://schemas.microsoft.com/office/mac/drawingml/2011/main" xmlns:pic="http://schemas.openxmlformats.org/drawingml/2006/picture" xmlns:lc="http://schemas.openxmlformats.org/drawingml/2006/lockedCanvas">
                   <a:effectLst>
                     <a:outerShdw blurRad="63500" dist="38099" dir="2700000" algn="ctr" rotWithShape="0">
                       <a:schemeClr val="bg2">
@@ -9141,7 +9421,7 @@
             <a:effectLst/>
             <a:extLst>
               <a:ext uri="{C572A759-6A51-4108-AA02-DFA0A04FC94B}">
-                <ma14:wrappingTextBoxFlag xmlns:lc="http://schemas.openxmlformats.org/drawingml/2006/lockedCanvas" xmlns:pic="http://schemas.openxmlformats.org/drawingml/2006/picture" xmlns:a14="http://schemas.microsoft.com/office/drawing/2010/main" xmlns:ma14="http://schemas.microsoft.com/office/mac/drawingml/2011/main" xmlns:w="http://schemas.openxmlformats.org/wordprocessingml/2006/main" xmlns:w10="urn:schemas-microsoft-com:office:word" xmlns:v="urn:schemas-microsoft-com:vml" xmlns:o="urn:schemas-microsoft-com:office:office" xmlns:mv="urn:schemas-microsoft-com:mac:vml" xmlns:mo="http://schemas.microsoft.com/office/mac/office/2008/main" xmlns="" xmlns:wps="http://schemas.microsoft.com/office/word/2010/wordprocessingShape" xmlns:wne="http://schemas.microsoft.com/office/word/2006/wordml" xmlns:wpi="http://schemas.microsoft.com/office/word/2010/wordprocessingInk" xmlns:wpg="http://schemas.microsoft.com/office/word/2010/wordprocessingGroup" xmlns:w16se="http://schemas.microsoft.com/office/word/2015/wordml/symex" xmlns:w16cid="http://schemas.microsoft.com/office/word/2016/wordml/cid" xmlns:w15="http://schemas.microsoft.com/office/word/2012/wordml" xmlns:w14="http://schemas.microsoft.com/office/word/2010/wordml" xmlns:wp="http://schemas.openxmlformats.org/drawingml/2006/wordprocessingDrawing" xmlns:wp14="http://schemas.microsoft.com/office/word/2010/wordprocessingDrawing" xmlns:m="http://schemas.openxmlformats.org/officeDocument/2006/math" xmlns:am3d="http://schemas.microsoft.com/office/drawing/2017/model3d" xmlns:aink="http://schemas.microsoft.com/office/drawing/2016/ink" xmlns:mc="http://schemas.openxmlformats.org/markup-compatibility/2006" xmlns:cx8="http://schemas.microsoft.com/office/drawing/2016/5/14/chartex" xmlns:cx7="http://schemas.microsoft.com/office/drawing/2016/5/13/chartex" xmlns:cx6="http://schemas.microsoft.com/office/drawing/2016/5/12/chartex" xmlns:cx5="http://schemas.microsoft.com/office/drawing/2016/5/11/chartex" xmlns:cx4="http://schemas.microsoft.com/office/drawing/2016/5/10/chartex" xmlns:cx3="http://schemas.microsoft.com/office/drawing/2016/5/9/chartex" xmlns:cx2="http://schemas.microsoft.com/office/drawing/2015/10/21/chartex" xmlns:cx1="http://schemas.microsoft.com/office/drawing/2015/9/8/chartex" xmlns:cx="http://schemas.microsoft.com/office/drawing/2014/chartex" xmlns:wpc="http://schemas.microsoft.com/office/word/2010/wordprocessingCanvas"/>
+                <ma14:wrappingTextBoxFlag xmlns:wpc="http://schemas.microsoft.com/office/word/2010/wordprocessingCanvas" xmlns:cx="http://schemas.microsoft.com/office/drawing/2014/chartex" xmlns:cx1="http://schemas.microsoft.com/office/drawing/2015/9/8/chartex" xmlns:cx2="http://schemas.microsoft.com/office/drawing/2015/10/21/chartex" xmlns:cx3="http://schemas.microsoft.com/office/drawing/2016/5/9/chartex" xmlns:cx4="http://schemas.microsoft.com/office/drawing/2016/5/10/chartex" xmlns:cx5="http://schemas.microsoft.com/office/drawing/2016/5/11/chartex" xmlns:cx6="http://schemas.microsoft.com/office/drawing/2016/5/12/chartex" xmlns:cx7="http://schemas.microsoft.com/office/drawing/2016/5/13/chartex" xmlns:cx8="http://schemas.microsoft.com/office/drawing/2016/5/14/chartex" xmlns:mc="http://schemas.openxmlformats.org/markup-compatibility/2006" xmlns:aink="http://schemas.microsoft.com/office/drawing/2016/ink" xmlns:am3d="http://schemas.microsoft.com/office/drawing/2017/model3d" xmlns:m="http://schemas.openxmlformats.org/officeDocument/2006/math" xmlns:wp14="http://schemas.microsoft.com/office/word/2010/wordprocessingDrawing" xmlns:wp="http://schemas.openxmlformats.org/drawingml/2006/wordprocessingDrawing" xmlns:w14="http://schemas.microsoft.com/office/word/2010/wordml" xmlns:w15="http://schemas.microsoft.com/office/word/2012/wordml" xmlns:w16cid="http://schemas.microsoft.com/office/word/2016/wordml/cid" xmlns:w16se="http://schemas.microsoft.com/office/word/2015/wordml/symex" xmlns:wpg="http://schemas.microsoft.com/office/word/2010/wordprocessingGroup" xmlns:wpi="http://schemas.microsoft.com/office/word/2010/wordprocessingInk" xmlns:wne="http://schemas.microsoft.com/office/word/2006/wordml" xmlns:wps="http://schemas.microsoft.com/office/word/2010/wordprocessingShape" xmlns="" xmlns:mo="http://schemas.microsoft.com/office/mac/office/2008/main" xmlns:mv="urn:schemas-microsoft-com:mac:vml" xmlns:o="urn:schemas-microsoft-com:office:office" xmlns:v="urn:schemas-microsoft-com:vml" xmlns:w10="urn:schemas-microsoft-com:office:word" xmlns:w="http://schemas.openxmlformats.org/wordprocessingml/2006/main" xmlns:ma14="http://schemas.microsoft.com/office/mac/drawingml/2011/main" xmlns:a14="http://schemas.microsoft.com/office/drawing/2010/main" xmlns:pic="http://schemas.openxmlformats.org/drawingml/2006/picture" xmlns:lc="http://schemas.openxmlformats.org/drawingml/2006/lockedCanvas"/>
               </a:ext>
             </a:extLst>
           </p:spPr>
@@ -9233,7 +9513,7 @@
             <a:effectLst/>
             <a:extLst>
               <a:ext uri="{AF507438-7753-43e0-B8FC-AC1667EBCBE1}">
-                <a14:hiddenEffects xmlns:lc="http://schemas.openxmlformats.org/drawingml/2006/lockedCanvas" xmlns:pic="http://schemas.openxmlformats.org/drawingml/2006/picture" xmlns:ma14="http://schemas.microsoft.com/office/mac/drawingml/2011/main" xmlns:a14="http://schemas.microsoft.com/office/drawing/2010/main" xmlns:w="http://schemas.openxmlformats.org/wordprocessingml/2006/main" xmlns:w10="urn:schemas-microsoft-com:office:word" xmlns:v="urn:schemas-microsoft-com:vml" xmlns:o="urn:schemas-microsoft-com:office:office" xmlns:mv="urn:schemas-microsoft-com:mac:vml" xmlns:mo="http://schemas.microsoft.com/office/mac/office/2008/main" xmlns="" xmlns:wps="http://schemas.microsoft.com/office/word/2010/wordprocessingShape" xmlns:wne="http://schemas.microsoft.com/office/word/2006/wordml" xmlns:wpi="http://schemas.microsoft.com/office/word/2010/wordprocessingInk" xmlns:wpg="http://schemas.microsoft.com/office/word/2010/wordprocessingGroup" xmlns:w16se="http://schemas.microsoft.com/office/word/2015/wordml/symex" xmlns:w16cid="http://schemas.microsoft.com/office/word/2016/wordml/cid" xmlns:w15="http://schemas.microsoft.com/office/word/2012/wordml" xmlns:w14="http://schemas.microsoft.com/office/word/2010/wordml" xmlns:wp="http://schemas.openxmlformats.org/drawingml/2006/wordprocessingDrawing" xmlns:wp14="http://schemas.microsoft.com/office/word/2010/wordprocessingDrawing" xmlns:m="http://schemas.openxmlformats.org/officeDocument/2006/math" xmlns:am3d="http://schemas.microsoft.com/office/drawing/2017/model3d" xmlns:aink="http://schemas.microsoft.com/office/drawing/2016/ink" xmlns:mc="http://schemas.openxmlformats.org/markup-compatibility/2006" xmlns:cx8="http://schemas.microsoft.com/office/drawing/2016/5/14/chartex" xmlns:cx7="http://schemas.microsoft.com/office/drawing/2016/5/13/chartex" xmlns:cx6="http://schemas.microsoft.com/office/drawing/2016/5/12/chartex" xmlns:cx5="http://schemas.microsoft.com/office/drawing/2016/5/11/chartex" xmlns:cx4="http://schemas.microsoft.com/office/drawing/2016/5/10/chartex" xmlns:cx3="http://schemas.microsoft.com/office/drawing/2016/5/9/chartex" xmlns:cx2="http://schemas.microsoft.com/office/drawing/2015/10/21/chartex" xmlns:cx1="http://schemas.microsoft.com/office/drawing/2015/9/8/chartex" xmlns:cx="http://schemas.microsoft.com/office/drawing/2014/chartex" xmlns:wpc="http://schemas.microsoft.com/office/word/2010/wordprocessingCanvas">
+                <a14:hiddenEffects xmlns:wpc="http://schemas.microsoft.com/office/word/2010/wordprocessingCanvas" xmlns:cx="http://schemas.microsoft.com/office/drawing/2014/chartex" xmlns:cx1="http://schemas.microsoft.com/office/drawing/2015/9/8/chartex" xmlns:cx2="http://schemas.microsoft.com/office/drawing/2015/10/21/chartex" xmlns:cx3="http://schemas.microsoft.com/office/drawing/2016/5/9/chartex" xmlns:cx4="http://schemas.microsoft.com/office/drawing/2016/5/10/chartex" xmlns:cx5="http://schemas.microsoft.com/office/drawing/2016/5/11/chartex" xmlns:cx6="http://schemas.microsoft.com/office/drawing/2016/5/12/chartex" xmlns:cx7="http://schemas.microsoft.com/office/drawing/2016/5/13/chartex" xmlns:cx8="http://schemas.microsoft.com/office/drawing/2016/5/14/chartex" xmlns:mc="http://schemas.openxmlformats.org/markup-compatibility/2006" xmlns:aink="http://schemas.microsoft.com/office/drawing/2016/ink" xmlns:am3d="http://schemas.microsoft.com/office/drawing/2017/model3d" xmlns:m="http://schemas.openxmlformats.org/officeDocument/2006/math" xmlns:wp14="http://schemas.microsoft.com/office/word/2010/wordprocessingDrawing" xmlns:wp="http://schemas.openxmlformats.org/drawingml/2006/wordprocessingDrawing" xmlns:w14="http://schemas.microsoft.com/office/word/2010/wordml" xmlns:w15="http://schemas.microsoft.com/office/word/2012/wordml" xmlns:w16cid="http://schemas.microsoft.com/office/word/2016/wordml/cid" xmlns:w16se="http://schemas.microsoft.com/office/word/2015/wordml/symex" xmlns:wpg="http://schemas.microsoft.com/office/word/2010/wordprocessingGroup" xmlns:wpi="http://schemas.microsoft.com/office/word/2010/wordprocessingInk" xmlns:wne="http://schemas.microsoft.com/office/word/2006/wordml" xmlns:wps="http://schemas.microsoft.com/office/word/2010/wordprocessingShape" xmlns="" xmlns:mo="http://schemas.microsoft.com/office/mac/office/2008/main" xmlns:mv="urn:schemas-microsoft-com:mac:vml" xmlns:o="urn:schemas-microsoft-com:office:office" xmlns:v="urn:schemas-microsoft-com:vml" xmlns:w10="urn:schemas-microsoft-com:office:word" xmlns:w="http://schemas.openxmlformats.org/wordprocessingml/2006/main" xmlns:a14="http://schemas.microsoft.com/office/drawing/2010/main" xmlns:ma14="http://schemas.microsoft.com/office/mac/drawingml/2011/main" xmlns:pic="http://schemas.openxmlformats.org/drawingml/2006/picture" xmlns:lc="http://schemas.openxmlformats.org/drawingml/2006/lockedCanvas">
                   <a:effectLst>
                     <a:outerShdw blurRad="63500" dist="38099" dir="2700000" algn="ctr" rotWithShape="0">
                       <a:schemeClr val="bg2">
@@ -9283,7 +9563,7 @@
             <a:effectLst/>
             <a:extLst>
               <a:ext uri="{AF507438-7753-43e0-B8FC-AC1667EBCBE1}">
-                <a14:hiddenEffects xmlns:lc="http://schemas.openxmlformats.org/drawingml/2006/lockedCanvas" xmlns:pic="http://schemas.openxmlformats.org/drawingml/2006/picture" xmlns:ma14="http://schemas.microsoft.com/office/mac/drawingml/2011/main" xmlns:a14="http://schemas.microsoft.com/office/drawing/2010/main" xmlns:w="http://schemas.openxmlformats.org/wordprocessingml/2006/main" xmlns:w10="urn:schemas-microsoft-com:office:word" xmlns:v="urn:schemas-microsoft-com:vml" xmlns:o="urn:schemas-microsoft-com:office:office" xmlns:mv="urn:schemas-microsoft-com:mac:vml" xmlns:mo="http://schemas.microsoft.com/office/mac/office/2008/main" xmlns="" xmlns:wps="http://schemas.microsoft.com/office/word/2010/wordprocessingShape" xmlns:wne="http://schemas.microsoft.com/office/word/2006/wordml" xmlns:wpi="http://schemas.microsoft.com/office/word/2010/wordprocessingInk" xmlns:wpg="http://schemas.microsoft.com/office/word/2010/wordprocessingGroup" xmlns:w16se="http://schemas.microsoft.com/office/word/2015/wordml/symex" xmlns:w16cid="http://schemas.microsoft.com/office/word/2016/wordml/cid" xmlns:w15="http://schemas.microsoft.com/office/word/2012/wordml" xmlns:w14="http://schemas.microsoft.com/office/word/2010/wordml" xmlns:wp="http://schemas.openxmlformats.org/drawingml/2006/wordprocessingDrawing" xmlns:wp14="http://schemas.microsoft.com/office/word/2010/wordprocessingDrawing" xmlns:m="http://schemas.openxmlformats.org/officeDocument/2006/math" xmlns:am3d="http://schemas.microsoft.com/office/drawing/2017/model3d" xmlns:aink="http://schemas.microsoft.com/office/drawing/2016/ink" xmlns:mc="http://schemas.openxmlformats.org/markup-compatibility/2006" xmlns:cx8="http://schemas.microsoft.com/office/drawing/2016/5/14/chartex" xmlns:cx7="http://schemas.microsoft.com/office/drawing/2016/5/13/chartex" xmlns:cx6="http://schemas.microsoft.com/office/drawing/2016/5/12/chartex" xmlns:cx5="http://schemas.microsoft.com/office/drawing/2016/5/11/chartex" xmlns:cx4="http://schemas.microsoft.com/office/drawing/2016/5/10/chartex" xmlns:cx3="http://schemas.microsoft.com/office/drawing/2016/5/9/chartex" xmlns:cx2="http://schemas.microsoft.com/office/drawing/2015/10/21/chartex" xmlns:cx1="http://schemas.microsoft.com/office/drawing/2015/9/8/chartex" xmlns:cx="http://schemas.microsoft.com/office/drawing/2014/chartex" xmlns:wpc="http://schemas.microsoft.com/office/word/2010/wordprocessingCanvas">
+                <a14:hiddenEffects xmlns:wpc="http://schemas.microsoft.com/office/word/2010/wordprocessingCanvas" xmlns:cx="http://schemas.microsoft.com/office/drawing/2014/chartex" xmlns:cx1="http://schemas.microsoft.com/office/drawing/2015/9/8/chartex" xmlns:cx2="http://schemas.microsoft.com/office/drawing/2015/10/21/chartex" xmlns:cx3="http://schemas.microsoft.com/office/drawing/2016/5/9/chartex" xmlns:cx4="http://schemas.microsoft.com/office/drawing/2016/5/10/chartex" xmlns:cx5="http://schemas.microsoft.com/office/drawing/2016/5/11/chartex" xmlns:cx6="http://schemas.microsoft.com/office/drawing/2016/5/12/chartex" xmlns:cx7="http://schemas.microsoft.com/office/drawing/2016/5/13/chartex" xmlns:cx8="http://schemas.microsoft.com/office/drawing/2016/5/14/chartex" xmlns:mc="http://schemas.openxmlformats.org/markup-compatibility/2006" xmlns:aink="http://schemas.microsoft.com/office/drawing/2016/ink" xmlns:am3d="http://schemas.microsoft.com/office/drawing/2017/model3d" xmlns:m="http://schemas.openxmlformats.org/officeDocument/2006/math" xmlns:wp14="http://schemas.microsoft.com/office/word/2010/wordprocessingDrawing" xmlns:wp="http://schemas.openxmlformats.org/drawingml/2006/wordprocessingDrawing" xmlns:w14="http://schemas.microsoft.com/office/word/2010/wordml" xmlns:w15="http://schemas.microsoft.com/office/word/2012/wordml" xmlns:w16cid="http://schemas.microsoft.com/office/word/2016/wordml/cid" xmlns:w16se="http://schemas.microsoft.com/office/word/2015/wordml/symex" xmlns:wpg="http://schemas.microsoft.com/office/word/2010/wordprocessingGroup" xmlns:wpi="http://schemas.microsoft.com/office/word/2010/wordprocessingInk" xmlns:wne="http://schemas.microsoft.com/office/word/2006/wordml" xmlns:wps="http://schemas.microsoft.com/office/word/2010/wordprocessingShape" xmlns="" xmlns:mo="http://schemas.microsoft.com/office/mac/office/2008/main" xmlns:mv="urn:schemas-microsoft-com:mac:vml" xmlns:o="urn:schemas-microsoft-com:office:office" xmlns:v="urn:schemas-microsoft-com:vml" xmlns:w10="urn:schemas-microsoft-com:office:word" xmlns:w="http://schemas.openxmlformats.org/wordprocessingml/2006/main" xmlns:a14="http://schemas.microsoft.com/office/drawing/2010/main" xmlns:ma14="http://schemas.microsoft.com/office/mac/drawingml/2011/main" xmlns:pic="http://schemas.openxmlformats.org/drawingml/2006/picture" xmlns:lc="http://schemas.openxmlformats.org/drawingml/2006/lockedCanvas">
                   <a:effectLst>
                     <a:outerShdw blurRad="63500" dist="38099" dir="2700000" algn="ctr" rotWithShape="0">
                       <a:schemeClr val="bg2">
@@ -9692,12 +9972,1310 @@
               <a:t> </a:t>
             </a:r>
           </a:p>
+          <a:p>
+            <a:endParaRPr lang="pt-BR" sz="2000" dirty="0"/>
+          </a:p>
         </p:txBody>
       </p:sp>
     </p:spTree>
     <p:extLst>
       <p:ext uri="{BB962C8B-B14F-4D97-AF65-F5344CB8AC3E}">
         <p14:creationId xmlns:p14="http://schemas.microsoft.com/office/powerpoint/2010/main" val="3272187284"/>
+      </p:ext>
+    </p:extLst>
+  </p:cSld>
+  <p:clrMapOvr>
+    <a:masterClrMapping/>
+  </p:clrMapOvr>
+</p:sld>
+</file>
+
+<file path=ppt/slides/slide3.xml><?xml version="1.0" encoding="utf-8"?>
+<p:sld xmlns:a="http://schemas.openxmlformats.org/drawingml/2006/main" xmlns:r="http://schemas.openxmlformats.org/officeDocument/2006/relationships" xmlns:p="http://schemas.openxmlformats.org/presentationml/2006/main">
+  <p:cSld>
+    <p:spTree>
+      <p:nvGrpSpPr>
+        <p:cNvPr id="1" name=""/>
+        <p:cNvGrpSpPr/>
+        <p:nvPr/>
+      </p:nvGrpSpPr>
+      <p:grpSpPr>
+        <a:xfrm>
+          <a:off x="0" y="0"/>
+          <a:ext cx="0" cy="0"/>
+          <a:chOff x="0" y="0"/>
+          <a:chExt cx="0" cy="0"/>
+        </a:xfrm>
+      </p:grpSpPr>
+      <p:sp>
+        <p:nvSpPr>
+          <p:cNvPr id="2" name="Título 1">
+            <a:extLst>
+              <a:ext uri="{FF2B5EF4-FFF2-40B4-BE49-F238E27FC236}">
+                <a16:creationId xmlns:a16="http://schemas.microsoft.com/office/drawing/2014/main" id="{8D1C74D5-6A25-7B38-9852-00C0895DAFCB}"/>
+              </a:ext>
+            </a:extLst>
+          </p:cNvPr>
+          <p:cNvSpPr>
+            <a:spLocks noGrp="1"/>
+          </p:cNvSpPr>
+          <p:nvPr>
+            <p:ph type="title"/>
+          </p:nvPr>
+        </p:nvSpPr>
+        <p:spPr/>
+        <p:txBody>
+          <a:bodyPr/>
+          <a:lstStyle/>
+          <a:p>
+            <a:r>
+              <a:rPr lang="pt-BR" dirty="0"/>
+              <a:t>Passos</a:t>
+            </a:r>
+          </a:p>
+        </p:txBody>
+      </p:sp>
+      <p:sp>
+        <p:nvSpPr>
+          <p:cNvPr id="3" name="Espaço Reservado para Conteúdo 2">
+            <a:extLst>
+              <a:ext uri="{FF2B5EF4-FFF2-40B4-BE49-F238E27FC236}">
+                <a16:creationId xmlns:a16="http://schemas.microsoft.com/office/drawing/2014/main" id="{885C8590-0119-4ABD-275A-DA404D323F6A}"/>
+              </a:ext>
+            </a:extLst>
+          </p:cNvPr>
+          <p:cNvSpPr>
+            <a:spLocks noGrp="1"/>
+          </p:cNvSpPr>
+          <p:nvPr>
+            <p:ph idx="1"/>
+          </p:nvPr>
+        </p:nvSpPr>
+        <p:spPr/>
+        <p:txBody>
+          <a:bodyPr/>
+          <a:lstStyle/>
+          <a:p>
+            <a:pPr marL="514350" indent="-514350">
+              <a:buFont typeface="+mj-lt"/>
+              <a:buAutoNum type="arabicPeriod"/>
+            </a:pPr>
+            <a:r>
+              <a:rPr lang="pt-BR" dirty="0"/>
+              <a:t>Criar projeto </a:t>
+            </a:r>
+            <a:r>
+              <a:rPr lang="pt-BR" dirty="0" err="1"/>
+              <a:t>flutter</a:t>
+            </a:r>
+            <a:r>
+              <a:rPr lang="pt-BR" dirty="0"/>
+              <a:t> no VS </a:t>
+            </a:r>
+            <a:r>
+              <a:rPr lang="pt-BR" dirty="0" err="1"/>
+              <a:t>Code</a:t>
+            </a:r>
+            <a:endParaRPr lang="pt-BR" dirty="0"/>
+          </a:p>
+          <a:p>
+            <a:pPr marL="514350" indent="-514350">
+              <a:buFont typeface="+mj-lt"/>
+              <a:buAutoNum type="arabicPeriod"/>
+            </a:pPr>
+            <a:r>
+              <a:rPr lang="pt-BR" dirty="0"/>
+              <a:t>Criar projeto no </a:t>
+            </a:r>
+            <a:r>
+              <a:rPr lang="pt-BR" dirty="0" err="1"/>
+              <a:t>firebase</a:t>
+            </a:r>
+            <a:r>
+              <a:rPr lang="pt-BR" dirty="0"/>
+              <a:t>.</a:t>
+            </a:r>
+          </a:p>
+          <a:p>
+            <a:pPr marL="514350" indent="-514350">
+              <a:buFont typeface="+mj-lt"/>
+              <a:buAutoNum type="arabicPeriod"/>
+            </a:pPr>
+            <a:r>
+              <a:rPr lang="pt-BR" dirty="0"/>
+              <a:t>Criar aplicação </a:t>
+            </a:r>
+            <a:r>
+              <a:rPr lang="pt-BR" dirty="0" err="1"/>
+              <a:t>android</a:t>
+            </a:r>
+            <a:r>
+              <a:rPr lang="pt-BR" dirty="0"/>
+              <a:t> no </a:t>
+            </a:r>
+            <a:r>
+              <a:rPr lang="pt-BR" dirty="0" err="1"/>
+              <a:t>firebase</a:t>
+            </a:r>
+            <a:r>
+              <a:rPr lang="pt-BR" dirty="0"/>
+              <a:t>.</a:t>
+            </a:r>
+          </a:p>
+          <a:p>
+            <a:pPr marL="514350" indent="-514350">
+              <a:buFont typeface="+mj-lt"/>
+              <a:buAutoNum type="arabicPeriod"/>
+            </a:pPr>
+            <a:r>
+              <a:rPr lang="pt-BR" dirty="0"/>
+              <a:t>Copiar </a:t>
+            </a:r>
+            <a:r>
+              <a:rPr lang="pt-BR" b="1" dirty="0"/>
+              <a:t>google-</a:t>
+            </a:r>
+            <a:r>
+              <a:rPr lang="pt-BR" b="1" dirty="0" err="1"/>
+              <a:t>services.json</a:t>
+            </a:r>
+            <a:r>
+              <a:rPr lang="pt-BR" dirty="0"/>
+              <a:t> para </a:t>
+            </a:r>
+            <a:r>
+              <a:rPr lang="pt-BR" dirty="0" err="1"/>
+              <a:t>android</a:t>
+            </a:r>
+            <a:r>
+              <a:rPr lang="pt-BR" dirty="0"/>
+              <a:t>/app</a:t>
+            </a:r>
+          </a:p>
+          <a:p>
+            <a:pPr marL="514350" indent="-514350">
+              <a:buFont typeface="+mj-lt"/>
+              <a:buAutoNum type="arabicPeriod"/>
+            </a:pPr>
+            <a:r>
+              <a:rPr lang="pt-BR" dirty="0"/>
+              <a:t>Configurar o </a:t>
+            </a:r>
+            <a:r>
+              <a:rPr lang="pt-BR" dirty="0" err="1"/>
+              <a:t>firestore</a:t>
+            </a:r>
+            <a:endParaRPr lang="pt-BR" dirty="0"/>
+          </a:p>
+          <a:p>
+            <a:pPr marL="514350" indent="-514350">
+              <a:buFont typeface="+mj-lt"/>
+              <a:buAutoNum type="arabicPeriod"/>
+            </a:pPr>
+            <a:endParaRPr lang="pt-BR" b="1" dirty="0"/>
+          </a:p>
+        </p:txBody>
+      </p:sp>
+    </p:spTree>
+    <p:extLst>
+      <p:ext uri="{BB962C8B-B14F-4D97-AF65-F5344CB8AC3E}">
+        <p14:creationId xmlns:p14="http://schemas.microsoft.com/office/powerpoint/2010/main" val="2272576615"/>
+      </p:ext>
+    </p:extLst>
+  </p:cSld>
+  <p:clrMapOvr>
+    <a:masterClrMapping/>
+  </p:clrMapOvr>
+</p:sld>
+</file>
+
+<file path=ppt/slides/slide4.xml><?xml version="1.0" encoding="utf-8"?>
+<p:sld xmlns:a="http://schemas.openxmlformats.org/drawingml/2006/main" xmlns:r="http://schemas.openxmlformats.org/officeDocument/2006/relationships" xmlns:p="http://schemas.openxmlformats.org/presentationml/2006/main">
+  <p:cSld>
+    <p:bg>
+      <p:bgPr>
+        <a:solidFill>
+          <a:schemeClr val="bg1"/>
+        </a:solidFill>
+        <a:effectLst/>
+      </p:bgPr>
+    </p:bg>
+    <p:spTree>
+      <p:nvGrpSpPr>
+        <p:cNvPr id="1" name=""/>
+        <p:cNvGrpSpPr/>
+        <p:nvPr/>
+      </p:nvGrpSpPr>
+      <p:grpSpPr>
+        <a:xfrm>
+          <a:off x="0" y="0"/>
+          <a:ext cx="0" cy="0"/>
+          <a:chOff x="0" y="0"/>
+          <a:chExt cx="0" cy="0"/>
+        </a:xfrm>
+      </p:grpSpPr>
+      <p:sp>
+        <p:nvSpPr>
+          <p:cNvPr id="10" name="Slide Background">
+            <a:extLst>
+              <a:ext uri="{FF2B5EF4-FFF2-40B4-BE49-F238E27FC236}">
+                <a16:creationId xmlns:a16="http://schemas.microsoft.com/office/drawing/2014/main" id="{90D0877E-6CD0-4206-8A18-56CEE73EFBF9}"/>
+              </a:ext>
+              <a:ext uri="{C183D7F6-B498-43B3-948B-1728B52AA6E4}">
+                <adec:decorative xmlns:adec="http://schemas.microsoft.com/office/drawing/2017/decorative" val="1"/>
+              </a:ext>
+            </a:extLst>
+          </p:cNvPr>
+          <p:cNvSpPr>
+            <a:spLocks noGrp="1" noRot="1" noChangeAspect="1" noMove="1" noResize="1" noEditPoints="1" noAdjustHandles="1" noChangeArrowheads="1" noChangeShapeType="1" noTextEdit="1"/>
+          </p:cNvSpPr>
+          <p:nvPr>
+            <p:extLst>
+              <p:ext uri="{386F3935-93C4-4BCD-93E2-E3B085C9AB24}">
+                <p16:designElem xmlns:p16="http://schemas.microsoft.com/office/powerpoint/2015/main" val="1"/>
+              </p:ext>
+            </p:extLst>
+          </p:nvPr>
+        </p:nvSpPr>
+        <p:spPr bwMode="white">
+          <a:xfrm>
+            <a:off x="-1" y="0"/>
+            <a:ext cx="12191999" cy="6858000"/>
+          </a:xfrm>
+          <a:prstGeom prst="rect">
+            <a:avLst/>
+          </a:prstGeom>
+          <a:solidFill>
+            <a:srgbClr val="FFFFFF"/>
+          </a:solidFill>
+          <a:ln>
+            <a:noFill/>
+          </a:ln>
+        </p:spPr>
+        <p:style>
+          <a:lnRef idx="2">
+            <a:schemeClr val="accent1">
+              <a:shade val="50000"/>
+            </a:schemeClr>
+          </a:lnRef>
+          <a:fillRef idx="1">
+            <a:schemeClr val="accent1"/>
+          </a:fillRef>
+          <a:effectRef idx="0">
+            <a:schemeClr val="accent1"/>
+          </a:effectRef>
+          <a:fontRef idx="minor">
+            <a:schemeClr val="lt1"/>
+          </a:fontRef>
+        </p:style>
+        <p:txBody>
+          <a:bodyPr rtlCol="0" anchor="ctr"/>
+          <a:lstStyle>
+            <a:defPPr>
+              <a:defRPr lang="en-US"/>
+            </a:defPPr>
+            <a:lvl1pPr marL="0" algn="l" defTabSz="914400" rtl="0" eaLnBrk="1" latinLnBrk="0" hangingPunct="1">
+              <a:defRPr sz="1800" kern="1200">
+                <a:solidFill>
+                  <a:schemeClr val="lt1"/>
+                </a:solidFill>
+                <a:latin typeface="+mn-lt"/>
+                <a:ea typeface="+mn-ea"/>
+                <a:cs typeface="+mn-cs"/>
+              </a:defRPr>
+            </a:lvl1pPr>
+            <a:lvl2pPr marL="457200" algn="l" defTabSz="914400" rtl="0" eaLnBrk="1" latinLnBrk="0" hangingPunct="1">
+              <a:defRPr sz="1800" kern="1200">
+                <a:solidFill>
+                  <a:schemeClr val="lt1"/>
+                </a:solidFill>
+                <a:latin typeface="+mn-lt"/>
+                <a:ea typeface="+mn-ea"/>
+                <a:cs typeface="+mn-cs"/>
+              </a:defRPr>
+            </a:lvl2pPr>
+            <a:lvl3pPr marL="914400" algn="l" defTabSz="914400" rtl="0" eaLnBrk="1" latinLnBrk="0" hangingPunct="1">
+              <a:defRPr sz="1800" kern="1200">
+                <a:solidFill>
+                  <a:schemeClr val="lt1"/>
+                </a:solidFill>
+                <a:latin typeface="+mn-lt"/>
+                <a:ea typeface="+mn-ea"/>
+                <a:cs typeface="+mn-cs"/>
+              </a:defRPr>
+            </a:lvl3pPr>
+            <a:lvl4pPr marL="1371600" algn="l" defTabSz="914400" rtl="0" eaLnBrk="1" latinLnBrk="0" hangingPunct="1">
+              <a:defRPr sz="1800" kern="1200">
+                <a:solidFill>
+                  <a:schemeClr val="lt1"/>
+                </a:solidFill>
+                <a:latin typeface="+mn-lt"/>
+                <a:ea typeface="+mn-ea"/>
+                <a:cs typeface="+mn-cs"/>
+              </a:defRPr>
+            </a:lvl4pPr>
+            <a:lvl5pPr marL="1828800" algn="l" defTabSz="914400" rtl="0" eaLnBrk="1" latinLnBrk="0" hangingPunct="1">
+              <a:defRPr sz="1800" kern="1200">
+                <a:solidFill>
+                  <a:schemeClr val="lt1"/>
+                </a:solidFill>
+                <a:latin typeface="+mn-lt"/>
+                <a:ea typeface="+mn-ea"/>
+                <a:cs typeface="+mn-cs"/>
+              </a:defRPr>
+            </a:lvl5pPr>
+            <a:lvl6pPr marL="2286000" algn="l" defTabSz="914400" rtl="0" eaLnBrk="1" latinLnBrk="0" hangingPunct="1">
+              <a:defRPr sz="1800" kern="1200">
+                <a:solidFill>
+                  <a:schemeClr val="lt1"/>
+                </a:solidFill>
+                <a:latin typeface="+mn-lt"/>
+                <a:ea typeface="+mn-ea"/>
+                <a:cs typeface="+mn-cs"/>
+              </a:defRPr>
+            </a:lvl6pPr>
+            <a:lvl7pPr marL="2743200" algn="l" defTabSz="914400" rtl="0" eaLnBrk="1" latinLnBrk="0" hangingPunct="1">
+              <a:defRPr sz="1800" kern="1200">
+                <a:solidFill>
+                  <a:schemeClr val="lt1"/>
+                </a:solidFill>
+                <a:latin typeface="+mn-lt"/>
+                <a:ea typeface="+mn-ea"/>
+                <a:cs typeface="+mn-cs"/>
+              </a:defRPr>
+            </a:lvl7pPr>
+            <a:lvl8pPr marL="3200400" algn="l" defTabSz="914400" rtl="0" eaLnBrk="1" latinLnBrk="0" hangingPunct="1">
+              <a:defRPr sz="1800" kern="1200">
+                <a:solidFill>
+                  <a:schemeClr val="lt1"/>
+                </a:solidFill>
+                <a:latin typeface="+mn-lt"/>
+                <a:ea typeface="+mn-ea"/>
+                <a:cs typeface="+mn-cs"/>
+              </a:defRPr>
+            </a:lvl8pPr>
+            <a:lvl9pPr marL="3657600" algn="l" defTabSz="914400" rtl="0" eaLnBrk="1" latinLnBrk="0" hangingPunct="1">
+              <a:defRPr sz="1800" kern="1200">
+                <a:solidFill>
+                  <a:schemeClr val="lt1"/>
+                </a:solidFill>
+                <a:latin typeface="+mn-lt"/>
+                <a:ea typeface="+mn-ea"/>
+                <a:cs typeface="+mn-cs"/>
+              </a:defRPr>
+            </a:lvl9pPr>
+          </a:lstStyle>
+          <a:p>
+            <a:pPr algn="ctr"/>
+            <a:endParaRPr lang="en-US"/>
+          </a:p>
+        </p:txBody>
+      </p:sp>
+      <p:sp useBgFill="1">
+        <p:nvSpPr>
+          <p:cNvPr id="12" name="Rectangle 11">
+            <a:extLst>
+              <a:ext uri="{FF2B5EF4-FFF2-40B4-BE49-F238E27FC236}">
+                <a16:creationId xmlns:a16="http://schemas.microsoft.com/office/drawing/2014/main" id="{E18AC0D4-F32D-4067-9F63-E553F4AFFF0E}"/>
+              </a:ext>
+              <a:ext uri="{C183D7F6-B498-43B3-948B-1728B52AA6E4}">
+                <adec:decorative xmlns:adec="http://schemas.microsoft.com/office/drawing/2017/decorative" val="1"/>
+              </a:ext>
+            </a:extLst>
+          </p:cNvPr>
+          <p:cNvSpPr>
+            <a:spLocks noGrp="1" noRot="1" noChangeAspect="1" noMove="1" noResize="1" noEditPoints="1" noAdjustHandles="1" noChangeArrowheads="1" noChangeShapeType="1" noTextEdit="1"/>
+          </p:cNvSpPr>
+          <p:nvPr>
+            <p:extLst>
+              <p:ext uri="{386F3935-93C4-4BCD-93E2-E3B085C9AB24}">
+                <p16:designElem xmlns:p16="http://schemas.microsoft.com/office/powerpoint/2015/main" val="1"/>
+              </p:ext>
+            </p:extLst>
+          </p:nvPr>
+        </p:nvSpPr>
+        <p:spPr>
+          <a:xfrm>
+            <a:off x="-1" y="0"/>
+            <a:ext cx="12192000" cy="2806021"/>
+          </a:xfrm>
+          <a:prstGeom prst="rect">
+            <a:avLst/>
+          </a:prstGeom>
+          <a:ln>
+            <a:noFill/>
+          </a:ln>
+          <a:effectLst>
+            <a:outerShdw blurRad="254000" dist="127000" dir="5460000" sx="92000" sy="92000" algn="t" rotWithShape="0">
+              <a:srgbClr val="000000">
+                <a:alpha val="30000"/>
+              </a:srgbClr>
+            </a:outerShdw>
+          </a:effectLst>
+        </p:spPr>
+        <p:style>
+          <a:lnRef idx="2">
+            <a:schemeClr val="accent1">
+              <a:shade val="50000"/>
+            </a:schemeClr>
+          </a:lnRef>
+          <a:fillRef idx="1">
+            <a:schemeClr val="accent1"/>
+          </a:fillRef>
+          <a:effectRef idx="0">
+            <a:schemeClr val="accent1"/>
+          </a:effectRef>
+          <a:fontRef idx="minor">
+            <a:schemeClr val="lt1"/>
+          </a:fontRef>
+        </p:style>
+        <p:txBody>
+          <a:bodyPr rtlCol="0" anchor="ctr"/>
+          <a:lstStyle/>
+          <a:p>
+            <a:pPr algn="ctr"/>
+            <a:endParaRPr lang="en-US" dirty="0"/>
+          </a:p>
+        </p:txBody>
+      </p:sp>
+      <p:sp>
+        <p:nvSpPr>
+          <p:cNvPr id="2" name="Título 1">
+            <a:extLst>
+              <a:ext uri="{FF2B5EF4-FFF2-40B4-BE49-F238E27FC236}">
+                <a16:creationId xmlns:a16="http://schemas.microsoft.com/office/drawing/2014/main" id="{8DC68BC6-E0E9-2E9A-62BB-0F61D2485CAA}"/>
+              </a:ext>
+            </a:extLst>
+          </p:cNvPr>
+          <p:cNvSpPr>
+            <a:spLocks noGrp="1"/>
+          </p:cNvSpPr>
+          <p:nvPr>
+            <p:ph type="title"/>
+          </p:nvPr>
+        </p:nvSpPr>
+        <p:spPr>
+          <a:xfrm>
+            <a:off x="761802" y="342306"/>
+            <a:ext cx="4703816" cy="2121408"/>
+          </a:xfrm>
+        </p:spPr>
+        <p:txBody>
+          <a:bodyPr anchor="ctr">
+            <a:normAutofit/>
+          </a:bodyPr>
+          <a:lstStyle/>
+          <a:p>
+            <a:r>
+              <a:rPr lang="pt-BR" sz="4000"/>
+              <a:t>Configurar o firestore</a:t>
+            </a:r>
+          </a:p>
+        </p:txBody>
+      </p:sp>
+      <p:sp>
+        <p:nvSpPr>
+          <p:cNvPr id="3" name="Espaço Reservado para Conteúdo 2">
+            <a:extLst>
+              <a:ext uri="{FF2B5EF4-FFF2-40B4-BE49-F238E27FC236}">
+                <a16:creationId xmlns:a16="http://schemas.microsoft.com/office/drawing/2014/main" id="{4EB28768-F71A-7EEE-0A49-37F4C7EC2B52}"/>
+              </a:ext>
+            </a:extLst>
+          </p:cNvPr>
+          <p:cNvSpPr>
+            <a:spLocks noGrp="1"/>
+          </p:cNvSpPr>
+          <p:nvPr>
+            <p:ph idx="1"/>
+          </p:nvPr>
+        </p:nvSpPr>
+        <p:spPr>
+          <a:xfrm>
+            <a:off x="5465618" y="342306"/>
+            <a:ext cx="6653245" cy="2570717"/>
+          </a:xfrm>
+        </p:spPr>
+        <p:txBody>
+          <a:bodyPr anchor="ctr">
+            <a:normAutofit/>
+          </a:bodyPr>
+          <a:lstStyle/>
+          <a:p>
+            <a:r>
+              <a:rPr lang="pt-BR" sz="2000" dirty="0"/>
+              <a:t>No painel esquerdo do Console do </a:t>
+            </a:r>
+            <a:r>
+              <a:rPr lang="pt-BR" sz="2000" dirty="0" err="1"/>
+              <a:t>Firebase</a:t>
+            </a:r>
+            <a:r>
+              <a:rPr lang="pt-BR" sz="2000" dirty="0"/>
+              <a:t>, expanda Build e selecione </a:t>
+            </a:r>
+            <a:r>
+              <a:rPr lang="pt-BR" sz="2000" dirty="0" err="1"/>
+              <a:t>Firestore</a:t>
+            </a:r>
+            <a:r>
+              <a:rPr lang="pt-BR" sz="2000" dirty="0"/>
+              <a:t> </a:t>
+            </a:r>
+            <a:r>
+              <a:rPr lang="pt-BR" sz="2000" dirty="0" err="1"/>
+              <a:t>Database</a:t>
+            </a:r>
+            <a:r>
+              <a:rPr lang="pt-BR" sz="2000" dirty="0"/>
+              <a:t>.</a:t>
+            </a:r>
+          </a:p>
+          <a:p>
+            <a:r>
+              <a:rPr lang="pt-BR" sz="2000" dirty="0"/>
+              <a:t>Clique em Criar banco de dados.</a:t>
+            </a:r>
+          </a:p>
+          <a:p>
+            <a:r>
+              <a:rPr lang="pt-BR" sz="2000" dirty="0"/>
+              <a:t>Deixe o ID do banco de dados definido como (default).</a:t>
+            </a:r>
+          </a:p>
+          <a:p>
+            <a:r>
+              <a:rPr lang="pt-BR" sz="2000" dirty="0"/>
+              <a:t>Selecione um local para o banco de dados e clique em Próxima.</a:t>
+            </a:r>
+          </a:p>
+          <a:p>
+            <a:endParaRPr lang="pt-BR" sz="2000" dirty="0"/>
+          </a:p>
+        </p:txBody>
+      </p:sp>
+      <p:pic>
+        <p:nvPicPr>
+          <p:cNvPr id="5" name="Imagem 4">
+            <a:extLst>
+              <a:ext uri="{FF2B5EF4-FFF2-40B4-BE49-F238E27FC236}">
+                <a16:creationId xmlns:a16="http://schemas.microsoft.com/office/drawing/2014/main" id="{E030C2AB-66DC-3EBC-4C54-2F8D115197C9}"/>
+              </a:ext>
+            </a:extLst>
+          </p:cNvPr>
+          <p:cNvPicPr>
+            <a:picLocks noChangeAspect="1"/>
+          </p:cNvPicPr>
+          <p:nvPr/>
+        </p:nvPicPr>
+        <p:blipFill>
+          <a:blip r:embed="rId2"/>
+          <a:stretch>
+            <a:fillRect/>
+          </a:stretch>
+        </p:blipFill>
+        <p:spPr>
+          <a:xfrm>
+            <a:off x="73133" y="2913024"/>
+            <a:ext cx="12045730" cy="3944976"/>
+          </a:xfrm>
+          <a:prstGeom prst="rect">
+            <a:avLst/>
+          </a:prstGeom>
+          <a:effectLst/>
+        </p:spPr>
+      </p:pic>
+    </p:spTree>
+    <p:extLst>
+      <p:ext uri="{BB962C8B-B14F-4D97-AF65-F5344CB8AC3E}">
+        <p14:creationId xmlns:p14="http://schemas.microsoft.com/office/powerpoint/2010/main" val="3118822220"/>
+      </p:ext>
+    </p:extLst>
+  </p:cSld>
+  <p:clrMapOvr>
+    <a:masterClrMapping/>
+  </p:clrMapOvr>
+</p:sld>
+</file>
+
+<file path=ppt/slides/slide5.xml><?xml version="1.0" encoding="utf-8"?>
+<p:sld xmlns:a="http://schemas.openxmlformats.org/drawingml/2006/main" xmlns:r="http://schemas.openxmlformats.org/officeDocument/2006/relationships" xmlns:p="http://schemas.openxmlformats.org/presentationml/2006/main">
+  <p:cSld>
+    <p:spTree>
+      <p:nvGrpSpPr>
+        <p:cNvPr id="1" name=""/>
+        <p:cNvGrpSpPr/>
+        <p:nvPr/>
+      </p:nvGrpSpPr>
+      <p:grpSpPr>
+        <a:xfrm>
+          <a:off x="0" y="0"/>
+          <a:ext cx="0" cy="0"/>
+          <a:chOff x="0" y="0"/>
+          <a:chExt cx="0" cy="0"/>
+        </a:xfrm>
+      </p:grpSpPr>
+      <p:sp>
+        <p:nvSpPr>
+          <p:cNvPr id="2" name="Título 1">
+            <a:extLst>
+              <a:ext uri="{FF2B5EF4-FFF2-40B4-BE49-F238E27FC236}">
+                <a16:creationId xmlns:a16="http://schemas.microsoft.com/office/drawing/2014/main" id="{51E76BAB-0302-55E3-38C4-D4ECD10C1A92}"/>
+              </a:ext>
+            </a:extLst>
+          </p:cNvPr>
+          <p:cNvSpPr>
+            <a:spLocks noGrp="1"/>
+          </p:cNvSpPr>
+          <p:nvPr>
+            <p:ph type="title"/>
+          </p:nvPr>
+        </p:nvSpPr>
+        <p:spPr/>
+        <p:txBody>
+          <a:bodyPr/>
+          <a:lstStyle/>
+          <a:p>
+            <a:r>
+              <a:rPr lang="pt-BR" dirty="0"/>
+              <a:t>Adicione as dependências do </a:t>
+            </a:r>
+            <a:r>
+              <a:rPr lang="pt-BR" dirty="0" err="1"/>
+              <a:t>firebase</a:t>
+            </a:r>
+            <a:endParaRPr lang="pt-BR" dirty="0"/>
+          </a:p>
+        </p:txBody>
+      </p:sp>
+      <p:sp>
+        <p:nvSpPr>
+          <p:cNvPr id="3" name="Espaço Reservado para Conteúdo 2">
+            <a:extLst>
+              <a:ext uri="{FF2B5EF4-FFF2-40B4-BE49-F238E27FC236}">
+                <a16:creationId xmlns:a16="http://schemas.microsoft.com/office/drawing/2014/main" id="{E66AC24F-B534-82E0-04DC-CED3B73EA862}"/>
+              </a:ext>
+            </a:extLst>
+          </p:cNvPr>
+          <p:cNvSpPr>
+            <a:spLocks noGrp="1"/>
+          </p:cNvSpPr>
+          <p:nvPr>
+            <p:ph idx="1"/>
+          </p:nvPr>
+        </p:nvSpPr>
+        <p:spPr/>
+        <p:txBody>
+          <a:bodyPr/>
+          <a:lstStyle/>
+          <a:p>
+            <a:r>
+              <a:rPr lang="pt-BR" dirty="0" err="1"/>
+              <a:t>Flutterfire</a:t>
+            </a:r>
+            <a:endParaRPr lang="pt-BR" dirty="0"/>
+          </a:p>
+          <a:p>
+            <a:pPr lvl="1"/>
+            <a:r>
+              <a:rPr lang="en-US" dirty="0"/>
+              <a:t>flutter pub add </a:t>
+            </a:r>
+            <a:r>
+              <a:rPr lang="en-US" dirty="0" err="1"/>
+              <a:t>firebase_core</a:t>
+            </a:r>
+            <a:endParaRPr lang="en-US" dirty="0"/>
+          </a:p>
+          <a:p>
+            <a:pPr lvl="1"/>
+            <a:r>
+              <a:rPr lang="en-US" dirty="0"/>
+              <a:t>flutter pub add </a:t>
+            </a:r>
+            <a:r>
+              <a:rPr lang="en-US" dirty="0" err="1"/>
+              <a:t>firebase_auth</a:t>
+            </a:r>
+            <a:r>
+              <a:rPr lang="en-US" dirty="0"/>
+              <a:t> (</a:t>
+            </a:r>
+            <a:r>
+              <a:rPr lang="en-US" dirty="0" err="1"/>
+              <a:t>opcional</a:t>
+            </a:r>
+            <a:r>
+              <a:rPr lang="en-US" dirty="0"/>
+              <a:t> se for usar </a:t>
+            </a:r>
+            <a:r>
+              <a:rPr lang="en-US" dirty="0" err="1"/>
+              <a:t>autenticação</a:t>
+            </a:r>
+            <a:r>
+              <a:rPr lang="en-US" dirty="0"/>
+              <a:t>)</a:t>
+            </a:r>
+          </a:p>
+          <a:p>
+            <a:pPr lvl="1"/>
+            <a:r>
+              <a:rPr lang="pt-BR" dirty="0" err="1"/>
+              <a:t>flutter</a:t>
+            </a:r>
+            <a:r>
+              <a:rPr lang="pt-BR" dirty="0"/>
+              <a:t> pub </a:t>
+            </a:r>
+            <a:r>
+              <a:rPr lang="pt-BR" dirty="0" err="1"/>
+              <a:t>add</a:t>
+            </a:r>
+            <a:r>
+              <a:rPr lang="pt-BR" dirty="0"/>
+              <a:t> </a:t>
+            </a:r>
+            <a:r>
+              <a:rPr lang="pt-BR" dirty="0" err="1"/>
+              <a:t>cloud_firestore</a:t>
+            </a:r>
+            <a:endParaRPr lang="pt-BR" dirty="0"/>
+          </a:p>
+          <a:p>
+            <a:pPr lvl="1"/>
+            <a:r>
+              <a:rPr lang="pt-BR" dirty="0" err="1"/>
+              <a:t>flutter</a:t>
+            </a:r>
+            <a:r>
+              <a:rPr lang="pt-BR" dirty="0"/>
+              <a:t> pub </a:t>
+            </a:r>
+            <a:r>
+              <a:rPr lang="pt-BR" dirty="0" err="1"/>
+              <a:t>add</a:t>
+            </a:r>
+            <a:r>
+              <a:rPr lang="pt-BR" dirty="0"/>
+              <a:t> </a:t>
+            </a:r>
+            <a:r>
+              <a:rPr lang="pt-BR" dirty="0" err="1"/>
+              <a:t>provider</a:t>
+            </a:r>
+            <a:endParaRPr lang="pt-BR" dirty="0"/>
+          </a:p>
+          <a:p>
+            <a:r>
+              <a:rPr lang="pt-BR" dirty="0"/>
+              <a:t>Instalar o </a:t>
+            </a:r>
+            <a:r>
+              <a:rPr lang="pt-BR" dirty="0" err="1"/>
+              <a:t>Flutterfire</a:t>
+            </a:r>
+            <a:r>
+              <a:rPr lang="pt-BR" dirty="0"/>
+              <a:t> CLI:</a:t>
+            </a:r>
+          </a:p>
+          <a:p>
+            <a:pPr lvl="1"/>
+            <a:r>
+              <a:rPr lang="pt-BR" dirty="0" err="1"/>
+              <a:t>dart</a:t>
+            </a:r>
+            <a:r>
+              <a:rPr lang="pt-BR" dirty="0"/>
+              <a:t> pub global </a:t>
+            </a:r>
+            <a:r>
+              <a:rPr lang="pt-BR" dirty="0" err="1"/>
+              <a:t>activate</a:t>
+            </a:r>
+            <a:r>
+              <a:rPr lang="pt-BR" dirty="0"/>
+              <a:t> </a:t>
+            </a:r>
+            <a:r>
+              <a:rPr lang="pt-BR"/>
+              <a:t>flutterfire_cli</a:t>
+            </a:r>
+            <a:endParaRPr lang="pt-BR" dirty="0"/>
+          </a:p>
+        </p:txBody>
+      </p:sp>
+    </p:spTree>
+    <p:extLst>
+      <p:ext uri="{BB962C8B-B14F-4D97-AF65-F5344CB8AC3E}">
+        <p14:creationId xmlns:p14="http://schemas.microsoft.com/office/powerpoint/2010/main" val="4142286747"/>
+      </p:ext>
+    </p:extLst>
+  </p:cSld>
+  <p:clrMapOvr>
+    <a:masterClrMapping/>
+  </p:clrMapOvr>
+</p:sld>
+</file>
+
+<file path=ppt/slides/slide6.xml><?xml version="1.0" encoding="utf-8"?>
+<p:sld xmlns:a="http://schemas.openxmlformats.org/drawingml/2006/main" xmlns:r="http://schemas.openxmlformats.org/officeDocument/2006/relationships" xmlns:p="http://schemas.openxmlformats.org/presentationml/2006/main">
+  <p:cSld>
+    <p:spTree>
+      <p:nvGrpSpPr>
+        <p:cNvPr id="1" name=""/>
+        <p:cNvGrpSpPr/>
+        <p:nvPr/>
+      </p:nvGrpSpPr>
+      <p:grpSpPr>
+        <a:xfrm>
+          <a:off x="0" y="0"/>
+          <a:ext cx="0" cy="0"/>
+          <a:chOff x="0" y="0"/>
+          <a:chExt cx="0" cy="0"/>
+        </a:xfrm>
+      </p:grpSpPr>
+      <p:sp>
+        <p:nvSpPr>
+          <p:cNvPr id="2" name="Título 1">
+            <a:extLst>
+              <a:ext uri="{FF2B5EF4-FFF2-40B4-BE49-F238E27FC236}">
+                <a16:creationId xmlns:a16="http://schemas.microsoft.com/office/drawing/2014/main" id="{32E56EB5-9E01-156B-6A0F-C801316C88B6}"/>
+              </a:ext>
+            </a:extLst>
+          </p:cNvPr>
+          <p:cNvSpPr>
+            <a:spLocks noGrp="1"/>
+          </p:cNvSpPr>
+          <p:nvPr>
+            <p:ph type="title"/>
+          </p:nvPr>
+        </p:nvSpPr>
+        <p:spPr/>
+        <p:txBody>
+          <a:bodyPr/>
+          <a:lstStyle/>
+          <a:p>
+            <a:r>
+              <a:rPr lang="pt-BR" dirty="0"/>
+              <a:t>Configurar a aplicação </a:t>
+            </a:r>
+            <a:r>
+              <a:rPr lang="pt-BR" dirty="0" err="1"/>
+              <a:t>android</a:t>
+            </a:r>
+            <a:r>
+              <a:rPr lang="pt-BR" dirty="0"/>
+              <a:t> </a:t>
+            </a:r>
+            <a:br>
+              <a:rPr lang="pt-BR" dirty="0"/>
+            </a:br>
+            <a:r>
+              <a:rPr lang="pt-BR" dirty="0"/>
+              <a:t>(</a:t>
+            </a:r>
+            <a:r>
+              <a:rPr lang="pt-BR" dirty="0" err="1"/>
+              <a:t>android</a:t>
+            </a:r>
+            <a:r>
+              <a:rPr lang="pt-BR" dirty="0"/>
+              <a:t>/app)</a:t>
+            </a:r>
+          </a:p>
+        </p:txBody>
+      </p:sp>
+      <p:sp>
+        <p:nvSpPr>
+          <p:cNvPr id="3" name="Espaço Reservado para Conteúdo 2">
+            <a:extLst>
+              <a:ext uri="{FF2B5EF4-FFF2-40B4-BE49-F238E27FC236}">
+                <a16:creationId xmlns:a16="http://schemas.microsoft.com/office/drawing/2014/main" id="{B0ECB92F-416F-D2E7-0C86-6AB320F7D9D2}"/>
+              </a:ext>
+            </a:extLst>
+          </p:cNvPr>
+          <p:cNvSpPr>
+            <a:spLocks noGrp="1"/>
+          </p:cNvSpPr>
+          <p:nvPr>
+            <p:ph idx="1"/>
+          </p:nvPr>
+        </p:nvSpPr>
+        <p:spPr/>
+        <p:txBody>
+          <a:bodyPr/>
+          <a:lstStyle/>
+          <a:p>
+            <a:r>
+              <a:rPr lang="pt-BR" dirty="0"/>
+              <a:t>Alterar </a:t>
+            </a:r>
+            <a:r>
+              <a:rPr lang="pt-BR" b="0" dirty="0" err="1">
+                <a:solidFill>
+                  <a:srgbClr val="9CDCFE"/>
+                </a:solidFill>
+                <a:effectLst/>
+                <a:latin typeface="Consolas" panose="020B0609020204030204" pitchFamily="49" charset="0"/>
+              </a:rPr>
+              <a:t>applicationId</a:t>
+            </a:r>
+            <a:r>
+              <a:rPr lang="pt-BR" dirty="0"/>
+              <a:t> no </a:t>
+            </a:r>
+            <a:r>
+              <a:rPr lang="pt-BR" b="1" dirty="0" err="1"/>
+              <a:t>build.gradle</a:t>
+            </a:r>
+            <a:endParaRPr lang="pt-BR" dirty="0"/>
+          </a:p>
+          <a:p>
+            <a:r>
+              <a:rPr lang="pt-BR" dirty="0"/>
+              <a:t>Ao final do </a:t>
+            </a:r>
+            <a:r>
+              <a:rPr lang="pt-BR" dirty="0" err="1"/>
+              <a:t>build.gradle</a:t>
+            </a:r>
+            <a:r>
+              <a:rPr lang="pt-BR" dirty="0"/>
+              <a:t>, adicionar:</a:t>
+            </a:r>
+          </a:p>
+          <a:p>
+            <a:pPr marL="457200" lvl="1" indent="0">
+              <a:spcBef>
+                <a:spcPts val="0"/>
+              </a:spcBef>
+              <a:buNone/>
+            </a:pPr>
+            <a:r>
+              <a:rPr lang="pt-BR" dirty="0" err="1"/>
+              <a:t>dependencies</a:t>
+            </a:r>
+            <a:r>
+              <a:rPr lang="pt-BR" dirty="0"/>
+              <a:t> {</a:t>
+            </a:r>
+          </a:p>
+          <a:p>
+            <a:pPr marL="457200" lvl="1" indent="0">
+              <a:spcBef>
+                <a:spcPts val="0"/>
+              </a:spcBef>
+              <a:buNone/>
+            </a:pPr>
+            <a:r>
+              <a:rPr lang="pt-BR" dirty="0"/>
+              <a:t>    </a:t>
+            </a:r>
+            <a:r>
+              <a:rPr lang="pt-BR" dirty="0" err="1"/>
+              <a:t>implementation</a:t>
+            </a:r>
+            <a:r>
+              <a:rPr lang="pt-BR" dirty="0"/>
+              <a:t> "org.jetbrains.kotlin:kotlin-stdlib-jdk7:$</a:t>
+            </a:r>
+            <a:r>
+              <a:rPr lang="pt-BR" dirty="0" err="1"/>
+              <a:t>kotlin_version</a:t>
+            </a:r>
+            <a:r>
+              <a:rPr lang="pt-BR" dirty="0"/>
+              <a:t>"</a:t>
+            </a:r>
+          </a:p>
+          <a:p>
+            <a:pPr marL="457200" lvl="1" indent="0">
+              <a:spcBef>
+                <a:spcPts val="0"/>
+              </a:spcBef>
+              <a:buNone/>
+            </a:pPr>
+            <a:r>
+              <a:rPr lang="pt-BR" dirty="0"/>
+              <a:t>    </a:t>
+            </a:r>
+            <a:r>
+              <a:rPr lang="pt-BR" dirty="0" err="1"/>
+              <a:t>implementation</a:t>
+            </a:r>
+            <a:r>
+              <a:rPr lang="pt-BR" dirty="0"/>
+              <a:t>(</a:t>
+            </a:r>
+            <a:r>
+              <a:rPr lang="pt-BR" dirty="0" err="1"/>
+              <a:t>platform</a:t>
+            </a:r>
+            <a:r>
+              <a:rPr lang="pt-BR" dirty="0"/>
+              <a:t>("com.google.firebase:firebase-bom:32.7.4"))</a:t>
+            </a:r>
+          </a:p>
+          <a:p>
+            <a:pPr marL="457200" lvl="1" indent="0">
+              <a:spcBef>
+                <a:spcPts val="0"/>
+              </a:spcBef>
+              <a:buNone/>
+            </a:pPr>
+            <a:r>
+              <a:rPr lang="pt-BR" dirty="0"/>
+              <a:t>    </a:t>
+            </a:r>
+            <a:r>
+              <a:rPr lang="pt-BR" dirty="0" err="1"/>
+              <a:t>implementation</a:t>
+            </a:r>
+            <a:r>
+              <a:rPr lang="pt-BR" dirty="0"/>
+              <a:t>("</a:t>
+            </a:r>
+            <a:r>
+              <a:rPr lang="pt-BR" dirty="0" err="1"/>
+              <a:t>com.google.firebase:firebase-analytics</a:t>
+            </a:r>
+            <a:r>
+              <a:rPr lang="pt-BR" dirty="0"/>
+              <a:t>")</a:t>
+            </a:r>
+          </a:p>
+          <a:p>
+            <a:pPr marL="457200" lvl="1" indent="0">
+              <a:spcBef>
+                <a:spcPts val="0"/>
+              </a:spcBef>
+              <a:buNone/>
+            </a:pPr>
+            <a:r>
+              <a:rPr lang="pt-BR" dirty="0"/>
+              <a:t>}</a:t>
+            </a:r>
+          </a:p>
+          <a:p>
+            <a:pPr marL="457200" lvl="1" indent="0">
+              <a:spcBef>
+                <a:spcPts val="0"/>
+              </a:spcBef>
+              <a:buNone/>
+            </a:pPr>
+            <a:r>
+              <a:rPr lang="pt-BR" dirty="0" err="1"/>
+              <a:t>apply</a:t>
+            </a:r>
+            <a:r>
+              <a:rPr lang="pt-BR" dirty="0"/>
+              <a:t> plugin: '</a:t>
+            </a:r>
+            <a:r>
+              <a:rPr lang="pt-BR" dirty="0" err="1"/>
+              <a:t>com.google.gms.google-services</a:t>
+            </a:r>
+            <a:r>
+              <a:rPr lang="pt-BR" dirty="0"/>
+              <a:t>’</a:t>
+            </a:r>
+          </a:p>
+          <a:p>
+            <a:endParaRPr lang="pt-BR" dirty="0"/>
+          </a:p>
+          <a:p>
+            <a:endParaRPr lang="pt-BR" dirty="0"/>
+          </a:p>
+          <a:p>
+            <a:endParaRPr lang="pt-BR" dirty="0"/>
+          </a:p>
+          <a:p>
+            <a:pPr lvl="1"/>
+            <a:endParaRPr lang="pt-BR" dirty="0"/>
+          </a:p>
+        </p:txBody>
+      </p:sp>
+    </p:spTree>
+    <p:extLst>
+      <p:ext uri="{BB962C8B-B14F-4D97-AF65-F5344CB8AC3E}">
+        <p14:creationId xmlns:p14="http://schemas.microsoft.com/office/powerpoint/2010/main" val="1580935270"/>
+      </p:ext>
+    </p:extLst>
+  </p:cSld>
+  <p:clrMapOvr>
+    <a:masterClrMapping/>
+  </p:clrMapOvr>
+</p:sld>
+</file>
+
+<file path=ppt/slides/slide7.xml><?xml version="1.0" encoding="utf-8"?>
+<p:sld xmlns:a="http://schemas.openxmlformats.org/drawingml/2006/main" xmlns:r="http://schemas.openxmlformats.org/officeDocument/2006/relationships" xmlns:p="http://schemas.openxmlformats.org/presentationml/2006/main">
+  <p:cSld>
+    <p:spTree>
+      <p:nvGrpSpPr>
+        <p:cNvPr id="1" name=""/>
+        <p:cNvGrpSpPr/>
+        <p:nvPr/>
+      </p:nvGrpSpPr>
+      <p:grpSpPr>
+        <a:xfrm>
+          <a:off x="0" y="0"/>
+          <a:ext cx="0" cy="0"/>
+          <a:chOff x="0" y="0"/>
+          <a:chExt cx="0" cy="0"/>
+        </a:xfrm>
+      </p:grpSpPr>
+      <p:sp>
+        <p:nvSpPr>
+          <p:cNvPr id="2" name="Título 1">
+            <a:extLst>
+              <a:ext uri="{FF2B5EF4-FFF2-40B4-BE49-F238E27FC236}">
+                <a16:creationId xmlns:a16="http://schemas.microsoft.com/office/drawing/2014/main" id="{EDFFC5C2-C708-22ED-FC0C-2E6A59DAC038}"/>
+              </a:ext>
+            </a:extLst>
+          </p:cNvPr>
+          <p:cNvSpPr>
+            <a:spLocks noGrp="1"/>
+          </p:cNvSpPr>
+          <p:nvPr>
+            <p:ph type="title"/>
+          </p:nvPr>
+        </p:nvSpPr>
+        <p:spPr/>
+        <p:txBody>
+          <a:bodyPr/>
+          <a:lstStyle/>
+          <a:p>
+            <a:r>
+              <a:rPr lang="pt-BR" dirty="0"/>
+              <a:t>No arquivo </a:t>
+            </a:r>
+            <a:r>
+              <a:rPr lang="pt-BR" dirty="0" err="1"/>
+              <a:t>main.dart</a:t>
+            </a:r>
+            <a:endParaRPr lang="pt-BR" dirty="0"/>
+          </a:p>
+        </p:txBody>
+      </p:sp>
+      <p:sp>
+        <p:nvSpPr>
+          <p:cNvPr id="3" name="Espaço Reservado para Conteúdo 2">
+            <a:extLst>
+              <a:ext uri="{FF2B5EF4-FFF2-40B4-BE49-F238E27FC236}">
+                <a16:creationId xmlns:a16="http://schemas.microsoft.com/office/drawing/2014/main" id="{EE59F0C5-96A5-2A7A-71C1-FFA5EE20D01C}"/>
+              </a:ext>
+            </a:extLst>
+          </p:cNvPr>
+          <p:cNvSpPr>
+            <a:spLocks noGrp="1"/>
+          </p:cNvSpPr>
+          <p:nvPr>
+            <p:ph idx="1"/>
+          </p:nvPr>
+        </p:nvSpPr>
+        <p:spPr/>
+        <p:txBody>
+          <a:bodyPr/>
+          <a:lstStyle/>
+          <a:p>
+            <a:pPr marL="0" indent="0">
+              <a:buNone/>
+            </a:pPr>
+            <a:r>
+              <a:rPr lang="en-US" b="0" dirty="0">
+                <a:solidFill>
+                  <a:srgbClr val="569CD6"/>
+                </a:solidFill>
+                <a:effectLst/>
+                <a:latin typeface="Consolas" panose="020B0609020204030204" pitchFamily="49" charset="0"/>
+              </a:rPr>
+              <a:t>import</a:t>
+            </a:r>
+            <a:r>
+              <a:rPr lang="en-US" b="0" dirty="0">
+                <a:solidFill>
+                  <a:srgbClr val="CCCCCC"/>
+                </a:solidFill>
+                <a:effectLst/>
+                <a:latin typeface="Consolas" panose="020B0609020204030204" pitchFamily="49" charset="0"/>
+              </a:rPr>
+              <a:t> </a:t>
+            </a:r>
+            <a:r>
+              <a:rPr lang="en-US" b="0" dirty="0">
+                <a:solidFill>
+                  <a:srgbClr val="CE9178"/>
+                </a:solidFill>
+                <a:effectLst/>
+                <a:latin typeface="Consolas" panose="020B0609020204030204" pitchFamily="49" charset="0"/>
+              </a:rPr>
+              <a:t>'</a:t>
+            </a:r>
+            <a:r>
+              <a:rPr lang="en-US" b="0" dirty="0" err="1">
+                <a:solidFill>
+                  <a:srgbClr val="CE9178"/>
+                </a:solidFill>
+                <a:effectLst/>
+                <a:latin typeface="Consolas" panose="020B0609020204030204" pitchFamily="49" charset="0"/>
+              </a:rPr>
+              <a:t>package:cloud_firestore</a:t>
+            </a:r>
+            <a:r>
+              <a:rPr lang="en-US" b="0" dirty="0">
+                <a:solidFill>
+                  <a:srgbClr val="CE9178"/>
+                </a:solidFill>
+                <a:effectLst/>
+                <a:latin typeface="Consolas" panose="020B0609020204030204" pitchFamily="49" charset="0"/>
+              </a:rPr>
+              <a:t>/</a:t>
+            </a:r>
+            <a:r>
+              <a:rPr lang="en-US" b="0" dirty="0" err="1">
+                <a:solidFill>
+                  <a:srgbClr val="CE9178"/>
+                </a:solidFill>
+                <a:effectLst/>
+                <a:latin typeface="Consolas" panose="020B0609020204030204" pitchFamily="49" charset="0"/>
+              </a:rPr>
+              <a:t>cloud_firestore.dart</a:t>
+            </a:r>
+            <a:r>
+              <a:rPr lang="en-US" b="0" dirty="0">
+                <a:solidFill>
+                  <a:srgbClr val="CE9178"/>
+                </a:solidFill>
+                <a:effectLst/>
+                <a:latin typeface="Consolas" panose="020B0609020204030204" pitchFamily="49" charset="0"/>
+              </a:rPr>
+              <a:t>'</a:t>
+            </a:r>
+            <a:r>
+              <a:rPr lang="en-US" b="0" dirty="0">
+                <a:solidFill>
+                  <a:srgbClr val="CCCCCC"/>
+                </a:solidFill>
+                <a:effectLst/>
+                <a:latin typeface="Consolas" panose="020B0609020204030204" pitchFamily="49" charset="0"/>
+              </a:rPr>
+              <a:t>;</a:t>
+            </a:r>
+          </a:p>
+          <a:p>
+            <a:pPr marL="0" indent="0">
+              <a:buNone/>
+            </a:pPr>
+            <a:endParaRPr lang="pt-BR" dirty="0"/>
+          </a:p>
+        </p:txBody>
+      </p:sp>
+    </p:spTree>
+    <p:extLst>
+      <p:ext uri="{BB962C8B-B14F-4D97-AF65-F5344CB8AC3E}">
+        <p14:creationId xmlns:p14="http://schemas.microsoft.com/office/powerpoint/2010/main" val="3173659401"/>
       </p:ext>
     </p:extLst>
   </p:cSld>
@@ -10009,15 +11587,6 @@
 </file>
 
 <file path=customXml/item2.xml><?xml version="1.0" encoding="utf-8"?>
-<?mso-contentType ?>
-<FormTemplates xmlns="http://schemas.microsoft.com/sharepoint/v3/contenttype/forms">
-  <Display>DocumentLibraryForm</Display>
-  <Edit>DocumentLibraryForm</Edit>
-  <New>DocumentLibraryForm</New>
-</FormTemplates>
-</file>
-
-<file path=customXml/item3.xml><?xml version="1.0" encoding="utf-8"?>
 <ct:contentTypeSchema xmlns:ct="http://schemas.microsoft.com/office/2006/metadata/contentType" xmlns:ma="http://schemas.microsoft.com/office/2006/metadata/properties/metaAttributes" ct:_="" ma:_="" ma:contentTypeName="Documento" ma:contentTypeID="0x010100A1A0AEB8961FBD45BC3324A0B8E56FCA" ma:contentTypeVersion="11" ma:contentTypeDescription="Crie um novo documento." ma:contentTypeScope="" ma:versionID="895408dda71ffc51eae7fd4539e1d901">
   <xsd:schema xmlns:xsd="http://www.w3.org/2001/XMLSchema" xmlns:xs="http://www.w3.org/2001/XMLSchema" xmlns:p="http://schemas.microsoft.com/office/2006/metadata/properties" xmlns:ns3="8089eaf1-d908-4676-8dd8-b5c1a8d5aa60" xmlns:ns4="38f2b32d-7f25-4bce-a7b0-3c40249b1ca1" targetNamespace="http://schemas.microsoft.com/office/2006/metadata/properties" ma:root="true" ma:fieldsID="9866f2af69626aa8e74dddc39b6318c2" ns3:_="" ns4:_="">
     <xsd:import namespace="8089eaf1-d908-4676-8dd8-b5c1a8d5aa60"/>
@@ -10226,6 +11795,15 @@
 </ct:contentTypeSchema>
 </file>
 
+<file path=customXml/item3.xml><?xml version="1.0" encoding="utf-8"?>
+<?mso-contentType ?>
+<FormTemplates xmlns="http://schemas.microsoft.com/sharepoint/v3/contenttype/forms">
+  <Display>DocumentLibraryForm</Display>
+  <Edit>DocumentLibraryForm</Edit>
+  <New>DocumentLibraryForm</New>
+</FormTemplates>
+</file>
+
 <file path=customXml/itemProps1.xml><?xml version="1.0" encoding="utf-8"?>
 <ds:datastoreItem xmlns:ds="http://schemas.openxmlformats.org/officeDocument/2006/customXml" ds:itemID="{7E1D7678-9783-45FD-A3E2-65B7B24BAC87}">
   <ds:schemaRefs>
@@ -10244,14 +11822,6 @@
 </file>
 
 <file path=customXml/itemProps2.xml><?xml version="1.0" encoding="utf-8"?>
-<ds:datastoreItem xmlns:ds="http://schemas.openxmlformats.org/officeDocument/2006/customXml" ds:itemID="{B765CE33-6A27-49F2-AEAE-F36B7D281640}">
-  <ds:schemaRefs>
-    <ds:schemaRef ds:uri="http://schemas.microsoft.com/sharepoint/v3/contenttype/forms"/>
-  </ds:schemaRefs>
-</ds:datastoreItem>
-</file>
-
-<file path=customXml/itemProps3.xml><?xml version="1.0" encoding="utf-8"?>
 <ds:datastoreItem xmlns:ds="http://schemas.openxmlformats.org/officeDocument/2006/customXml" ds:itemID="{8B893D9F-193C-46C5-A697-F468082BC76C}">
   <ds:schemaRefs>
     <ds:schemaRef ds:uri="http://schemas.microsoft.com/office/2006/metadata/contentType"/>
@@ -10268,4 +11838,12 @@
     <ds:schemaRef ds:uri="http://schemas.microsoft.com/internal/obd"/>
   </ds:schemaRefs>
 </ds:datastoreItem>
+</file>
+
+<file path=customXml/itemProps3.xml><?xml version="1.0" encoding="utf-8"?>
+<ds:datastoreItem xmlns:ds="http://schemas.openxmlformats.org/officeDocument/2006/customXml" ds:itemID="{B765CE33-6A27-49F2-AEAE-F36B7D281640}">
+  <ds:schemaRefs>
+    <ds:schemaRef ds:uri="http://schemas.microsoft.com/sharepoint/v3/contenttype/forms"/>
+  </ds:schemaRefs>
+</ds:datastoreItem>
 </file>